--- a/GPREC/ZAS_Robotics_TrainingSchedule.pptx
+++ b/GPREC/ZAS_Robotics_TrainingSchedule.pptx
@@ -3,32 +3,38 @@
 <p:presentation xmlns:a="http://schemas.openxmlformats.org/drawingml/2006/main" xmlns:r="http://schemas.openxmlformats.org/officeDocument/2006/relationships" xmlns:p="http://schemas.openxmlformats.org/presentationml/2006/main" saveSubsetFonts="1">
   <p:sldMasterIdLst>
     <p:sldMasterId id="2147483648" r:id="rId1"/>
+    <p:sldMasterId id="2147483660" r:id="rId2"/>
   </p:sldMasterIdLst>
+  <p:notesMasterIdLst>
+    <p:notesMasterId r:id="rId29"/>
+  </p:notesMasterIdLst>
   <p:sldIdLst>
-    <p:sldId id="256" r:id="rId2"/>
-    <p:sldId id="259" r:id="rId3"/>
-    <p:sldId id="265" r:id="rId4"/>
-    <p:sldId id="260" r:id="rId5"/>
-    <p:sldId id="284" r:id="rId6"/>
-    <p:sldId id="285" r:id="rId7"/>
-    <p:sldId id="288" r:id="rId8"/>
-    <p:sldId id="286" r:id="rId9"/>
-    <p:sldId id="261" r:id="rId10"/>
-    <p:sldId id="262" r:id="rId11"/>
-    <p:sldId id="263" r:id="rId12"/>
-    <p:sldId id="276" r:id="rId13"/>
-    <p:sldId id="268" r:id="rId14"/>
-    <p:sldId id="269" r:id="rId15"/>
-    <p:sldId id="264" r:id="rId16"/>
-    <p:sldId id="270" r:id="rId17"/>
-    <p:sldId id="266" r:id="rId18"/>
-    <p:sldId id="271" r:id="rId19"/>
-    <p:sldId id="267" r:id="rId20"/>
-    <p:sldId id="272" r:id="rId21"/>
-    <p:sldId id="273" r:id="rId22"/>
-    <p:sldId id="274" r:id="rId23"/>
-    <p:sldId id="275" r:id="rId24"/>
-    <p:sldId id="287" r:id="rId25"/>
+    <p:sldId id="256" r:id="rId3"/>
+    <p:sldId id="259" r:id="rId4"/>
+    <p:sldId id="265" r:id="rId5"/>
+    <p:sldId id="260" r:id="rId6"/>
+    <p:sldId id="284" r:id="rId7"/>
+    <p:sldId id="285" r:id="rId8"/>
+    <p:sldId id="288" r:id="rId9"/>
+    <p:sldId id="286" r:id="rId10"/>
+    <p:sldId id="261" r:id="rId11"/>
+    <p:sldId id="262" r:id="rId12"/>
+    <p:sldId id="263" r:id="rId13"/>
+    <p:sldId id="289" r:id="rId14"/>
+    <p:sldId id="290" r:id="rId15"/>
+    <p:sldId id="276" r:id="rId16"/>
+    <p:sldId id="268" r:id="rId17"/>
+    <p:sldId id="269" r:id="rId18"/>
+    <p:sldId id="264" r:id="rId19"/>
+    <p:sldId id="270" r:id="rId20"/>
+    <p:sldId id="266" r:id="rId21"/>
+    <p:sldId id="271" r:id="rId22"/>
+    <p:sldId id="267" r:id="rId23"/>
+    <p:sldId id="272" r:id="rId24"/>
+    <p:sldId id="273" r:id="rId25"/>
+    <p:sldId id="274" r:id="rId26"/>
+    <p:sldId id="275" r:id="rId27"/>
+    <p:sldId id="287" r:id="rId28"/>
   </p:sldIdLst>
   <p:sldSz cx="12192000" cy="6858000"/>
   <p:notesSz cx="6858000" cy="9144000"/>
@@ -135,6 +141,356 @@
 </p:presentation>
 </file>
 
+<file path=ppt/notesMasters/notesMaster1.xml><?xml version="1.0" encoding="utf-8"?>
+<p:notesMaster xmlns:a="http://schemas.openxmlformats.org/drawingml/2006/main" xmlns:r="http://schemas.openxmlformats.org/officeDocument/2006/relationships" xmlns:p="http://schemas.openxmlformats.org/presentationml/2006/main">
+  <p:cSld>
+    <p:bg>
+      <p:bgRef idx="1001">
+        <a:schemeClr val="bg1"/>
+      </p:bgRef>
+    </p:bg>
+    <p:spTree>
+      <p:nvGrpSpPr>
+        <p:cNvPr id="1" name=""/>
+        <p:cNvGrpSpPr/>
+        <p:nvPr/>
+      </p:nvGrpSpPr>
+      <p:grpSpPr>
+        <a:xfrm>
+          <a:off x="0" y="0"/>
+          <a:ext cx="0" cy="0"/>
+          <a:chOff x="0" y="0"/>
+          <a:chExt cx="0" cy="0"/>
+        </a:xfrm>
+      </p:grpSpPr>
+      <p:sp>
+        <p:nvSpPr>
+          <p:cNvPr id="2" name="Header Placeholder 1"/>
+          <p:cNvSpPr>
+            <a:spLocks noGrp="1"/>
+          </p:cNvSpPr>
+          <p:nvPr>
+            <p:ph type="hdr" sz="quarter"/>
+          </p:nvPr>
+        </p:nvSpPr>
+        <p:spPr>
+          <a:xfrm>
+            <a:off x="0" y="0"/>
+            <a:ext cx="2971800" cy="458788"/>
+          </a:xfrm>
+          <a:prstGeom prst="rect">
+            <a:avLst/>
+          </a:prstGeom>
+        </p:spPr>
+        <p:txBody>
+          <a:bodyPr vert="horz" lIns="91440" tIns="45720" rIns="91440" bIns="45720" rtlCol="0"/>
+          <a:lstStyle>
+            <a:lvl1pPr algn="l">
+              <a:defRPr sz="1200"/>
+            </a:lvl1pPr>
+          </a:lstStyle>
+          <a:p>
+            <a:endParaRPr lang="en-GB"/>
+          </a:p>
+        </p:txBody>
+      </p:sp>
+      <p:sp>
+        <p:nvSpPr>
+          <p:cNvPr id="3" name="Date Placeholder 2"/>
+          <p:cNvSpPr>
+            <a:spLocks noGrp="1"/>
+          </p:cNvSpPr>
+          <p:nvPr>
+            <p:ph type="dt" idx="1"/>
+          </p:nvPr>
+        </p:nvSpPr>
+        <p:spPr>
+          <a:xfrm>
+            <a:off x="3884613" y="0"/>
+            <a:ext cx="2971800" cy="458788"/>
+          </a:xfrm>
+          <a:prstGeom prst="rect">
+            <a:avLst/>
+          </a:prstGeom>
+        </p:spPr>
+        <p:txBody>
+          <a:bodyPr vert="horz" lIns="91440" tIns="45720" rIns="91440" bIns="45720" rtlCol="0"/>
+          <a:lstStyle>
+            <a:lvl1pPr algn="r">
+              <a:defRPr sz="1200"/>
+            </a:lvl1pPr>
+          </a:lstStyle>
+          <a:p>
+            <a:fld id="{2188BDBB-A9AA-4EA8-839E-776D809E4B70}" type="datetimeFigureOut">
+              <a:rPr lang="en-GB" smtClean="0"/>
+              <a:t>02/12/2025</a:t>
+            </a:fld>
+            <a:endParaRPr lang="en-GB"/>
+          </a:p>
+        </p:txBody>
+      </p:sp>
+      <p:sp>
+        <p:nvSpPr>
+          <p:cNvPr id="4" name="Slide Image Placeholder 3"/>
+          <p:cNvSpPr>
+            <a:spLocks noGrp="1" noRot="1" noChangeAspect="1"/>
+          </p:cNvSpPr>
+          <p:nvPr>
+            <p:ph type="sldImg" idx="2"/>
+          </p:nvPr>
+        </p:nvSpPr>
+        <p:spPr>
+          <a:xfrm>
+            <a:off x="685800" y="1143000"/>
+            <a:ext cx="5486400" cy="3086100"/>
+          </a:xfrm>
+          <a:prstGeom prst="rect">
+            <a:avLst/>
+          </a:prstGeom>
+          <a:noFill/>
+          <a:ln w="12700">
+            <a:solidFill>
+              <a:prstClr val="black"/>
+            </a:solidFill>
+          </a:ln>
+        </p:spPr>
+        <p:txBody>
+          <a:bodyPr vert="horz" lIns="91440" tIns="45720" rIns="91440" bIns="45720" rtlCol="0" anchor="ctr"/>
+          <a:lstStyle/>
+          <a:p>
+            <a:endParaRPr lang="en-GB"/>
+          </a:p>
+        </p:txBody>
+      </p:sp>
+      <p:sp>
+        <p:nvSpPr>
+          <p:cNvPr id="5" name="Notes Placeholder 4"/>
+          <p:cNvSpPr>
+            <a:spLocks noGrp="1"/>
+          </p:cNvSpPr>
+          <p:nvPr>
+            <p:ph type="body" sz="quarter" idx="3"/>
+          </p:nvPr>
+        </p:nvSpPr>
+        <p:spPr>
+          <a:xfrm>
+            <a:off x="685800" y="4400550"/>
+            <a:ext cx="5486400" cy="3600450"/>
+          </a:xfrm>
+          <a:prstGeom prst="rect">
+            <a:avLst/>
+          </a:prstGeom>
+        </p:spPr>
+        <p:txBody>
+          <a:bodyPr vert="horz" lIns="91440" tIns="45720" rIns="91440" bIns="45720" rtlCol="0"/>
+          <a:lstStyle/>
+          <a:p>
+            <a:pPr lvl="0"/>
+            <a:r>
+              <a:rPr lang="en-US"/>
+              <a:t>Click to edit Master text styles</a:t>
+            </a:r>
+          </a:p>
+          <a:p>
+            <a:pPr lvl="1"/>
+            <a:r>
+              <a:rPr lang="en-US"/>
+              <a:t>Second level</a:t>
+            </a:r>
+          </a:p>
+          <a:p>
+            <a:pPr lvl="2"/>
+            <a:r>
+              <a:rPr lang="en-US"/>
+              <a:t>Third level</a:t>
+            </a:r>
+          </a:p>
+          <a:p>
+            <a:pPr lvl="3"/>
+            <a:r>
+              <a:rPr lang="en-US"/>
+              <a:t>Fourth level</a:t>
+            </a:r>
+          </a:p>
+          <a:p>
+            <a:pPr lvl="4"/>
+            <a:r>
+              <a:rPr lang="en-US"/>
+              <a:t>Fifth level</a:t>
+            </a:r>
+            <a:endParaRPr lang="en-GB"/>
+          </a:p>
+        </p:txBody>
+      </p:sp>
+      <p:sp>
+        <p:nvSpPr>
+          <p:cNvPr id="6" name="Footer Placeholder 5"/>
+          <p:cNvSpPr>
+            <a:spLocks noGrp="1"/>
+          </p:cNvSpPr>
+          <p:nvPr>
+            <p:ph type="ftr" sz="quarter" idx="4"/>
+          </p:nvPr>
+        </p:nvSpPr>
+        <p:spPr>
+          <a:xfrm>
+            <a:off x="0" y="8685213"/>
+            <a:ext cx="2971800" cy="458787"/>
+          </a:xfrm>
+          <a:prstGeom prst="rect">
+            <a:avLst/>
+          </a:prstGeom>
+        </p:spPr>
+        <p:txBody>
+          <a:bodyPr vert="horz" lIns="91440" tIns="45720" rIns="91440" bIns="45720" rtlCol="0" anchor="b"/>
+          <a:lstStyle>
+            <a:lvl1pPr algn="l">
+              <a:defRPr sz="1200"/>
+            </a:lvl1pPr>
+          </a:lstStyle>
+          <a:p>
+            <a:endParaRPr lang="en-GB"/>
+          </a:p>
+        </p:txBody>
+      </p:sp>
+      <p:sp>
+        <p:nvSpPr>
+          <p:cNvPr id="7" name="Slide Number Placeholder 6"/>
+          <p:cNvSpPr>
+            <a:spLocks noGrp="1"/>
+          </p:cNvSpPr>
+          <p:nvPr>
+            <p:ph type="sldNum" sz="quarter" idx="5"/>
+          </p:nvPr>
+        </p:nvSpPr>
+        <p:spPr>
+          <a:xfrm>
+            <a:off x="3884613" y="8685213"/>
+            <a:ext cx="2971800" cy="458787"/>
+          </a:xfrm>
+          <a:prstGeom prst="rect">
+            <a:avLst/>
+          </a:prstGeom>
+        </p:spPr>
+        <p:txBody>
+          <a:bodyPr vert="horz" lIns="91440" tIns="45720" rIns="91440" bIns="45720" rtlCol="0" anchor="b"/>
+          <a:lstStyle>
+            <a:lvl1pPr algn="r">
+              <a:defRPr sz="1200"/>
+            </a:lvl1pPr>
+          </a:lstStyle>
+          <a:p>
+            <a:fld id="{0CB82B04-7B80-489C-BBB9-8DC9B13C9F91}" type="slidenum">
+              <a:rPr lang="en-GB" smtClean="0"/>
+              <a:t>‹#›</a:t>
+            </a:fld>
+            <a:endParaRPr lang="en-GB"/>
+          </a:p>
+        </p:txBody>
+      </p:sp>
+    </p:spTree>
+    <p:extLst>
+      <p:ext uri="{BB962C8B-B14F-4D97-AF65-F5344CB8AC3E}">
+        <p14:creationId xmlns:p14="http://schemas.microsoft.com/office/powerpoint/2010/main" val="1217528461"/>
+      </p:ext>
+    </p:extLst>
+  </p:cSld>
+  <p:clrMap bg1="lt1" tx1="dk1" bg2="lt2" tx2="dk2" accent1="accent1" accent2="accent2" accent3="accent3" accent4="accent4" accent5="accent5" accent6="accent6" hlink="hlink" folHlink="folHlink"/>
+  <p:notesStyle>
+    <a:lvl1pPr marL="0" algn="l" defTabSz="914400" rtl="0" eaLnBrk="1" latinLnBrk="0" hangingPunct="1">
+      <a:defRPr sz="1200" kern="1200">
+        <a:solidFill>
+          <a:schemeClr val="tx1"/>
+        </a:solidFill>
+        <a:latin typeface="+mn-lt"/>
+        <a:ea typeface="+mn-ea"/>
+        <a:cs typeface="+mn-cs"/>
+      </a:defRPr>
+    </a:lvl1pPr>
+    <a:lvl2pPr marL="457200" algn="l" defTabSz="914400" rtl="0" eaLnBrk="1" latinLnBrk="0" hangingPunct="1">
+      <a:defRPr sz="1200" kern="1200">
+        <a:solidFill>
+          <a:schemeClr val="tx1"/>
+        </a:solidFill>
+        <a:latin typeface="+mn-lt"/>
+        <a:ea typeface="+mn-ea"/>
+        <a:cs typeface="+mn-cs"/>
+      </a:defRPr>
+    </a:lvl2pPr>
+    <a:lvl3pPr marL="914400" algn="l" defTabSz="914400" rtl="0" eaLnBrk="1" latinLnBrk="0" hangingPunct="1">
+      <a:defRPr sz="1200" kern="1200">
+        <a:solidFill>
+          <a:schemeClr val="tx1"/>
+        </a:solidFill>
+        <a:latin typeface="+mn-lt"/>
+        <a:ea typeface="+mn-ea"/>
+        <a:cs typeface="+mn-cs"/>
+      </a:defRPr>
+    </a:lvl3pPr>
+    <a:lvl4pPr marL="1371600" algn="l" defTabSz="914400" rtl="0" eaLnBrk="1" latinLnBrk="0" hangingPunct="1">
+      <a:defRPr sz="1200" kern="1200">
+        <a:solidFill>
+          <a:schemeClr val="tx1"/>
+        </a:solidFill>
+        <a:latin typeface="+mn-lt"/>
+        <a:ea typeface="+mn-ea"/>
+        <a:cs typeface="+mn-cs"/>
+      </a:defRPr>
+    </a:lvl4pPr>
+    <a:lvl5pPr marL="1828800" algn="l" defTabSz="914400" rtl="0" eaLnBrk="1" latinLnBrk="0" hangingPunct="1">
+      <a:defRPr sz="1200" kern="1200">
+        <a:solidFill>
+          <a:schemeClr val="tx1"/>
+        </a:solidFill>
+        <a:latin typeface="+mn-lt"/>
+        <a:ea typeface="+mn-ea"/>
+        <a:cs typeface="+mn-cs"/>
+      </a:defRPr>
+    </a:lvl5pPr>
+    <a:lvl6pPr marL="2286000" algn="l" defTabSz="914400" rtl="0" eaLnBrk="1" latinLnBrk="0" hangingPunct="1">
+      <a:defRPr sz="1200" kern="1200">
+        <a:solidFill>
+          <a:schemeClr val="tx1"/>
+        </a:solidFill>
+        <a:latin typeface="+mn-lt"/>
+        <a:ea typeface="+mn-ea"/>
+        <a:cs typeface="+mn-cs"/>
+      </a:defRPr>
+    </a:lvl6pPr>
+    <a:lvl7pPr marL="2743200" algn="l" defTabSz="914400" rtl="0" eaLnBrk="1" latinLnBrk="0" hangingPunct="1">
+      <a:defRPr sz="1200" kern="1200">
+        <a:solidFill>
+          <a:schemeClr val="tx1"/>
+        </a:solidFill>
+        <a:latin typeface="+mn-lt"/>
+        <a:ea typeface="+mn-ea"/>
+        <a:cs typeface="+mn-cs"/>
+      </a:defRPr>
+    </a:lvl7pPr>
+    <a:lvl8pPr marL="3200400" algn="l" defTabSz="914400" rtl="0" eaLnBrk="1" latinLnBrk="0" hangingPunct="1">
+      <a:defRPr sz="1200" kern="1200">
+        <a:solidFill>
+          <a:schemeClr val="tx1"/>
+        </a:solidFill>
+        <a:latin typeface="+mn-lt"/>
+        <a:ea typeface="+mn-ea"/>
+        <a:cs typeface="+mn-cs"/>
+      </a:defRPr>
+    </a:lvl8pPr>
+    <a:lvl9pPr marL="3657600" algn="l" defTabSz="914400" rtl="0" eaLnBrk="1" latinLnBrk="0" hangingPunct="1">
+      <a:defRPr sz="1200" kern="1200">
+        <a:solidFill>
+          <a:schemeClr val="tx1"/>
+        </a:solidFill>
+        <a:latin typeface="+mn-lt"/>
+        <a:ea typeface="+mn-ea"/>
+        <a:cs typeface="+mn-cs"/>
+      </a:defRPr>
+    </a:lvl9pPr>
+  </p:notesStyle>
+</p:notesMaster>
+</file>
+
 <file path=ppt/slideLayouts/slideLayout1.xml><?xml version="1.0" encoding="utf-8"?>
 <p:sldLayout xmlns:a="http://schemas.openxmlformats.org/drawingml/2006/main" xmlns:r="http://schemas.openxmlformats.org/officeDocument/2006/relationships" xmlns:p="http://schemas.openxmlformats.org/presentationml/2006/main" type="title" preserve="1">
   <p:cSld name="Title Slide">
@@ -282,9 +638,9 @@
           <a:bodyPr/>
           <a:lstStyle/>
           <a:p>
-            <a:fld id="{A1D51BA1-F58B-40DF-9C13-73BC69DE2A80}" type="datetimeFigureOut">
+            <a:fld id="{912913EA-6ED6-4717-A955-EEF1D6C7BEDF}" type="datetime1">
               <a:rPr lang="en-GB" smtClean="0"/>
-              <a:t>25/11/2025</a:t>
+              <a:t>02/12/2025</a:t>
             </a:fld>
             <a:endParaRPr lang="en-GB"/>
           </a:p>
@@ -482,9 +838,9 @@
           <a:bodyPr/>
           <a:lstStyle/>
           <a:p>
-            <a:fld id="{A1D51BA1-F58B-40DF-9C13-73BC69DE2A80}" type="datetimeFigureOut">
+            <a:fld id="{30379DBB-14D7-469D-8C98-BA0034030FAD}" type="datetime1">
               <a:rPr lang="en-GB" smtClean="0"/>
-              <a:t>25/11/2025</a:t>
+              <a:t>02/12/2025</a:t>
             </a:fld>
             <a:endParaRPr lang="en-GB"/>
           </a:p>
@@ -692,9 +1048,9 @@
           <a:bodyPr/>
           <a:lstStyle/>
           <a:p>
-            <a:fld id="{A1D51BA1-F58B-40DF-9C13-73BC69DE2A80}" type="datetimeFigureOut">
+            <a:fld id="{C8D2323D-C6F4-4C34-952C-8ED6FCE215CD}" type="datetime1">
               <a:rPr lang="en-GB" smtClean="0"/>
-              <a:t>25/11/2025</a:t>
+              <a:t>02/12/2025</a:t>
             </a:fld>
             <a:endParaRPr lang="en-GB"/>
           </a:p>
@@ -767,7 +1123,229 @@
 </p:sldLayout>
 </file>
 
-<file path=ppt/slideLayouts/slideLayout2.xml><?xml version="1.0" encoding="utf-8"?>
+<file path=ppt/slideLayouts/slideLayout12.xml><?xml version="1.0" encoding="utf-8"?>
+<p:sldLayout xmlns:a="http://schemas.openxmlformats.org/drawingml/2006/main" xmlns:r="http://schemas.openxmlformats.org/officeDocument/2006/relationships" xmlns:p="http://schemas.openxmlformats.org/presentationml/2006/main" type="title" preserve="1">
+  <p:cSld name="Title Slide">
+    <p:spTree>
+      <p:nvGrpSpPr>
+        <p:cNvPr id="1" name=""/>
+        <p:cNvGrpSpPr/>
+        <p:nvPr/>
+      </p:nvGrpSpPr>
+      <p:grpSpPr>
+        <a:xfrm>
+          <a:off x="0" y="0"/>
+          <a:ext cx="0" cy="0"/>
+          <a:chOff x="0" y="0"/>
+          <a:chExt cx="0" cy="0"/>
+        </a:xfrm>
+      </p:grpSpPr>
+      <p:sp>
+        <p:nvSpPr>
+          <p:cNvPr id="2" name="Title 1">
+            <a:extLst>
+              <a:ext uri="{FF2B5EF4-FFF2-40B4-BE49-F238E27FC236}">
+                <a16:creationId xmlns:a16="http://schemas.microsoft.com/office/drawing/2014/main" id="{A731F3BE-512F-A9CE-900D-B6E0068F4D4A}"/>
+              </a:ext>
+            </a:extLst>
+          </p:cNvPr>
+          <p:cNvSpPr>
+            <a:spLocks noGrp="1"/>
+          </p:cNvSpPr>
+          <p:nvPr>
+            <p:ph type="ctrTitle"/>
+          </p:nvPr>
+        </p:nvSpPr>
+        <p:spPr>
+          <a:xfrm>
+            <a:off x="1524000" y="1122363"/>
+            <a:ext cx="9144000" cy="2387600"/>
+          </a:xfrm>
+        </p:spPr>
+        <p:txBody>
+          <a:bodyPr anchor="b"/>
+          <a:lstStyle>
+            <a:lvl1pPr algn="ctr">
+              <a:defRPr sz="6000"/>
+            </a:lvl1pPr>
+          </a:lstStyle>
+          <a:p>
+            <a:r>
+              <a:rPr lang="en-US"/>
+              <a:t>Click to edit Master title style</a:t>
+            </a:r>
+            <a:endParaRPr lang="en-GB"/>
+          </a:p>
+        </p:txBody>
+      </p:sp>
+      <p:sp>
+        <p:nvSpPr>
+          <p:cNvPr id="3" name="Subtitle 2">
+            <a:extLst>
+              <a:ext uri="{FF2B5EF4-FFF2-40B4-BE49-F238E27FC236}">
+                <a16:creationId xmlns:a16="http://schemas.microsoft.com/office/drawing/2014/main" id="{8711E759-8398-1C8B-4F38-3B5F5F382015}"/>
+              </a:ext>
+            </a:extLst>
+          </p:cNvPr>
+          <p:cNvSpPr>
+            <a:spLocks noGrp="1"/>
+          </p:cNvSpPr>
+          <p:nvPr>
+            <p:ph type="subTitle" idx="1"/>
+          </p:nvPr>
+        </p:nvSpPr>
+        <p:spPr>
+          <a:xfrm>
+            <a:off x="1524000" y="3602038"/>
+            <a:ext cx="9144000" cy="1655762"/>
+          </a:xfrm>
+        </p:spPr>
+        <p:txBody>
+          <a:bodyPr/>
+          <a:lstStyle>
+            <a:lvl1pPr marL="0" indent="0" algn="ctr">
+              <a:buNone/>
+              <a:defRPr sz="2400"/>
+            </a:lvl1pPr>
+            <a:lvl2pPr marL="457200" indent="0" algn="ctr">
+              <a:buNone/>
+              <a:defRPr sz="2000"/>
+            </a:lvl2pPr>
+            <a:lvl3pPr marL="914400" indent="0" algn="ctr">
+              <a:buNone/>
+              <a:defRPr sz="1800"/>
+            </a:lvl3pPr>
+            <a:lvl4pPr marL="1371600" indent="0" algn="ctr">
+              <a:buNone/>
+              <a:defRPr sz="1600"/>
+            </a:lvl4pPr>
+            <a:lvl5pPr marL="1828800" indent="0" algn="ctr">
+              <a:buNone/>
+              <a:defRPr sz="1600"/>
+            </a:lvl5pPr>
+            <a:lvl6pPr marL="2286000" indent="0" algn="ctr">
+              <a:buNone/>
+              <a:defRPr sz="1600"/>
+            </a:lvl6pPr>
+            <a:lvl7pPr marL="2743200" indent="0" algn="ctr">
+              <a:buNone/>
+              <a:defRPr sz="1600"/>
+            </a:lvl7pPr>
+            <a:lvl8pPr marL="3200400" indent="0" algn="ctr">
+              <a:buNone/>
+              <a:defRPr sz="1600"/>
+            </a:lvl8pPr>
+            <a:lvl9pPr marL="3657600" indent="0" algn="ctr">
+              <a:buNone/>
+              <a:defRPr sz="1600"/>
+            </a:lvl9pPr>
+          </a:lstStyle>
+          <a:p>
+            <a:r>
+              <a:rPr lang="en-US"/>
+              <a:t>Click to edit Master subtitle style</a:t>
+            </a:r>
+            <a:endParaRPr lang="en-GB"/>
+          </a:p>
+        </p:txBody>
+      </p:sp>
+      <p:sp>
+        <p:nvSpPr>
+          <p:cNvPr id="4" name="Date Placeholder 3">
+            <a:extLst>
+              <a:ext uri="{FF2B5EF4-FFF2-40B4-BE49-F238E27FC236}">
+                <a16:creationId xmlns:a16="http://schemas.microsoft.com/office/drawing/2014/main" id="{DE9DDE8A-E854-1D1C-8B81-59D304580C4D}"/>
+              </a:ext>
+            </a:extLst>
+          </p:cNvPr>
+          <p:cNvSpPr>
+            <a:spLocks noGrp="1"/>
+          </p:cNvSpPr>
+          <p:nvPr>
+            <p:ph type="dt" sz="half" idx="10"/>
+          </p:nvPr>
+        </p:nvSpPr>
+        <p:spPr/>
+        <p:txBody>
+          <a:bodyPr/>
+          <a:lstStyle/>
+          <a:p>
+            <a:fld id="{83F1BC6A-0D15-455A-89D6-C27A6F8B655A}" type="datetime1">
+              <a:rPr lang="en-GB" smtClean="0"/>
+              <a:t>02/12/2025</a:t>
+            </a:fld>
+            <a:endParaRPr lang="en-GB"/>
+          </a:p>
+        </p:txBody>
+      </p:sp>
+      <p:sp>
+        <p:nvSpPr>
+          <p:cNvPr id="5" name="Footer Placeholder 4">
+            <a:extLst>
+              <a:ext uri="{FF2B5EF4-FFF2-40B4-BE49-F238E27FC236}">
+                <a16:creationId xmlns:a16="http://schemas.microsoft.com/office/drawing/2014/main" id="{4074DB82-9D26-A4A7-DD71-B140CE7BAADA}"/>
+              </a:ext>
+            </a:extLst>
+          </p:cNvPr>
+          <p:cNvSpPr>
+            <a:spLocks noGrp="1"/>
+          </p:cNvSpPr>
+          <p:nvPr>
+            <p:ph type="ftr" sz="quarter" idx="11"/>
+          </p:nvPr>
+        </p:nvSpPr>
+        <p:spPr/>
+        <p:txBody>
+          <a:bodyPr/>
+          <a:lstStyle/>
+          <a:p>
+            <a:endParaRPr lang="en-GB"/>
+          </a:p>
+        </p:txBody>
+      </p:sp>
+      <p:sp>
+        <p:nvSpPr>
+          <p:cNvPr id="6" name="Slide Number Placeholder 5">
+            <a:extLst>
+              <a:ext uri="{FF2B5EF4-FFF2-40B4-BE49-F238E27FC236}">
+                <a16:creationId xmlns:a16="http://schemas.microsoft.com/office/drawing/2014/main" id="{54CD4B25-EB67-28E5-5C5F-D5789BB88524}"/>
+              </a:ext>
+            </a:extLst>
+          </p:cNvPr>
+          <p:cNvSpPr>
+            <a:spLocks noGrp="1"/>
+          </p:cNvSpPr>
+          <p:nvPr>
+            <p:ph type="sldNum" sz="quarter" idx="12"/>
+          </p:nvPr>
+        </p:nvSpPr>
+        <p:spPr/>
+        <p:txBody>
+          <a:bodyPr/>
+          <a:lstStyle/>
+          <a:p>
+            <a:fld id="{09FCE3CD-8E5B-4FEB-BC1E-3D61BE3CC713}" type="slidenum">
+              <a:rPr lang="en-GB" smtClean="0"/>
+              <a:t>‹#›</a:t>
+            </a:fld>
+            <a:endParaRPr lang="en-GB"/>
+          </a:p>
+        </p:txBody>
+      </p:sp>
+    </p:spTree>
+    <p:extLst>
+      <p:ext uri="{BB962C8B-B14F-4D97-AF65-F5344CB8AC3E}">
+        <p14:creationId xmlns:p14="http://schemas.microsoft.com/office/powerpoint/2010/main" val="3668699082"/>
+      </p:ext>
+    </p:extLst>
+  </p:cSld>
+  <p:clrMapOvr>
+    <a:masterClrMapping/>
+  </p:clrMapOvr>
+</p:sldLayout>
+</file>
+
+<file path=ppt/slideLayouts/slideLayout13.xml><?xml version="1.0" encoding="utf-8"?>
 <p:sldLayout xmlns:a="http://schemas.openxmlformats.org/drawingml/2006/main" xmlns:r="http://schemas.openxmlformats.org/officeDocument/2006/relationships" xmlns:p="http://schemas.openxmlformats.org/presentationml/2006/main" type="obj" preserve="1">
   <p:cSld name="Title and Content">
     <p:spTree>
@@ -892,9 +1470,9 @@
           <a:bodyPr/>
           <a:lstStyle/>
           <a:p>
-            <a:fld id="{A1D51BA1-F58B-40DF-9C13-73BC69DE2A80}" type="datetimeFigureOut">
+            <a:fld id="{A5B1365C-EF71-4CE7-9F68-1765552E71D1}" type="datetime1">
               <a:rPr lang="en-GB" smtClean="0"/>
-              <a:t>25/11/2025</a:t>
+              <a:t>02/12/2025</a:t>
             </a:fld>
             <a:endParaRPr lang="en-GB"/>
           </a:p>
@@ -957,7 +1535,7 @@
     </p:spTree>
     <p:extLst>
       <p:ext uri="{BB962C8B-B14F-4D97-AF65-F5344CB8AC3E}">
-        <p14:creationId xmlns:p14="http://schemas.microsoft.com/office/powerpoint/2010/main" val="280521252"/>
+        <p14:creationId xmlns:p14="http://schemas.microsoft.com/office/powerpoint/2010/main" val="1578139413"/>
       </p:ext>
     </p:extLst>
   </p:cSld>
@@ -967,7 +1545,7 @@
 </p:sldLayout>
 </file>
 
-<file path=ppt/slideLayouts/slideLayout3.xml><?xml version="1.0" encoding="utf-8"?>
+<file path=ppt/slideLayouts/slideLayout14.xml><?xml version="1.0" encoding="utf-8"?>
 <p:sldLayout xmlns:a="http://schemas.openxmlformats.org/drawingml/2006/main" xmlns:r="http://schemas.openxmlformats.org/officeDocument/2006/relationships" xmlns:p="http://schemas.openxmlformats.org/presentationml/2006/main" type="secHead" preserve="1">
   <p:cSld name="Section Header">
     <p:spTree>
@@ -1168,9 +1746,9 @@
           <a:bodyPr/>
           <a:lstStyle/>
           <a:p>
-            <a:fld id="{A1D51BA1-F58B-40DF-9C13-73BC69DE2A80}" type="datetimeFigureOut">
+            <a:fld id="{0E1A851D-EA4F-4747-B9A1-9552156AB555}" type="datetime1">
               <a:rPr lang="en-GB" smtClean="0"/>
-              <a:t>25/11/2025</a:t>
+              <a:t>02/12/2025</a:t>
             </a:fld>
             <a:endParaRPr lang="en-GB"/>
           </a:p>
@@ -1233,7 +1811,7 @@
     </p:spTree>
     <p:extLst>
       <p:ext uri="{BB962C8B-B14F-4D97-AF65-F5344CB8AC3E}">
-        <p14:creationId xmlns:p14="http://schemas.microsoft.com/office/powerpoint/2010/main" val="3710916729"/>
+        <p14:creationId xmlns:p14="http://schemas.microsoft.com/office/powerpoint/2010/main" val="1223055208"/>
       </p:ext>
     </p:extLst>
   </p:cSld>
@@ -1243,7 +1821,7 @@
 </p:sldLayout>
 </file>
 
-<file path=ppt/slideLayouts/slideLayout4.xml><?xml version="1.0" encoding="utf-8"?>
+<file path=ppt/slideLayouts/slideLayout15.xml><?xml version="1.0" encoding="utf-8"?>
 <p:sldLayout xmlns:a="http://schemas.openxmlformats.org/drawingml/2006/main" xmlns:r="http://schemas.openxmlformats.org/officeDocument/2006/relationships" xmlns:p="http://schemas.openxmlformats.org/presentationml/2006/main" type="twoObj" preserve="1">
   <p:cSld name="Two Content">
     <p:spTree>
@@ -1436,9 +2014,9 @@
           <a:bodyPr/>
           <a:lstStyle/>
           <a:p>
-            <a:fld id="{A1D51BA1-F58B-40DF-9C13-73BC69DE2A80}" type="datetimeFigureOut">
+            <a:fld id="{45864360-8B9F-4432-B77C-8083FB824912}" type="datetime1">
               <a:rPr lang="en-GB" smtClean="0"/>
-              <a:t>25/11/2025</a:t>
+              <a:t>02/12/2025</a:t>
             </a:fld>
             <a:endParaRPr lang="en-GB"/>
           </a:p>
@@ -1501,7 +2079,7 @@
     </p:spTree>
     <p:extLst>
       <p:ext uri="{BB962C8B-B14F-4D97-AF65-F5344CB8AC3E}">
-        <p14:creationId xmlns:p14="http://schemas.microsoft.com/office/powerpoint/2010/main" val="670425179"/>
+        <p14:creationId xmlns:p14="http://schemas.microsoft.com/office/powerpoint/2010/main" val="2745498609"/>
       </p:ext>
     </p:extLst>
   </p:cSld>
@@ -1511,7 +2089,7 @@
 </p:sldLayout>
 </file>
 
-<file path=ppt/slideLayouts/slideLayout5.xml><?xml version="1.0" encoding="utf-8"?>
+<file path=ppt/slideLayouts/slideLayout16.xml><?xml version="1.0" encoding="utf-8"?>
 <p:sldLayout xmlns:a="http://schemas.openxmlformats.org/drawingml/2006/main" xmlns:r="http://schemas.openxmlformats.org/officeDocument/2006/relationships" xmlns:p="http://schemas.openxmlformats.org/presentationml/2006/main" type="twoTxTwoObj" preserve="1">
   <p:cSld name="Comparison">
     <p:spTree>
@@ -1851,9 +2429,9 @@
           <a:bodyPr/>
           <a:lstStyle/>
           <a:p>
-            <a:fld id="{A1D51BA1-F58B-40DF-9C13-73BC69DE2A80}" type="datetimeFigureOut">
+            <a:fld id="{E2DA881E-529A-410A-BE55-AD30E76F5975}" type="datetime1">
               <a:rPr lang="en-GB" smtClean="0"/>
-              <a:t>25/11/2025</a:t>
+              <a:t>02/12/2025</a:t>
             </a:fld>
             <a:endParaRPr lang="en-GB"/>
           </a:p>
@@ -1916,7 +2494,7 @@
     </p:spTree>
     <p:extLst>
       <p:ext uri="{BB962C8B-B14F-4D97-AF65-F5344CB8AC3E}">
-        <p14:creationId xmlns:p14="http://schemas.microsoft.com/office/powerpoint/2010/main" val="3515856666"/>
+        <p14:creationId xmlns:p14="http://schemas.microsoft.com/office/powerpoint/2010/main" val="4158204844"/>
       </p:ext>
     </p:extLst>
   </p:cSld>
@@ -1926,7 +2504,7 @@
 </p:sldLayout>
 </file>
 
-<file path=ppt/slideLayouts/slideLayout6.xml><?xml version="1.0" encoding="utf-8"?>
+<file path=ppt/slideLayouts/slideLayout17.xml><?xml version="1.0" encoding="utf-8"?>
 <p:sldLayout xmlns:a="http://schemas.openxmlformats.org/drawingml/2006/main" xmlns:r="http://schemas.openxmlformats.org/officeDocument/2006/relationships" xmlns:p="http://schemas.openxmlformats.org/presentationml/2006/main" type="titleOnly" preserve="1">
   <p:cSld name="Title Only">
     <p:spTree>
@@ -1993,9 +2571,9 @@
           <a:bodyPr/>
           <a:lstStyle/>
           <a:p>
-            <a:fld id="{A1D51BA1-F58B-40DF-9C13-73BC69DE2A80}" type="datetimeFigureOut">
+            <a:fld id="{234A16F6-BB5F-4453-A591-7620235D63D5}" type="datetime1">
               <a:rPr lang="en-GB" smtClean="0"/>
-              <a:t>25/11/2025</a:t>
+              <a:t>02/12/2025</a:t>
             </a:fld>
             <a:endParaRPr lang="en-GB"/>
           </a:p>
@@ -2058,7 +2636,7 @@
     </p:spTree>
     <p:extLst>
       <p:ext uri="{BB962C8B-B14F-4D97-AF65-F5344CB8AC3E}">
-        <p14:creationId xmlns:p14="http://schemas.microsoft.com/office/powerpoint/2010/main" val="3076873655"/>
+        <p14:creationId xmlns:p14="http://schemas.microsoft.com/office/powerpoint/2010/main" val="1567806709"/>
       </p:ext>
     </p:extLst>
   </p:cSld>
@@ -2068,7 +2646,7 @@
 </p:sldLayout>
 </file>
 
-<file path=ppt/slideLayouts/slideLayout7.xml><?xml version="1.0" encoding="utf-8"?>
+<file path=ppt/slideLayouts/slideLayout18.xml><?xml version="1.0" encoding="utf-8"?>
 <p:sldLayout xmlns:a="http://schemas.openxmlformats.org/drawingml/2006/main" xmlns:r="http://schemas.openxmlformats.org/officeDocument/2006/relationships" xmlns:p="http://schemas.openxmlformats.org/presentationml/2006/main" type="blank" preserve="1">
   <p:cSld name="Blank">
     <p:spTree>
@@ -2106,9 +2684,9 @@
           <a:bodyPr/>
           <a:lstStyle/>
           <a:p>
-            <a:fld id="{A1D51BA1-F58B-40DF-9C13-73BC69DE2A80}" type="datetimeFigureOut">
+            <a:fld id="{8DCFC9A8-829A-4224-8C34-00F0123A8E53}" type="datetime1">
               <a:rPr lang="en-GB" smtClean="0"/>
-              <a:t>25/11/2025</a:t>
+              <a:t>02/12/2025</a:t>
             </a:fld>
             <a:endParaRPr lang="en-GB"/>
           </a:p>
@@ -2171,7 +2749,7 @@
     </p:spTree>
     <p:extLst>
       <p:ext uri="{BB962C8B-B14F-4D97-AF65-F5344CB8AC3E}">
-        <p14:creationId xmlns:p14="http://schemas.microsoft.com/office/powerpoint/2010/main" val="1307367758"/>
+        <p14:creationId xmlns:p14="http://schemas.microsoft.com/office/powerpoint/2010/main" val="4286766455"/>
       </p:ext>
     </p:extLst>
   </p:cSld>
@@ -2181,7 +2759,7 @@
 </p:sldLayout>
 </file>
 
-<file path=ppt/slideLayouts/slideLayout8.xml><?xml version="1.0" encoding="utf-8"?>
+<file path=ppt/slideLayouts/slideLayout19.xml><?xml version="1.0" encoding="utf-8"?>
 <p:sldLayout xmlns:a="http://schemas.openxmlformats.org/drawingml/2006/main" xmlns:r="http://schemas.openxmlformats.org/officeDocument/2006/relationships" xmlns:p="http://schemas.openxmlformats.org/presentationml/2006/main" type="objTx" preserve="1">
   <p:cSld name="Content with Caption">
     <p:spTree>
@@ -2419,9 +2997,9 @@
           <a:bodyPr/>
           <a:lstStyle/>
           <a:p>
-            <a:fld id="{A1D51BA1-F58B-40DF-9C13-73BC69DE2A80}" type="datetimeFigureOut">
+            <a:fld id="{DF269D35-65C0-444C-BF22-5EBF1E2FAC54}" type="datetime1">
               <a:rPr lang="en-GB" smtClean="0"/>
-              <a:t>25/11/2025</a:t>
+              <a:t>02/12/2025</a:t>
             </a:fld>
             <a:endParaRPr lang="en-GB"/>
           </a:p>
@@ -2484,7 +3062,7 @@
     </p:spTree>
     <p:extLst>
       <p:ext uri="{BB962C8B-B14F-4D97-AF65-F5344CB8AC3E}">
-        <p14:creationId xmlns:p14="http://schemas.microsoft.com/office/powerpoint/2010/main" val="2635854427"/>
+        <p14:creationId xmlns:p14="http://schemas.microsoft.com/office/powerpoint/2010/main" val="3580765991"/>
       </p:ext>
     </p:extLst>
   </p:cSld>
@@ -2494,7 +3072,207 @@
 </p:sldLayout>
 </file>
 
-<file path=ppt/slideLayouts/slideLayout9.xml><?xml version="1.0" encoding="utf-8"?>
+<file path=ppt/slideLayouts/slideLayout2.xml><?xml version="1.0" encoding="utf-8"?>
+<p:sldLayout xmlns:a="http://schemas.openxmlformats.org/drawingml/2006/main" xmlns:r="http://schemas.openxmlformats.org/officeDocument/2006/relationships" xmlns:p="http://schemas.openxmlformats.org/presentationml/2006/main" type="obj" preserve="1">
+  <p:cSld name="Title and Content">
+    <p:spTree>
+      <p:nvGrpSpPr>
+        <p:cNvPr id="1" name=""/>
+        <p:cNvGrpSpPr/>
+        <p:nvPr/>
+      </p:nvGrpSpPr>
+      <p:grpSpPr>
+        <a:xfrm>
+          <a:off x="0" y="0"/>
+          <a:ext cx="0" cy="0"/>
+          <a:chOff x="0" y="0"/>
+          <a:chExt cx="0" cy="0"/>
+        </a:xfrm>
+      </p:grpSpPr>
+      <p:sp>
+        <p:nvSpPr>
+          <p:cNvPr id="2" name="Title 1">
+            <a:extLst>
+              <a:ext uri="{FF2B5EF4-FFF2-40B4-BE49-F238E27FC236}">
+                <a16:creationId xmlns:a16="http://schemas.microsoft.com/office/drawing/2014/main" id="{62058F54-B80F-E040-0537-D4AB53684C5B}"/>
+              </a:ext>
+            </a:extLst>
+          </p:cNvPr>
+          <p:cNvSpPr>
+            <a:spLocks noGrp="1"/>
+          </p:cNvSpPr>
+          <p:nvPr>
+            <p:ph type="title"/>
+          </p:nvPr>
+        </p:nvSpPr>
+        <p:spPr/>
+        <p:txBody>
+          <a:bodyPr/>
+          <a:lstStyle/>
+          <a:p>
+            <a:r>
+              <a:rPr lang="en-US"/>
+              <a:t>Click to edit Master title style</a:t>
+            </a:r>
+            <a:endParaRPr lang="en-GB"/>
+          </a:p>
+        </p:txBody>
+      </p:sp>
+      <p:sp>
+        <p:nvSpPr>
+          <p:cNvPr id="3" name="Content Placeholder 2">
+            <a:extLst>
+              <a:ext uri="{FF2B5EF4-FFF2-40B4-BE49-F238E27FC236}">
+                <a16:creationId xmlns:a16="http://schemas.microsoft.com/office/drawing/2014/main" id="{4E05052E-FBAF-9764-17B4-44EEDA19C09D}"/>
+              </a:ext>
+            </a:extLst>
+          </p:cNvPr>
+          <p:cNvSpPr>
+            <a:spLocks noGrp="1"/>
+          </p:cNvSpPr>
+          <p:nvPr>
+            <p:ph idx="1"/>
+          </p:nvPr>
+        </p:nvSpPr>
+        <p:spPr/>
+        <p:txBody>
+          <a:bodyPr/>
+          <a:lstStyle/>
+          <a:p>
+            <a:pPr lvl="0"/>
+            <a:r>
+              <a:rPr lang="en-US"/>
+              <a:t>Click to edit Master text styles</a:t>
+            </a:r>
+          </a:p>
+          <a:p>
+            <a:pPr lvl="1"/>
+            <a:r>
+              <a:rPr lang="en-US"/>
+              <a:t>Second level</a:t>
+            </a:r>
+          </a:p>
+          <a:p>
+            <a:pPr lvl="2"/>
+            <a:r>
+              <a:rPr lang="en-US"/>
+              <a:t>Third level</a:t>
+            </a:r>
+          </a:p>
+          <a:p>
+            <a:pPr lvl="3"/>
+            <a:r>
+              <a:rPr lang="en-US"/>
+              <a:t>Fourth level</a:t>
+            </a:r>
+          </a:p>
+          <a:p>
+            <a:pPr lvl="4"/>
+            <a:r>
+              <a:rPr lang="en-US"/>
+              <a:t>Fifth level</a:t>
+            </a:r>
+            <a:endParaRPr lang="en-GB"/>
+          </a:p>
+        </p:txBody>
+      </p:sp>
+      <p:sp>
+        <p:nvSpPr>
+          <p:cNvPr id="4" name="Date Placeholder 3">
+            <a:extLst>
+              <a:ext uri="{FF2B5EF4-FFF2-40B4-BE49-F238E27FC236}">
+                <a16:creationId xmlns:a16="http://schemas.microsoft.com/office/drawing/2014/main" id="{05428461-73E6-DA43-A804-1BED2DEDC153}"/>
+              </a:ext>
+            </a:extLst>
+          </p:cNvPr>
+          <p:cNvSpPr>
+            <a:spLocks noGrp="1"/>
+          </p:cNvSpPr>
+          <p:nvPr>
+            <p:ph type="dt" sz="half" idx="10"/>
+          </p:nvPr>
+        </p:nvSpPr>
+        <p:spPr/>
+        <p:txBody>
+          <a:bodyPr/>
+          <a:lstStyle/>
+          <a:p>
+            <a:fld id="{17CC5F1B-EA97-462D-964B-A3B18EEDB77C}" type="datetime1">
+              <a:rPr lang="en-GB" smtClean="0"/>
+              <a:t>02/12/2025</a:t>
+            </a:fld>
+            <a:endParaRPr lang="en-GB"/>
+          </a:p>
+        </p:txBody>
+      </p:sp>
+      <p:sp>
+        <p:nvSpPr>
+          <p:cNvPr id="5" name="Footer Placeholder 4">
+            <a:extLst>
+              <a:ext uri="{FF2B5EF4-FFF2-40B4-BE49-F238E27FC236}">
+                <a16:creationId xmlns:a16="http://schemas.microsoft.com/office/drawing/2014/main" id="{B68C90D2-FEC4-8B98-89A9-8B863F908FF7}"/>
+              </a:ext>
+            </a:extLst>
+          </p:cNvPr>
+          <p:cNvSpPr>
+            <a:spLocks noGrp="1"/>
+          </p:cNvSpPr>
+          <p:nvPr>
+            <p:ph type="ftr" sz="quarter" idx="11"/>
+          </p:nvPr>
+        </p:nvSpPr>
+        <p:spPr/>
+        <p:txBody>
+          <a:bodyPr/>
+          <a:lstStyle/>
+          <a:p>
+            <a:endParaRPr lang="en-GB"/>
+          </a:p>
+        </p:txBody>
+      </p:sp>
+      <p:sp>
+        <p:nvSpPr>
+          <p:cNvPr id="6" name="Slide Number Placeholder 5">
+            <a:extLst>
+              <a:ext uri="{FF2B5EF4-FFF2-40B4-BE49-F238E27FC236}">
+                <a16:creationId xmlns:a16="http://schemas.microsoft.com/office/drawing/2014/main" id="{272767BA-0170-E4AA-D831-BE5F2B30C32D}"/>
+              </a:ext>
+            </a:extLst>
+          </p:cNvPr>
+          <p:cNvSpPr>
+            <a:spLocks noGrp="1"/>
+          </p:cNvSpPr>
+          <p:nvPr>
+            <p:ph type="sldNum" sz="quarter" idx="12"/>
+          </p:nvPr>
+        </p:nvSpPr>
+        <p:spPr/>
+        <p:txBody>
+          <a:bodyPr/>
+          <a:lstStyle/>
+          <a:p>
+            <a:fld id="{09FCE3CD-8E5B-4FEB-BC1E-3D61BE3CC713}" type="slidenum">
+              <a:rPr lang="en-GB" smtClean="0"/>
+              <a:t>‹#›</a:t>
+            </a:fld>
+            <a:endParaRPr lang="en-GB"/>
+          </a:p>
+        </p:txBody>
+      </p:sp>
+    </p:spTree>
+    <p:extLst>
+      <p:ext uri="{BB962C8B-B14F-4D97-AF65-F5344CB8AC3E}">
+        <p14:creationId xmlns:p14="http://schemas.microsoft.com/office/powerpoint/2010/main" val="280521252"/>
+      </p:ext>
+    </p:extLst>
+  </p:cSld>
+  <p:clrMapOvr>
+    <a:masterClrMapping/>
+  </p:clrMapOvr>
+</p:sldLayout>
+</file>
+
+<file path=ppt/slideLayouts/slideLayout20.xml><?xml version="1.0" encoding="utf-8"?>
 <p:sldLayout xmlns:a="http://schemas.openxmlformats.org/drawingml/2006/main" xmlns:r="http://schemas.openxmlformats.org/officeDocument/2006/relationships" xmlns:p="http://schemas.openxmlformats.org/presentationml/2006/main" type="picTx" preserve="1">
   <p:cSld name="Picture with Caption">
     <p:spTree>
@@ -2708,9 +3486,2235 @@
           <a:bodyPr/>
           <a:lstStyle/>
           <a:p>
-            <a:fld id="{A1D51BA1-F58B-40DF-9C13-73BC69DE2A80}" type="datetimeFigureOut">
+            <a:fld id="{40B2233B-3254-4A18-B951-D4A5FC3F4336}" type="datetime1">
               <a:rPr lang="en-GB" smtClean="0"/>
-              <a:t>25/11/2025</a:t>
+              <a:t>02/12/2025</a:t>
+            </a:fld>
+            <a:endParaRPr lang="en-GB"/>
+          </a:p>
+        </p:txBody>
+      </p:sp>
+      <p:sp>
+        <p:nvSpPr>
+          <p:cNvPr id="6" name="Footer Placeholder 5">
+            <a:extLst>
+              <a:ext uri="{FF2B5EF4-FFF2-40B4-BE49-F238E27FC236}">
+                <a16:creationId xmlns:a16="http://schemas.microsoft.com/office/drawing/2014/main" id="{750BEEE8-F749-3928-8336-8F0490C7F908}"/>
+              </a:ext>
+            </a:extLst>
+          </p:cNvPr>
+          <p:cNvSpPr>
+            <a:spLocks noGrp="1"/>
+          </p:cNvSpPr>
+          <p:nvPr>
+            <p:ph type="ftr" sz="quarter" idx="11"/>
+          </p:nvPr>
+        </p:nvSpPr>
+        <p:spPr/>
+        <p:txBody>
+          <a:bodyPr/>
+          <a:lstStyle/>
+          <a:p>
+            <a:endParaRPr lang="en-GB"/>
+          </a:p>
+        </p:txBody>
+      </p:sp>
+      <p:sp>
+        <p:nvSpPr>
+          <p:cNvPr id="7" name="Slide Number Placeholder 6">
+            <a:extLst>
+              <a:ext uri="{FF2B5EF4-FFF2-40B4-BE49-F238E27FC236}">
+                <a16:creationId xmlns:a16="http://schemas.microsoft.com/office/drawing/2014/main" id="{28D2A82A-58B8-B13C-BD66-5D340CA18CC2}"/>
+              </a:ext>
+            </a:extLst>
+          </p:cNvPr>
+          <p:cNvSpPr>
+            <a:spLocks noGrp="1"/>
+          </p:cNvSpPr>
+          <p:nvPr>
+            <p:ph type="sldNum" sz="quarter" idx="12"/>
+          </p:nvPr>
+        </p:nvSpPr>
+        <p:spPr/>
+        <p:txBody>
+          <a:bodyPr/>
+          <a:lstStyle/>
+          <a:p>
+            <a:fld id="{09FCE3CD-8E5B-4FEB-BC1E-3D61BE3CC713}" type="slidenum">
+              <a:rPr lang="en-GB" smtClean="0"/>
+              <a:t>‹#›</a:t>
+            </a:fld>
+            <a:endParaRPr lang="en-GB"/>
+          </a:p>
+        </p:txBody>
+      </p:sp>
+    </p:spTree>
+    <p:extLst>
+      <p:ext uri="{BB962C8B-B14F-4D97-AF65-F5344CB8AC3E}">
+        <p14:creationId xmlns:p14="http://schemas.microsoft.com/office/powerpoint/2010/main" val="2699863931"/>
+      </p:ext>
+    </p:extLst>
+  </p:cSld>
+  <p:clrMapOvr>
+    <a:masterClrMapping/>
+  </p:clrMapOvr>
+</p:sldLayout>
+</file>
+
+<file path=ppt/slideLayouts/slideLayout21.xml><?xml version="1.0" encoding="utf-8"?>
+<p:sldLayout xmlns:a="http://schemas.openxmlformats.org/drawingml/2006/main" xmlns:r="http://schemas.openxmlformats.org/officeDocument/2006/relationships" xmlns:p="http://schemas.openxmlformats.org/presentationml/2006/main" type="vertTx" preserve="1">
+  <p:cSld name="Title and Vertical Text">
+    <p:spTree>
+      <p:nvGrpSpPr>
+        <p:cNvPr id="1" name=""/>
+        <p:cNvGrpSpPr/>
+        <p:nvPr/>
+      </p:nvGrpSpPr>
+      <p:grpSpPr>
+        <a:xfrm>
+          <a:off x="0" y="0"/>
+          <a:ext cx="0" cy="0"/>
+          <a:chOff x="0" y="0"/>
+          <a:chExt cx="0" cy="0"/>
+        </a:xfrm>
+      </p:grpSpPr>
+      <p:sp>
+        <p:nvSpPr>
+          <p:cNvPr id="2" name="Title 1">
+            <a:extLst>
+              <a:ext uri="{FF2B5EF4-FFF2-40B4-BE49-F238E27FC236}">
+                <a16:creationId xmlns:a16="http://schemas.microsoft.com/office/drawing/2014/main" id="{4A8F1B81-8671-ED96-E3F5-C681FFE3E925}"/>
+              </a:ext>
+            </a:extLst>
+          </p:cNvPr>
+          <p:cNvSpPr>
+            <a:spLocks noGrp="1"/>
+          </p:cNvSpPr>
+          <p:nvPr>
+            <p:ph type="title"/>
+          </p:nvPr>
+        </p:nvSpPr>
+        <p:spPr/>
+        <p:txBody>
+          <a:bodyPr/>
+          <a:lstStyle/>
+          <a:p>
+            <a:r>
+              <a:rPr lang="en-US"/>
+              <a:t>Click to edit Master title style</a:t>
+            </a:r>
+            <a:endParaRPr lang="en-GB"/>
+          </a:p>
+        </p:txBody>
+      </p:sp>
+      <p:sp>
+        <p:nvSpPr>
+          <p:cNvPr id="3" name="Vertical Text Placeholder 2">
+            <a:extLst>
+              <a:ext uri="{FF2B5EF4-FFF2-40B4-BE49-F238E27FC236}">
+                <a16:creationId xmlns:a16="http://schemas.microsoft.com/office/drawing/2014/main" id="{49EFCA56-3F75-07CB-9FB7-F0F7B78EA934}"/>
+              </a:ext>
+            </a:extLst>
+          </p:cNvPr>
+          <p:cNvSpPr>
+            <a:spLocks noGrp="1"/>
+          </p:cNvSpPr>
+          <p:nvPr>
+            <p:ph type="body" orient="vert" idx="1"/>
+          </p:nvPr>
+        </p:nvSpPr>
+        <p:spPr/>
+        <p:txBody>
+          <a:bodyPr vert="eaVert"/>
+          <a:lstStyle/>
+          <a:p>
+            <a:pPr lvl="0"/>
+            <a:r>
+              <a:rPr lang="en-US"/>
+              <a:t>Click to edit Master text styles</a:t>
+            </a:r>
+          </a:p>
+          <a:p>
+            <a:pPr lvl="1"/>
+            <a:r>
+              <a:rPr lang="en-US"/>
+              <a:t>Second level</a:t>
+            </a:r>
+          </a:p>
+          <a:p>
+            <a:pPr lvl="2"/>
+            <a:r>
+              <a:rPr lang="en-US"/>
+              <a:t>Third level</a:t>
+            </a:r>
+          </a:p>
+          <a:p>
+            <a:pPr lvl="3"/>
+            <a:r>
+              <a:rPr lang="en-US"/>
+              <a:t>Fourth level</a:t>
+            </a:r>
+          </a:p>
+          <a:p>
+            <a:pPr lvl="4"/>
+            <a:r>
+              <a:rPr lang="en-US"/>
+              <a:t>Fifth level</a:t>
+            </a:r>
+            <a:endParaRPr lang="en-GB"/>
+          </a:p>
+        </p:txBody>
+      </p:sp>
+      <p:sp>
+        <p:nvSpPr>
+          <p:cNvPr id="4" name="Date Placeholder 3">
+            <a:extLst>
+              <a:ext uri="{FF2B5EF4-FFF2-40B4-BE49-F238E27FC236}">
+                <a16:creationId xmlns:a16="http://schemas.microsoft.com/office/drawing/2014/main" id="{289CC168-4ABB-D666-29C9-347EFF50224B}"/>
+              </a:ext>
+            </a:extLst>
+          </p:cNvPr>
+          <p:cNvSpPr>
+            <a:spLocks noGrp="1"/>
+          </p:cNvSpPr>
+          <p:nvPr>
+            <p:ph type="dt" sz="half" idx="10"/>
+          </p:nvPr>
+        </p:nvSpPr>
+        <p:spPr/>
+        <p:txBody>
+          <a:bodyPr/>
+          <a:lstStyle/>
+          <a:p>
+            <a:fld id="{8FF648A8-37FE-4A01-8860-80C6D7AFF32C}" type="datetime1">
+              <a:rPr lang="en-GB" smtClean="0"/>
+              <a:t>02/12/2025</a:t>
+            </a:fld>
+            <a:endParaRPr lang="en-GB"/>
+          </a:p>
+        </p:txBody>
+      </p:sp>
+      <p:sp>
+        <p:nvSpPr>
+          <p:cNvPr id="5" name="Footer Placeholder 4">
+            <a:extLst>
+              <a:ext uri="{FF2B5EF4-FFF2-40B4-BE49-F238E27FC236}">
+                <a16:creationId xmlns:a16="http://schemas.microsoft.com/office/drawing/2014/main" id="{BCD4C89C-E42B-0302-ED96-48D8638BE992}"/>
+              </a:ext>
+            </a:extLst>
+          </p:cNvPr>
+          <p:cNvSpPr>
+            <a:spLocks noGrp="1"/>
+          </p:cNvSpPr>
+          <p:nvPr>
+            <p:ph type="ftr" sz="quarter" idx="11"/>
+          </p:nvPr>
+        </p:nvSpPr>
+        <p:spPr/>
+        <p:txBody>
+          <a:bodyPr/>
+          <a:lstStyle/>
+          <a:p>
+            <a:endParaRPr lang="en-GB"/>
+          </a:p>
+        </p:txBody>
+      </p:sp>
+      <p:sp>
+        <p:nvSpPr>
+          <p:cNvPr id="6" name="Slide Number Placeholder 5">
+            <a:extLst>
+              <a:ext uri="{FF2B5EF4-FFF2-40B4-BE49-F238E27FC236}">
+                <a16:creationId xmlns:a16="http://schemas.microsoft.com/office/drawing/2014/main" id="{45BBADE0-9275-B9E0-72CF-A481D81CB9F3}"/>
+              </a:ext>
+            </a:extLst>
+          </p:cNvPr>
+          <p:cNvSpPr>
+            <a:spLocks noGrp="1"/>
+          </p:cNvSpPr>
+          <p:nvPr>
+            <p:ph type="sldNum" sz="quarter" idx="12"/>
+          </p:nvPr>
+        </p:nvSpPr>
+        <p:spPr/>
+        <p:txBody>
+          <a:bodyPr/>
+          <a:lstStyle/>
+          <a:p>
+            <a:fld id="{09FCE3CD-8E5B-4FEB-BC1E-3D61BE3CC713}" type="slidenum">
+              <a:rPr lang="en-GB" smtClean="0"/>
+              <a:t>‹#›</a:t>
+            </a:fld>
+            <a:endParaRPr lang="en-GB"/>
+          </a:p>
+        </p:txBody>
+      </p:sp>
+    </p:spTree>
+    <p:extLst>
+      <p:ext uri="{BB962C8B-B14F-4D97-AF65-F5344CB8AC3E}">
+        <p14:creationId xmlns:p14="http://schemas.microsoft.com/office/powerpoint/2010/main" val="994823326"/>
+      </p:ext>
+    </p:extLst>
+  </p:cSld>
+  <p:clrMapOvr>
+    <a:masterClrMapping/>
+  </p:clrMapOvr>
+</p:sldLayout>
+</file>
+
+<file path=ppt/slideLayouts/slideLayout22.xml><?xml version="1.0" encoding="utf-8"?>
+<p:sldLayout xmlns:a="http://schemas.openxmlformats.org/drawingml/2006/main" xmlns:r="http://schemas.openxmlformats.org/officeDocument/2006/relationships" xmlns:p="http://schemas.openxmlformats.org/presentationml/2006/main" type="vertTitleAndTx" preserve="1">
+  <p:cSld name="Vertical Title and Text">
+    <p:spTree>
+      <p:nvGrpSpPr>
+        <p:cNvPr id="1" name=""/>
+        <p:cNvGrpSpPr/>
+        <p:nvPr/>
+      </p:nvGrpSpPr>
+      <p:grpSpPr>
+        <a:xfrm>
+          <a:off x="0" y="0"/>
+          <a:ext cx="0" cy="0"/>
+          <a:chOff x="0" y="0"/>
+          <a:chExt cx="0" cy="0"/>
+        </a:xfrm>
+      </p:grpSpPr>
+      <p:sp>
+        <p:nvSpPr>
+          <p:cNvPr id="2" name="Vertical Title 1">
+            <a:extLst>
+              <a:ext uri="{FF2B5EF4-FFF2-40B4-BE49-F238E27FC236}">
+                <a16:creationId xmlns:a16="http://schemas.microsoft.com/office/drawing/2014/main" id="{AFACC2B5-AAB4-6939-855D-759D3FB8B1D1}"/>
+              </a:ext>
+            </a:extLst>
+          </p:cNvPr>
+          <p:cNvSpPr>
+            <a:spLocks noGrp="1"/>
+          </p:cNvSpPr>
+          <p:nvPr>
+            <p:ph type="title" orient="vert"/>
+          </p:nvPr>
+        </p:nvSpPr>
+        <p:spPr>
+          <a:xfrm>
+            <a:off x="8724900" y="365125"/>
+            <a:ext cx="2628900" cy="5811838"/>
+          </a:xfrm>
+        </p:spPr>
+        <p:txBody>
+          <a:bodyPr vert="eaVert"/>
+          <a:lstStyle/>
+          <a:p>
+            <a:r>
+              <a:rPr lang="en-US"/>
+              <a:t>Click to edit Master title style</a:t>
+            </a:r>
+            <a:endParaRPr lang="en-GB"/>
+          </a:p>
+        </p:txBody>
+      </p:sp>
+      <p:sp>
+        <p:nvSpPr>
+          <p:cNvPr id="3" name="Vertical Text Placeholder 2">
+            <a:extLst>
+              <a:ext uri="{FF2B5EF4-FFF2-40B4-BE49-F238E27FC236}">
+                <a16:creationId xmlns:a16="http://schemas.microsoft.com/office/drawing/2014/main" id="{4DE0E091-D309-3C53-FAA0-94D42F52B960}"/>
+              </a:ext>
+            </a:extLst>
+          </p:cNvPr>
+          <p:cNvSpPr>
+            <a:spLocks noGrp="1"/>
+          </p:cNvSpPr>
+          <p:nvPr>
+            <p:ph type="body" orient="vert" idx="1"/>
+          </p:nvPr>
+        </p:nvSpPr>
+        <p:spPr>
+          <a:xfrm>
+            <a:off x="838200" y="365125"/>
+            <a:ext cx="7734300" cy="5811838"/>
+          </a:xfrm>
+        </p:spPr>
+        <p:txBody>
+          <a:bodyPr vert="eaVert"/>
+          <a:lstStyle/>
+          <a:p>
+            <a:pPr lvl="0"/>
+            <a:r>
+              <a:rPr lang="en-US"/>
+              <a:t>Click to edit Master text styles</a:t>
+            </a:r>
+          </a:p>
+          <a:p>
+            <a:pPr lvl="1"/>
+            <a:r>
+              <a:rPr lang="en-US"/>
+              <a:t>Second level</a:t>
+            </a:r>
+          </a:p>
+          <a:p>
+            <a:pPr lvl="2"/>
+            <a:r>
+              <a:rPr lang="en-US"/>
+              <a:t>Third level</a:t>
+            </a:r>
+          </a:p>
+          <a:p>
+            <a:pPr lvl="3"/>
+            <a:r>
+              <a:rPr lang="en-US"/>
+              <a:t>Fourth level</a:t>
+            </a:r>
+          </a:p>
+          <a:p>
+            <a:pPr lvl="4"/>
+            <a:r>
+              <a:rPr lang="en-US"/>
+              <a:t>Fifth level</a:t>
+            </a:r>
+            <a:endParaRPr lang="en-GB"/>
+          </a:p>
+        </p:txBody>
+      </p:sp>
+      <p:sp>
+        <p:nvSpPr>
+          <p:cNvPr id="4" name="Date Placeholder 3">
+            <a:extLst>
+              <a:ext uri="{FF2B5EF4-FFF2-40B4-BE49-F238E27FC236}">
+                <a16:creationId xmlns:a16="http://schemas.microsoft.com/office/drawing/2014/main" id="{CD5CD9BE-9D56-0A3B-FC8E-767BBF1A30C4}"/>
+              </a:ext>
+            </a:extLst>
+          </p:cNvPr>
+          <p:cNvSpPr>
+            <a:spLocks noGrp="1"/>
+          </p:cNvSpPr>
+          <p:nvPr>
+            <p:ph type="dt" sz="half" idx="10"/>
+          </p:nvPr>
+        </p:nvSpPr>
+        <p:spPr/>
+        <p:txBody>
+          <a:bodyPr/>
+          <a:lstStyle/>
+          <a:p>
+            <a:fld id="{B63A81C4-186B-495B-B8F7-5CE383C44FC7}" type="datetime1">
+              <a:rPr lang="en-GB" smtClean="0"/>
+              <a:t>02/12/2025</a:t>
+            </a:fld>
+            <a:endParaRPr lang="en-GB"/>
+          </a:p>
+        </p:txBody>
+      </p:sp>
+      <p:sp>
+        <p:nvSpPr>
+          <p:cNvPr id="5" name="Footer Placeholder 4">
+            <a:extLst>
+              <a:ext uri="{FF2B5EF4-FFF2-40B4-BE49-F238E27FC236}">
+                <a16:creationId xmlns:a16="http://schemas.microsoft.com/office/drawing/2014/main" id="{F82BC3CD-7309-6765-72C1-5982459D6424}"/>
+              </a:ext>
+            </a:extLst>
+          </p:cNvPr>
+          <p:cNvSpPr>
+            <a:spLocks noGrp="1"/>
+          </p:cNvSpPr>
+          <p:nvPr>
+            <p:ph type="ftr" sz="quarter" idx="11"/>
+          </p:nvPr>
+        </p:nvSpPr>
+        <p:spPr/>
+        <p:txBody>
+          <a:bodyPr/>
+          <a:lstStyle/>
+          <a:p>
+            <a:endParaRPr lang="en-GB"/>
+          </a:p>
+        </p:txBody>
+      </p:sp>
+      <p:sp>
+        <p:nvSpPr>
+          <p:cNvPr id="6" name="Slide Number Placeholder 5">
+            <a:extLst>
+              <a:ext uri="{FF2B5EF4-FFF2-40B4-BE49-F238E27FC236}">
+                <a16:creationId xmlns:a16="http://schemas.microsoft.com/office/drawing/2014/main" id="{F07D70F7-1F47-1B7A-7B20-44E99C13A889}"/>
+              </a:ext>
+            </a:extLst>
+          </p:cNvPr>
+          <p:cNvSpPr>
+            <a:spLocks noGrp="1"/>
+          </p:cNvSpPr>
+          <p:nvPr>
+            <p:ph type="sldNum" sz="quarter" idx="12"/>
+          </p:nvPr>
+        </p:nvSpPr>
+        <p:spPr/>
+        <p:txBody>
+          <a:bodyPr/>
+          <a:lstStyle/>
+          <a:p>
+            <a:fld id="{09FCE3CD-8E5B-4FEB-BC1E-3D61BE3CC713}" type="slidenum">
+              <a:rPr lang="en-GB" smtClean="0"/>
+              <a:t>‹#›</a:t>
+            </a:fld>
+            <a:endParaRPr lang="en-GB"/>
+          </a:p>
+        </p:txBody>
+      </p:sp>
+    </p:spTree>
+    <p:extLst>
+      <p:ext uri="{BB962C8B-B14F-4D97-AF65-F5344CB8AC3E}">
+        <p14:creationId xmlns:p14="http://schemas.microsoft.com/office/powerpoint/2010/main" val="1282341172"/>
+      </p:ext>
+    </p:extLst>
+  </p:cSld>
+  <p:clrMapOvr>
+    <a:masterClrMapping/>
+  </p:clrMapOvr>
+</p:sldLayout>
+</file>
+
+<file path=ppt/slideLayouts/slideLayout3.xml><?xml version="1.0" encoding="utf-8"?>
+<p:sldLayout xmlns:a="http://schemas.openxmlformats.org/drawingml/2006/main" xmlns:r="http://schemas.openxmlformats.org/officeDocument/2006/relationships" xmlns:p="http://schemas.openxmlformats.org/presentationml/2006/main" type="secHead" preserve="1">
+  <p:cSld name="Section Header">
+    <p:spTree>
+      <p:nvGrpSpPr>
+        <p:cNvPr id="1" name=""/>
+        <p:cNvGrpSpPr/>
+        <p:nvPr/>
+      </p:nvGrpSpPr>
+      <p:grpSpPr>
+        <a:xfrm>
+          <a:off x="0" y="0"/>
+          <a:ext cx="0" cy="0"/>
+          <a:chOff x="0" y="0"/>
+          <a:chExt cx="0" cy="0"/>
+        </a:xfrm>
+      </p:grpSpPr>
+      <p:sp>
+        <p:nvSpPr>
+          <p:cNvPr id="2" name="Title 1">
+            <a:extLst>
+              <a:ext uri="{FF2B5EF4-FFF2-40B4-BE49-F238E27FC236}">
+                <a16:creationId xmlns:a16="http://schemas.microsoft.com/office/drawing/2014/main" id="{D05643F4-DF9D-3089-607F-F630042D2CC0}"/>
+              </a:ext>
+            </a:extLst>
+          </p:cNvPr>
+          <p:cNvSpPr>
+            <a:spLocks noGrp="1"/>
+          </p:cNvSpPr>
+          <p:nvPr>
+            <p:ph type="title"/>
+          </p:nvPr>
+        </p:nvSpPr>
+        <p:spPr>
+          <a:xfrm>
+            <a:off x="831850" y="1709738"/>
+            <a:ext cx="10515600" cy="2852737"/>
+          </a:xfrm>
+        </p:spPr>
+        <p:txBody>
+          <a:bodyPr anchor="b"/>
+          <a:lstStyle>
+            <a:lvl1pPr>
+              <a:defRPr sz="6000"/>
+            </a:lvl1pPr>
+          </a:lstStyle>
+          <a:p>
+            <a:r>
+              <a:rPr lang="en-US"/>
+              <a:t>Click to edit Master title style</a:t>
+            </a:r>
+            <a:endParaRPr lang="en-GB"/>
+          </a:p>
+        </p:txBody>
+      </p:sp>
+      <p:sp>
+        <p:nvSpPr>
+          <p:cNvPr id="3" name="Text Placeholder 2">
+            <a:extLst>
+              <a:ext uri="{FF2B5EF4-FFF2-40B4-BE49-F238E27FC236}">
+                <a16:creationId xmlns:a16="http://schemas.microsoft.com/office/drawing/2014/main" id="{F8EC6B38-3C8D-E9B6-AE09-3D4FB3A9E7B1}"/>
+              </a:ext>
+            </a:extLst>
+          </p:cNvPr>
+          <p:cNvSpPr>
+            <a:spLocks noGrp="1"/>
+          </p:cNvSpPr>
+          <p:nvPr>
+            <p:ph type="body" idx="1"/>
+          </p:nvPr>
+        </p:nvSpPr>
+        <p:spPr>
+          <a:xfrm>
+            <a:off x="831850" y="4589463"/>
+            <a:ext cx="10515600" cy="1500187"/>
+          </a:xfrm>
+        </p:spPr>
+        <p:txBody>
+          <a:bodyPr/>
+          <a:lstStyle>
+            <a:lvl1pPr marL="0" indent="0">
+              <a:buNone/>
+              <a:defRPr sz="2400">
+                <a:solidFill>
+                  <a:schemeClr val="tx1">
+                    <a:tint val="82000"/>
+                  </a:schemeClr>
+                </a:solidFill>
+              </a:defRPr>
+            </a:lvl1pPr>
+            <a:lvl2pPr marL="457200" indent="0">
+              <a:buNone/>
+              <a:defRPr sz="2000">
+                <a:solidFill>
+                  <a:schemeClr val="tx1">
+                    <a:tint val="82000"/>
+                  </a:schemeClr>
+                </a:solidFill>
+              </a:defRPr>
+            </a:lvl2pPr>
+            <a:lvl3pPr marL="914400" indent="0">
+              <a:buNone/>
+              <a:defRPr sz="1800">
+                <a:solidFill>
+                  <a:schemeClr val="tx1">
+                    <a:tint val="82000"/>
+                  </a:schemeClr>
+                </a:solidFill>
+              </a:defRPr>
+            </a:lvl3pPr>
+            <a:lvl4pPr marL="1371600" indent="0">
+              <a:buNone/>
+              <a:defRPr sz="1600">
+                <a:solidFill>
+                  <a:schemeClr val="tx1">
+                    <a:tint val="82000"/>
+                  </a:schemeClr>
+                </a:solidFill>
+              </a:defRPr>
+            </a:lvl4pPr>
+            <a:lvl5pPr marL="1828800" indent="0">
+              <a:buNone/>
+              <a:defRPr sz="1600">
+                <a:solidFill>
+                  <a:schemeClr val="tx1">
+                    <a:tint val="82000"/>
+                  </a:schemeClr>
+                </a:solidFill>
+              </a:defRPr>
+            </a:lvl5pPr>
+            <a:lvl6pPr marL="2286000" indent="0">
+              <a:buNone/>
+              <a:defRPr sz="1600">
+                <a:solidFill>
+                  <a:schemeClr val="tx1">
+                    <a:tint val="82000"/>
+                  </a:schemeClr>
+                </a:solidFill>
+              </a:defRPr>
+            </a:lvl6pPr>
+            <a:lvl7pPr marL="2743200" indent="0">
+              <a:buNone/>
+              <a:defRPr sz="1600">
+                <a:solidFill>
+                  <a:schemeClr val="tx1">
+                    <a:tint val="82000"/>
+                  </a:schemeClr>
+                </a:solidFill>
+              </a:defRPr>
+            </a:lvl7pPr>
+            <a:lvl8pPr marL="3200400" indent="0">
+              <a:buNone/>
+              <a:defRPr sz="1600">
+                <a:solidFill>
+                  <a:schemeClr val="tx1">
+                    <a:tint val="82000"/>
+                  </a:schemeClr>
+                </a:solidFill>
+              </a:defRPr>
+            </a:lvl8pPr>
+            <a:lvl9pPr marL="3657600" indent="0">
+              <a:buNone/>
+              <a:defRPr sz="1600">
+                <a:solidFill>
+                  <a:schemeClr val="tx1">
+                    <a:tint val="82000"/>
+                  </a:schemeClr>
+                </a:solidFill>
+              </a:defRPr>
+            </a:lvl9pPr>
+          </a:lstStyle>
+          <a:p>
+            <a:pPr lvl="0"/>
+            <a:r>
+              <a:rPr lang="en-US"/>
+              <a:t>Click to edit Master text styles</a:t>
+            </a:r>
+          </a:p>
+        </p:txBody>
+      </p:sp>
+      <p:sp>
+        <p:nvSpPr>
+          <p:cNvPr id="4" name="Date Placeholder 3">
+            <a:extLst>
+              <a:ext uri="{FF2B5EF4-FFF2-40B4-BE49-F238E27FC236}">
+                <a16:creationId xmlns:a16="http://schemas.microsoft.com/office/drawing/2014/main" id="{8CD396E3-1754-8F20-FFD6-495F35BE40B9}"/>
+              </a:ext>
+            </a:extLst>
+          </p:cNvPr>
+          <p:cNvSpPr>
+            <a:spLocks noGrp="1"/>
+          </p:cNvSpPr>
+          <p:nvPr>
+            <p:ph type="dt" sz="half" idx="10"/>
+          </p:nvPr>
+        </p:nvSpPr>
+        <p:spPr/>
+        <p:txBody>
+          <a:bodyPr/>
+          <a:lstStyle/>
+          <a:p>
+            <a:fld id="{3C69833C-75DB-499F-AB41-F7B08AD8DD27}" type="datetime1">
+              <a:rPr lang="en-GB" smtClean="0"/>
+              <a:t>02/12/2025</a:t>
+            </a:fld>
+            <a:endParaRPr lang="en-GB"/>
+          </a:p>
+        </p:txBody>
+      </p:sp>
+      <p:sp>
+        <p:nvSpPr>
+          <p:cNvPr id="5" name="Footer Placeholder 4">
+            <a:extLst>
+              <a:ext uri="{FF2B5EF4-FFF2-40B4-BE49-F238E27FC236}">
+                <a16:creationId xmlns:a16="http://schemas.microsoft.com/office/drawing/2014/main" id="{C6DFECFE-EDD5-4401-2AE2-5CF0BEE56116}"/>
+              </a:ext>
+            </a:extLst>
+          </p:cNvPr>
+          <p:cNvSpPr>
+            <a:spLocks noGrp="1"/>
+          </p:cNvSpPr>
+          <p:nvPr>
+            <p:ph type="ftr" sz="quarter" idx="11"/>
+          </p:nvPr>
+        </p:nvSpPr>
+        <p:spPr/>
+        <p:txBody>
+          <a:bodyPr/>
+          <a:lstStyle/>
+          <a:p>
+            <a:endParaRPr lang="en-GB"/>
+          </a:p>
+        </p:txBody>
+      </p:sp>
+      <p:sp>
+        <p:nvSpPr>
+          <p:cNvPr id="6" name="Slide Number Placeholder 5">
+            <a:extLst>
+              <a:ext uri="{FF2B5EF4-FFF2-40B4-BE49-F238E27FC236}">
+                <a16:creationId xmlns:a16="http://schemas.microsoft.com/office/drawing/2014/main" id="{DAE226EF-4679-CF6F-CF81-24B227602BDA}"/>
+              </a:ext>
+            </a:extLst>
+          </p:cNvPr>
+          <p:cNvSpPr>
+            <a:spLocks noGrp="1"/>
+          </p:cNvSpPr>
+          <p:nvPr>
+            <p:ph type="sldNum" sz="quarter" idx="12"/>
+          </p:nvPr>
+        </p:nvSpPr>
+        <p:spPr/>
+        <p:txBody>
+          <a:bodyPr/>
+          <a:lstStyle/>
+          <a:p>
+            <a:fld id="{09FCE3CD-8E5B-4FEB-BC1E-3D61BE3CC713}" type="slidenum">
+              <a:rPr lang="en-GB" smtClean="0"/>
+              <a:t>‹#›</a:t>
+            </a:fld>
+            <a:endParaRPr lang="en-GB"/>
+          </a:p>
+        </p:txBody>
+      </p:sp>
+    </p:spTree>
+    <p:extLst>
+      <p:ext uri="{BB962C8B-B14F-4D97-AF65-F5344CB8AC3E}">
+        <p14:creationId xmlns:p14="http://schemas.microsoft.com/office/powerpoint/2010/main" val="3710916729"/>
+      </p:ext>
+    </p:extLst>
+  </p:cSld>
+  <p:clrMapOvr>
+    <a:masterClrMapping/>
+  </p:clrMapOvr>
+</p:sldLayout>
+</file>
+
+<file path=ppt/slideLayouts/slideLayout4.xml><?xml version="1.0" encoding="utf-8"?>
+<p:sldLayout xmlns:a="http://schemas.openxmlformats.org/drawingml/2006/main" xmlns:r="http://schemas.openxmlformats.org/officeDocument/2006/relationships" xmlns:p="http://schemas.openxmlformats.org/presentationml/2006/main" type="twoObj" preserve="1">
+  <p:cSld name="Two Content">
+    <p:spTree>
+      <p:nvGrpSpPr>
+        <p:cNvPr id="1" name=""/>
+        <p:cNvGrpSpPr/>
+        <p:nvPr/>
+      </p:nvGrpSpPr>
+      <p:grpSpPr>
+        <a:xfrm>
+          <a:off x="0" y="0"/>
+          <a:ext cx="0" cy="0"/>
+          <a:chOff x="0" y="0"/>
+          <a:chExt cx="0" cy="0"/>
+        </a:xfrm>
+      </p:grpSpPr>
+      <p:sp>
+        <p:nvSpPr>
+          <p:cNvPr id="2" name="Title 1">
+            <a:extLst>
+              <a:ext uri="{FF2B5EF4-FFF2-40B4-BE49-F238E27FC236}">
+                <a16:creationId xmlns:a16="http://schemas.microsoft.com/office/drawing/2014/main" id="{52F9617A-463C-B0FA-843B-05D55BB41E2E}"/>
+              </a:ext>
+            </a:extLst>
+          </p:cNvPr>
+          <p:cNvSpPr>
+            <a:spLocks noGrp="1"/>
+          </p:cNvSpPr>
+          <p:nvPr>
+            <p:ph type="title"/>
+          </p:nvPr>
+        </p:nvSpPr>
+        <p:spPr/>
+        <p:txBody>
+          <a:bodyPr/>
+          <a:lstStyle/>
+          <a:p>
+            <a:r>
+              <a:rPr lang="en-US"/>
+              <a:t>Click to edit Master title style</a:t>
+            </a:r>
+            <a:endParaRPr lang="en-GB"/>
+          </a:p>
+        </p:txBody>
+      </p:sp>
+      <p:sp>
+        <p:nvSpPr>
+          <p:cNvPr id="3" name="Content Placeholder 2">
+            <a:extLst>
+              <a:ext uri="{FF2B5EF4-FFF2-40B4-BE49-F238E27FC236}">
+                <a16:creationId xmlns:a16="http://schemas.microsoft.com/office/drawing/2014/main" id="{E9C0016E-78F1-F75B-BC93-791E45376630}"/>
+              </a:ext>
+            </a:extLst>
+          </p:cNvPr>
+          <p:cNvSpPr>
+            <a:spLocks noGrp="1"/>
+          </p:cNvSpPr>
+          <p:nvPr>
+            <p:ph sz="half" idx="1"/>
+          </p:nvPr>
+        </p:nvSpPr>
+        <p:spPr>
+          <a:xfrm>
+            <a:off x="838200" y="1825625"/>
+            <a:ext cx="5181600" cy="4351338"/>
+          </a:xfrm>
+        </p:spPr>
+        <p:txBody>
+          <a:bodyPr/>
+          <a:lstStyle/>
+          <a:p>
+            <a:pPr lvl="0"/>
+            <a:r>
+              <a:rPr lang="en-US"/>
+              <a:t>Click to edit Master text styles</a:t>
+            </a:r>
+          </a:p>
+          <a:p>
+            <a:pPr lvl="1"/>
+            <a:r>
+              <a:rPr lang="en-US"/>
+              <a:t>Second level</a:t>
+            </a:r>
+          </a:p>
+          <a:p>
+            <a:pPr lvl="2"/>
+            <a:r>
+              <a:rPr lang="en-US"/>
+              <a:t>Third level</a:t>
+            </a:r>
+          </a:p>
+          <a:p>
+            <a:pPr lvl="3"/>
+            <a:r>
+              <a:rPr lang="en-US"/>
+              <a:t>Fourth level</a:t>
+            </a:r>
+          </a:p>
+          <a:p>
+            <a:pPr lvl="4"/>
+            <a:r>
+              <a:rPr lang="en-US"/>
+              <a:t>Fifth level</a:t>
+            </a:r>
+            <a:endParaRPr lang="en-GB"/>
+          </a:p>
+        </p:txBody>
+      </p:sp>
+      <p:sp>
+        <p:nvSpPr>
+          <p:cNvPr id="4" name="Content Placeholder 3">
+            <a:extLst>
+              <a:ext uri="{FF2B5EF4-FFF2-40B4-BE49-F238E27FC236}">
+                <a16:creationId xmlns:a16="http://schemas.microsoft.com/office/drawing/2014/main" id="{7D54ACE3-6B57-CC2B-E335-02B52C0EB52C}"/>
+              </a:ext>
+            </a:extLst>
+          </p:cNvPr>
+          <p:cNvSpPr>
+            <a:spLocks noGrp="1"/>
+          </p:cNvSpPr>
+          <p:nvPr>
+            <p:ph sz="half" idx="2"/>
+          </p:nvPr>
+        </p:nvSpPr>
+        <p:spPr>
+          <a:xfrm>
+            <a:off x="6172200" y="1825625"/>
+            <a:ext cx="5181600" cy="4351338"/>
+          </a:xfrm>
+        </p:spPr>
+        <p:txBody>
+          <a:bodyPr/>
+          <a:lstStyle/>
+          <a:p>
+            <a:pPr lvl="0"/>
+            <a:r>
+              <a:rPr lang="en-US"/>
+              <a:t>Click to edit Master text styles</a:t>
+            </a:r>
+          </a:p>
+          <a:p>
+            <a:pPr lvl="1"/>
+            <a:r>
+              <a:rPr lang="en-US"/>
+              <a:t>Second level</a:t>
+            </a:r>
+          </a:p>
+          <a:p>
+            <a:pPr lvl="2"/>
+            <a:r>
+              <a:rPr lang="en-US"/>
+              <a:t>Third level</a:t>
+            </a:r>
+          </a:p>
+          <a:p>
+            <a:pPr lvl="3"/>
+            <a:r>
+              <a:rPr lang="en-US"/>
+              <a:t>Fourth level</a:t>
+            </a:r>
+          </a:p>
+          <a:p>
+            <a:pPr lvl="4"/>
+            <a:r>
+              <a:rPr lang="en-US"/>
+              <a:t>Fifth level</a:t>
+            </a:r>
+            <a:endParaRPr lang="en-GB"/>
+          </a:p>
+        </p:txBody>
+      </p:sp>
+      <p:sp>
+        <p:nvSpPr>
+          <p:cNvPr id="5" name="Date Placeholder 4">
+            <a:extLst>
+              <a:ext uri="{FF2B5EF4-FFF2-40B4-BE49-F238E27FC236}">
+                <a16:creationId xmlns:a16="http://schemas.microsoft.com/office/drawing/2014/main" id="{2DDBD783-A52E-0064-668C-D393154B0C04}"/>
+              </a:ext>
+            </a:extLst>
+          </p:cNvPr>
+          <p:cNvSpPr>
+            <a:spLocks noGrp="1"/>
+          </p:cNvSpPr>
+          <p:nvPr>
+            <p:ph type="dt" sz="half" idx="10"/>
+          </p:nvPr>
+        </p:nvSpPr>
+        <p:spPr/>
+        <p:txBody>
+          <a:bodyPr/>
+          <a:lstStyle/>
+          <a:p>
+            <a:fld id="{45BBEE8D-5591-4529-BDB4-27B6F16B289F}" type="datetime1">
+              <a:rPr lang="en-GB" smtClean="0"/>
+              <a:t>02/12/2025</a:t>
+            </a:fld>
+            <a:endParaRPr lang="en-GB"/>
+          </a:p>
+        </p:txBody>
+      </p:sp>
+      <p:sp>
+        <p:nvSpPr>
+          <p:cNvPr id="6" name="Footer Placeholder 5">
+            <a:extLst>
+              <a:ext uri="{FF2B5EF4-FFF2-40B4-BE49-F238E27FC236}">
+                <a16:creationId xmlns:a16="http://schemas.microsoft.com/office/drawing/2014/main" id="{786EDF47-CE09-3FD5-8ADD-0A6CFFA9ACCD}"/>
+              </a:ext>
+            </a:extLst>
+          </p:cNvPr>
+          <p:cNvSpPr>
+            <a:spLocks noGrp="1"/>
+          </p:cNvSpPr>
+          <p:nvPr>
+            <p:ph type="ftr" sz="quarter" idx="11"/>
+          </p:nvPr>
+        </p:nvSpPr>
+        <p:spPr/>
+        <p:txBody>
+          <a:bodyPr/>
+          <a:lstStyle/>
+          <a:p>
+            <a:endParaRPr lang="en-GB"/>
+          </a:p>
+        </p:txBody>
+      </p:sp>
+      <p:sp>
+        <p:nvSpPr>
+          <p:cNvPr id="7" name="Slide Number Placeholder 6">
+            <a:extLst>
+              <a:ext uri="{FF2B5EF4-FFF2-40B4-BE49-F238E27FC236}">
+                <a16:creationId xmlns:a16="http://schemas.microsoft.com/office/drawing/2014/main" id="{8DEBE330-F483-EA66-3FEC-34BA5B610CCF}"/>
+              </a:ext>
+            </a:extLst>
+          </p:cNvPr>
+          <p:cNvSpPr>
+            <a:spLocks noGrp="1"/>
+          </p:cNvSpPr>
+          <p:nvPr>
+            <p:ph type="sldNum" sz="quarter" idx="12"/>
+          </p:nvPr>
+        </p:nvSpPr>
+        <p:spPr/>
+        <p:txBody>
+          <a:bodyPr/>
+          <a:lstStyle/>
+          <a:p>
+            <a:fld id="{09FCE3CD-8E5B-4FEB-BC1E-3D61BE3CC713}" type="slidenum">
+              <a:rPr lang="en-GB" smtClean="0"/>
+              <a:t>‹#›</a:t>
+            </a:fld>
+            <a:endParaRPr lang="en-GB"/>
+          </a:p>
+        </p:txBody>
+      </p:sp>
+    </p:spTree>
+    <p:extLst>
+      <p:ext uri="{BB962C8B-B14F-4D97-AF65-F5344CB8AC3E}">
+        <p14:creationId xmlns:p14="http://schemas.microsoft.com/office/powerpoint/2010/main" val="670425179"/>
+      </p:ext>
+    </p:extLst>
+  </p:cSld>
+  <p:clrMapOvr>
+    <a:masterClrMapping/>
+  </p:clrMapOvr>
+</p:sldLayout>
+</file>
+
+<file path=ppt/slideLayouts/slideLayout5.xml><?xml version="1.0" encoding="utf-8"?>
+<p:sldLayout xmlns:a="http://schemas.openxmlformats.org/drawingml/2006/main" xmlns:r="http://schemas.openxmlformats.org/officeDocument/2006/relationships" xmlns:p="http://schemas.openxmlformats.org/presentationml/2006/main" type="twoTxTwoObj" preserve="1">
+  <p:cSld name="Comparison">
+    <p:spTree>
+      <p:nvGrpSpPr>
+        <p:cNvPr id="1" name=""/>
+        <p:cNvGrpSpPr/>
+        <p:nvPr/>
+      </p:nvGrpSpPr>
+      <p:grpSpPr>
+        <a:xfrm>
+          <a:off x="0" y="0"/>
+          <a:ext cx="0" cy="0"/>
+          <a:chOff x="0" y="0"/>
+          <a:chExt cx="0" cy="0"/>
+        </a:xfrm>
+      </p:grpSpPr>
+      <p:sp>
+        <p:nvSpPr>
+          <p:cNvPr id="2" name="Title 1">
+            <a:extLst>
+              <a:ext uri="{FF2B5EF4-FFF2-40B4-BE49-F238E27FC236}">
+                <a16:creationId xmlns:a16="http://schemas.microsoft.com/office/drawing/2014/main" id="{29289D43-5E5B-48DD-A60B-FDDAC693BB87}"/>
+              </a:ext>
+            </a:extLst>
+          </p:cNvPr>
+          <p:cNvSpPr>
+            <a:spLocks noGrp="1"/>
+          </p:cNvSpPr>
+          <p:nvPr>
+            <p:ph type="title"/>
+          </p:nvPr>
+        </p:nvSpPr>
+        <p:spPr>
+          <a:xfrm>
+            <a:off x="839788" y="365125"/>
+            <a:ext cx="10515600" cy="1325563"/>
+          </a:xfrm>
+        </p:spPr>
+        <p:txBody>
+          <a:bodyPr/>
+          <a:lstStyle/>
+          <a:p>
+            <a:r>
+              <a:rPr lang="en-US"/>
+              <a:t>Click to edit Master title style</a:t>
+            </a:r>
+            <a:endParaRPr lang="en-GB"/>
+          </a:p>
+        </p:txBody>
+      </p:sp>
+      <p:sp>
+        <p:nvSpPr>
+          <p:cNvPr id="3" name="Text Placeholder 2">
+            <a:extLst>
+              <a:ext uri="{FF2B5EF4-FFF2-40B4-BE49-F238E27FC236}">
+                <a16:creationId xmlns:a16="http://schemas.microsoft.com/office/drawing/2014/main" id="{4566F32E-5382-7984-7E93-85C80744302A}"/>
+              </a:ext>
+            </a:extLst>
+          </p:cNvPr>
+          <p:cNvSpPr>
+            <a:spLocks noGrp="1"/>
+          </p:cNvSpPr>
+          <p:nvPr>
+            <p:ph type="body" idx="1"/>
+          </p:nvPr>
+        </p:nvSpPr>
+        <p:spPr>
+          <a:xfrm>
+            <a:off x="839788" y="1681163"/>
+            <a:ext cx="5157787" cy="823912"/>
+          </a:xfrm>
+        </p:spPr>
+        <p:txBody>
+          <a:bodyPr anchor="b"/>
+          <a:lstStyle>
+            <a:lvl1pPr marL="0" indent="0">
+              <a:buNone/>
+              <a:defRPr sz="2400" b="1"/>
+            </a:lvl1pPr>
+            <a:lvl2pPr marL="457200" indent="0">
+              <a:buNone/>
+              <a:defRPr sz="2000" b="1"/>
+            </a:lvl2pPr>
+            <a:lvl3pPr marL="914400" indent="0">
+              <a:buNone/>
+              <a:defRPr sz="1800" b="1"/>
+            </a:lvl3pPr>
+            <a:lvl4pPr marL="1371600" indent="0">
+              <a:buNone/>
+              <a:defRPr sz="1600" b="1"/>
+            </a:lvl4pPr>
+            <a:lvl5pPr marL="1828800" indent="0">
+              <a:buNone/>
+              <a:defRPr sz="1600" b="1"/>
+            </a:lvl5pPr>
+            <a:lvl6pPr marL="2286000" indent="0">
+              <a:buNone/>
+              <a:defRPr sz="1600" b="1"/>
+            </a:lvl6pPr>
+            <a:lvl7pPr marL="2743200" indent="0">
+              <a:buNone/>
+              <a:defRPr sz="1600" b="1"/>
+            </a:lvl7pPr>
+            <a:lvl8pPr marL="3200400" indent="0">
+              <a:buNone/>
+              <a:defRPr sz="1600" b="1"/>
+            </a:lvl8pPr>
+            <a:lvl9pPr marL="3657600" indent="0">
+              <a:buNone/>
+              <a:defRPr sz="1600" b="1"/>
+            </a:lvl9pPr>
+          </a:lstStyle>
+          <a:p>
+            <a:pPr lvl="0"/>
+            <a:r>
+              <a:rPr lang="en-US"/>
+              <a:t>Click to edit Master text styles</a:t>
+            </a:r>
+          </a:p>
+        </p:txBody>
+      </p:sp>
+      <p:sp>
+        <p:nvSpPr>
+          <p:cNvPr id="4" name="Content Placeholder 3">
+            <a:extLst>
+              <a:ext uri="{FF2B5EF4-FFF2-40B4-BE49-F238E27FC236}">
+                <a16:creationId xmlns:a16="http://schemas.microsoft.com/office/drawing/2014/main" id="{2D618230-A817-7965-EFCB-0720B4ABC64C}"/>
+              </a:ext>
+            </a:extLst>
+          </p:cNvPr>
+          <p:cNvSpPr>
+            <a:spLocks noGrp="1"/>
+          </p:cNvSpPr>
+          <p:nvPr>
+            <p:ph sz="half" idx="2"/>
+          </p:nvPr>
+        </p:nvSpPr>
+        <p:spPr>
+          <a:xfrm>
+            <a:off x="839788" y="2505075"/>
+            <a:ext cx="5157787" cy="3684588"/>
+          </a:xfrm>
+        </p:spPr>
+        <p:txBody>
+          <a:bodyPr/>
+          <a:lstStyle/>
+          <a:p>
+            <a:pPr lvl="0"/>
+            <a:r>
+              <a:rPr lang="en-US"/>
+              <a:t>Click to edit Master text styles</a:t>
+            </a:r>
+          </a:p>
+          <a:p>
+            <a:pPr lvl="1"/>
+            <a:r>
+              <a:rPr lang="en-US"/>
+              <a:t>Second level</a:t>
+            </a:r>
+          </a:p>
+          <a:p>
+            <a:pPr lvl="2"/>
+            <a:r>
+              <a:rPr lang="en-US"/>
+              <a:t>Third level</a:t>
+            </a:r>
+          </a:p>
+          <a:p>
+            <a:pPr lvl="3"/>
+            <a:r>
+              <a:rPr lang="en-US"/>
+              <a:t>Fourth level</a:t>
+            </a:r>
+          </a:p>
+          <a:p>
+            <a:pPr lvl="4"/>
+            <a:r>
+              <a:rPr lang="en-US"/>
+              <a:t>Fifth level</a:t>
+            </a:r>
+            <a:endParaRPr lang="en-GB"/>
+          </a:p>
+        </p:txBody>
+      </p:sp>
+      <p:sp>
+        <p:nvSpPr>
+          <p:cNvPr id="5" name="Text Placeholder 4">
+            <a:extLst>
+              <a:ext uri="{FF2B5EF4-FFF2-40B4-BE49-F238E27FC236}">
+                <a16:creationId xmlns:a16="http://schemas.microsoft.com/office/drawing/2014/main" id="{84E3800D-524D-E9FD-E4E6-8A0324046CE4}"/>
+              </a:ext>
+            </a:extLst>
+          </p:cNvPr>
+          <p:cNvSpPr>
+            <a:spLocks noGrp="1"/>
+          </p:cNvSpPr>
+          <p:nvPr>
+            <p:ph type="body" sz="quarter" idx="3"/>
+          </p:nvPr>
+        </p:nvSpPr>
+        <p:spPr>
+          <a:xfrm>
+            <a:off x="6172200" y="1681163"/>
+            <a:ext cx="5183188" cy="823912"/>
+          </a:xfrm>
+        </p:spPr>
+        <p:txBody>
+          <a:bodyPr anchor="b"/>
+          <a:lstStyle>
+            <a:lvl1pPr marL="0" indent="0">
+              <a:buNone/>
+              <a:defRPr sz="2400" b="1"/>
+            </a:lvl1pPr>
+            <a:lvl2pPr marL="457200" indent="0">
+              <a:buNone/>
+              <a:defRPr sz="2000" b="1"/>
+            </a:lvl2pPr>
+            <a:lvl3pPr marL="914400" indent="0">
+              <a:buNone/>
+              <a:defRPr sz="1800" b="1"/>
+            </a:lvl3pPr>
+            <a:lvl4pPr marL="1371600" indent="0">
+              <a:buNone/>
+              <a:defRPr sz="1600" b="1"/>
+            </a:lvl4pPr>
+            <a:lvl5pPr marL="1828800" indent="0">
+              <a:buNone/>
+              <a:defRPr sz="1600" b="1"/>
+            </a:lvl5pPr>
+            <a:lvl6pPr marL="2286000" indent="0">
+              <a:buNone/>
+              <a:defRPr sz="1600" b="1"/>
+            </a:lvl6pPr>
+            <a:lvl7pPr marL="2743200" indent="0">
+              <a:buNone/>
+              <a:defRPr sz="1600" b="1"/>
+            </a:lvl7pPr>
+            <a:lvl8pPr marL="3200400" indent="0">
+              <a:buNone/>
+              <a:defRPr sz="1600" b="1"/>
+            </a:lvl8pPr>
+            <a:lvl9pPr marL="3657600" indent="0">
+              <a:buNone/>
+              <a:defRPr sz="1600" b="1"/>
+            </a:lvl9pPr>
+          </a:lstStyle>
+          <a:p>
+            <a:pPr lvl="0"/>
+            <a:r>
+              <a:rPr lang="en-US"/>
+              <a:t>Click to edit Master text styles</a:t>
+            </a:r>
+          </a:p>
+        </p:txBody>
+      </p:sp>
+      <p:sp>
+        <p:nvSpPr>
+          <p:cNvPr id="6" name="Content Placeholder 5">
+            <a:extLst>
+              <a:ext uri="{FF2B5EF4-FFF2-40B4-BE49-F238E27FC236}">
+                <a16:creationId xmlns:a16="http://schemas.microsoft.com/office/drawing/2014/main" id="{C6E48E2B-8B3B-4A12-8C05-6222B14B48DB}"/>
+              </a:ext>
+            </a:extLst>
+          </p:cNvPr>
+          <p:cNvSpPr>
+            <a:spLocks noGrp="1"/>
+          </p:cNvSpPr>
+          <p:nvPr>
+            <p:ph sz="quarter" idx="4"/>
+          </p:nvPr>
+        </p:nvSpPr>
+        <p:spPr>
+          <a:xfrm>
+            <a:off x="6172200" y="2505075"/>
+            <a:ext cx="5183188" cy="3684588"/>
+          </a:xfrm>
+        </p:spPr>
+        <p:txBody>
+          <a:bodyPr/>
+          <a:lstStyle/>
+          <a:p>
+            <a:pPr lvl="0"/>
+            <a:r>
+              <a:rPr lang="en-US"/>
+              <a:t>Click to edit Master text styles</a:t>
+            </a:r>
+          </a:p>
+          <a:p>
+            <a:pPr lvl="1"/>
+            <a:r>
+              <a:rPr lang="en-US"/>
+              <a:t>Second level</a:t>
+            </a:r>
+          </a:p>
+          <a:p>
+            <a:pPr lvl="2"/>
+            <a:r>
+              <a:rPr lang="en-US"/>
+              <a:t>Third level</a:t>
+            </a:r>
+          </a:p>
+          <a:p>
+            <a:pPr lvl="3"/>
+            <a:r>
+              <a:rPr lang="en-US"/>
+              <a:t>Fourth level</a:t>
+            </a:r>
+          </a:p>
+          <a:p>
+            <a:pPr lvl="4"/>
+            <a:r>
+              <a:rPr lang="en-US"/>
+              <a:t>Fifth level</a:t>
+            </a:r>
+            <a:endParaRPr lang="en-GB"/>
+          </a:p>
+        </p:txBody>
+      </p:sp>
+      <p:sp>
+        <p:nvSpPr>
+          <p:cNvPr id="7" name="Date Placeholder 6">
+            <a:extLst>
+              <a:ext uri="{FF2B5EF4-FFF2-40B4-BE49-F238E27FC236}">
+                <a16:creationId xmlns:a16="http://schemas.microsoft.com/office/drawing/2014/main" id="{0E083518-B8B2-5C7F-CD0A-125EFA788F2E}"/>
+              </a:ext>
+            </a:extLst>
+          </p:cNvPr>
+          <p:cNvSpPr>
+            <a:spLocks noGrp="1"/>
+          </p:cNvSpPr>
+          <p:nvPr>
+            <p:ph type="dt" sz="half" idx="10"/>
+          </p:nvPr>
+        </p:nvSpPr>
+        <p:spPr/>
+        <p:txBody>
+          <a:bodyPr/>
+          <a:lstStyle/>
+          <a:p>
+            <a:fld id="{CD1D3935-CB14-44C3-A7B8-4A64E91EB368}" type="datetime1">
+              <a:rPr lang="en-GB" smtClean="0"/>
+              <a:t>02/12/2025</a:t>
+            </a:fld>
+            <a:endParaRPr lang="en-GB"/>
+          </a:p>
+        </p:txBody>
+      </p:sp>
+      <p:sp>
+        <p:nvSpPr>
+          <p:cNvPr id="8" name="Footer Placeholder 7">
+            <a:extLst>
+              <a:ext uri="{FF2B5EF4-FFF2-40B4-BE49-F238E27FC236}">
+                <a16:creationId xmlns:a16="http://schemas.microsoft.com/office/drawing/2014/main" id="{EB30EBAF-1066-8FE2-60BF-0AD28A94FA17}"/>
+              </a:ext>
+            </a:extLst>
+          </p:cNvPr>
+          <p:cNvSpPr>
+            <a:spLocks noGrp="1"/>
+          </p:cNvSpPr>
+          <p:nvPr>
+            <p:ph type="ftr" sz="quarter" idx="11"/>
+          </p:nvPr>
+        </p:nvSpPr>
+        <p:spPr/>
+        <p:txBody>
+          <a:bodyPr/>
+          <a:lstStyle/>
+          <a:p>
+            <a:endParaRPr lang="en-GB"/>
+          </a:p>
+        </p:txBody>
+      </p:sp>
+      <p:sp>
+        <p:nvSpPr>
+          <p:cNvPr id="9" name="Slide Number Placeholder 8">
+            <a:extLst>
+              <a:ext uri="{FF2B5EF4-FFF2-40B4-BE49-F238E27FC236}">
+                <a16:creationId xmlns:a16="http://schemas.microsoft.com/office/drawing/2014/main" id="{DBD6C8C0-F362-9C7F-C203-EC0BF19BFC89}"/>
+              </a:ext>
+            </a:extLst>
+          </p:cNvPr>
+          <p:cNvSpPr>
+            <a:spLocks noGrp="1"/>
+          </p:cNvSpPr>
+          <p:nvPr>
+            <p:ph type="sldNum" sz="quarter" idx="12"/>
+          </p:nvPr>
+        </p:nvSpPr>
+        <p:spPr/>
+        <p:txBody>
+          <a:bodyPr/>
+          <a:lstStyle/>
+          <a:p>
+            <a:fld id="{09FCE3CD-8E5B-4FEB-BC1E-3D61BE3CC713}" type="slidenum">
+              <a:rPr lang="en-GB" smtClean="0"/>
+              <a:t>‹#›</a:t>
+            </a:fld>
+            <a:endParaRPr lang="en-GB"/>
+          </a:p>
+        </p:txBody>
+      </p:sp>
+    </p:spTree>
+    <p:extLst>
+      <p:ext uri="{BB962C8B-B14F-4D97-AF65-F5344CB8AC3E}">
+        <p14:creationId xmlns:p14="http://schemas.microsoft.com/office/powerpoint/2010/main" val="3515856666"/>
+      </p:ext>
+    </p:extLst>
+  </p:cSld>
+  <p:clrMapOvr>
+    <a:masterClrMapping/>
+  </p:clrMapOvr>
+</p:sldLayout>
+</file>
+
+<file path=ppt/slideLayouts/slideLayout6.xml><?xml version="1.0" encoding="utf-8"?>
+<p:sldLayout xmlns:a="http://schemas.openxmlformats.org/drawingml/2006/main" xmlns:r="http://schemas.openxmlformats.org/officeDocument/2006/relationships" xmlns:p="http://schemas.openxmlformats.org/presentationml/2006/main" type="titleOnly" preserve="1">
+  <p:cSld name="Title Only">
+    <p:spTree>
+      <p:nvGrpSpPr>
+        <p:cNvPr id="1" name=""/>
+        <p:cNvGrpSpPr/>
+        <p:nvPr/>
+      </p:nvGrpSpPr>
+      <p:grpSpPr>
+        <a:xfrm>
+          <a:off x="0" y="0"/>
+          <a:ext cx="0" cy="0"/>
+          <a:chOff x="0" y="0"/>
+          <a:chExt cx="0" cy="0"/>
+        </a:xfrm>
+      </p:grpSpPr>
+      <p:sp>
+        <p:nvSpPr>
+          <p:cNvPr id="2" name="Title 1">
+            <a:extLst>
+              <a:ext uri="{FF2B5EF4-FFF2-40B4-BE49-F238E27FC236}">
+                <a16:creationId xmlns:a16="http://schemas.microsoft.com/office/drawing/2014/main" id="{A08A044E-9B9D-6532-38C5-2548C08E351D}"/>
+              </a:ext>
+            </a:extLst>
+          </p:cNvPr>
+          <p:cNvSpPr>
+            <a:spLocks noGrp="1"/>
+          </p:cNvSpPr>
+          <p:nvPr>
+            <p:ph type="title"/>
+          </p:nvPr>
+        </p:nvSpPr>
+        <p:spPr/>
+        <p:txBody>
+          <a:bodyPr/>
+          <a:lstStyle/>
+          <a:p>
+            <a:r>
+              <a:rPr lang="en-US"/>
+              <a:t>Click to edit Master title style</a:t>
+            </a:r>
+            <a:endParaRPr lang="en-GB"/>
+          </a:p>
+        </p:txBody>
+      </p:sp>
+      <p:sp>
+        <p:nvSpPr>
+          <p:cNvPr id="3" name="Date Placeholder 2">
+            <a:extLst>
+              <a:ext uri="{FF2B5EF4-FFF2-40B4-BE49-F238E27FC236}">
+                <a16:creationId xmlns:a16="http://schemas.microsoft.com/office/drawing/2014/main" id="{D1C5C59B-7D5D-D630-8E28-4022FF76670C}"/>
+              </a:ext>
+            </a:extLst>
+          </p:cNvPr>
+          <p:cNvSpPr>
+            <a:spLocks noGrp="1"/>
+          </p:cNvSpPr>
+          <p:nvPr>
+            <p:ph type="dt" sz="half" idx="10"/>
+          </p:nvPr>
+        </p:nvSpPr>
+        <p:spPr/>
+        <p:txBody>
+          <a:bodyPr/>
+          <a:lstStyle/>
+          <a:p>
+            <a:fld id="{D0422D33-7DB6-4C22-ABCF-04EA101FA9E8}" type="datetime1">
+              <a:rPr lang="en-GB" smtClean="0"/>
+              <a:t>02/12/2025</a:t>
+            </a:fld>
+            <a:endParaRPr lang="en-GB"/>
+          </a:p>
+        </p:txBody>
+      </p:sp>
+      <p:sp>
+        <p:nvSpPr>
+          <p:cNvPr id="4" name="Footer Placeholder 3">
+            <a:extLst>
+              <a:ext uri="{FF2B5EF4-FFF2-40B4-BE49-F238E27FC236}">
+                <a16:creationId xmlns:a16="http://schemas.microsoft.com/office/drawing/2014/main" id="{F296964E-2C9E-7926-8B63-80F95308DAAC}"/>
+              </a:ext>
+            </a:extLst>
+          </p:cNvPr>
+          <p:cNvSpPr>
+            <a:spLocks noGrp="1"/>
+          </p:cNvSpPr>
+          <p:nvPr>
+            <p:ph type="ftr" sz="quarter" idx="11"/>
+          </p:nvPr>
+        </p:nvSpPr>
+        <p:spPr/>
+        <p:txBody>
+          <a:bodyPr/>
+          <a:lstStyle/>
+          <a:p>
+            <a:endParaRPr lang="en-GB"/>
+          </a:p>
+        </p:txBody>
+      </p:sp>
+      <p:sp>
+        <p:nvSpPr>
+          <p:cNvPr id="5" name="Slide Number Placeholder 4">
+            <a:extLst>
+              <a:ext uri="{FF2B5EF4-FFF2-40B4-BE49-F238E27FC236}">
+                <a16:creationId xmlns:a16="http://schemas.microsoft.com/office/drawing/2014/main" id="{8630FA47-9D75-E0FF-8FB3-0F9EF1813A0F}"/>
+              </a:ext>
+            </a:extLst>
+          </p:cNvPr>
+          <p:cNvSpPr>
+            <a:spLocks noGrp="1"/>
+          </p:cNvSpPr>
+          <p:nvPr>
+            <p:ph type="sldNum" sz="quarter" idx="12"/>
+          </p:nvPr>
+        </p:nvSpPr>
+        <p:spPr/>
+        <p:txBody>
+          <a:bodyPr/>
+          <a:lstStyle/>
+          <a:p>
+            <a:fld id="{09FCE3CD-8E5B-4FEB-BC1E-3D61BE3CC713}" type="slidenum">
+              <a:rPr lang="en-GB" smtClean="0"/>
+              <a:t>‹#›</a:t>
+            </a:fld>
+            <a:endParaRPr lang="en-GB"/>
+          </a:p>
+        </p:txBody>
+      </p:sp>
+    </p:spTree>
+    <p:extLst>
+      <p:ext uri="{BB962C8B-B14F-4D97-AF65-F5344CB8AC3E}">
+        <p14:creationId xmlns:p14="http://schemas.microsoft.com/office/powerpoint/2010/main" val="3076873655"/>
+      </p:ext>
+    </p:extLst>
+  </p:cSld>
+  <p:clrMapOvr>
+    <a:masterClrMapping/>
+  </p:clrMapOvr>
+</p:sldLayout>
+</file>
+
+<file path=ppt/slideLayouts/slideLayout7.xml><?xml version="1.0" encoding="utf-8"?>
+<p:sldLayout xmlns:a="http://schemas.openxmlformats.org/drawingml/2006/main" xmlns:r="http://schemas.openxmlformats.org/officeDocument/2006/relationships" xmlns:p="http://schemas.openxmlformats.org/presentationml/2006/main" type="blank" preserve="1">
+  <p:cSld name="Blank">
+    <p:spTree>
+      <p:nvGrpSpPr>
+        <p:cNvPr id="1" name=""/>
+        <p:cNvGrpSpPr/>
+        <p:nvPr/>
+      </p:nvGrpSpPr>
+      <p:grpSpPr>
+        <a:xfrm>
+          <a:off x="0" y="0"/>
+          <a:ext cx="0" cy="0"/>
+          <a:chOff x="0" y="0"/>
+          <a:chExt cx="0" cy="0"/>
+        </a:xfrm>
+      </p:grpSpPr>
+      <p:sp>
+        <p:nvSpPr>
+          <p:cNvPr id="2" name="Date Placeholder 1">
+            <a:extLst>
+              <a:ext uri="{FF2B5EF4-FFF2-40B4-BE49-F238E27FC236}">
+                <a16:creationId xmlns:a16="http://schemas.microsoft.com/office/drawing/2014/main" id="{34268972-0D81-CE22-EDE6-5BD70E2B4743}"/>
+              </a:ext>
+            </a:extLst>
+          </p:cNvPr>
+          <p:cNvSpPr>
+            <a:spLocks noGrp="1"/>
+          </p:cNvSpPr>
+          <p:nvPr>
+            <p:ph type="dt" sz="half" idx="10"/>
+          </p:nvPr>
+        </p:nvSpPr>
+        <p:spPr/>
+        <p:txBody>
+          <a:bodyPr/>
+          <a:lstStyle/>
+          <a:p>
+            <a:fld id="{0EA08CE8-F182-4139-AEDE-2CE17C096A0C}" type="datetime1">
+              <a:rPr lang="en-GB" smtClean="0"/>
+              <a:t>02/12/2025</a:t>
+            </a:fld>
+            <a:endParaRPr lang="en-GB"/>
+          </a:p>
+        </p:txBody>
+      </p:sp>
+      <p:sp>
+        <p:nvSpPr>
+          <p:cNvPr id="3" name="Footer Placeholder 2">
+            <a:extLst>
+              <a:ext uri="{FF2B5EF4-FFF2-40B4-BE49-F238E27FC236}">
+                <a16:creationId xmlns:a16="http://schemas.microsoft.com/office/drawing/2014/main" id="{98CF470F-F056-E314-B018-2C9E07E7F09B}"/>
+              </a:ext>
+            </a:extLst>
+          </p:cNvPr>
+          <p:cNvSpPr>
+            <a:spLocks noGrp="1"/>
+          </p:cNvSpPr>
+          <p:nvPr>
+            <p:ph type="ftr" sz="quarter" idx="11"/>
+          </p:nvPr>
+        </p:nvSpPr>
+        <p:spPr/>
+        <p:txBody>
+          <a:bodyPr/>
+          <a:lstStyle/>
+          <a:p>
+            <a:endParaRPr lang="en-GB"/>
+          </a:p>
+        </p:txBody>
+      </p:sp>
+      <p:sp>
+        <p:nvSpPr>
+          <p:cNvPr id="4" name="Slide Number Placeholder 3">
+            <a:extLst>
+              <a:ext uri="{FF2B5EF4-FFF2-40B4-BE49-F238E27FC236}">
+                <a16:creationId xmlns:a16="http://schemas.microsoft.com/office/drawing/2014/main" id="{5BF2BD58-FE18-5B4B-0126-E111600D58D0}"/>
+              </a:ext>
+            </a:extLst>
+          </p:cNvPr>
+          <p:cNvSpPr>
+            <a:spLocks noGrp="1"/>
+          </p:cNvSpPr>
+          <p:nvPr>
+            <p:ph type="sldNum" sz="quarter" idx="12"/>
+          </p:nvPr>
+        </p:nvSpPr>
+        <p:spPr/>
+        <p:txBody>
+          <a:bodyPr/>
+          <a:lstStyle/>
+          <a:p>
+            <a:fld id="{09FCE3CD-8E5B-4FEB-BC1E-3D61BE3CC713}" type="slidenum">
+              <a:rPr lang="en-GB" smtClean="0"/>
+              <a:t>‹#›</a:t>
+            </a:fld>
+            <a:endParaRPr lang="en-GB"/>
+          </a:p>
+        </p:txBody>
+      </p:sp>
+    </p:spTree>
+    <p:extLst>
+      <p:ext uri="{BB962C8B-B14F-4D97-AF65-F5344CB8AC3E}">
+        <p14:creationId xmlns:p14="http://schemas.microsoft.com/office/powerpoint/2010/main" val="1307367758"/>
+      </p:ext>
+    </p:extLst>
+  </p:cSld>
+  <p:clrMapOvr>
+    <a:masterClrMapping/>
+  </p:clrMapOvr>
+</p:sldLayout>
+</file>
+
+<file path=ppt/slideLayouts/slideLayout8.xml><?xml version="1.0" encoding="utf-8"?>
+<p:sldLayout xmlns:a="http://schemas.openxmlformats.org/drawingml/2006/main" xmlns:r="http://schemas.openxmlformats.org/officeDocument/2006/relationships" xmlns:p="http://schemas.openxmlformats.org/presentationml/2006/main" type="objTx" preserve="1">
+  <p:cSld name="Content with Caption">
+    <p:spTree>
+      <p:nvGrpSpPr>
+        <p:cNvPr id="1" name=""/>
+        <p:cNvGrpSpPr/>
+        <p:nvPr/>
+      </p:nvGrpSpPr>
+      <p:grpSpPr>
+        <a:xfrm>
+          <a:off x="0" y="0"/>
+          <a:ext cx="0" cy="0"/>
+          <a:chOff x="0" y="0"/>
+          <a:chExt cx="0" cy="0"/>
+        </a:xfrm>
+      </p:grpSpPr>
+      <p:sp>
+        <p:nvSpPr>
+          <p:cNvPr id="2" name="Title 1">
+            <a:extLst>
+              <a:ext uri="{FF2B5EF4-FFF2-40B4-BE49-F238E27FC236}">
+                <a16:creationId xmlns:a16="http://schemas.microsoft.com/office/drawing/2014/main" id="{A63E1CF6-20E5-C8D0-55EF-0044CFF3BFF7}"/>
+              </a:ext>
+            </a:extLst>
+          </p:cNvPr>
+          <p:cNvSpPr>
+            <a:spLocks noGrp="1"/>
+          </p:cNvSpPr>
+          <p:nvPr>
+            <p:ph type="title"/>
+          </p:nvPr>
+        </p:nvSpPr>
+        <p:spPr>
+          <a:xfrm>
+            <a:off x="839788" y="457200"/>
+            <a:ext cx="3932237" cy="1600200"/>
+          </a:xfrm>
+        </p:spPr>
+        <p:txBody>
+          <a:bodyPr anchor="b"/>
+          <a:lstStyle>
+            <a:lvl1pPr>
+              <a:defRPr sz="3200"/>
+            </a:lvl1pPr>
+          </a:lstStyle>
+          <a:p>
+            <a:r>
+              <a:rPr lang="en-US"/>
+              <a:t>Click to edit Master title style</a:t>
+            </a:r>
+            <a:endParaRPr lang="en-GB"/>
+          </a:p>
+        </p:txBody>
+      </p:sp>
+      <p:sp>
+        <p:nvSpPr>
+          <p:cNvPr id="3" name="Content Placeholder 2">
+            <a:extLst>
+              <a:ext uri="{FF2B5EF4-FFF2-40B4-BE49-F238E27FC236}">
+                <a16:creationId xmlns:a16="http://schemas.microsoft.com/office/drawing/2014/main" id="{45B13B3F-0A8A-88D7-368C-2C0D15C33E24}"/>
+              </a:ext>
+            </a:extLst>
+          </p:cNvPr>
+          <p:cNvSpPr>
+            <a:spLocks noGrp="1"/>
+          </p:cNvSpPr>
+          <p:nvPr>
+            <p:ph idx="1"/>
+          </p:nvPr>
+        </p:nvSpPr>
+        <p:spPr>
+          <a:xfrm>
+            <a:off x="5183188" y="987425"/>
+            <a:ext cx="6172200" cy="4873625"/>
+          </a:xfrm>
+        </p:spPr>
+        <p:txBody>
+          <a:bodyPr/>
+          <a:lstStyle>
+            <a:lvl1pPr>
+              <a:defRPr sz="3200"/>
+            </a:lvl1pPr>
+            <a:lvl2pPr>
+              <a:defRPr sz="2800"/>
+            </a:lvl2pPr>
+            <a:lvl3pPr>
+              <a:defRPr sz="2400"/>
+            </a:lvl3pPr>
+            <a:lvl4pPr>
+              <a:defRPr sz="2000"/>
+            </a:lvl4pPr>
+            <a:lvl5pPr>
+              <a:defRPr sz="2000"/>
+            </a:lvl5pPr>
+            <a:lvl6pPr>
+              <a:defRPr sz="2000"/>
+            </a:lvl6pPr>
+            <a:lvl7pPr>
+              <a:defRPr sz="2000"/>
+            </a:lvl7pPr>
+            <a:lvl8pPr>
+              <a:defRPr sz="2000"/>
+            </a:lvl8pPr>
+            <a:lvl9pPr>
+              <a:defRPr sz="2000"/>
+            </a:lvl9pPr>
+          </a:lstStyle>
+          <a:p>
+            <a:pPr lvl="0"/>
+            <a:r>
+              <a:rPr lang="en-US"/>
+              <a:t>Click to edit Master text styles</a:t>
+            </a:r>
+          </a:p>
+          <a:p>
+            <a:pPr lvl="1"/>
+            <a:r>
+              <a:rPr lang="en-US"/>
+              <a:t>Second level</a:t>
+            </a:r>
+          </a:p>
+          <a:p>
+            <a:pPr lvl="2"/>
+            <a:r>
+              <a:rPr lang="en-US"/>
+              <a:t>Third level</a:t>
+            </a:r>
+          </a:p>
+          <a:p>
+            <a:pPr lvl="3"/>
+            <a:r>
+              <a:rPr lang="en-US"/>
+              <a:t>Fourth level</a:t>
+            </a:r>
+          </a:p>
+          <a:p>
+            <a:pPr lvl="4"/>
+            <a:r>
+              <a:rPr lang="en-US"/>
+              <a:t>Fifth level</a:t>
+            </a:r>
+            <a:endParaRPr lang="en-GB"/>
+          </a:p>
+        </p:txBody>
+      </p:sp>
+      <p:sp>
+        <p:nvSpPr>
+          <p:cNvPr id="4" name="Text Placeholder 3">
+            <a:extLst>
+              <a:ext uri="{FF2B5EF4-FFF2-40B4-BE49-F238E27FC236}">
+                <a16:creationId xmlns:a16="http://schemas.microsoft.com/office/drawing/2014/main" id="{33D8D0F0-7D28-2713-49F8-A122409C5E40}"/>
+              </a:ext>
+            </a:extLst>
+          </p:cNvPr>
+          <p:cNvSpPr>
+            <a:spLocks noGrp="1"/>
+          </p:cNvSpPr>
+          <p:nvPr>
+            <p:ph type="body" sz="half" idx="2"/>
+          </p:nvPr>
+        </p:nvSpPr>
+        <p:spPr>
+          <a:xfrm>
+            <a:off x="839788" y="2057400"/>
+            <a:ext cx="3932237" cy="3811588"/>
+          </a:xfrm>
+        </p:spPr>
+        <p:txBody>
+          <a:bodyPr/>
+          <a:lstStyle>
+            <a:lvl1pPr marL="0" indent="0">
+              <a:buNone/>
+              <a:defRPr sz="1600"/>
+            </a:lvl1pPr>
+            <a:lvl2pPr marL="457200" indent="0">
+              <a:buNone/>
+              <a:defRPr sz="1400"/>
+            </a:lvl2pPr>
+            <a:lvl3pPr marL="914400" indent="0">
+              <a:buNone/>
+              <a:defRPr sz="1200"/>
+            </a:lvl3pPr>
+            <a:lvl4pPr marL="1371600" indent="0">
+              <a:buNone/>
+              <a:defRPr sz="1000"/>
+            </a:lvl4pPr>
+            <a:lvl5pPr marL="1828800" indent="0">
+              <a:buNone/>
+              <a:defRPr sz="1000"/>
+            </a:lvl5pPr>
+            <a:lvl6pPr marL="2286000" indent="0">
+              <a:buNone/>
+              <a:defRPr sz="1000"/>
+            </a:lvl6pPr>
+            <a:lvl7pPr marL="2743200" indent="0">
+              <a:buNone/>
+              <a:defRPr sz="1000"/>
+            </a:lvl7pPr>
+            <a:lvl8pPr marL="3200400" indent="0">
+              <a:buNone/>
+              <a:defRPr sz="1000"/>
+            </a:lvl8pPr>
+            <a:lvl9pPr marL="3657600" indent="0">
+              <a:buNone/>
+              <a:defRPr sz="1000"/>
+            </a:lvl9pPr>
+          </a:lstStyle>
+          <a:p>
+            <a:pPr lvl="0"/>
+            <a:r>
+              <a:rPr lang="en-US"/>
+              <a:t>Click to edit Master text styles</a:t>
+            </a:r>
+          </a:p>
+        </p:txBody>
+      </p:sp>
+      <p:sp>
+        <p:nvSpPr>
+          <p:cNvPr id="5" name="Date Placeholder 4">
+            <a:extLst>
+              <a:ext uri="{FF2B5EF4-FFF2-40B4-BE49-F238E27FC236}">
+                <a16:creationId xmlns:a16="http://schemas.microsoft.com/office/drawing/2014/main" id="{F115D5A1-AB6A-3313-6D15-BF77B31ECADE}"/>
+              </a:ext>
+            </a:extLst>
+          </p:cNvPr>
+          <p:cNvSpPr>
+            <a:spLocks noGrp="1"/>
+          </p:cNvSpPr>
+          <p:nvPr>
+            <p:ph type="dt" sz="half" idx="10"/>
+          </p:nvPr>
+        </p:nvSpPr>
+        <p:spPr/>
+        <p:txBody>
+          <a:bodyPr/>
+          <a:lstStyle/>
+          <a:p>
+            <a:fld id="{9C264B25-4EB4-4615-B5A8-0CFFBDA65C65}" type="datetime1">
+              <a:rPr lang="en-GB" smtClean="0"/>
+              <a:t>02/12/2025</a:t>
+            </a:fld>
+            <a:endParaRPr lang="en-GB"/>
+          </a:p>
+        </p:txBody>
+      </p:sp>
+      <p:sp>
+        <p:nvSpPr>
+          <p:cNvPr id="6" name="Footer Placeholder 5">
+            <a:extLst>
+              <a:ext uri="{FF2B5EF4-FFF2-40B4-BE49-F238E27FC236}">
+                <a16:creationId xmlns:a16="http://schemas.microsoft.com/office/drawing/2014/main" id="{F2A49E29-6085-AC32-B97C-BE6FFEDD4730}"/>
+              </a:ext>
+            </a:extLst>
+          </p:cNvPr>
+          <p:cNvSpPr>
+            <a:spLocks noGrp="1"/>
+          </p:cNvSpPr>
+          <p:nvPr>
+            <p:ph type="ftr" sz="quarter" idx="11"/>
+          </p:nvPr>
+        </p:nvSpPr>
+        <p:spPr/>
+        <p:txBody>
+          <a:bodyPr/>
+          <a:lstStyle/>
+          <a:p>
+            <a:endParaRPr lang="en-GB"/>
+          </a:p>
+        </p:txBody>
+      </p:sp>
+      <p:sp>
+        <p:nvSpPr>
+          <p:cNvPr id="7" name="Slide Number Placeholder 6">
+            <a:extLst>
+              <a:ext uri="{FF2B5EF4-FFF2-40B4-BE49-F238E27FC236}">
+                <a16:creationId xmlns:a16="http://schemas.microsoft.com/office/drawing/2014/main" id="{22397273-FC10-830B-4EE1-EF7CBFF7E782}"/>
+              </a:ext>
+            </a:extLst>
+          </p:cNvPr>
+          <p:cNvSpPr>
+            <a:spLocks noGrp="1"/>
+          </p:cNvSpPr>
+          <p:nvPr>
+            <p:ph type="sldNum" sz="quarter" idx="12"/>
+          </p:nvPr>
+        </p:nvSpPr>
+        <p:spPr/>
+        <p:txBody>
+          <a:bodyPr/>
+          <a:lstStyle/>
+          <a:p>
+            <a:fld id="{09FCE3CD-8E5B-4FEB-BC1E-3D61BE3CC713}" type="slidenum">
+              <a:rPr lang="en-GB" smtClean="0"/>
+              <a:t>‹#›</a:t>
+            </a:fld>
+            <a:endParaRPr lang="en-GB"/>
+          </a:p>
+        </p:txBody>
+      </p:sp>
+    </p:spTree>
+    <p:extLst>
+      <p:ext uri="{BB962C8B-B14F-4D97-AF65-F5344CB8AC3E}">
+        <p14:creationId xmlns:p14="http://schemas.microsoft.com/office/powerpoint/2010/main" val="2635854427"/>
+      </p:ext>
+    </p:extLst>
+  </p:cSld>
+  <p:clrMapOvr>
+    <a:masterClrMapping/>
+  </p:clrMapOvr>
+</p:sldLayout>
+</file>
+
+<file path=ppt/slideLayouts/slideLayout9.xml><?xml version="1.0" encoding="utf-8"?>
+<p:sldLayout xmlns:a="http://schemas.openxmlformats.org/drawingml/2006/main" xmlns:r="http://schemas.openxmlformats.org/officeDocument/2006/relationships" xmlns:p="http://schemas.openxmlformats.org/presentationml/2006/main" type="picTx" preserve="1">
+  <p:cSld name="Picture with Caption">
+    <p:spTree>
+      <p:nvGrpSpPr>
+        <p:cNvPr id="1" name=""/>
+        <p:cNvGrpSpPr/>
+        <p:nvPr/>
+      </p:nvGrpSpPr>
+      <p:grpSpPr>
+        <a:xfrm>
+          <a:off x="0" y="0"/>
+          <a:ext cx="0" cy="0"/>
+          <a:chOff x="0" y="0"/>
+          <a:chExt cx="0" cy="0"/>
+        </a:xfrm>
+      </p:grpSpPr>
+      <p:sp>
+        <p:nvSpPr>
+          <p:cNvPr id="2" name="Title 1">
+            <a:extLst>
+              <a:ext uri="{FF2B5EF4-FFF2-40B4-BE49-F238E27FC236}">
+                <a16:creationId xmlns:a16="http://schemas.microsoft.com/office/drawing/2014/main" id="{10C618FA-A510-D593-C2E8-A943D32C014F}"/>
+              </a:ext>
+            </a:extLst>
+          </p:cNvPr>
+          <p:cNvSpPr>
+            <a:spLocks noGrp="1"/>
+          </p:cNvSpPr>
+          <p:nvPr>
+            <p:ph type="title"/>
+          </p:nvPr>
+        </p:nvSpPr>
+        <p:spPr>
+          <a:xfrm>
+            <a:off x="839788" y="457200"/>
+            <a:ext cx="3932237" cy="1600200"/>
+          </a:xfrm>
+        </p:spPr>
+        <p:txBody>
+          <a:bodyPr anchor="b"/>
+          <a:lstStyle>
+            <a:lvl1pPr>
+              <a:defRPr sz="3200"/>
+            </a:lvl1pPr>
+          </a:lstStyle>
+          <a:p>
+            <a:r>
+              <a:rPr lang="en-US"/>
+              <a:t>Click to edit Master title style</a:t>
+            </a:r>
+            <a:endParaRPr lang="en-GB"/>
+          </a:p>
+        </p:txBody>
+      </p:sp>
+      <p:sp>
+        <p:nvSpPr>
+          <p:cNvPr id="3" name="Picture Placeholder 2">
+            <a:extLst>
+              <a:ext uri="{FF2B5EF4-FFF2-40B4-BE49-F238E27FC236}">
+                <a16:creationId xmlns:a16="http://schemas.microsoft.com/office/drawing/2014/main" id="{9CC86480-7067-230A-B3CE-415EF472B51E}"/>
+              </a:ext>
+            </a:extLst>
+          </p:cNvPr>
+          <p:cNvSpPr>
+            <a:spLocks noGrp="1"/>
+          </p:cNvSpPr>
+          <p:nvPr>
+            <p:ph type="pic" idx="1"/>
+          </p:nvPr>
+        </p:nvSpPr>
+        <p:spPr>
+          <a:xfrm>
+            <a:off x="5183188" y="987425"/>
+            <a:ext cx="6172200" cy="4873625"/>
+          </a:xfrm>
+        </p:spPr>
+        <p:txBody>
+          <a:bodyPr/>
+          <a:lstStyle>
+            <a:lvl1pPr marL="0" indent="0">
+              <a:buNone/>
+              <a:defRPr sz="3200"/>
+            </a:lvl1pPr>
+            <a:lvl2pPr marL="457200" indent="0">
+              <a:buNone/>
+              <a:defRPr sz="2800"/>
+            </a:lvl2pPr>
+            <a:lvl3pPr marL="914400" indent="0">
+              <a:buNone/>
+              <a:defRPr sz="2400"/>
+            </a:lvl3pPr>
+            <a:lvl4pPr marL="1371600" indent="0">
+              <a:buNone/>
+              <a:defRPr sz="2000"/>
+            </a:lvl4pPr>
+            <a:lvl5pPr marL="1828800" indent="0">
+              <a:buNone/>
+              <a:defRPr sz="2000"/>
+            </a:lvl5pPr>
+            <a:lvl6pPr marL="2286000" indent="0">
+              <a:buNone/>
+              <a:defRPr sz="2000"/>
+            </a:lvl6pPr>
+            <a:lvl7pPr marL="2743200" indent="0">
+              <a:buNone/>
+              <a:defRPr sz="2000"/>
+            </a:lvl7pPr>
+            <a:lvl8pPr marL="3200400" indent="0">
+              <a:buNone/>
+              <a:defRPr sz="2000"/>
+            </a:lvl8pPr>
+            <a:lvl9pPr marL="3657600" indent="0">
+              <a:buNone/>
+              <a:defRPr sz="2000"/>
+            </a:lvl9pPr>
+          </a:lstStyle>
+          <a:p>
+            <a:endParaRPr lang="en-GB"/>
+          </a:p>
+        </p:txBody>
+      </p:sp>
+      <p:sp>
+        <p:nvSpPr>
+          <p:cNvPr id="4" name="Text Placeholder 3">
+            <a:extLst>
+              <a:ext uri="{FF2B5EF4-FFF2-40B4-BE49-F238E27FC236}">
+                <a16:creationId xmlns:a16="http://schemas.microsoft.com/office/drawing/2014/main" id="{21C3E5E3-C685-17BB-99D4-CCE0E3B57F4D}"/>
+              </a:ext>
+            </a:extLst>
+          </p:cNvPr>
+          <p:cNvSpPr>
+            <a:spLocks noGrp="1"/>
+          </p:cNvSpPr>
+          <p:nvPr>
+            <p:ph type="body" sz="half" idx="2"/>
+          </p:nvPr>
+        </p:nvSpPr>
+        <p:spPr>
+          <a:xfrm>
+            <a:off x="839788" y="2057400"/>
+            <a:ext cx="3932237" cy="3811588"/>
+          </a:xfrm>
+        </p:spPr>
+        <p:txBody>
+          <a:bodyPr/>
+          <a:lstStyle>
+            <a:lvl1pPr marL="0" indent="0">
+              <a:buNone/>
+              <a:defRPr sz="1600"/>
+            </a:lvl1pPr>
+            <a:lvl2pPr marL="457200" indent="0">
+              <a:buNone/>
+              <a:defRPr sz="1400"/>
+            </a:lvl2pPr>
+            <a:lvl3pPr marL="914400" indent="0">
+              <a:buNone/>
+              <a:defRPr sz="1200"/>
+            </a:lvl3pPr>
+            <a:lvl4pPr marL="1371600" indent="0">
+              <a:buNone/>
+              <a:defRPr sz="1000"/>
+            </a:lvl4pPr>
+            <a:lvl5pPr marL="1828800" indent="0">
+              <a:buNone/>
+              <a:defRPr sz="1000"/>
+            </a:lvl5pPr>
+            <a:lvl6pPr marL="2286000" indent="0">
+              <a:buNone/>
+              <a:defRPr sz="1000"/>
+            </a:lvl6pPr>
+            <a:lvl7pPr marL="2743200" indent="0">
+              <a:buNone/>
+              <a:defRPr sz="1000"/>
+            </a:lvl7pPr>
+            <a:lvl8pPr marL="3200400" indent="0">
+              <a:buNone/>
+              <a:defRPr sz="1000"/>
+            </a:lvl8pPr>
+            <a:lvl9pPr marL="3657600" indent="0">
+              <a:buNone/>
+              <a:defRPr sz="1000"/>
+            </a:lvl9pPr>
+          </a:lstStyle>
+          <a:p>
+            <a:pPr lvl="0"/>
+            <a:r>
+              <a:rPr lang="en-US"/>
+              <a:t>Click to edit Master text styles</a:t>
+            </a:r>
+          </a:p>
+        </p:txBody>
+      </p:sp>
+      <p:sp>
+        <p:nvSpPr>
+          <p:cNvPr id="5" name="Date Placeholder 4">
+            <a:extLst>
+              <a:ext uri="{FF2B5EF4-FFF2-40B4-BE49-F238E27FC236}">
+                <a16:creationId xmlns:a16="http://schemas.microsoft.com/office/drawing/2014/main" id="{CD7FCBDC-72D1-DA03-EEBB-12C473CA75E8}"/>
+              </a:ext>
+            </a:extLst>
+          </p:cNvPr>
+          <p:cNvSpPr>
+            <a:spLocks noGrp="1"/>
+          </p:cNvSpPr>
+          <p:nvPr>
+            <p:ph type="dt" sz="half" idx="10"/>
+          </p:nvPr>
+        </p:nvSpPr>
+        <p:spPr/>
+        <p:txBody>
+          <a:bodyPr/>
+          <a:lstStyle/>
+          <a:p>
+            <a:fld id="{E2A804B0-C68E-41ED-908C-3C18CF0FF094}" type="datetime1">
+              <a:rPr lang="en-GB" smtClean="0"/>
+              <a:t>02/12/2025</a:t>
             </a:fld>
             <a:endParaRPr lang="en-GB"/>
           </a:p>
@@ -2951,9 +5955,9 @@
             </a:lvl1pPr>
           </a:lstStyle>
           <a:p>
-            <a:fld id="{A1D51BA1-F58B-40DF-9C13-73BC69DE2A80}" type="datetimeFigureOut">
+            <a:fld id="{C1717C0E-9A85-42A4-9B7D-62A0F169B95E}" type="datetime1">
               <a:rPr lang="en-GB" smtClean="0"/>
-              <a:t>25/11/2025</a:t>
+              <a:t>02/12/2025</a:t>
             </a:fld>
             <a:endParaRPr lang="en-GB"/>
           </a:p>
@@ -3070,6 +6074,578 @@
     <p:sldLayoutId id="2147483658" r:id="rId10"/>
     <p:sldLayoutId id="2147483659" r:id="rId11"/>
   </p:sldLayoutIdLst>
+  <p:hf hdr="0" ftr="0" dt="0"/>
+  <p:txStyles>
+    <p:titleStyle>
+      <a:lvl1pPr algn="l" defTabSz="914400" rtl="0" eaLnBrk="1" latinLnBrk="0" hangingPunct="1">
+        <a:lnSpc>
+          <a:spcPct val="90000"/>
+        </a:lnSpc>
+        <a:spcBef>
+          <a:spcPct val="0"/>
+        </a:spcBef>
+        <a:buNone/>
+        <a:defRPr sz="4400" kern="1200">
+          <a:solidFill>
+            <a:schemeClr val="tx1"/>
+          </a:solidFill>
+          <a:latin typeface="+mj-lt"/>
+          <a:ea typeface="+mj-ea"/>
+          <a:cs typeface="+mj-cs"/>
+        </a:defRPr>
+      </a:lvl1pPr>
+    </p:titleStyle>
+    <p:bodyStyle>
+      <a:lvl1pPr marL="228600" indent="-228600" algn="l" defTabSz="914400" rtl="0" eaLnBrk="1" latinLnBrk="0" hangingPunct="1">
+        <a:lnSpc>
+          <a:spcPct val="90000"/>
+        </a:lnSpc>
+        <a:spcBef>
+          <a:spcPts val="1000"/>
+        </a:spcBef>
+        <a:buFont typeface="Arial" panose="020B0604020202020204" pitchFamily="34" charset="0"/>
+        <a:buChar char="•"/>
+        <a:defRPr sz="2800" kern="1200">
+          <a:solidFill>
+            <a:schemeClr val="tx1"/>
+          </a:solidFill>
+          <a:latin typeface="+mn-lt"/>
+          <a:ea typeface="+mn-ea"/>
+          <a:cs typeface="+mn-cs"/>
+        </a:defRPr>
+      </a:lvl1pPr>
+      <a:lvl2pPr marL="685800" indent="-228600" algn="l" defTabSz="914400" rtl="0" eaLnBrk="1" latinLnBrk="0" hangingPunct="1">
+        <a:lnSpc>
+          <a:spcPct val="90000"/>
+        </a:lnSpc>
+        <a:spcBef>
+          <a:spcPts val="500"/>
+        </a:spcBef>
+        <a:buFont typeface="Arial" panose="020B0604020202020204" pitchFamily="34" charset="0"/>
+        <a:buChar char="•"/>
+        <a:defRPr sz="2400" kern="1200">
+          <a:solidFill>
+            <a:schemeClr val="tx1"/>
+          </a:solidFill>
+          <a:latin typeface="+mn-lt"/>
+          <a:ea typeface="+mn-ea"/>
+          <a:cs typeface="+mn-cs"/>
+        </a:defRPr>
+      </a:lvl2pPr>
+      <a:lvl3pPr marL="1143000" indent="-228600" algn="l" defTabSz="914400" rtl="0" eaLnBrk="1" latinLnBrk="0" hangingPunct="1">
+        <a:lnSpc>
+          <a:spcPct val="90000"/>
+        </a:lnSpc>
+        <a:spcBef>
+          <a:spcPts val="500"/>
+        </a:spcBef>
+        <a:buFont typeface="Arial" panose="020B0604020202020204" pitchFamily="34" charset="0"/>
+        <a:buChar char="•"/>
+        <a:defRPr sz="2000" kern="1200">
+          <a:solidFill>
+            <a:schemeClr val="tx1"/>
+          </a:solidFill>
+          <a:latin typeface="+mn-lt"/>
+          <a:ea typeface="+mn-ea"/>
+          <a:cs typeface="+mn-cs"/>
+        </a:defRPr>
+      </a:lvl3pPr>
+      <a:lvl4pPr marL="1600200" indent="-228600" algn="l" defTabSz="914400" rtl="0" eaLnBrk="1" latinLnBrk="0" hangingPunct="1">
+        <a:lnSpc>
+          <a:spcPct val="90000"/>
+        </a:lnSpc>
+        <a:spcBef>
+          <a:spcPts val="500"/>
+        </a:spcBef>
+        <a:buFont typeface="Arial" panose="020B0604020202020204" pitchFamily="34" charset="0"/>
+        <a:buChar char="•"/>
+        <a:defRPr sz="1800" kern="1200">
+          <a:solidFill>
+            <a:schemeClr val="tx1"/>
+          </a:solidFill>
+          <a:latin typeface="+mn-lt"/>
+          <a:ea typeface="+mn-ea"/>
+          <a:cs typeface="+mn-cs"/>
+        </a:defRPr>
+      </a:lvl4pPr>
+      <a:lvl5pPr marL="2057400" indent="-228600" algn="l" defTabSz="914400" rtl="0" eaLnBrk="1" latinLnBrk="0" hangingPunct="1">
+        <a:lnSpc>
+          <a:spcPct val="90000"/>
+        </a:lnSpc>
+        <a:spcBef>
+          <a:spcPts val="500"/>
+        </a:spcBef>
+        <a:buFont typeface="Arial" panose="020B0604020202020204" pitchFamily="34" charset="0"/>
+        <a:buChar char="•"/>
+        <a:defRPr sz="1800" kern="1200">
+          <a:solidFill>
+            <a:schemeClr val="tx1"/>
+          </a:solidFill>
+          <a:latin typeface="+mn-lt"/>
+          <a:ea typeface="+mn-ea"/>
+          <a:cs typeface="+mn-cs"/>
+        </a:defRPr>
+      </a:lvl5pPr>
+      <a:lvl6pPr marL="2514600" indent="-228600" algn="l" defTabSz="914400" rtl="0" eaLnBrk="1" latinLnBrk="0" hangingPunct="1">
+        <a:lnSpc>
+          <a:spcPct val="90000"/>
+        </a:lnSpc>
+        <a:spcBef>
+          <a:spcPts val="500"/>
+        </a:spcBef>
+        <a:buFont typeface="Arial" panose="020B0604020202020204" pitchFamily="34" charset="0"/>
+        <a:buChar char="•"/>
+        <a:defRPr sz="1800" kern="1200">
+          <a:solidFill>
+            <a:schemeClr val="tx1"/>
+          </a:solidFill>
+          <a:latin typeface="+mn-lt"/>
+          <a:ea typeface="+mn-ea"/>
+          <a:cs typeface="+mn-cs"/>
+        </a:defRPr>
+      </a:lvl6pPr>
+      <a:lvl7pPr marL="2971800" indent="-228600" algn="l" defTabSz="914400" rtl="0" eaLnBrk="1" latinLnBrk="0" hangingPunct="1">
+        <a:lnSpc>
+          <a:spcPct val="90000"/>
+        </a:lnSpc>
+        <a:spcBef>
+          <a:spcPts val="500"/>
+        </a:spcBef>
+        <a:buFont typeface="Arial" panose="020B0604020202020204" pitchFamily="34" charset="0"/>
+        <a:buChar char="•"/>
+        <a:defRPr sz="1800" kern="1200">
+          <a:solidFill>
+            <a:schemeClr val="tx1"/>
+          </a:solidFill>
+          <a:latin typeface="+mn-lt"/>
+          <a:ea typeface="+mn-ea"/>
+          <a:cs typeface="+mn-cs"/>
+        </a:defRPr>
+      </a:lvl7pPr>
+      <a:lvl8pPr marL="3429000" indent="-228600" algn="l" defTabSz="914400" rtl="0" eaLnBrk="1" latinLnBrk="0" hangingPunct="1">
+        <a:lnSpc>
+          <a:spcPct val="90000"/>
+        </a:lnSpc>
+        <a:spcBef>
+          <a:spcPts val="500"/>
+        </a:spcBef>
+        <a:buFont typeface="Arial" panose="020B0604020202020204" pitchFamily="34" charset="0"/>
+        <a:buChar char="•"/>
+        <a:defRPr sz="1800" kern="1200">
+          <a:solidFill>
+            <a:schemeClr val="tx1"/>
+          </a:solidFill>
+          <a:latin typeface="+mn-lt"/>
+          <a:ea typeface="+mn-ea"/>
+          <a:cs typeface="+mn-cs"/>
+        </a:defRPr>
+      </a:lvl8pPr>
+      <a:lvl9pPr marL="3886200" indent="-228600" algn="l" defTabSz="914400" rtl="0" eaLnBrk="1" latinLnBrk="0" hangingPunct="1">
+        <a:lnSpc>
+          <a:spcPct val="90000"/>
+        </a:lnSpc>
+        <a:spcBef>
+          <a:spcPts val="500"/>
+        </a:spcBef>
+        <a:buFont typeface="Arial" panose="020B0604020202020204" pitchFamily="34" charset="0"/>
+        <a:buChar char="•"/>
+        <a:defRPr sz="1800" kern="1200">
+          <a:solidFill>
+            <a:schemeClr val="tx1"/>
+          </a:solidFill>
+          <a:latin typeface="+mn-lt"/>
+          <a:ea typeface="+mn-ea"/>
+          <a:cs typeface="+mn-cs"/>
+        </a:defRPr>
+      </a:lvl9pPr>
+    </p:bodyStyle>
+    <p:otherStyle>
+      <a:defPPr>
+        <a:defRPr lang="en-US"/>
+      </a:defPPr>
+      <a:lvl1pPr marL="0" algn="l" defTabSz="914400" rtl="0" eaLnBrk="1" latinLnBrk="0" hangingPunct="1">
+        <a:defRPr sz="1800" kern="1200">
+          <a:solidFill>
+            <a:schemeClr val="tx1"/>
+          </a:solidFill>
+          <a:latin typeface="+mn-lt"/>
+          <a:ea typeface="+mn-ea"/>
+          <a:cs typeface="+mn-cs"/>
+        </a:defRPr>
+      </a:lvl1pPr>
+      <a:lvl2pPr marL="457200" algn="l" defTabSz="914400" rtl="0" eaLnBrk="1" latinLnBrk="0" hangingPunct="1">
+        <a:defRPr sz="1800" kern="1200">
+          <a:solidFill>
+            <a:schemeClr val="tx1"/>
+          </a:solidFill>
+          <a:latin typeface="+mn-lt"/>
+          <a:ea typeface="+mn-ea"/>
+          <a:cs typeface="+mn-cs"/>
+        </a:defRPr>
+      </a:lvl2pPr>
+      <a:lvl3pPr marL="914400" algn="l" defTabSz="914400" rtl="0" eaLnBrk="1" latinLnBrk="0" hangingPunct="1">
+        <a:defRPr sz="1800" kern="1200">
+          <a:solidFill>
+            <a:schemeClr val="tx1"/>
+          </a:solidFill>
+          <a:latin typeface="+mn-lt"/>
+          <a:ea typeface="+mn-ea"/>
+          <a:cs typeface="+mn-cs"/>
+        </a:defRPr>
+      </a:lvl3pPr>
+      <a:lvl4pPr marL="1371600" algn="l" defTabSz="914400" rtl="0" eaLnBrk="1" latinLnBrk="0" hangingPunct="1">
+        <a:defRPr sz="1800" kern="1200">
+          <a:solidFill>
+            <a:schemeClr val="tx1"/>
+          </a:solidFill>
+          <a:latin typeface="+mn-lt"/>
+          <a:ea typeface="+mn-ea"/>
+          <a:cs typeface="+mn-cs"/>
+        </a:defRPr>
+      </a:lvl4pPr>
+      <a:lvl5pPr marL="1828800" algn="l" defTabSz="914400" rtl="0" eaLnBrk="1" latinLnBrk="0" hangingPunct="1">
+        <a:defRPr sz="1800" kern="1200">
+          <a:solidFill>
+            <a:schemeClr val="tx1"/>
+          </a:solidFill>
+          <a:latin typeface="+mn-lt"/>
+          <a:ea typeface="+mn-ea"/>
+          <a:cs typeface="+mn-cs"/>
+        </a:defRPr>
+      </a:lvl5pPr>
+      <a:lvl6pPr marL="2286000" algn="l" defTabSz="914400" rtl="0" eaLnBrk="1" latinLnBrk="0" hangingPunct="1">
+        <a:defRPr sz="1800" kern="1200">
+          <a:solidFill>
+            <a:schemeClr val="tx1"/>
+          </a:solidFill>
+          <a:latin typeface="+mn-lt"/>
+          <a:ea typeface="+mn-ea"/>
+          <a:cs typeface="+mn-cs"/>
+        </a:defRPr>
+      </a:lvl6pPr>
+      <a:lvl7pPr marL="2743200" algn="l" defTabSz="914400" rtl="0" eaLnBrk="1" latinLnBrk="0" hangingPunct="1">
+        <a:defRPr sz="1800" kern="1200">
+          <a:solidFill>
+            <a:schemeClr val="tx1"/>
+          </a:solidFill>
+          <a:latin typeface="+mn-lt"/>
+          <a:ea typeface="+mn-ea"/>
+          <a:cs typeface="+mn-cs"/>
+        </a:defRPr>
+      </a:lvl7pPr>
+      <a:lvl8pPr marL="3200400" algn="l" defTabSz="914400" rtl="0" eaLnBrk="1" latinLnBrk="0" hangingPunct="1">
+        <a:defRPr sz="1800" kern="1200">
+          <a:solidFill>
+            <a:schemeClr val="tx1"/>
+          </a:solidFill>
+          <a:latin typeface="+mn-lt"/>
+          <a:ea typeface="+mn-ea"/>
+          <a:cs typeface="+mn-cs"/>
+        </a:defRPr>
+      </a:lvl8pPr>
+      <a:lvl9pPr marL="3657600" algn="l" defTabSz="914400" rtl="0" eaLnBrk="1" latinLnBrk="0" hangingPunct="1">
+        <a:defRPr sz="1800" kern="1200">
+          <a:solidFill>
+            <a:schemeClr val="tx1"/>
+          </a:solidFill>
+          <a:latin typeface="+mn-lt"/>
+          <a:ea typeface="+mn-ea"/>
+          <a:cs typeface="+mn-cs"/>
+        </a:defRPr>
+      </a:lvl9pPr>
+    </p:otherStyle>
+  </p:txStyles>
+</p:sldMaster>
+</file>
+
+<file path=ppt/slideMasters/slideMaster2.xml><?xml version="1.0" encoding="utf-8"?>
+<p:sldMaster xmlns:a="http://schemas.openxmlformats.org/drawingml/2006/main" xmlns:r="http://schemas.openxmlformats.org/officeDocument/2006/relationships" xmlns:p="http://schemas.openxmlformats.org/presentationml/2006/main">
+  <p:cSld>
+    <p:bg>
+      <p:bgRef idx="1001">
+        <a:schemeClr val="bg1"/>
+      </p:bgRef>
+    </p:bg>
+    <p:spTree>
+      <p:nvGrpSpPr>
+        <p:cNvPr id="1" name=""/>
+        <p:cNvGrpSpPr/>
+        <p:nvPr/>
+      </p:nvGrpSpPr>
+      <p:grpSpPr>
+        <a:xfrm>
+          <a:off x="0" y="0"/>
+          <a:ext cx="0" cy="0"/>
+          <a:chOff x="0" y="0"/>
+          <a:chExt cx="0" cy="0"/>
+        </a:xfrm>
+      </p:grpSpPr>
+      <p:sp>
+        <p:nvSpPr>
+          <p:cNvPr id="2" name="Title Placeholder 1">
+            <a:extLst>
+              <a:ext uri="{FF2B5EF4-FFF2-40B4-BE49-F238E27FC236}">
+                <a16:creationId xmlns:a16="http://schemas.microsoft.com/office/drawing/2014/main" id="{180E771D-197D-29E2-0B81-12A4FAE2B5AA}"/>
+              </a:ext>
+            </a:extLst>
+          </p:cNvPr>
+          <p:cNvSpPr>
+            <a:spLocks noGrp="1"/>
+          </p:cNvSpPr>
+          <p:nvPr>
+            <p:ph type="title"/>
+          </p:nvPr>
+        </p:nvSpPr>
+        <p:spPr>
+          <a:xfrm>
+            <a:off x="838200" y="365125"/>
+            <a:ext cx="10515600" cy="1325563"/>
+          </a:xfrm>
+          <a:prstGeom prst="rect">
+            <a:avLst/>
+          </a:prstGeom>
+        </p:spPr>
+        <p:txBody>
+          <a:bodyPr vert="horz" lIns="91440" tIns="45720" rIns="91440" bIns="45720" rtlCol="0" anchor="ctr">
+            <a:normAutofit/>
+          </a:bodyPr>
+          <a:lstStyle/>
+          <a:p>
+            <a:r>
+              <a:rPr lang="en-US"/>
+              <a:t>Click to edit Master title style</a:t>
+            </a:r>
+            <a:endParaRPr lang="en-GB"/>
+          </a:p>
+        </p:txBody>
+      </p:sp>
+      <p:sp>
+        <p:nvSpPr>
+          <p:cNvPr id="3" name="Text Placeholder 2">
+            <a:extLst>
+              <a:ext uri="{FF2B5EF4-FFF2-40B4-BE49-F238E27FC236}">
+                <a16:creationId xmlns:a16="http://schemas.microsoft.com/office/drawing/2014/main" id="{F79599D2-8F60-BB7F-534F-CDB425A41B26}"/>
+              </a:ext>
+            </a:extLst>
+          </p:cNvPr>
+          <p:cNvSpPr>
+            <a:spLocks noGrp="1"/>
+          </p:cNvSpPr>
+          <p:nvPr>
+            <p:ph type="body" idx="1"/>
+          </p:nvPr>
+        </p:nvSpPr>
+        <p:spPr>
+          <a:xfrm>
+            <a:off x="838200" y="1825625"/>
+            <a:ext cx="10515600" cy="4351338"/>
+          </a:xfrm>
+          <a:prstGeom prst="rect">
+            <a:avLst/>
+          </a:prstGeom>
+        </p:spPr>
+        <p:txBody>
+          <a:bodyPr vert="horz" lIns="91440" tIns="45720" rIns="91440" bIns="45720" rtlCol="0">
+            <a:normAutofit/>
+          </a:bodyPr>
+          <a:lstStyle/>
+          <a:p>
+            <a:pPr lvl="0"/>
+            <a:r>
+              <a:rPr lang="en-US"/>
+              <a:t>Click to edit Master text styles</a:t>
+            </a:r>
+          </a:p>
+          <a:p>
+            <a:pPr lvl="1"/>
+            <a:r>
+              <a:rPr lang="en-US"/>
+              <a:t>Second level</a:t>
+            </a:r>
+          </a:p>
+          <a:p>
+            <a:pPr lvl="2"/>
+            <a:r>
+              <a:rPr lang="en-US"/>
+              <a:t>Third level</a:t>
+            </a:r>
+          </a:p>
+          <a:p>
+            <a:pPr lvl="3"/>
+            <a:r>
+              <a:rPr lang="en-US"/>
+              <a:t>Fourth level</a:t>
+            </a:r>
+          </a:p>
+          <a:p>
+            <a:pPr lvl="4"/>
+            <a:r>
+              <a:rPr lang="en-US"/>
+              <a:t>Fifth level</a:t>
+            </a:r>
+            <a:endParaRPr lang="en-GB"/>
+          </a:p>
+        </p:txBody>
+      </p:sp>
+      <p:sp>
+        <p:nvSpPr>
+          <p:cNvPr id="4" name="Date Placeholder 3">
+            <a:extLst>
+              <a:ext uri="{FF2B5EF4-FFF2-40B4-BE49-F238E27FC236}">
+                <a16:creationId xmlns:a16="http://schemas.microsoft.com/office/drawing/2014/main" id="{EF4CE3F2-2023-C212-377A-F9A16C0525DF}"/>
+              </a:ext>
+            </a:extLst>
+          </p:cNvPr>
+          <p:cNvSpPr>
+            <a:spLocks noGrp="1"/>
+          </p:cNvSpPr>
+          <p:nvPr>
+            <p:ph type="dt" sz="half" idx="2"/>
+          </p:nvPr>
+        </p:nvSpPr>
+        <p:spPr>
+          <a:xfrm>
+            <a:off x="838200" y="6356350"/>
+            <a:ext cx="2743200" cy="365125"/>
+          </a:xfrm>
+          <a:prstGeom prst="rect">
+            <a:avLst/>
+          </a:prstGeom>
+        </p:spPr>
+        <p:txBody>
+          <a:bodyPr vert="horz" lIns="91440" tIns="45720" rIns="91440" bIns="45720" rtlCol="0" anchor="ctr"/>
+          <a:lstStyle>
+            <a:lvl1pPr algn="l">
+              <a:defRPr sz="1200">
+                <a:solidFill>
+                  <a:schemeClr val="tx1">
+                    <a:tint val="82000"/>
+                  </a:schemeClr>
+                </a:solidFill>
+              </a:defRPr>
+            </a:lvl1pPr>
+          </a:lstStyle>
+          <a:p>
+            <a:fld id="{3ECA12FE-23D5-4686-AF0E-C1948D5021C0}" type="datetime1">
+              <a:rPr lang="en-GB" smtClean="0"/>
+              <a:t>02/12/2025</a:t>
+            </a:fld>
+            <a:endParaRPr lang="en-GB"/>
+          </a:p>
+        </p:txBody>
+      </p:sp>
+      <p:sp>
+        <p:nvSpPr>
+          <p:cNvPr id="5" name="Footer Placeholder 4">
+            <a:extLst>
+              <a:ext uri="{FF2B5EF4-FFF2-40B4-BE49-F238E27FC236}">
+                <a16:creationId xmlns:a16="http://schemas.microsoft.com/office/drawing/2014/main" id="{B559B2B7-BC4C-BF5C-4319-2E83B888FD62}"/>
+              </a:ext>
+            </a:extLst>
+          </p:cNvPr>
+          <p:cNvSpPr>
+            <a:spLocks noGrp="1"/>
+          </p:cNvSpPr>
+          <p:nvPr>
+            <p:ph type="ftr" sz="quarter" idx="3"/>
+          </p:nvPr>
+        </p:nvSpPr>
+        <p:spPr>
+          <a:xfrm>
+            <a:off x="4038600" y="6356350"/>
+            <a:ext cx="4114800" cy="365125"/>
+          </a:xfrm>
+          <a:prstGeom prst="rect">
+            <a:avLst/>
+          </a:prstGeom>
+        </p:spPr>
+        <p:txBody>
+          <a:bodyPr vert="horz" lIns="91440" tIns="45720" rIns="91440" bIns="45720" rtlCol="0" anchor="ctr"/>
+          <a:lstStyle>
+            <a:lvl1pPr algn="ctr">
+              <a:defRPr sz="1200">
+                <a:solidFill>
+                  <a:schemeClr val="tx1">
+                    <a:tint val="82000"/>
+                  </a:schemeClr>
+                </a:solidFill>
+              </a:defRPr>
+            </a:lvl1pPr>
+          </a:lstStyle>
+          <a:p>
+            <a:endParaRPr lang="en-GB"/>
+          </a:p>
+        </p:txBody>
+      </p:sp>
+      <p:sp>
+        <p:nvSpPr>
+          <p:cNvPr id="6" name="Slide Number Placeholder 5">
+            <a:extLst>
+              <a:ext uri="{FF2B5EF4-FFF2-40B4-BE49-F238E27FC236}">
+                <a16:creationId xmlns:a16="http://schemas.microsoft.com/office/drawing/2014/main" id="{982C4DCB-AAB0-5D1A-3349-E5C5C3E40D51}"/>
+              </a:ext>
+            </a:extLst>
+          </p:cNvPr>
+          <p:cNvSpPr>
+            <a:spLocks noGrp="1"/>
+          </p:cNvSpPr>
+          <p:nvPr>
+            <p:ph type="sldNum" sz="quarter" idx="4"/>
+          </p:nvPr>
+        </p:nvSpPr>
+        <p:spPr>
+          <a:xfrm>
+            <a:off x="8610600" y="6356350"/>
+            <a:ext cx="2743200" cy="365125"/>
+          </a:xfrm>
+          <a:prstGeom prst="rect">
+            <a:avLst/>
+          </a:prstGeom>
+        </p:spPr>
+        <p:txBody>
+          <a:bodyPr vert="horz" lIns="91440" tIns="45720" rIns="91440" bIns="45720" rtlCol="0" anchor="ctr"/>
+          <a:lstStyle>
+            <a:lvl1pPr algn="r">
+              <a:defRPr sz="1200">
+                <a:solidFill>
+                  <a:schemeClr val="tx1">
+                    <a:tint val="82000"/>
+                  </a:schemeClr>
+                </a:solidFill>
+              </a:defRPr>
+            </a:lvl1pPr>
+          </a:lstStyle>
+          <a:p>
+            <a:fld id="{09FCE3CD-8E5B-4FEB-BC1E-3D61BE3CC713}" type="slidenum">
+              <a:rPr lang="en-GB" smtClean="0"/>
+              <a:t>‹#›</a:t>
+            </a:fld>
+            <a:endParaRPr lang="en-GB"/>
+          </a:p>
+        </p:txBody>
+      </p:sp>
+    </p:spTree>
+    <p:extLst>
+      <p:ext uri="{BB962C8B-B14F-4D97-AF65-F5344CB8AC3E}">
+        <p14:creationId xmlns:p14="http://schemas.microsoft.com/office/powerpoint/2010/main" val="724828079"/>
+      </p:ext>
+    </p:extLst>
+  </p:cSld>
+  <p:clrMap bg1="lt1" tx1="dk1" bg2="lt2" tx2="dk2" accent1="accent1" accent2="accent2" accent3="accent3" accent4="accent4" accent5="accent5" accent6="accent6" hlink="hlink" folHlink="folHlink"/>
+  <p:sldLayoutIdLst>
+    <p:sldLayoutId id="2147483661" r:id="rId1"/>
+    <p:sldLayoutId id="2147483662" r:id="rId2"/>
+    <p:sldLayoutId id="2147483663" r:id="rId3"/>
+    <p:sldLayoutId id="2147483664" r:id="rId4"/>
+    <p:sldLayoutId id="2147483665" r:id="rId5"/>
+    <p:sldLayoutId id="2147483666" r:id="rId6"/>
+    <p:sldLayoutId id="2147483667" r:id="rId7"/>
+    <p:sldLayoutId id="2147483668" r:id="rId8"/>
+    <p:sldLayoutId id="2147483669" r:id="rId9"/>
+    <p:sldLayoutId id="2147483670" r:id="rId10"/>
+    <p:sldLayoutId id="2147483671" r:id="rId11"/>
+  </p:sldLayoutIdLst>
+  <p:hf hdr="0" ftr="0" dt="0"/>
   <p:txStyles>
     <p:titleStyle>
       <a:lvl1pPr algn="l" defTabSz="914400" rtl="0" eaLnBrk="1" latinLnBrk="0" hangingPunct="1">
@@ -3629,6 +7205,35 @@
           </a:prstGeom>
         </p:spPr>
       </p:pic>
+      <p:sp>
+        <p:nvSpPr>
+          <p:cNvPr id="5" name="Slide Number Placeholder 4">
+            <a:extLst>
+              <a:ext uri="{FF2B5EF4-FFF2-40B4-BE49-F238E27FC236}">
+                <a16:creationId xmlns:a16="http://schemas.microsoft.com/office/drawing/2014/main" id="{27A7D6C2-FF3D-6BAD-13DD-B9846BBB2BA7}"/>
+              </a:ext>
+            </a:extLst>
+          </p:cNvPr>
+          <p:cNvSpPr>
+            <a:spLocks noGrp="1"/>
+          </p:cNvSpPr>
+          <p:nvPr>
+            <p:ph type="sldNum" sz="quarter" idx="12"/>
+          </p:nvPr>
+        </p:nvSpPr>
+        <p:spPr/>
+        <p:txBody>
+          <a:bodyPr/>
+          <a:lstStyle/>
+          <a:p>
+            <a:fld id="{09FCE3CD-8E5B-4FEB-BC1E-3D61BE3CC713}" type="slidenum">
+              <a:rPr lang="en-GB" smtClean="0"/>
+              <a:t>1</a:t>
+            </a:fld>
+            <a:endParaRPr lang="en-GB"/>
+          </a:p>
+        </p:txBody>
+      </p:sp>
     </p:spTree>
     <p:extLst>
       <p:ext uri="{BB962C8B-B14F-4D97-AF65-F5344CB8AC3E}">
@@ -4178,6 +7783,35 @@
           </a:prstGeom>
         </p:spPr>
       </p:pic>
+      <p:sp>
+        <p:nvSpPr>
+          <p:cNvPr id="4" name="Slide Number Placeholder 3">
+            <a:extLst>
+              <a:ext uri="{FF2B5EF4-FFF2-40B4-BE49-F238E27FC236}">
+                <a16:creationId xmlns:a16="http://schemas.microsoft.com/office/drawing/2014/main" id="{59A237DE-80FE-DBD6-95B7-091DC45E2CEE}"/>
+              </a:ext>
+            </a:extLst>
+          </p:cNvPr>
+          <p:cNvSpPr>
+            <a:spLocks noGrp="1"/>
+          </p:cNvSpPr>
+          <p:nvPr>
+            <p:ph type="sldNum" sz="quarter" idx="12"/>
+          </p:nvPr>
+        </p:nvSpPr>
+        <p:spPr/>
+        <p:txBody>
+          <a:bodyPr/>
+          <a:lstStyle/>
+          <a:p>
+            <a:fld id="{09FCE3CD-8E5B-4FEB-BC1E-3D61BE3CC713}" type="slidenum">
+              <a:rPr lang="en-GB" smtClean="0"/>
+              <a:t>10</a:t>
+            </a:fld>
+            <a:endParaRPr lang="en-GB"/>
+          </a:p>
+        </p:txBody>
+      </p:sp>
     </p:spTree>
     <p:extLst>
       <p:ext uri="{BB962C8B-B14F-4D97-AF65-F5344CB8AC3E}">
@@ -4573,6 +8207,35 @@
           </a:prstGeom>
         </p:spPr>
       </p:pic>
+      <p:sp>
+        <p:nvSpPr>
+          <p:cNvPr id="5" name="Slide Number Placeholder 4">
+            <a:extLst>
+              <a:ext uri="{FF2B5EF4-FFF2-40B4-BE49-F238E27FC236}">
+                <a16:creationId xmlns:a16="http://schemas.microsoft.com/office/drawing/2014/main" id="{8AFD027F-CFE1-1065-BE29-ABEDB0051BC0}"/>
+              </a:ext>
+            </a:extLst>
+          </p:cNvPr>
+          <p:cNvSpPr>
+            <a:spLocks noGrp="1"/>
+          </p:cNvSpPr>
+          <p:nvPr>
+            <p:ph type="sldNum" sz="quarter" idx="12"/>
+          </p:nvPr>
+        </p:nvSpPr>
+        <p:spPr/>
+        <p:txBody>
+          <a:bodyPr/>
+          <a:lstStyle/>
+          <a:p>
+            <a:fld id="{09FCE3CD-8E5B-4FEB-BC1E-3D61BE3CC713}" type="slidenum">
+              <a:rPr lang="en-GB" smtClean="0"/>
+              <a:t>11</a:t>
+            </a:fld>
+            <a:endParaRPr lang="en-GB"/>
+          </a:p>
+        </p:txBody>
+      </p:sp>
     </p:spTree>
     <p:extLst>
       <p:ext uri="{BB962C8B-B14F-4D97-AF65-F5344CB8AC3E}">
@@ -4587,6 +8250,1188 @@
 </file>
 
 <file path=ppt/slides/slide12.xml><?xml version="1.0" encoding="utf-8"?>
+<p:sld xmlns:a="http://schemas.openxmlformats.org/drawingml/2006/main" xmlns:r="http://schemas.openxmlformats.org/officeDocument/2006/relationships" xmlns:p="http://schemas.openxmlformats.org/presentationml/2006/main">
+  <p:cSld>
+    <p:bg>
+      <p:bgPr>
+        <a:solidFill>
+          <a:schemeClr val="tx2"/>
+        </a:solidFill>
+        <a:effectLst/>
+      </p:bgPr>
+    </p:bg>
+    <p:spTree>
+      <p:nvGrpSpPr>
+        <p:cNvPr id="1" name="">
+          <a:extLst>
+            <a:ext uri="{FF2B5EF4-FFF2-40B4-BE49-F238E27FC236}">
+              <a16:creationId xmlns:a16="http://schemas.microsoft.com/office/drawing/2014/main" id="{E7C78A98-309D-D217-5A5F-156CDBE43220}"/>
+            </a:ext>
+          </a:extLst>
+        </p:cNvPr>
+        <p:cNvGrpSpPr/>
+        <p:nvPr/>
+      </p:nvGrpSpPr>
+      <p:grpSpPr>
+        <a:xfrm>
+          <a:off x="0" y="0"/>
+          <a:ext cx="0" cy="0"/>
+          <a:chOff x="0" y="0"/>
+          <a:chExt cx="0" cy="0"/>
+        </a:xfrm>
+      </p:grpSpPr>
+      <p:sp>
+        <p:nvSpPr>
+          <p:cNvPr id="2" name="Title 1">
+            <a:extLst>
+              <a:ext uri="{FF2B5EF4-FFF2-40B4-BE49-F238E27FC236}">
+                <a16:creationId xmlns:a16="http://schemas.microsoft.com/office/drawing/2014/main" id="{39BFC51F-1337-07F1-AC4C-00476E07B6E1}"/>
+              </a:ext>
+            </a:extLst>
+          </p:cNvPr>
+          <p:cNvSpPr>
+            <a:spLocks noGrp="1"/>
+          </p:cNvSpPr>
+          <p:nvPr>
+            <p:ph type="title"/>
+          </p:nvPr>
+        </p:nvSpPr>
+        <p:spPr>
+          <a:xfrm>
+            <a:off x="10884" y="-4988"/>
+            <a:ext cx="10515600" cy="1325563"/>
+          </a:xfrm>
+        </p:spPr>
+        <p:txBody>
+          <a:bodyPr/>
+          <a:lstStyle/>
+          <a:p>
+            <a:r>
+              <a:rPr lang="en-GB" dirty="0">
+                <a:solidFill>
+                  <a:schemeClr val="bg1"/>
+                </a:solidFill>
+              </a:rPr>
+              <a:t>Tools Recommended</a:t>
+            </a:r>
+          </a:p>
+        </p:txBody>
+      </p:sp>
+      <p:pic>
+        <p:nvPicPr>
+          <p:cNvPr id="4" name="Picture 3">
+            <a:extLst>
+              <a:ext uri="{FF2B5EF4-FFF2-40B4-BE49-F238E27FC236}">
+                <a16:creationId xmlns:a16="http://schemas.microsoft.com/office/drawing/2014/main" id="{E0CA63F7-C6E0-06E8-D73F-5433E13CA559}"/>
+              </a:ext>
+            </a:extLst>
+          </p:cNvPr>
+          <p:cNvPicPr>
+            <a:picLocks noChangeAspect="1"/>
+          </p:cNvPicPr>
+          <p:nvPr/>
+        </p:nvPicPr>
+        <p:blipFill>
+          <a:blip r:embed="rId2">
+            <a:extLst>
+              <a:ext uri="{28A0092B-C50C-407E-A947-70E740481C1C}">
+                <a14:useLocalDpi xmlns:a14="http://schemas.microsoft.com/office/drawing/2010/main" val="0"/>
+              </a:ext>
+            </a:extLst>
+          </a:blip>
+          <a:stretch>
+            <a:fillRect/>
+          </a:stretch>
+        </p:blipFill>
+        <p:spPr>
+          <a:xfrm>
+            <a:off x="10080966" y="0"/>
+            <a:ext cx="2100150" cy="566056"/>
+          </a:xfrm>
+          <a:prstGeom prst="rect">
+            <a:avLst/>
+          </a:prstGeom>
+        </p:spPr>
+      </p:pic>
+      <p:graphicFrame>
+        <p:nvGraphicFramePr>
+          <p:cNvPr id="5" name="Table 4">
+            <a:extLst>
+              <a:ext uri="{FF2B5EF4-FFF2-40B4-BE49-F238E27FC236}">
+                <a16:creationId xmlns:a16="http://schemas.microsoft.com/office/drawing/2014/main" id="{35A0FF4B-ECAE-2F5C-E83B-9C078682911D}"/>
+              </a:ext>
+            </a:extLst>
+          </p:cNvPr>
+          <p:cNvGraphicFramePr>
+            <a:graphicFrameLocks noGrp="1"/>
+          </p:cNvGraphicFramePr>
+          <p:nvPr/>
+        </p:nvGraphicFramePr>
+        <p:xfrm>
+          <a:off x="435429" y="1138921"/>
+          <a:ext cx="11286669" cy="5090160"/>
+        </p:xfrm>
+        <a:graphic>
+          <a:graphicData uri="http://schemas.openxmlformats.org/drawingml/2006/table">
+            <a:tbl>
+              <a:tblPr firstRow="1" bandRow="1">
+                <a:tableStyleId>{5C22544A-7EE6-4342-B048-85BDC9FD1C3A}</a:tableStyleId>
+              </a:tblPr>
+              <a:tblGrid>
+                <a:gridCol w="3762223">
+                  <a:extLst>
+                    <a:ext uri="{9D8B030D-6E8A-4147-A177-3AD203B41FA5}">
+                      <a16:colId xmlns:a16="http://schemas.microsoft.com/office/drawing/2014/main" val="1939397217"/>
+                    </a:ext>
+                  </a:extLst>
+                </a:gridCol>
+                <a:gridCol w="1707309">
+                  <a:extLst>
+                    <a:ext uri="{9D8B030D-6E8A-4147-A177-3AD203B41FA5}">
+                      <a16:colId xmlns:a16="http://schemas.microsoft.com/office/drawing/2014/main" val="3552057915"/>
+                    </a:ext>
+                  </a:extLst>
+                </a:gridCol>
+                <a:gridCol w="5817137">
+                  <a:extLst>
+                    <a:ext uri="{9D8B030D-6E8A-4147-A177-3AD203B41FA5}">
+                      <a16:colId xmlns:a16="http://schemas.microsoft.com/office/drawing/2014/main" val="2472720471"/>
+                    </a:ext>
+                  </a:extLst>
+                </a:gridCol>
+              </a:tblGrid>
+              <a:tr h="370840">
+                <a:tc>
+                  <a:txBody>
+                    <a:bodyPr/>
+                    <a:lstStyle/>
+                    <a:p>
+                      <a:r>
+                        <a:rPr lang="en-GB" dirty="0"/>
+                        <a:t>Name (Tool/Hardware)</a:t>
+                      </a:r>
+                    </a:p>
+                  </a:txBody>
+                  <a:tcPr/>
+                </a:tc>
+                <a:tc>
+                  <a:txBody>
+                    <a:bodyPr/>
+                    <a:lstStyle/>
+                    <a:p>
+                      <a:r>
+                        <a:rPr lang="en-GB" dirty="0"/>
+                        <a:t>Specifications</a:t>
+                      </a:r>
+                    </a:p>
+                  </a:txBody>
+                  <a:tcPr/>
+                </a:tc>
+                <a:tc>
+                  <a:txBody>
+                    <a:bodyPr/>
+                    <a:lstStyle/>
+                    <a:p>
+                      <a:r>
+                        <a:rPr lang="en-GB" dirty="0"/>
+                        <a:t>Description</a:t>
+                      </a:r>
+                    </a:p>
+                  </a:txBody>
+                  <a:tcPr/>
+                </a:tc>
+                <a:extLst>
+                  <a:ext uri="{0D108BD9-81ED-4DB2-BD59-A6C34878D82A}">
+                    <a16:rowId xmlns:a16="http://schemas.microsoft.com/office/drawing/2014/main" val="3083874814"/>
+                  </a:ext>
+                </a:extLst>
+              </a:tr>
+              <a:tr h="370840">
+                <a:tc>
+                  <a:txBody>
+                    <a:bodyPr/>
+                    <a:lstStyle/>
+                    <a:p>
+                      <a:r>
+                        <a:rPr lang="en-GB" dirty="0"/>
+                        <a:t>Screws</a:t>
+                      </a:r>
+                    </a:p>
+                  </a:txBody>
+                  <a:tcPr/>
+                </a:tc>
+                <a:tc>
+                  <a:txBody>
+                    <a:bodyPr/>
+                    <a:lstStyle/>
+                    <a:p>
+                      <a:r>
+                        <a:rPr lang="en-GB" dirty="0"/>
+                        <a:t>M2/M2.5/M3</a:t>
+                      </a:r>
+                    </a:p>
+                  </a:txBody>
+                  <a:tcPr/>
+                </a:tc>
+                <a:tc>
+                  <a:txBody>
+                    <a:bodyPr/>
+                    <a:lstStyle/>
+                    <a:p>
+                      <a:pPr marL="0" marR="0" lvl="0" indent="0" algn="l" defTabSz="914400" rtl="0" eaLnBrk="1" fontAlgn="auto" latinLnBrk="0" hangingPunct="1">
+                        <a:lnSpc>
+                          <a:spcPct val="100000"/>
+                        </a:lnSpc>
+                        <a:spcBef>
+                          <a:spcPts val="0"/>
+                        </a:spcBef>
+                        <a:spcAft>
+                          <a:spcPts val="0"/>
+                        </a:spcAft>
+                        <a:buClrTx/>
+                        <a:buSzTx/>
+                        <a:buFontTx/>
+                        <a:buNone/>
+                        <a:tabLst/>
+                        <a:defRPr/>
+                      </a:pPr>
+                      <a:r>
+                        <a:rPr lang="en-GB" dirty="0"/>
+                        <a:t>Length: 6mm, 8mm and 10mm</a:t>
+                      </a:r>
+                    </a:p>
+                  </a:txBody>
+                  <a:tcPr/>
+                </a:tc>
+                <a:extLst>
+                  <a:ext uri="{0D108BD9-81ED-4DB2-BD59-A6C34878D82A}">
+                    <a16:rowId xmlns:a16="http://schemas.microsoft.com/office/drawing/2014/main" val="3367816889"/>
+                  </a:ext>
+                </a:extLst>
+              </a:tr>
+              <a:tr h="370840">
+                <a:tc>
+                  <a:txBody>
+                    <a:bodyPr/>
+                    <a:lstStyle/>
+                    <a:p>
+                      <a:r>
+                        <a:rPr lang="en-GB" dirty="0"/>
+                        <a:t>Washers &amp; Nuts</a:t>
+                      </a:r>
+                    </a:p>
+                  </a:txBody>
+                  <a:tcPr/>
+                </a:tc>
+                <a:tc>
+                  <a:txBody>
+                    <a:bodyPr/>
+                    <a:lstStyle/>
+                    <a:p>
+                      <a:r>
+                        <a:rPr lang="en-GB" dirty="0"/>
+                        <a:t>M2/M2.5/M3</a:t>
+                      </a:r>
+                    </a:p>
+                  </a:txBody>
+                  <a:tcPr/>
+                </a:tc>
+                <a:tc>
+                  <a:txBody>
+                    <a:bodyPr/>
+                    <a:lstStyle/>
+                    <a:p>
+                      <a:r>
+                        <a:rPr lang="en-GB" dirty="0"/>
+                        <a:t>Nylon and/or metal</a:t>
+                      </a:r>
+                    </a:p>
+                  </a:txBody>
+                  <a:tcPr/>
+                </a:tc>
+                <a:extLst>
+                  <a:ext uri="{0D108BD9-81ED-4DB2-BD59-A6C34878D82A}">
+                    <a16:rowId xmlns:a16="http://schemas.microsoft.com/office/drawing/2014/main" val="2742489367"/>
+                  </a:ext>
+                </a:extLst>
+              </a:tr>
+              <a:tr h="370840">
+                <a:tc>
+                  <a:txBody>
+                    <a:bodyPr/>
+                    <a:lstStyle/>
+                    <a:p>
+                      <a:r>
+                        <a:rPr lang="en-GB" dirty="0"/>
+                        <a:t>Standoffs</a:t>
+                      </a:r>
+                    </a:p>
+                  </a:txBody>
+                  <a:tcPr/>
+                </a:tc>
+                <a:tc>
+                  <a:txBody>
+                    <a:bodyPr/>
+                    <a:lstStyle/>
+                    <a:p>
+                      <a:r>
+                        <a:rPr lang="en-GB" dirty="0"/>
+                        <a:t>M2/M2.5/M3</a:t>
+                      </a:r>
+                    </a:p>
+                  </a:txBody>
+                  <a:tcPr/>
+                </a:tc>
+                <a:tc>
+                  <a:txBody>
+                    <a:bodyPr/>
+                    <a:lstStyle/>
+                    <a:p>
+                      <a:r>
+                        <a:rPr lang="en-GB" dirty="0"/>
+                        <a:t>Length: 10mm, 12mm, 20mm, 25mm, and 30mm</a:t>
+                      </a:r>
+                    </a:p>
+                  </a:txBody>
+                  <a:tcPr/>
+                </a:tc>
+                <a:extLst>
+                  <a:ext uri="{0D108BD9-81ED-4DB2-BD59-A6C34878D82A}">
+                    <a16:rowId xmlns:a16="http://schemas.microsoft.com/office/drawing/2014/main" val="1308287836"/>
+                  </a:ext>
+                </a:extLst>
+              </a:tr>
+              <a:tr h="370840">
+                <a:tc>
+                  <a:txBody>
+                    <a:bodyPr/>
+                    <a:lstStyle/>
+                    <a:p>
+                      <a:r>
+                        <a:rPr lang="en-GB" dirty="0"/>
+                        <a:t>Screw Drivers</a:t>
+                      </a:r>
+                    </a:p>
+                  </a:txBody>
+                  <a:tcPr/>
+                </a:tc>
+                <a:tc>
+                  <a:txBody>
+                    <a:bodyPr/>
+                    <a:lstStyle/>
+                    <a:p>
+                      <a:r>
+                        <a:rPr lang="en-GB" dirty="0"/>
+                        <a:t>M2/M2.5/M3</a:t>
+                      </a:r>
+                    </a:p>
+                  </a:txBody>
+                  <a:tcPr/>
+                </a:tc>
+                <a:tc>
+                  <a:txBody>
+                    <a:bodyPr/>
+                    <a:lstStyle/>
+                    <a:p>
+                      <a:r>
+                        <a:rPr lang="en-GB" dirty="0"/>
+                        <a:t>Hex, Philips, Flat Head</a:t>
+                      </a:r>
+                    </a:p>
+                  </a:txBody>
+                  <a:tcPr/>
+                </a:tc>
+                <a:extLst>
+                  <a:ext uri="{0D108BD9-81ED-4DB2-BD59-A6C34878D82A}">
+                    <a16:rowId xmlns:a16="http://schemas.microsoft.com/office/drawing/2014/main" val="775007103"/>
+                  </a:ext>
+                </a:extLst>
+              </a:tr>
+              <a:tr h="370840">
+                <a:tc>
+                  <a:txBody>
+                    <a:bodyPr/>
+                    <a:lstStyle/>
+                    <a:p>
+                      <a:r>
+                        <a:rPr lang="en-GB" dirty="0"/>
+                        <a:t>Jumper Cables</a:t>
+                      </a:r>
+                    </a:p>
+                  </a:txBody>
+                  <a:tcPr/>
+                </a:tc>
+                <a:tc>
+                  <a:txBody>
+                    <a:bodyPr/>
+                    <a:lstStyle/>
+                    <a:p>
+                      <a:r>
+                        <a:rPr lang="en-GB" dirty="0"/>
+                        <a:t>Dupont, JST</a:t>
+                      </a:r>
+                    </a:p>
+                  </a:txBody>
+                  <a:tcPr/>
+                </a:tc>
+                <a:tc>
+                  <a:txBody>
+                    <a:bodyPr/>
+                    <a:lstStyle/>
+                    <a:p>
+                      <a:r>
+                        <a:rPr lang="en-GB" dirty="0"/>
+                        <a:t>Stock of cables</a:t>
+                      </a:r>
+                    </a:p>
+                  </a:txBody>
+                  <a:tcPr/>
+                </a:tc>
+                <a:extLst>
+                  <a:ext uri="{0D108BD9-81ED-4DB2-BD59-A6C34878D82A}">
+                    <a16:rowId xmlns:a16="http://schemas.microsoft.com/office/drawing/2014/main" val="3631962772"/>
+                  </a:ext>
+                </a:extLst>
+              </a:tr>
+              <a:tr h="370840">
+                <a:tc>
+                  <a:txBody>
+                    <a:bodyPr/>
+                    <a:lstStyle/>
+                    <a:p>
+                      <a:r>
+                        <a:rPr lang="en-GB" dirty="0" err="1"/>
+                        <a:t>Multimeter</a:t>
+                      </a:r>
+                      <a:endParaRPr lang="en-GB" dirty="0"/>
+                    </a:p>
+                  </a:txBody>
+                  <a:tcPr/>
+                </a:tc>
+                <a:tc>
+                  <a:txBody>
+                    <a:bodyPr/>
+                    <a:lstStyle/>
+                    <a:p>
+                      <a:r>
+                        <a:rPr lang="en-GB" dirty="0"/>
+                        <a:t>Digital</a:t>
+                      </a:r>
+                    </a:p>
+                  </a:txBody>
+                  <a:tcPr/>
+                </a:tc>
+                <a:tc>
+                  <a:txBody>
+                    <a:bodyPr/>
+                    <a:lstStyle/>
+                    <a:p>
+                      <a:endParaRPr lang="en-GB" dirty="0"/>
+                    </a:p>
+                  </a:txBody>
+                  <a:tcPr/>
+                </a:tc>
+                <a:extLst>
+                  <a:ext uri="{0D108BD9-81ED-4DB2-BD59-A6C34878D82A}">
+                    <a16:rowId xmlns:a16="http://schemas.microsoft.com/office/drawing/2014/main" val="2561823302"/>
+                  </a:ext>
+                </a:extLst>
+              </a:tr>
+              <a:tr h="370840">
+                <a:tc>
+                  <a:txBody>
+                    <a:bodyPr/>
+                    <a:lstStyle/>
+                    <a:p>
+                      <a:r>
+                        <a:rPr lang="en-GB" dirty="0"/>
+                        <a:t>Soldering Station</a:t>
+                      </a:r>
+                    </a:p>
+                  </a:txBody>
+                  <a:tcPr/>
+                </a:tc>
+                <a:tc>
+                  <a:txBody>
+                    <a:bodyPr/>
+                    <a:lstStyle/>
+                    <a:p>
+                      <a:r>
+                        <a:rPr lang="en-GB" dirty="0"/>
+                        <a:t>-</a:t>
+                      </a:r>
+                    </a:p>
+                  </a:txBody>
+                  <a:tcPr/>
+                </a:tc>
+                <a:tc>
+                  <a:txBody>
+                    <a:bodyPr/>
+                    <a:lstStyle/>
+                    <a:p>
+                      <a:r>
+                        <a:rPr lang="en-GB" dirty="0"/>
+                        <a:t>Weller or Hacko brand</a:t>
+                      </a:r>
+                    </a:p>
+                  </a:txBody>
+                  <a:tcPr/>
+                </a:tc>
+                <a:extLst>
+                  <a:ext uri="{0D108BD9-81ED-4DB2-BD59-A6C34878D82A}">
+                    <a16:rowId xmlns:a16="http://schemas.microsoft.com/office/drawing/2014/main" val="2301927747"/>
+                  </a:ext>
+                </a:extLst>
+              </a:tr>
+              <a:tr h="370840">
+                <a:tc>
+                  <a:txBody>
+                    <a:bodyPr/>
+                    <a:lstStyle/>
+                    <a:p>
+                      <a:r>
+                        <a:rPr lang="en-GB" dirty="0"/>
+                        <a:t>Plastic Containers</a:t>
+                      </a:r>
+                    </a:p>
+                  </a:txBody>
+                  <a:tcPr/>
+                </a:tc>
+                <a:tc>
+                  <a:txBody>
+                    <a:bodyPr/>
+                    <a:lstStyle/>
+                    <a:p>
+                      <a:r>
+                        <a:rPr lang="en-GB" dirty="0"/>
+                        <a:t>-</a:t>
+                      </a:r>
+                    </a:p>
+                  </a:txBody>
+                  <a:tcPr/>
+                </a:tc>
+                <a:tc>
+                  <a:txBody>
+                    <a:bodyPr/>
+                    <a:lstStyle/>
+                    <a:p>
+                      <a:r>
+                        <a:rPr lang="en-GB" dirty="0"/>
+                        <a:t>For organising the components, PCB Boards etc.</a:t>
+                      </a:r>
+                    </a:p>
+                  </a:txBody>
+                  <a:tcPr/>
+                </a:tc>
+                <a:extLst>
+                  <a:ext uri="{0D108BD9-81ED-4DB2-BD59-A6C34878D82A}">
+                    <a16:rowId xmlns:a16="http://schemas.microsoft.com/office/drawing/2014/main" val="4041086217"/>
+                  </a:ext>
+                </a:extLst>
+              </a:tr>
+              <a:tr h="370840">
+                <a:tc>
+                  <a:txBody>
+                    <a:bodyPr/>
+                    <a:lstStyle/>
+                    <a:p>
+                      <a:r>
+                        <a:rPr lang="en-GB" dirty="0"/>
+                        <a:t>Inventory List</a:t>
+                      </a:r>
+                    </a:p>
+                  </a:txBody>
+                  <a:tcPr/>
+                </a:tc>
+                <a:tc>
+                  <a:txBody>
+                    <a:bodyPr/>
+                    <a:lstStyle/>
+                    <a:p>
+                      <a:r>
+                        <a:rPr lang="en-GB" dirty="0"/>
+                        <a:t>-</a:t>
+                      </a:r>
+                    </a:p>
+                  </a:txBody>
+                  <a:tcPr/>
+                </a:tc>
+                <a:tc>
+                  <a:txBody>
+                    <a:bodyPr/>
+                    <a:lstStyle/>
+                    <a:p>
+                      <a:r>
+                        <a:rPr lang="en-GB" dirty="0"/>
+                        <a:t>Due to small components highly recommended to keep a strict registry of components</a:t>
+                      </a:r>
+                    </a:p>
+                  </a:txBody>
+                  <a:tcPr/>
+                </a:tc>
+                <a:extLst>
+                  <a:ext uri="{0D108BD9-81ED-4DB2-BD59-A6C34878D82A}">
+                    <a16:rowId xmlns:a16="http://schemas.microsoft.com/office/drawing/2014/main" val="446104976"/>
+                  </a:ext>
+                </a:extLst>
+              </a:tr>
+              <a:tr h="370840">
+                <a:tc>
+                  <a:txBody>
+                    <a:bodyPr/>
+                    <a:lstStyle/>
+                    <a:p>
+                      <a:r>
+                        <a:rPr lang="en-GB" dirty="0"/>
+                        <a:t>Magnifying Lens</a:t>
+                      </a:r>
+                    </a:p>
+                  </a:txBody>
+                  <a:tcPr/>
+                </a:tc>
+                <a:tc>
+                  <a:txBody>
+                    <a:bodyPr/>
+                    <a:lstStyle/>
+                    <a:p>
+                      <a:r>
+                        <a:rPr lang="en-GB" dirty="0"/>
+                        <a:t>-</a:t>
+                      </a:r>
+                    </a:p>
+                  </a:txBody>
+                  <a:tcPr/>
+                </a:tc>
+                <a:tc>
+                  <a:txBody>
+                    <a:bodyPr/>
+                    <a:lstStyle/>
+                    <a:p>
+                      <a:r>
+                        <a:rPr lang="en-GB" dirty="0"/>
+                        <a:t>To read small prints on PCBs &amp; Components</a:t>
+                      </a:r>
+                    </a:p>
+                  </a:txBody>
+                  <a:tcPr/>
+                </a:tc>
+                <a:extLst>
+                  <a:ext uri="{0D108BD9-81ED-4DB2-BD59-A6C34878D82A}">
+                    <a16:rowId xmlns:a16="http://schemas.microsoft.com/office/drawing/2014/main" val="4090371519"/>
+                  </a:ext>
+                </a:extLst>
+              </a:tr>
+              <a:tr h="370840">
+                <a:tc>
+                  <a:txBody>
+                    <a:bodyPr/>
+                    <a:lstStyle/>
+                    <a:p>
+                      <a:r>
+                        <a:rPr lang="en-GB" dirty="0"/>
+                        <a:t>Batteries &amp; Battery Charger</a:t>
+                      </a:r>
+                    </a:p>
+                  </a:txBody>
+                  <a:tcPr/>
+                </a:tc>
+                <a:tc>
+                  <a:txBody>
+                    <a:bodyPr/>
+                    <a:lstStyle/>
+                    <a:p>
+                      <a:r>
+                        <a:rPr lang="en-GB" dirty="0"/>
+                        <a:t>-</a:t>
+                      </a:r>
+                    </a:p>
+                  </a:txBody>
+                  <a:tcPr/>
+                </a:tc>
+                <a:tc>
+                  <a:txBody>
+                    <a:bodyPr/>
+                    <a:lstStyle/>
+                    <a:p>
+                      <a:r>
+                        <a:rPr lang="en-GB" dirty="0"/>
+                        <a:t>Large storage and large capacity chargers</a:t>
+                      </a:r>
+                    </a:p>
+                  </a:txBody>
+                  <a:tcPr/>
+                </a:tc>
+                <a:extLst>
+                  <a:ext uri="{0D108BD9-81ED-4DB2-BD59-A6C34878D82A}">
+                    <a16:rowId xmlns:a16="http://schemas.microsoft.com/office/drawing/2014/main" val="912974949"/>
+                  </a:ext>
+                </a:extLst>
+              </a:tr>
+              <a:tr h="370840">
+                <a:tc>
+                  <a:txBody>
+                    <a:bodyPr/>
+                    <a:lstStyle/>
+                    <a:p>
+                      <a:r>
+                        <a:rPr lang="en-GB" dirty="0"/>
+                        <a:t>Cutting pliers, scissors, etc. </a:t>
+                      </a:r>
+                    </a:p>
+                  </a:txBody>
+                  <a:tcPr/>
+                </a:tc>
+                <a:tc>
+                  <a:txBody>
+                    <a:bodyPr/>
+                    <a:lstStyle/>
+                    <a:p>
+                      <a:r>
+                        <a:rPr lang="en-GB" dirty="0"/>
+                        <a:t>-</a:t>
+                      </a:r>
+                    </a:p>
+                  </a:txBody>
+                  <a:tcPr/>
+                </a:tc>
+                <a:tc>
+                  <a:txBody>
+                    <a:bodyPr/>
+                    <a:lstStyle/>
+                    <a:p>
+                      <a:endParaRPr lang="en-GB" dirty="0"/>
+                    </a:p>
+                  </a:txBody>
+                  <a:tcPr/>
+                </a:tc>
+                <a:extLst>
+                  <a:ext uri="{0D108BD9-81ED-4DB2-BD59-A6C34878D82A}">
+                    <a16:rowId xmlns:a16="http://schemas.microsoft.com/office/drawing/2014/main" val="3097125785"/>
+                  </a:ext>
+                </a:extLst>
+              </a:tr>
+            </a:tbl>
+          </a:graphicData>
+        </a:graphic>
+      </p:graphicFrame>
+      <p:sp>
+        <p:nvSpPr>
+          <p:cNvPr id="8" name="Slide Number Placeholder 7">
+            <a:extLst>
+              <a:ext uri="{FF2B5EF4-FFF2-40B4-BE49-F238E27FC236}">
+                <a16:creationId xmlns:a16="http://schemas.microsoft.com/office/drawing/2014/main" id="{ECBA3D7F-D091-C2E8-417D-2E5DADE1A2EA}"/>
+              </a:ext>
+            </a:extLst>
+          </p:cNvPr>
+          <p:cNvSpPr>
+            <a:spLocks noGrp="1"/>
+          </p:cNvSpPr>
+          <p:nvPr>
+            <p:ph type="sldNum" sz="quarter" idx="12"/>
+          </p:nvPr>
+        </p:nvSpPr>
+        <p:spPr/>
+        <p:txBody>
+          <a:bodyPr/>
+          <a:lstStyle/>
+          <a:p>
+            <a:pPr marL="0" marR="0" lvl="0" indent="0" algn="r" defTabSz="914400" rtl="0" eaLnBrk="1" fontAlgn="auto" latinLnBrk="0" hangingPunct="1">
+              <a:lnSpc>
+                <a:spcPct val="100000"/>
+              </a:lnSpc>
+              <a:spcBef>
+                <a:spcPts val="0"/>
+              </a:spcBef>
+              <a:spcAft>
+                <a:spcPts val="0"/>
+              </a:spcAft>
+              <a:buClrTx/>
+              <a:buSzTx/>
+              <a:buFontTx/>
+              <a:buNone/>
+              <a:tabLst/>
+              <a:defRPr/>
+            </a:pPr>
+            <a:fld id="{09FCE3CD-8E5B-4FEB-BC1E-3D61BE3CC713}" type="slidenum">
+              <a:rPr kumimoji="0" lang="en-GB" sz="1200" b="0" i="0" u="none" strike="noStrike" kern="1200" cap="none" spc="0" normalizeH="0" baseline="0" noProof="0" smtClean="0">
+                <a:ln>
+                  <a:noFill/>
+                </a:ln>
+                <a:solidFill>
+                  <a:prstClr val="black">
+                    <a:tint val="82000"/>
+                  </a:prstClr>
+                </a:solidFill>
+                <a:effectLst/>
+                <a:uLnTx/>
+                <a:uFillTx/>
+                <a:latin typeface="Aptos" panose="02110004020202020204"/>
+                <a:ea typeface="+mn-ea"/>
+                <a:cs typeface="+mn-cs"/>
+              </a:rPr>
+              <a:pPr marL="0" marR="0" lvl="0" indent="0" algn="r" defTabSz="914400" rtl="0" eaLnBrk="1" fontAlgn="auto" latinLnBrk="0" hangingPunct="1">
+                <a:lnSpc>
+                  <a:spcPct val="100000"/>
+                </a:lnSpc>
+                <a:spcBef>
+                  <a:spcPts val="0"/>
+                </a:spcBef>
+                <a:spcAft>
+                  <a:spcPts val="0"/>
+                </a:spcAft>
+                <a:buClrTx/>
+                <a:buSzTx/>
+                <a:buFontTx/>
+                <a:buNone/>
+                <a:tabLst/>
+                <a:defRPr/>
+              </a:pPr>
+              <a:t>12</a:t>
+            </a:fld>
+            <a:endParaRPr kumimoji="0" lang="en-GB" sz="1200" b="0" i="0" u="none" strike="noStrike" kern="1200" cap="none" spc="0" normalizeH="0" baseline="0" noProof="0">
+              <a:ln>
+                <a:noFill/>
+              </a:ln>
+              <a:solidFill>
+                <a:prstClr val="black">
+                  <a:tint val="82000"/>
+                </a:prstClr>
+              </a:solidFill>
+              <a:effectLst/>
+              <a:uLnTx/>
+              <a:uFillTx/>
+              <a:latin typeface="Aptos" panose="02110004020202020204"/>
+              <a:ea typeface="+mn-ea"/>
+              <a:cs typeface="+mn-cs"/>
+            </a:endParaRPr>
+          </a:p>
+        </p:txBody>
+      </p:sp>
+    </p:spTree>
+    <p:extLst>
+      <p:ext uri="{BB962C8B-B14F-4D97-AF65-F5344CB8AC3E}">
+        <p14:creationId xmlns:p14="http://schemas.microsoft.com/office/powerpoint/2010/main" val="4270733887"/>
+      </p:ext>
+    </p:extLst>
+  </p:cSld>
+  <p:clrMapOvr>
+    <a:masterClrMapping/>
+  </p:clrMapOvr>
+</p:sld>
+</file>
+
+<file path=ppt/slides/slide13.xml><?xml version="1.0" encoding="utf-8"?>
+<p:sld xmlns:a="http://schemas.openxmlformats.org/drawingml/2006/main" xmlns:r="http://schemas.openxmlformats.org/officeDocument/2006/relationships" xmlns:p="http://schemas.openxmlformats.org/presentationml/2006/main">
+  <p:cSld>
+    <p:bg>
+      <p:bgPr>
+        <a:solidFill>
+          <a:schemeClr val="tx2"/>
+        </a:solidFill>
+        <a:effectLst/>
+      </p:bgPr>
+    </p:bg>
+    <p:spTree>
+      <p:nvGrpSpPr>
+        <p:cNvPr id="1" name="">
+          <a:extLst>
+            <a:ext uri="{FF2B5EF4-FFF2-40B4-BE49-F238E27FC236}">
+              <a16:creationId xmlns:a16="http://schemas.microsoft.com/office/drawing/2014/main" id="{13079D49-9492-60D3-90E8-1B518FD49CA1}"/>
+            </a:ext>
+          </a:extLst>
+        </p:cNvPr>
+        <p:cNvGrpSpPr/>
+        <p:nvPr/>
+      </p:nvGrpSpPr>
+      <p:grpSpPr>
+        <a:xfrm>
+          <a:off x="0" y="0"/>
+          <a:ext cx="0" cy="0"/>
+          <a:chOff x="0" y="0"/>
+          <a:chExt cx="0" cy="0"/>
+        </a:xfrm>
+      </p:grpSpPr>
+      <p:sp>
+        <p:nvSpPr>
+          <p:cNvPr id="2" name="Title 1">
+            <a:extLst>
+              <a:ext uri="{FF2B5EF4-FFF2-40B4-BE49-F238E27FC236}">
+                <a16:creationId xmlns:a16="http://schemas.microsoft.com/office/drawing/2014/main" id="{6B382838-7D45-88A5-D3F2-18150972E290}"/>
+              </a:ext>
+            </a:extLst>
+          </p:cNvPr>
+          <p:cNvSpPr>
+            <a:spLocks noGrp="1"/>
+          </p:cNvSpPr>
+          <p:nvPr>
+            <p:ph type="title"/>
+          </p:nvPr>
+        </p:nvSpPr>
+        <p:spPr>
+          <a:xfrm>
+            <a:off x="10884" y="-4988"/>
+            <a:ext cx="10515600" cy="1325563"/>
+          </a:xfrm>
+        </p:spPr>
+        <p:txBody>
+          <a:bodyPr/>
+          <a:lstStyle/>
+          <a:p>
+            <a:r>
+              <a:rPr lang="en-GB" dirty="0">
+                <a:solidFill>
+                  <a:schemeClr val="bg1"/>
+                </a:solidFill>
+              </a:rPr>
+              <a:t>Routine Restock</a:t>
+            </a:r>
+          </a:p>
+        </p:txBody>
+      </p:sp>
+      <p:pic>
+        <p:nvPicPr>
+          <p:cNvPr id="4" name="Picture 3">
+            <a:extLst>
+              <a:ext uri="{FF2B5EF4-FFF2-40B4-BE49-F238E27FC236}">
+                <a16:creationId xmlns:a16="http://schemas.microsoft.com/office/drawing/2014/main" id="{C4C46F09-F1B4-9462-3FA1-BA9524E90EA7}"/>
+              </a:ext>
+            </a:extLst>
+          </p:cNvPr>
+          <p:cNvPicPr>
+            <a:picLocks noChangeAspect="1"/>
+          </p:cNvPicPr>
+          <p:nvPr/>
+        </p:nvPicPr>
+        <p:blipFill>
+          <a:blip r:embed="rId2">
+            <a:extLst>
+              <a:ext uri="{28A0092B-C50C-407E-A947-70E740481C1C}">
+                <a14:useLocalDpi xmlns:a14="http://schemas.microsoft.com/office/drawing/2010/main" val="0"/>
+              </a:ext>
+            </a:extLst>
+          </a:blip>
+          <a:stretch>
+            <a:fillRect/>
+          </a:stretch>
+        </p:blipFill>
+        <p:spPr>
+          <a:xfrm>
+            <a:off x="10080966" y="0"/>
+            <a:ext cx="2100150" cy="566056"/>
+          </a:xfrm>
+          <a:prstGeom prst="rect">
+            <a:avLst/>
+          </a:prstGeom>
+        </p:spPr>
+      </p:pic>
+      <p:sp>
+        <p:nvSpPr>
+          <p:cNvPr id="3" name="TextBox 2">
+            <a:extLst>
+              <a:ext uri="{FF2B5EF4-FFF2-40B4-BE49-F238E27FC236}">
+                <a16:creationId xmlns:a16="http://schemas.microsoft.com/office/drawing/2014/main" id="{2D74852D-728A-DF3B-FACA-D38859119E35}"/>
+              </a:ext>
+            </a:extLst>
+          </p:cNvPr>
+          <p:cNvSpPr txBox="1"/>
+          <p:nvPr/>
+        </p:nvSpPr>
+        <p:spPr>
+          <a:xfrm>
+            <a:off x="735301" y="1320575"/>
+            <a:ext cx="10760013" cy="1569660"/>
+          </a:xfrm>
+          <a:prstGeom prst="rect">
+            <a:avLst/>
+          </a:prstGeom>
+          <a:noFill/>
+        </p:spPr>
+        <p:txBody>
+          <a:bodyPr wrap="square" rtlCol="0">
+            <a:spAutoFit/>
+          </a:bodyPr>
+          <a:lstStyle/>
+          <a:p>
+            <a:pPr marL="342900" marR="0" lvl="0" indent="-342900" algn="l" defTabSz="914400" rtl="0" eaLnBrk="1" fontAlgn="auto" latinLnBrk="0" hangingPunct="1">
+              <a:lnSpc>
+                <a:spcPct val="100000"/>
+              </a:lnSpc>
+              <a:spcBef>
+                <a:spcPts val="0"/>
+              </a:spcBef>
+              <a:spcAft>
+                <a:spcPts val="0"/>
+              </a:spcAft>
+              <a:buClrTx/>
+              <a:buSzTx/>
+              <a:buFont typeface="Arial" panose="020B0604020202020204" pitchFamily="34" charset="0"/>
+              <a:buChar char="•"/>
+              <a:tabLst/>
+              <a:defRPr/>
+            </a:pPr>
+            <a:r>
+              <a:rPr kumimoji="0" lang="en-GB" sz="3200" b="0" i="0" u="none" strike="noStrike" kern="1200" cap="none" spc="0" normalizeH="0" baseline="0" noProof="0" dirty="0">
+                <a:ln>
+                  <a:noFill/>
+                </a:ln>
+                <a:solidFill>
+                  <a:srgbClr val="219EBC"/>
+                </a:solidFill>
+                <a:effectLst/>
+                <a:uLnTx/>
+                <a:uFillTx/>
+                <a:latin typeface="Aptos" panose="02110004020202020204"/>
+                <a:ea typeface="+mn-ea"/>
+                <a:cs typeface="+mn-cs"/>
+              </a:rPr>
+              <a:t>Look out for new types of sensors &amp; purchase them to extend the AI &amp; Robotics lab capabilities</a:t>
+            </a:r>
+          </a:p>
+          <a:p>
+            <a:pPr marL="342900" marR="0" lvl="0" indent="-342900" algn="l" defTabSz="914400" rtl="0" eaLnBrk="1" fontAlgn="auto" latinLnBrk="0" hangingPunct="1">
+              <a:lnSpc>
+                <a:spcPct val="100000"/>
+              </a:lnSpc>
+              <a:spcBef>
+                <a:spcPts val="0"/>
+              </a:spcBef>
+              <a:spcAft>
+                <a:spcPts val="0"/>
+              </a:spcAft>
+              <a:buClrTx/>
+              <a:buSzTx/>
+              <a:buFont typeface="Arial" panose="020B0604020202020204" pitchFamily="34" charset="0"/>
+              <a:buChar char="•"/>
+              <a:tabLst/>
+              <a:defRPr/>
+            </a:pPr>
+            <a:r>
+              <a:rPr kumimoji="0" lang="en-GB" sz="3200" b="0" i="0" u="none" strike="noStrike" kern="1200" cap="none" spc="0" normalizeH="0" baseline="0" noProof="0" dirty="0">
+                <a:ln>
+                  <a:noFill/>
+                </a:ln>
+                <a:solidFill>
+                  <a:srgbClr val="219EBC"/>
+                </a:solidFill>
+                <a:effectLst/>
+                <a:uLnTx/>
+                <a:uFillTx/>
+                <a:latin typeface="Aptos" panose="02110004020202020204"/>
+                <a:ea typeface="+mn-ea"/>
+                <a:cs typeface="+mn-cs"/>
+              </a:rPr>
+              <a:t>Replace/restock damaged sensors at regular intervals</a:t>
+            </a:r>
+          </a:p>
+        </p:txBody>
+      </p:sp>
+      <p:sp>
+        <p:nvSpPr>
+          <p:cNvPr id="7" name="Slide Number Placeholder 6">
+            <a:extLst>
+              <a:ext uri="{FF2B5EF4-FFF2-40B4-BE49-F238E27FC236}">
+                <a16:creationId xmlns:a16="http://schemas.microsoft.com/office/drawing/2014/main" id="{C548C2A0-1F87-381B-2391-BAC57B37F7EA}"/>
+              </a:ext>
+            </a:extLst>
+          </p:cNvPr>
+          <p:cNvSpPr>
+            <a:spLocks noGrp="1"/>
+          </p:cNvSpPr>
+          <p:nvPr>
+            <p:ph type="sldNum" sz="quarter" idx="12"/>
+          </p:nvPr>
+        </p:nvSpPr>
+        <p:spPr/>
+        <p:txBody>
+          <a:bodyPr/>
+          <a:lstStyle/>
+          <a:p>
+            <a:pPr marL="0" marR="0" lvl="0" indent="0" algn="r" defTabSz="914400" rtl="0" eaLnBrk="1" fontAlgn="auto" latinLnBrk="0" hangingPunct="1">
+              <a:lnSpc>
+                <a:spcPct val="100000"/>
+              </a:lnSpc>
+              <a:spcBef>
+                <a:spcPts val="0"/>
+              </a:spcBef>
+              <a:spcAft>
+                <a:spcPts val="0"/>
+              </a:spcAft>
+              <a:buClrTx/>
+              <a:buSzTx/>
+              <a:buFontTx/>
+              <a:buNone/>
+              <a:tabLst/>
+              <a:defRPr/>
+            </a:pPr>
+            <a:fld id="{09FCE3CD-8E5B-4FEB-BC1E-3D61BE3CC713}" type="slidenum">
+              <a:rPr kumimoji="0" lang="en-GB" sz="1200" b="0" i="0" u="none" strike="noStrike" kern="1200" cap="none" spc="0" normalizeH="0" baseline="0" noProof="0" smtClean="0">
+                <a:ln>
+                  <a:noFill/>
+                </a:ln>
+                <a:solidFill>
+                  <a:prstClr val="black">
+                    <a:tint val="82000"/>
+                  </a:prstClr>
+                </a:solidFill>
+                <a:effectLst/>
+                <a:uLnTx/>
+                <a:uFillTx/>
+                <a:latin typeface="Aptos" panose="02110004020202020204"/>
+                <a:ea typeface="+mn-ea"/>
+                <a:cs typeface="+mn-cs"/>
+              </a:rPr>
+              <a:pPr marL="0" marR="0" lvl="0" indent="0" algn="r" defTabSz="914400" rtl="0" eaLnBrk="1" fontAlgn="auto" latinLnBrk="0" hangingPunct="1">
+                <a:lnSpc>
+                  <a:spcPct val="100000"/>
+                </a:lnSpc>
+                <a:spcBef>
+                  <a:spcPts val="0"/>
+                </a:spcBef>
+                <a:spcAft>
+                  <a:spcPts val="0"/>
+                </a:spcAft>
+                <a:buClrTx/>
+                <a:buSzTx/>
+                <a:buFontTx/>
+                <a:buNone/>
+                <a:tabLst/>
+                <a:defRPr/>
+              </a:pPr>
+              <a:t>13</a:t>
+            </a:fld>
+            <a:endParaRPr kumimoji="0" lang="en-GB" sz="1200" b="0" i="0" u="none" strike="noStrike" kern="1200" cap="none" spc="0" normalizeH="0" baseline="0" noProof="0">
+              <a:ln>
+                <a:noFill/>
+              </a:ln>
+              <a:solidFill>
+                <a:prstClr val="black">
+                  <a:tint val="82000"/>
+                </a:prstClr>
+              </a:solidFill>
+              <a:effectLst/>
+              <a:uLnTx/>
+              <a:uFillTx/>
+              <a:latin typeface="Aptos" panose="02110004020202020204"/>
+              <a:ea typeface="+mn-ea"/>
+              <a:cs typeface="+mn-cs"/>
+            </a:endParaRPr>
+          </a:p>
+        </p:txBody>
+      </p:sp>
+    </p:spTree>
+    <p:extLst>
+      <p:ext uri="{BB962C8B-B14F-4D97-AF65-F5344CB8AC3E}">
+        <p14:creationId xmlns:p14="http://schemas.microsoft.com/office/powerpoint/2010/main" val="3328820796"/>
+      </p:ext>
+    </p:extLst>
+  </p:cSld>
+  <p:clrMapOvr>
+    <a:masterClrMapping/>
+  </p:clrMapOvr>
+</p:sld>
+</file>
+
+<file path=ppt/slides/slide14.xml><?xml version="1.0" encoding="utf-8"?>
 <p:sld xmlns:a="http://schemas.openxmlformats.org/drawingml/2006/main" xmlns:r="http://schemas.openxmlformats.org/officeDocument/2006/relationships" xmlns:p="http://schemas.openxmlformats.org/presentationml/2006/main">
   <p:cSld>
     <p:bg>
@@ -4670,6 +9515,35 @@
           </a:p>
         </p:txBody>
       </p:sp>
+      <p:sp>
+        <p:nvSpPr>
+          <p:cNvPr id="3" name="Slide Number Placeholder 2">
+            <a:extLst>
+              <a:ext uri="{FF2B5EF4-FFF2-40B4-BE49-F238E27FC236}">
+                <a16:creationId xmlns:a16="http://schemas.microsoft.com/office/drawing/2014/main" id="{7FDC9B15-869F-CB78-CA46-FE8B861538B2}"/>
+              </a:ext>
+            </a:extLst>
+          </p:cNvPr>
+          <p:cNvSpPr>
+            <a:spLocks noGrp="1"/>
+          </p:cNvSpPr>
+          <p:nvPr>
+            <p:ph type="sldNum" sz="quarter" idx="12"/>
+          </p:nvPr>
+        </p:nvSpPr>
+        <p:spPr/>
+        <p:txBody>
+          <a:bodyPr/>
+          <a:lstStyle/>
+          <a:p>
+            <a:fld id="{09FCE3CD-8E5B-4FEB-BC1E-3D61BE3CC713}" type="slidenum">
+              <a:rPr lang="en-GB" smtClean="0"/>
+              <a:t>14</a:t>
+            </a:fld>
+            <a:endParaRPr lang="en-GB"/>
+          </a:p>
+        </p:txBody>
+      </p:sp>
     </p:spTree>
     <p:extLst>
       <p:ext uri="{BB962C8B-B14F-4D97-AF65-F5344CB8AC3E}">
@@ -4683,7 +9557,7 @@
 </p:sld>
 </file>
 
-<file path=ppt/slides/slide13.xml><?xml version="1.0" encoding="utf-8"?>
+<file path=ppt/slides/slide15.xml><?xml version="1.0" encoding="utf-8"?>
 <p:sld xmlns:a="http://schemas.openxmlformats.org/drawingml/2006/main" xmlns:r="http://schemas.openxmlformats.org/officeDocument/2006/relationships" xmlns:p="http://schemas.openxmlformats.org/presentationml/2006/main">
   <p:cSld>
     <p:bg>
@@ -5110,6 +9984,35 @@
           </a:prstGeom>
         </p:spPr>
       </p:pic>
+      <p:sp>
+        <p:nvSpPr>
+          <p:cNvPr id="5" name="Slide Number Placeholder 4">
+            <a:extLst>
+              <a:ext uri="{FF2B5EF4-FFF2-40B4-BE49-F238E27FC236}">
+                <a16:creationId xmlns:a16="http://schemas.microsoft.com/office/drawing/2014/main" id="{C7894DFA-9828-BF72-5B20-CA9BDD49622C}"/>
+              </a:ext>
+            </a:extLst>
+          </p:cNvPr>
+          <p:cNvSpPr>
+            <a:spLocks noGrp="1"/>
+          </p:cNvSpPr>
+          <p:nvPr>
+            <p:ph type="sldNum" sz="quarter" idx="12"/>
+          </p:nvPr>
+        </p:nvSpPr>
+        <p:spPr/>
+        <p:txBody>
+          <a:bodyPr/>
+          <a:lstStyle/>
+          <a:p>
+            <a:fld id="{09FCE3CD-8E5B-4FEB-BC1E-3D61BE3CC713}" type="slidenum">
+              <a:rPr lang="en-GB" smtClean="0"/>
+              <a:t>15</a:t>
+            </a:fld>
+            <a:endParaRPr lang="en-GB"/>
+          </a:p>
+        </p:txBody>
+      </p:sp>
     </p:spTree>
     <p:extLst>
       <p:ext uri="{BB962C8B-B14F-4D97-AF65-F5344CB8AC3E}">
@@ -5123,7 +10026,7 @@
 </p:sld>
 </file>
 
-<file path=ppt/slides/slide14.xml><?xml version="1.0" encoding="utf-8"?>
+<file path=ppt/slides/slide16.xml><?xml version="1.0" encoding="utf-8"?>
 <p:sld xmlns:a="http://schemas.openxmlformats.org/drawingml/2006/main" xmlns:r="http://schemas.openxmlformats.org/officeDocument/2006/relationships" xmlns:p="http://schemas.openxmlformats.org/presentationml/2006/main">
   <p:cSld>
     <p:bg>
@@ -5207,6 +10110,35 @@
           </a:p>
         </p:txBody>
       </p:sp>
+      <p:sp>
+        <p:nvSpPr>
+          <p:cNvPr id="3" name="Slide Number Placeholder 2">
+            <a:extLst>
+              <a:ext uri="{FF2B5EF4-FFF2-40B4-BE49-F238E27FC236}">
+                <a16:creationId xmlns:a16="http://schemas.microsoft.com/office/drawing/2014/main" id="{DD7615A9-FBAF-46DF-D05A-5D072EE419F1}"/>
+              </a:ext>
+            </a:extLst>
+          </p:cNvPr>
+          <p:cNvSpPr>
+            <a:spLocks noGrp="1"/>
+          </p:cNvSpPr>
+          <p:nvPr>
+            <p:ph type="sldNum" sz="quarter" idx="12"/>
+          </p:nvPr>
+        </p:nvSpPr>
+        <p:spPr/>
+        <p:txBody>
+          <a:bodyPr/>
+          <a:lstStyle/>
+          <a:p>
+            <a:fld id="{09FCE3CD-8E5B-4FEB-BC1E-3D61BE3CC713}" type="slidenum">
+              <a:rPr lang="en-GB" smtClean="0"/>
+              <a:t>16</a:t>
+            </a:fld>
+            <a:endParaRPr lang="en-GB"/>
+          </a:p>
+        </p:txBody>
+      </p:sp>
     </p:spTree>
     <p:extLst>
       <p:ext uri="{BB962C8B-B14F-4D97-AF65-F5344CB8AC3E}">
@@ -5220,7 +10152,7 @@
 </p:sld>
 </file>
 
-<file path=ppt/slides/slide15.xml><?xml version="1.0" encoding="utf-8"?>
+<file path=ppt/slides/slide17.xml><?xml version="1.0" encoding="utf-8"?>
 <p:sld xmlns:a="http://schemas.openxmlformats.org/drawingml/2006/main" xmlns:r="http://schemas.openxmlformats.org/officeDocument/2006/relationships" xmlns:p="http://schemas.openxmlformats.org/presentationml/2006/main">
   <p:cSld>
     <p:bg>
@@ -5590,6 +10522,35 @@
           </a:prstGeom>
         </p:spPr>
       </p:pic>
+      <p:sp>
+        <p:nvSpPr>
+          <p:cNvPr id="5" name="Slide Number Placeholder 4">
+            <a:extLst>
+              <a:ext uri="{FF2B5EF4-FFF2-40B4-BE49-F238E27FC236}">
+                <a16:creationId xmlns:a16="http://schemas.microsoft.com/office/drawing/2014/main" id="{B9A7BDBB-B98B-757A-CA2C-94273386E6FB}"/>
+              </a:ext>
+            </a:extLst>
+          </p:cNvPr>
+          <p:cNvSpPr>
+            <a:spLocks noGrp="1"/>
+          </p:cNvSpPr>
+          <p:nvPr>
+            <p:ph type="sldNum" sz="quarter" idx="12"/>
+          </p:nvPr>
+        </p:nvSpPr>
+        <p:spPr/>
+        <p:txBody>
+          <a:bodyPr/>
+          <a:lstStyle/>
+          <a:p>
+            <a:fld id="{09FCE3CD-8E5B-4FEB-BC1E-3D61BE3CC713}" type="slidenum">
+              <a:rPr lang="en-GB" smtClean="0"/>
+              <a:t>17</a:t>
+            </a:fld>
+            <a:endParaRPr lang="en-GB"/>
+          </a:p>
+        </p:txBody>
+      </p:sp>
     </p:spTree>
     <p:extLst>
       <p:ext uri="{BB962C8B-B14F-4D97-AF65-F5344CB8AC3E}">
@@ -5603,7 +10564,7 @@
 </p:sld>
 </file>
 
-<file path=ppt/slides/slide16.xml><?xml version="1.0" encoding="utf-8"?>
+<file path=ppt/slides/slide18.xml><?xml version="1.0" encoding="utf-8"?>
 <p:sld xmlns:a="http://schemas.openxmlformats.org/drawingml/2006/main" xmlns:r="http://schemas.openxmlformats.org/officeDocument/2006/relationships" xmlns:p="http://schemas.openxmlformats.org/presentationml/2006/main">
   <p:cSld>
     <p:bg>
@@ -5687,6 +10648,35 @@
           </a:p>
         </p:txBody>
       </p:sp>
+      <p:sp>
+        <p:nvSpPr>
+          <p:cNvPr id="3" name="Slide Number Placeholder 2">
+            <a:extLst>
+              <a:ext uri="{FF2B5EF4-FFF2-40B4-BE49-F238E27FC236}">
+                <a16:creationId xmlns:a16="http://schemas.microsoft.com/office/drawing/2014/main" id="{15F4FA9B-BE74-0132-B235-96A1A374CA9B}"/>
+              </a:ext>
+            </a:extLst>
+          </p:cNvPr>
+          <p:cNvSpPr>
+            <a:spLocks noGrp="1"/>
+          </p:cNvSpPr>
+          <p:nvPr>
+            <p:ph type="sldNum" sz="quarter" idx="12"/>
+          </p:nvPr>
+        </p:nvSpPr>
+        <p:spPr/>
+        <p:txBody>
+          <a:bodyPr/>
+          <a:lstStyle/>
+          <a:p>
+            <a:fld id="{09FCE3CD-8E5B-4FEB-BC1E-3D61BE3CC713}" type="slidenum">
+              <a:rPr lang="en-GB" smtClean="0"/>
+              <a:t>18</a:t>
+            </a:fld>
+            <a:endParaRPr lang="en-GB"/>
+          </a:p>
+        </p:txBody>
+      </p:sp>
     </p:spTree>
     <p:extLst>
       <p:ext uri="{BB962C8B-B14F-4D97-AF65-F5344CB8AC3E}">
@@ -5700,7 +10690,7 @@
 </p:sld>
 </file>
 
-<file path=ppt/slides/slide17.xml><?xml version="1.0" encoding="utf-8"?>
+<file path=ppt/slides/slide19.xml><?xml version="1.0" encoding="utf-8"?>
 <p:sld xmlns:a="http://schemas.openxmlformats.org/drawingml/2006/main" xmlns:r="http://schemas.openxmlformats.org/officeDocument/2006/relationships" xmlns:p="http://schemas.openxmlformats.org/presentationml/2006/main">
   <p:cSld>
     <p:bg>
@@ -6081,427 +11071,39 @@
           </a:prstGeom>
         </p:spPr>
       </p:pic>
+      <p:sp>
+        <p:nvSpPr>
+          <p:cNvPr id="5" name="Slide Number Placeholder 4">
+            <a:extLst>
+              <a:ext uri="{FF2B5EF4-FFF2-40B4-BE49-F238E27FC236}">
+                <a16:creationId xmlns:a16="http://schemas.microsoft.com/office/drawing/2014/main" id="{E6BCBF0E-2795-706C-C3B0-076A2370062F}"/>
+              </a:ext>
+            </a:extLst>
+          </p:cNvPr>
+          <p:cNvSpPr>
+            <a:spLocks noGrp="1"/>
+          </p:cNvSpPr>
+          <p:nvPr>
+            <p:ph type="sldNum" sz="quarter" idx="12"/>
+          </p:nvPr>
+        </p:nvSpPr>
+        <p:spPr/>
+        <p:txBody>
+          <a:bodyPr/>
+          <a:lstStyle/>
+          <a:p>
+            <a:fld id="{09FCE3CD-8E5B-4FEB-BC1E-3D61BE3CC713}" type="slidenum">
+              <a:rPr lang="en-GB" smtClean="0"/>
+              <a:t>19</a:t>
+            </a:fld>
+            <a:endParaRPr lang="en-GB"/>
+          </a:p>
+        </p:txBody>
+      </p:sp>
     </p:spTree>
     <p:extLst>
       <p:ext uri="{BB962C8B-B14F-4D97-AF65-F5344CB8AC3E}">
         <p14:creationId xmlns:p14="http://schemas.microsoft.com/office/powerpoint/2010/main" val="2846623819"/>
-      </p:ext>
-    </p:extLst>
-  </p:cSld>
-  <p:clrMapOvr>
-    <a:masterClrMapping/>
-  </p:clrMapOvr>
-</p:sld>
-</file>
-
-<file path=ppt/slides/slide18.xml><?xml version="1.0" encoding="utf-8"?>
-<p:sld xmlns:a="http://schemas.openxmlformats.org/drawingml/2006/main" xmlns:r="http://schemas.openxmlformats.org/officeDocument/2006/relationships" xmlns:p="http://schemas.openxmlformats.org/presentationml/2006/main">
-  <p:cSld>
-    <p:bg>
-      <p:bgPr>
-        <a:solidFill>
-          <a:schemeClr val="tx2"/>
-        </a:solidFill>
-        <a:effectLst/>
-      </p:bgPr>
-    </p:bg>
-    <p:spTree>
-      <p:nvGrpSpPr>
-        <p:cNvPr id="1" name="">
-          <a:extLst>
-            <a:ext uri="{FF2B5EF4-FFF2-40B4-BE49-F238E27FC236}">
-              <a16:creationId xmlns:a16="http://schemas.microsoft.com/office/drawing/2014/main" id="{4CC7D19D-B2CF-F8AE-0F28-E3AB3A5EA963}"/>
-            </a:ext>
-          </a:extLst>
-        </p:cNvPr>
-        <p:cNvGrpSpPr/>
-        <p:nvPr/>
-      </p:nvGrpSpPr>
-      <p:grpSpPr>
-        <a:xfrm>
-          <a:off x="0" y="0"/>
-          <a:ext cx="0" cy="0"/>
-          <a:chOff x="0" y="0"/>
-          <a:chExt cx="0" cy="0"/>
-        </a:xfrm>
-      </p:grpSpPr>
-      <p:sp>
-        <p:nvSpPr>
-          <p:cNvPr id="2" name="Title 1">
-            <a:extLst>
-              <a:ext uri="{FF2B5EF4-FFF2-40B4-BE49-F238E27FC236}">
-                <a16:creationId xmlns:a16="http://schemas.microsoft.com/office/drawing/2014/main" id="{5DE88FD4-0073-8E3B-4079-DD2304EB411B}"/>
-              </a:ext>
-            </a:extLst>
-          </p:cNvPr>
-          <p:cNvSpPr>
-            <a:spLocks noGrp="1"/>
-          </p:cNvSpPr>
-          <p:nvPr>
-            <p:ph type="title"/>
-          </p:nvPr>
-        </p:nvSpPr>
-        <p:spPr>
-          <a:xfrm>
-            <a:off x="0" y="2934155"/>
-            <a:ext cx="12192000" cy="1325563"/>
-          </a:xfrm>
-        </p:spPr>
-        <p:txBody>
-          <a:bodyPr/>
-          <a:lstStyle/>
-          <a:p>
-            <a:pPr algn="ctr"/>
-            <a:r>
-              <a:rPr lang="en-GB" dirty="0">
-                <a:solidFill>
-                  <a:schemeClr val="accent1"/>
-                </a:solidFill>
-              </a:rPr>
-              <a:t>Robot Car-1</a:t>
-            </a:r>
-            <a:br>
-              <a:rPr lang="en-GB" dirty="0">
-                <a:solidFill>
-                  <a:schemeClr val="accent1"/>
-                </a:solidFill>
-              </a:rPr>
-            </a:br>
-            <a:r>
-              <a:rPr lang="en-GB" dirty="0">
-                <a:solidFill>
-                  <a:schemeClr val="accent1"/>
-                </a:solidFill>
-              </a:rPr>
-              <a:t>(Day-2: 9.30 AM to 12 PM)</a:t>
-            </a:r>
-          </a:p>
-        </p:txBody>
-      </p:sp>
-    </p:spTree>
-    <p:extLst>
-      <p:ext uri="{BB962C8B-B14F-4D97-AF65-F5344CB8AC3E}">
-        <p14:creationId xmlns:p14="http://schemas.microsoft.com/office/powerpoint/2010/main" val="2181619118"/>
-      </p:ext>
-    </p:extLst>
-  </p:cSld>
-  <p:clrMapOvr>
-    <a:masterClrMapping/>
-  </p:clrMapOvr>
-</p:sld>
-</file>
-
-<file path=ppt/slides/slide19.xml><?xml version="1.0" encoding="utf-8"?>
-<p:sld xmlns:a="http://schemas.openxmlformats.org/drawingml/2006/main" xmlns:r="http://schemas.openxmlformats.org/officeDocument/2006/relationships" xmlns:p="http://schemas.openxmlformats.org/presentationml/2006/main">
-  <p:cSld>
-    <p:bg>
-      <p:bgPr>
-        <a:solidFill>
-          <a:schemeClr val="tx2"/>
-        </a:solidFill>
-        <a:effectLst/>
-      </p:bgPr>
-    </p:bg>
-    <p:spTree>
-      <p:nvGrpSpPr>
-        <p:cNvPr id="1" name="">
-          <a:extLst>
-            <a:ext uri="{FF2B5EF4-FFF2-40B4-BE49-F238E27FC236}">
-              <a16:creationId xmlns:a16="http://schemas.microsoft.com/office/drawing/2014/main" id="{046A7405-F2C3-19D4-191D-778D09D7C4DB}"/>
-            </a:ext>
-          </a:extLst>
-        </p:cNvPr>
-        <p:cNvGrpSpPr/>
-        <p:nvPr/>
-      </p:nvGrpSpPr>
-      <p:grpSpPr>
-        <a:xfrm>
-          <a:off x="0" y="0"/>
-          <a:ext cx="0" cy="0"/>
-          <a:chOff x="0" y="0"/>
-          <a:chExt cx="0" cy="0"/>
-        </a:xfrm>
-      </p:grpSpPr>
-      <p:sp>
-        <p:nvSpPr>
-          <p:cNvPr id="2" name="Title 1">
-            <a:extLst>
-              <a:ext uri="{FF2B5EF4-FFF2-40B4-BE49-F238E27FC236}">
-                <a16:creationId xmlns:a16="http://schemas.microsoft.com/office/drawing/2014/main" id="{B87C001C-8D46-D10A-2DC5-E898A62615D4}"/>
-              </a:ext>
-            </a:extLst>
-          </p:cNvPr>
-          <p:cNvSpPr>
-            <a:spLocks noGrp="1"/>
-          </p:cNvSpPr>
-          <p:nvPr>
-            <p:ph type="title"/>
-          </p:nvPr>
-        </p:nvSpPr>
-        <p:spPr>
-          <a:xfrm>
-            <a:off x="10884" y="-4988"/>
-            <a:ext cx="10515600" cy="1325563"/>
-          </a:xfrm>
-        </p:spPr>
-        <p:txBody>
-          <a:bodyPr/>
-          <a:lstStyle/>
-          <a:p>
-            <a:r>
-              <a:rPr lang="en-GB" dirty="0">
-                <a:solidFill>
-                  <a:schemeClr val="bg1"/>
-                </a:solidFill>
-              </a:rPr>
-              <a:t>Navigational Robot Car-1</a:t>
-            </a:r>
-          </a:p>
-        </p:txBody>
-      </p:sp>
-      <p:sp>
-        <p:nvSpPr>
-          <p:cNvPr id="3" name="TextBox 2">
-            <a:extLst>
-              <a:ext uri="{FF2B5EF4-FFF2-40B4-BE49-F238E27FC236}">
-                <a16:creationId xmlns:a16="http://schemas.microsoft.com/office/drawing/2014/main" id="{EC79669D-D00B-A06F-DD64-BAA628E3D946}"/>
-              </a:ext>
-            </a:extLst>
-          </p:cNvPr>
-          <p:cNvSpPr txBox="1"/>
-          <p:nvPr/>
-        </p:nvSpPr>
-        <p:spPr>
-          <a:xfrm>
-            <a:off x="142875" y="1000535"/>
-            <a:ext cx="11906250" cy="4893647"/>
-          </a:xfrm>
-          <a:prstGeom prst="rect">
-            <a:avLst/>
-          </a:prstGeom>
-          <a:noFill/>
-        </p:spPr>
-        <p:txBody>
-          <a:bodyPr wrap="square" rtlCol="0">
-            <a:spAutoFit/>
-          </a:bodyPr>
-          <a:lstStyle/>
-          <a:p>
-            <a:pPr marL="342900" indent="-342900">
-              <a:buFont typeface="Arial" panose="020B0604020202020204" pitchFamily="34" charset="0"/>
-              <a:buChar char="•"/>
-            </a:pPr>
-            <a:r>
-              <a:rPr lang="en-GB" sz="2400" b="1" dirty="0">
-                <a:solidFill>
-                  <a:schemeClr val="accent4"/>
-                </a:solidFill>
-              </a:rPr>
-              <a:t>Review the Contents in the Box</a:t>
-            </a:r>
-          </a:p>
-          <a:p>
-            <a:pPr marL="342900" indent="-342900">
-              <a:buFont typeface="Arial" panose="020B0604020202020204" pitchFamily="34" charset="0"/>
-              <a:buChar char="•"/>
-            </a:pPr>
-            <a:endParaRPr lang="en-GB" sz="2400" dirty="0">
-              <a:solidFill>
-                <a:schemeClr val="accent5"/>
-              </a:solidFill>
-            </a:endParaRPr>
-          </a:p>
-          <a:p>
-            <a:pPr marL="342900" indent="-342900">
-              <a:buFont typeface="Arial" panose="020B0604020202020204" pitchFamily="34" charset="0"/>
-              <a:buChar char="•"/>
-            </a:pPr>
-            <a:r>
-              <a:rPr lang="en-GB" sz="2400" dirty="0">
-                <a:solidFill>
-                  <a:schemeClr val="accent5"/>
-                </a:solidFill>
-              </a:rPr>
-              <a:t>Review &amp; Discuss the Motor Controller Board, Assembly, Power Supply etc.</a:t>
-            </a:r>
-          </a:p>
-          <a:p>
-            <a:pPr marL="342900" indent="-342900">
-              <a:buFont typeface="Arial" panose="020B0604020202020204" pitchFamily="34" charset="0"/>
-              <a:buChar char="•"/>
-            </a:pPr>
-            <a:endParaRPr lang="en-GB" sz="2400" dirty="0">
-              <a:solidFill>
-                <a:schemeClr val="accent5"/>
-              </a:solidFill>
-            </a:endParaRPr>
-          </a:p>
-          <a:p>
-            <a:pPr marL="342900" indent="-342900">
-              <a:buFont typeface="Arial" panose="020B0604020202020204" pitchFamily="34" charset="0"/>
-              <a:buChar char="•"/>
-            </a:pPr>
-            <a:r>
-              <a:rPr lang="en-GB" sz="2400" dirty="0">
-                <a:solidFill>
-                  <a:schemeClr val="accent5"/>
-                </a:solidFill>
-              </a:rPr>
-              <a:t>Discuss the Health &amp; Safety Precautions</a:t>
-            </a:r>
-          </a:p>
-          <a:p>
-            <a:pPr marL="342900" indent="-342900">
-              <a:buFont typeface="Arial" panose="020B0604020202020204" pitchFamily="34" charset="0"/>
-              <a:buChar char="•"/>
-            </a:pPr>
-            <a:endParaRPr lang="en-GB" sz="2400" dirty="0">
-              <a:solidFill>
-                <a:schemeClr val="bg1"/>
-              </a:solidFill>
-            </a:endParaRPr>
-          </a:p>
-          <a:p>
-            <a:pPr marL="342900" indent="-342900">
-              <a:buFont typeface="Arial" panose="020B0604020202020204" pitchFamily="34" charset="0"/>
-              <a:buChar char="•"/>
-            </a:pPr>
-            <a:r>
-              <a:rPr lang="en-GB" sz="2400" dirty="0">
-                <a:solidFill>
-                  <a:schemeClr val="bg1"/>
-                </a:solidFill>
-              </a:rPr>
-              <a:t>Practice the Following Lab</a:t>
-            </a:r>
-            <a:endParaRPr lang="en-GB" sz="2400" dirty="0">
-              <a:solidFill>
-                <a:schemeClr val="accent5"/>
-              </a:solidFill>
-            </a:endParaRPr>
-          </a:p>
-          <a:p>
-            <a:pPr marL="800100" lvl="1" indent="-342900">
-              <a:buFont typeface="Arial" panose="020B0604020202020204" pitchFamily="34" charset="0"/>
-              <a:buChar char="•"/>
-            </a:pPr>
-            <a:r>
-              <a:rPr lang="en-GB" sz="2400" dirty="0">
-                <a:solidFill>
-                  <a:schemeClr val="accent5"/>
-                </a:solidFill>
-              </a:rPr>
-              <a:t>Car Basic Movements; how to correct directions (by swapping the pins)</a:t>
-            </a:r>
-          </a:p>
-          <a:p>
-            <a:pPr marL="342900" indent="-342900">
-              <a:buFont typeface="Arial" panose="020B0604020202020204" pitchFamily="34" charset="0"/>
-              <a:buChar char="•"/>
-            </a:pPr>
-            <a:endParaRPr lang="en-GB" sz="2400" dirty="0">
-              <a:solidFill>
-                <a:schemeClr val="bg1"/>
-              </a:solidFill>
-            </a:endParaRPr>
-          </a:p>
-          <a:p>
-            <a:pPr marL="342900" indent="-342900">
-              <a:buFont typeface="Arial" panose="020B0604020202020204" pitchFamily="34" charset="0"/>
-              <a:buChar char="•"/>
-            </a:pPr>
-            <a:r>
-              <a:rPr lang="en-GB" sz="2400" dirty="0">
-                <a:solidFill>
-                  <a:schemeClr val="bg1"/>
-                </a:solidFill>
-              </a:rPr>
-              <a:t>Practice the IR Sensor Calibration</a:t>
-            </a:r>
-            <a:endParaRPr lang="en-GB" sz="2400" dirty="0">
-              <a:solidFill>
-                <a:schemeClr val="accent5"/>
-              </a:solidFill>
-            </a:endParaRPr>
-          </a:p>
-          <a:p>
-            <a:pPr marL="800100" lvl="1" indent="-342900">
-              <a:buFont typeface="Arial" panose="020B0604020202020204" pitchFamily="34" charset="0"/>
-              <a:buChar char="•"/>
-            </a:pPr>
-            <a:endParaRPr lang="en-GB" sz="2400" dirty="0">
-              <a:solidFill>
-                <a:schemeClr val="accent5"/>
-              </a:solidFill>
-            </a:endParaRPr>
-          </a:p>
-          <a:p>
-            <a:pPr marL="342900" indent="-342900">
-              <a:buFont typeface="Arial" panose="020B0604020202020204" pitchFamily="34" charset="0"/>
-              <a:buChar char="•"/>
-            </a:pPr>
-            <a:r>
-              <a:rPr lang="en-GB" sz="2400" dirty="0">
-                <a:solidFill>
-                  <a:schemeClr val="bg1"/>
-                </a:solidFill>
-              </a:rPr>
-              <a:t>Practice the Edge or IR Obstacle Mode</a:t>
-            </a:r>
-          </a:p>
-          <a:p>
-            <a:pPr marL="342900" indent="-342900">
-              <a:buFont typeface="Arial" panose="020B0604020202020204" pitchFamily="34" charset="0"/>
-              <a:buChar char="•"/>
-            </a:pPr>
-            <a:endParaRPr lang="en-GB" sz="2400" dirty="0">
-              <a:solidFill>
-                <a:schemeClr val="bg1"/>
-              </a:solidFill>
-            </a:endParaRPr>
-          </a:p>
-        </p:txBody>
-      </p:sp>
-      <p:pic>
-        <p:nvPicPr>
-          <p:cNvPr id="4" name="Picture 3">
-            <a:extLst>
-              <a:ext uri="{FF2B5EF4-FFF2-40B4-BE49-F238E27FC236}">
-                <a16:creationId xmlns:a16="http://schemas.microsoft.com/office/drawing/2014/main" id="{F1C72A67-20EF-4D59-9457-012B0891DEA0}"/>
-              </a:ext>
-            </a:extLst>
-          </p:cNvPr>
-          <p:cNvPicPr>
-            <a:picLocks noChangeAspect="1"/>
-          </p:cNvPicPr>
-          <p:nvPr/>
-        </p:nvPicPr>
-        <p:blipFill>
-          <a:blip r:embed="rId2">
-            <a:extLst>
-              <a:ext uri="{28A0092B-C50C-407E-A947-70E740481C1C}">
-                <a14:useLocalDpi xmlns:a14="http://schemas.microsoft.com/office/drawing/2010/main" val="0"/>
-              </a:ext>
-            </a:extLst>
-          </a:blip>
-          <a:stretch>
-            <a:fillRect/>
-          </a:stretch>
-        </p:blipFill>
-        <p:spPr>
-          <a:xfrm>
-            <a:off x="10080966" y="0"/>
-            <a:ext cx="2100150" cy="566056"/>
-          </a:xfrm>
-          <a:prstGeom prst="rect">
-            <a:avLst/>
-          </a:prstGeom>
-        </p:spPr>
-      </p:pic>
-    </p:spTree>
-    <p:extLst>
-      <p:ext uri="{BB962C8B-B14F-4D97-AF65-F5344CB8AC3E}">
-        <p14:creationId xmlns:p14="http://schemas.microsoft.com/office/powerpoint/2010/main" val="564927957"/>
       </p:ext>
     </p:extLst>
   </p:cSld>
@@ -8608,6 +13210,35 @@
           </a:prstGeom>
         </p:spPr>
       </p:pic>
+      <p:sp>
+        <p:nvSpPr>
+          <p:cNvPr id="4" name="Slide Number Placeholder 3">
+            <a:extLst>
+              <a:ext uri="{FF2B5EF4-FFF2-40B4-BE49-F238E27FC236}">
+                <a16:creationId xmlns:a16="http://schemas.microsoft.com/office/drawing/2014/main" id="{C6BF32B6-F783-08B2-A7C1-2A330D2D595D}"/>
+              </a:ext>
+            </a:extLst>
+          </p:cNvPr>
+          <p:cNvSpPr>
+            <a:spLocks noGrp="1"/>
+          </p:cNvSpPr>
+          <p:nvPr>
+            <p:ph type="sldNum" sz="quarter" idx="12"/>
+          </p:nvPr>
+        </p:nvSpPr>
+        <p:spPr/>
+        <p:txBody>
+          <a:bodyPr/>
+          <a:lstStyle/>
+          <a:p>
+            <a:fld id="{09FCE3CD-8E5B-4FEB-BC1E-3D61BE3CC713}" type="slidenum">
+              <a:rPr lang="en-GB" smtClean="0"/>
+              <a:t>2</a:t>
+            </a:fld>
+            <a:endParaRPr lang="en-GB"/>
+          </a:p>
+        </p:txBody>
+      </p:sp>
     </p:spTree>
     <p:extLst>
       <p:ext uri="{BB962C8B-B14F-4D97-AF65-F5344CB8AC3E}">
@@ -8622,6 +13253,481 @@
 </file>
 
 <file path=ppt/slides/slide20.xml><?xml version="1.0" encoding="utf-8"?>
+<p:sld xmlns:a="http://schemas.openxmlformats.org/drawingml/2006/main" xmlns:r="http://schemas.openxmlformats.org/officeDocument/2006/relationships" xmlns:p="http://schemas.openxmlformats.org/presentationml/2006/main">
+  <p:cSld>
+    <p:bg>
+      <p:bgPr>
+        <a:solidFill>
+          <a:schemeClr val="tx2"/>
+        </a:solidFill>
+        <a:effectLst/>
+      </p:bgPr>
+    </p:bg>
+    <p:spTree>
+      <p:nvGrpSpPr>
+        <p:cNvPr id="1" name="">
+          <a:extLst>
+            <a:ext uri="{FF2B5EF4-FFF2-40B4-BE49-F238E27FC236}">
+              <a16:creationId xmlns:a16="http://schemas.microsoft.com/office/drawing/2014/main" id="{4CC7D19D-B2CF-F8AE-0F28-E3AB3A5EA963}"/>
+            </a:ext>
+          </a:extLst>
+        </p:cNvPr>
+        <p:cNvGrpSpPr/>
+        <p:nvPr/>
+      </p:nvGrpSpPr>
+      <p:grpSpPr>
+        <a:xfrm>
+          <a:off x="0" y="0"/>
+          <a:ext cx="0" cy="0"/>
+          <a:chOff x="0" y="0"/>
+          <a:chExt cx="0" cy="0"/>
+        </a:xfrm>
+      </p:grpSpPr>
+      <p:sp>
+        <p:nvSpPr>
+          <p:cNvPr id="2" name="Title 1">
+            <a:extLst>
+              <a:ext uri="{FF2B5EF4-FFF2-40B4-BE49-F238E27FC236}">
+                <a16:creationId xmlns:a16="http://schemas.microsoft.com/office/drawing/2014/main" id="{5DE88FD4-0073-8E3B-4079-DD2304EB411B}"/>
+              </a:ext>
+            </a:extLst>
+          </p:cNvPr>
+          <p:cNvSpPr>
+            <a:spLocks noGrp="1"/>
+          </p:cNvSpPr>
+          <p:nvPr>
+            <p:ph type="title"/>
+          </p:nvPr>
+        </p:nvSpPr>
+        <p:spPr>
+          <a:xfrm>
+            <a:off x="0" y="2934155"/>
+            <a:ext cx="12192000" cy="1325563"/>
+          </a:xfrm>
+        </p:spPr>
+        <p:txBody>
+          <a:bodyPr/>
+          <a:lstStyle/>
+          <a:p>
+            <a:pPr algn="ctr"/>
+            <a:r>
+              <a:rPr lang="en-GB" dirty="0">
+                <a:solidFill>
+                  <a:schemeClr val="accent1"/>
+                </a:solidFill>
+              </a:rPr>
+              <a:t>Robot Car-1</a:t>
+            </a:r>
+            <a:br>
+              <a:rPr lang="en-GB" dirty="0">
+                <a:solidFill>
+                  <a:schemeClr val="accent1"/>
+                </a:solidFill>
+              </a:rPr>
+            </a:br>
+            <a:r>
+              <a:rPr lang="en-GB" dirty="0">
+                <a:solidFill>
+                  <a:schemeClr val="accent1"/>
+                </a:solidFill>
+              </a:rPr>
+              <a:t>(Day-2: 9.30 AM to 12 PM)</a:t>
+            </a:r>
+          </a:p>
+        </p:txBody>
+      </p:sp>
+      <p:sp>
+        <p:nvSpPr>
+          <p:cNvPr id="3" name="Slide Number Placeholder 2">
+            <a:extLst>
+              <a:ext uri="{FF2B5EF4-FFF2-40B4-BE49-F238E27FC236}">
+                <a16:creationId xmlns:a16="http://schemas.microsoft.com/office/drawing/2014/main" id="{3B7575CB-0A44-78AD-EEFE-EFFA4B8722AF}"/>
+              </a:ext>
+            </a:extLst>
+          </p:cNvPr>
+          <p:cNvSpPr>
+            <a:spLocks noGrp="1"/>
+          </p:cNvSpPr>
+          <p:nvPr>
+            <p:ph type="sldNum" sz="quarter" idx="12"/>
+          </p:nvPr>
+        </p:nvSpPr>
+        <p:spPr/>
+        <p:txBody>
+          <a:bodyPr/>
+          <a:lstStyle/>
+          <a:p>
+            <a:fld id="{09FCE3CD-8E5B-4FEB-BC1E-3D61BE3CC713}" type="slidenum">
+              <a:rPr lang="en-GB" smtClean="0"/>
+              <a:t>20</a:t>
+            </a:fld>
+            <a:endParaRPr lang="en-GB"/>
+          </a:p>
+        </p:txBody>
+      </p:sp>
+    </p:spTree>
+    <p:extLst>
+      <p:ext uri="{BB962C8B-B14F-4D97-AF65-F5344CB8AC3E}">
+        <p14:creationId xmlns:p14="http://schemas.microsoft.com/office/powerpoint/2010/main" val="2181619118"/>
+      </p:ext>
+    </p:extLst>
+  </p:cSld>
+  <p:clrMapOvr>
+    <a:masterClrMapping/>
+  </p:clrMapOvr>
+</p:sld>
+</file>
+
+<file path=ppt/slides/slide21.xml><?xml version="1.0" encoding="utf-8"?>
+<p:sld xmlns:a="http://schemas.openxmlformats.org/drawingml/2006/main" xmlns:r="http://schemas.openxmlformats.org/officeDocument/2006/relationships" xmlns:p="http://schemas.openxmlformats.org/presentationml/2006/main">
+  <p:cSld>
+    <p:bg>
+      <p:bgPr>
+        <a:solidFill>
+          <a:schemeClr val="tx2"/>
+        </a:solidFill>
+        <a:effectLst/>
+      </p:bgPr>
+    </p:bg>
+    <p:spTree>
+      <p:nvGrpSpPr>
+        <p:cNvPr id="1" name="">
+          <a:extLst>
+            <a:ext uri="{FF2B5EF4-FFF2-40B4-BE49-F238E27FC236}">
+              <a16:creationId xmlns:a16="http://schemas.microsoft.com/office/drawing/2014/main" id="{046A7405-F2C3-19D4-191D-778D09D7C4DB}"/>
+            </a:ext>
+          </a:extLst>
+        </p:cNvPr>
+        <p:cNvGrpSpPr/>
+        <p:nvPr/>
+      </p:nvGrpSpPr>
+      <p:grpSpPr>
+        <a:xfrm>
+          <a:off x="0" y="0"/>
+          <a:ext cx="0" cy="0"/>
+          <a:chOff x="0" y="0"/>
+          <a:chExt cx="0" cy="0"/>
+        </a:xfrm>
+      </p:grpSpPr>
+      <p:sp>
+        <p:nvSpPr>
+          <p:cNvPr id="2" name="Title 1">
+            <a:extLst>
+              <a:ext uri="{FF2B5EF4-FFF2-40B4-BE49-F238E27FC236}">
+                <a16:creationId xmlns:a16="http://schemas.microsoft.com/office/drawing/2014/main" id="{B87C001C-8D46-D10A-2DC5-E898A62615D4}"/>
+              </a:ext>
+            </a:extLst>
+          </p:cNvPr>
+          <p:cNvSpPr>
+            <a:spLocks noGrp="1"/>
+          </p:cNvSpPr>
+          <p:nvPr>
+            <p:ph type="title"/>
+          </p:nvPr>
+        </p:nvSpPr>
+        <p:spPr>
+          <a:xfrm>
+            <a:off x="10884" y="-4988"/>
+            <a:ext cx="10515600" cy="1325563"/>
+          </a:xfrm>
+        </p:spPr>
+        <p:txBody>
+          <a:bodyPr/>
+          <a:lstStyle/>
+          <a:p>
+            <a:r>
+              <a:rPr lang="en-GB" dirty="0">
+                <a:solidFill>
+                  <a:schemeClr val="bg1"/>
+                </a:solidFill>
+              </a:rPr>
+              <a:t>Navigational Robot Car-1</a:t>
+            </a:r>
+          </a:p>
+        </p:txBody>
+      </p:sp>
+      <p:sp>
+        <p:nvSpPr>
+          <p:cNvPr id="3" name="TextBox 2">
+            <a:extLst>
+              <a:ext uri="{FF2B5EF4-FFF2-40B4-BE49-F238E27FC236}">
+                <a16:creationId xmlns:a16="http://schemas.microsoft.com/office/drawing/2014/main" id="{EC79669D-D00B-A06F-DD64-BAA628E3D946}"/>
+              </a:ext>
+            </a:extLst>
+          </p:cNvPr>
+          <p:cNvSpPr txBox="1"/>
+          <p:nvPr/>
+        </p:nvSpPr>
+        <p:spPr>
+          <a:xfrm>
+            <a:off x="142875" y="1000535"/>
+            <a:ext cx="11906250" cy="4893647"/>
+          </a:xfrm>
+          <a:prstGeom prst="rect">
+            <a:avLst/>
+          </a:prstGeom>
+          <a:noFill/>
+        </p:spPr>
+        <p:txBody>
+          <a:bodyPr wrap="square" rtlCol="0">
+            <a:spAutoFit/>
+          </a:bodyPr>
+          <a:lstStyle/>
+          <a:p>
+            <a:pPr marL="342900" indent="-342900">
+              <a:buFont typeface="Arial" panose="020B0604020202020204" pitchFamily="34" charset="0"/>
+              <a:buChar char="•"/>
+            </a:pPr>
+            <a:r>
+              <a:rPr lang="en-GB" sz="2400" b="1" dirty="0">
+                <a:solidFill>
+                  <a:schemeClr val="accent4"/>
+                </a:solidFill>
+              </a:rPr>
+              <a:t>Review the Contents in the Box</a:t>
+            </a:r>
+          </a:p>
+          <a:p>
+            <a:pPr marL="342900" indent="-342900">
+              <a:buFont typeface="Arial" panose="020B0604020202020204" pitchFamily="34" charset="0"/>
+              <a:buChar char="•"/>
+            </a:pPr>
+            <a:endParaRPr lang="en-GB" sz="2400" dirty="0">
+              <a:solidFill>
+                <a:schemeClr val="accent5"/>
+              </a:solidFill>
+            </a:endParaRPr>
+          </a:p>
+          <a:p>
+            <a:pPr marL="342900" indent="-342900">
+              <a:buFont typeface="Arial" panose="020B0604020202020204" pitchFamily="34" charset="0"/>
+              <a:buChar char="•"/>
+            </a:pPr>
+            <a:r>
+              <a:rPr lang="en-GB" sz="2400" dirty="0">
+                <a:solidFill>
+                  <a:schemeClr val="accent5"/>
+                </a:solidFill>
+              </a:rPr>
+              <a:t>Review &amp; Discuss the Motor Controller Board, Assembly, Power Supply etc.</a:t>
+            </a:r>
+          </a:p>
+          <a:p>
+            <a:pPr marL="342900" indent="-342900">
+              <a:buFont typeface="Arial" panose="020B0604020202020204" pitchFamily="34" charset="0"/>
+              <a:buChar char="•"/>
+            </a:pPr>
+            <a:endParaRPr lang="en-GB" sz="2400" dirty="0">
+              <a:solidFill>
+                <a:schemeClr val="accent5"/>
+              </a:solidFill>
+            </a:endParaRPr>
+          </a:p>
+          <a:p>
+            <a:pPr marL="342900" indent="-342900">
+              <a:buFont typeface="Arial" panose="020B0604020202020204" pitchFamily="34" charset="0"/>
+              <a:buChar char="•"/>
+            </a:pPr>
+            <a:r>
+              <a:rPr lang="en-GB" sz="2400" dirty="0">
+                <a:solidFill>
+                  <a:schemeClr val="accent5"/>
+                </a:solidFill>
+              </a:rPr>
+              <a:t>Discuss the Health &amp; Safety Precautions</a:t>
+            </a:r>
+          </a:p>
+          <a:p>
+            <a:pPr marL="342900" indent="-342900">
+              <a:buFont typeface="Arial" panose="020B0604020202020204" pitchFamily="34" charset="0"/>
+              <a:buChar char="•"/>
+            </a:pPr>
+            <a:endParaRPr lang="en-GB" sz="2400" dirty="0">
+              <a:solidFill>
+                <a:schemeClr val="bg1"/>
+              </a:solidFill>
+            </a:endParaRPr>
+          </a:p>
+          <a:p>
+            <a:pPr marL="342900" indent="-342900">
+              <a:buFont typeface="Arial" panose="020B0604020202020204" pitchFamily="34" charset="0"/>
+              <a:buChar char="•"/>
+            </a:pPr>
+            <a:r>
+              <a:rPr lang="en-GB" sz="2400" dirty="0">
+                <a:solidFill>
+                  <a:schemeClr val="bg1"/>
+                </a:solidFill>
+              </a:rPr>
+              <a:t>Practice the Following Lab</a:t>
+            </a:r>
+            <a:endParaRPr lang="en-GB" sz="2400" dirty="0">
+              <a:solidFill>
+                <a:schemeClr val="accent5"/>
+              </a:solidFill>
+            </a:endParaRPr>
+          </a:p>
+          <a:p>
+            <a:pPr marL="800100" lvl="1" indent="-342900">
+              <a:buFont typeface="Arial" panose="020B0604020202020204" pitchFamily="34" charset="0"/>
+              <a:buChar char="•"/>
+            </a:pPr>
+            <a:r>
+              <a:rPr lang="en-GB" sz="2400" dirty="0">
+                <a:solidFill>
+                  <a:schemeClr val="accent5"/>
+                </a:solidFill>
+              </a:rPr>
+              <a:t>Car Basic Movements; how to correct directions (by swapping the pins)</a:t>
+            </a:r>
+          </a:p>
+          <a:p>
+            <a:pPr marL="342900" indent="-342900">
+              <a:buFont typeface="Arial" panose="020B0604020202020204" pitchFamily="34" charset="0"/>
+              <a:buChar char="•"/>
+            </a:pPr>
+            <a:endParaRPr lang="en-GB" sz="2400" dirty="0">
+              <a:solidFill>
+                <a:schemeClr val="bg1"/>
+              </a:solidFill>
+            </a:endParaRPr>
+          </a:p>
+          <a:p>
+            <a:pPr marL="342900" indent="-342900">
+              <a:buFont typeface="Arial" panose="020B0604020202020204" pitchFamily="34" charset="0"/>
+              <a:buChar char="•"/>
+            </a:pPr>
+            <a:r>
+              <a:rPr lang="en-GB" sz="2400" dirty="0">
+                <a:solidFill>
+                  <a:schemeClr val="bg1"/>
+                </a:solidFill>
+              </a:rPr>
+              <a:t>Practice the IR Sensor Calibration</a:t>
+            </a:r>
+            <a:endParaRPr lang="en-GB" sz="2400" dirty="0">
+              <a:solidFill>
+                <a:schemeClr val="accent5"/>
+              </a:solidFill>
+            </a:endParaRPr>
+          </a:p>
+          <a:p>
+            <a:pPr marL="800100" lvl="1" indent="-342900">
+              <a:buFont typeface="Arial" panose="020B0604020202020204" pitchFamily="34" charset="0"/>
+              <a:buChar char="•"/>
+            </a:pPr>
+            <a:endParaRPr lang="en-GB" sz="2400" dirty="0">
+              <a:solidFill>
+                <a:schemeClr val="accent5"/>
+              </a:solidFill>
+            </a:endParaRPr>
+          </a:p>
+          <a:p>
+            <a:pPr marL="342900" indent="-342900">
+              <a:buFont typeface="Arial" panose="020B0604020202020204" pitchFamily="34" charset="0"/>
+              <a:buChar char="•"/>
+            </a:pPr>
+            <a:r>
+              <a:rPr lang="en-GB" sz="2400" dirty="0">
+                <a:solidFill>
+                  <a:schemeClr val="bg1"/>
+                </a:solidFill>
+              </a:rPr>
+              <a:t>Practice the Edge or IR Obstacle Mode</a:t>
+            </a:r>
+          </a:p>
+          <a:p>
+            <a:pPr marL="342900" indent="-342900">
+              <a:buFont typeface="Arial" panose="020B0604020202020204" pitchFamily="34" charset="0"/>
+              <a:buChar char="•"/>
+            </a:pPr>
+            <a:endParaRPr lang="en-GB" sz="2400" dirty="0">
+              <a:solidFill>
+                <a:schemeClr val="bg1"/>
+              </a:solidFill>
+            </a:endParaRPr>
+          </a:p>
+        </p:txBody>
+      </p:sp>
+      <p:pic>
+        <p:nvPicPr>
+          <p:cNvPr id="4" name="Picture 3">
+            <a:extLst>
+              <a:ext uri="{FF2B5EF4-FFF2-40B4-BE49-F238E27FC236}">
+                <a16:creationId xmlns:a16="http://schemas.microsoft.com/office/drawing/2014/main" id="{F1C72A67-20EF-4D59-9457-012B0891DEA0}"/>
+              </a:ext>
+            </a:extLst>
+          </p:cNvPr>
+          <p:cNvPicPr>
+            <a:picLocks noChangeAspect="1"/>
+          </p:cNvPicPr>
+          <p:nvPr/>
+        </p:nvPicPr>
+        <p:blipFill>
+          <a:blip r:embed="rId2">
+            <a:extLst>
+              <a:ext uri="{28A0092B-C50C-407E-A947-70E740481C1C}">
+                <a14:useLocalDpi xmlns:a14="http://schemas.microsoft.com/office/drawing/2010/main" val="0"/>
+              </a:ext>
+            </a:extLst>
+          </a:blip>
+          <a:stretch>
+            <a:fillRect/>
+          </a:stretch>
+        </p:blipFill>
+        <p:spPr>
+          <a:xfrm>
+            <a:off x="10080966" y="0"/>
+            <a:ext cx="2100150" cy="566056"/>
+          </a:xfrm>
+          <a:prstGeom prst="rect">
+            <a:avLst/>
+          </a:prstGeom>
+        </p:spPr>
+      </p:pic>
+      <p:sp>
+        <p:nvSpPr>
+          <p:cNvPr id="5" name="Slide Number Placeholder 4">
+            <a:extLst>
+              <a:ext uri="{FF2B5EF4-FFF2-40B4-BE49-F238E27FC236}">
+                <a16:creationId xmlns:a16="http://schemas.microsoft.com/office/drawing/2014/main" id="{FB69A926-55B8-A685-48BC-51E52A1A470A}"/>
+              </a:ext>
+            </a:extLst>
+          </p:cNvPr>
+          <p:cNvSpPr>
+            <a:spLocks noGrp="1"/>
+          </p:cNvSpPr>
+          <p:nvPr>
+            <p:ph type="sldNum" sz="quarter" idx="12"/>
+          </p:nvPr>
+        </p:nvSpPr>
+        <p:spPr/>
+        <p:txBody>
+          <a:bodyPr/>
+          <a:lstStyle/>
+          <a:p>
+            <a:fld id="{09FCE3CD-8E5B-4FEB-BC1E-3D61BE3CC713}" type="slidenum">
+              <a:rPr lang="en-GB" smtClean="0"/>
+              <a:t>21</a:t>
+            </a:fld>
+            <a:endParaRPr lang="en-GB"/>
+          </a:p>
+        </p:txBody>
+      </p:sp>
+    </p:spTree>
+    <p:extLst>
+      <p:ext uri="{BB962C8B-B14F-4D97-AF65-F5344CB8AC3E}">
+        <p14:creationId xmlns:p14="http://schemas.microsoft.com/office/powerpoint/2010/main" val="564927957"/>
+      </p:ext>
+    </p:extLst>
+  </p:cSld>
+  <p:clrMapOvr>
+    <a:masterClrMapping/>
+  </p:clrMapOvr>
+</p:sld>
+</file>
+
+<file path=ppt/slides/slide22.xml><?xml version="1.0" encoding="utf-8"?>
 <p:sld xmlns:a="http://schemas.openxmlformats.org/drawingml/2006/main" xmlns:r="http://schemas.openxmlformats.org/officeDocument/2006/relationships" xmlns:p="http://schemas.openxmlformats.org/presentationml/2006/main">
   <p:cSld>
     <p:bg>
@@ -8705,6 +13811,35 @@
           </a:p>
         </p:txBody>
       </p:sp>
+      <p:sp>
+        <p:nvSpPr>
+          <p:cNvPr id="3" name="Slide Number Placeholder 2">
+            <a:extLst>
+              <a:ext uri="{FF2B5EF4-FFF2-40B4-BE49-F238E27FC236}">
+                <a16:creationId xmlns:a16="http://schemas.microsoft.com/office/drawing/2014/main" id="{5C599D8C-C9B3-11A7-A25C-B6D5B48A14B7}"/>
+              </a:ext>
+            </a:extLst>
+          </p:cNvPr>
+          <p:cNvSpPr>
+            <a:spLocks noGrp="1"/>
+          </p:cNvSpPr>
+          <p:nvPr>
+            <p:ph type="sldNum" sz="quarter" idx="12"/>
+          </p:nvPr>
+        </p:nvSpPr>
+        <p:spPr/>
+        <p:txBody>
+          <a:bodyPr/>
+          <a:lstStyle/>
+          <a:p>
+            <a:fld id="{09FCE3CD-8E5B-4FEB-BC1E-3D61BE3CC713}" type="slidenum">
+              <a:rPr lang="en-GB" smtClean="0"/>
+              <a:t>22</a:t>
+            </a:fld>
+            <a:endParaRPr lang="en-GB"/>
+          </a:p>
+        </p:txBody>
+      </p:sp>
     </p:spTree>
     <p:extLst>
       <p:ext uri="{BB962C8B-B14F-4D97-AF65-F5344CB8AC3E}">
@@ -8718,7 +13853,7 @@
 </p:sld>
 </file>
 
-<file path=ppt/slides/slide21.xml><?xml version="1.0" encoding="utf-8"?>
+<file path=ppt/slides/slide23.xml><?xml version="1.0" encoding="utf-8"?>
 <p:sld xmlns:a="http://schemas.openxmlformats.org/drawingml/2006/main" xmlns:r="http://schemas.openxmlformats.org/officeDocument/2006/relationships" xmlns:p="http://schemas.openxmlformats.org/presentationml/2006/main">
   <p:cSld>
     <p:bg>
@@ -9025,6 +14160,35 @@
           </a:prstGeom>
         </p:spPr>
       </p:pic>
+      <p:sp>
+        <p:nvSpPr>
+          <p:cNvPr id="5" name="Slide Number Placeholder 4">
+            <a:extLst>
+              <a:ext uri="{FF2B5EF4-FFF2-40B4-BE49-F238E27FC236}">
+                <a16:creationId xmlns:a16="http://schemas.microsoft.com/office/drawing/2014/main" id="{010AE1A5-4D5D-3DD5-85D9-F666C728B97B}"/>
+              </a:ext>
+            </a:extLst>
+          </p:cNvPr>
+          <p:cNvSpPr>
+            <a:spLocks noGrp="1"/>
+          </p:cNvSpPr>
+          <p:nvPr>
+            <p:ph type="sldNum" sz="quarter" idx="12"/>
+          </p:nvPr>
+        </p:nvSpPr>
+        <p:spPr/>
+        <p:txBody>
+          <a:bodyPr/>
+          <a:lstStyle/>
+          <a:p>
+            <a:fld id="{09FCE3CD-8E5B-4FEB-BC1E-3D61BE3CC713}" type="slidenum">
+              <a:rPr lang="en-GB" smtClean="0"/>
+              <a:t>23</a:t>
+            </a:fld>
+            <a:endParaRPr lang="en-GB"/>
+          </a:p>
+        </p:txBody>
+      </p:sp>
     </p:spTree>
     <p:extLst>
       <p:ext uri="{BB962C8B-B14F-4D97-AF65-F5344CB8AC3E}">
@@ -9038,7 +14202,7 @@
 </p:sld>
 </file>
 
-<file path=ppt/slides/slide22.xml><?xml version="1.0" encoding="utf-8"?>
+<file path=ppt/slides/slide24.xml><?xml version="1.0" encoding="utf-8"?>
 <p:sld xmlns:a="http://schemas.openxmlformats.org/drawingml/2006/main" xmlns:r="http://schemas.openxmlformats.org/officeDocument/2006/relationships" xmlns:p="http://schemas.openxmlformats.org/presentationml/2006/main">
   <p:cSld>
     <p:bg>
@@ -9122,6 +14286,35 @@
           </a:p>
         </p:txBody>
       </p:sp>
+      <p:sp>
+        <p:nvSpPr>
+          <p:cNvPr id="3" name="Slide Number Placeholder 2">
+            <a:extLst>
+              <a:ext uri="{FF2B5EF4-FFF2-40B4-BE49-F238E27FC236}">
+                <a16:creationId xmlns:a16="http://schemas.microsoft.com/office/drawing/2014/main" id="{6555CDE5-9106-F276-9F2A-342AC9B2DDE6}"/>
+              </a:ext>
+            </a:extLst>
+          </p:cNvPr>
+          <p:cNvSpPr>
+            <a:spLocks noGrp="1"/>
+          </p:cNvSpPr>
+          <p:nvPr>
+            <p:ph type="sldNum" sz="quarter" idx="12"/>
+          </p:nvPr>
+        </p:nvSpPr>
+        <p:spPr/>
+        <p:txBody>
+          <a:bodyPr/>
+          <a:lstStyle/>
+          <a:p>
+            <a:fld id="{09FCE3CD-8E5B-4FEB-BC1E-3D61BE3CC713}" type="slidenum">
+              <a:rPr lang="en-GB" smtClean="0"/>
+              <a:t>24</a:t>
+            </a:fld>
+            <a:endParaRPr lang="en-GB"/>
+          </a:p>
+        </p:txBody>
+      </p:sp>
     </p:spTree>
     <p:extLst>
       <p:ext uri="{BB962C8B-B14F-4D97-AF65-F5344CB8AC3E}">
@@ -9135,7 +14328,7 @@
 </p:sld>
 </file>
 
-<file path=ppt/slides/slide23.xml><?xml version="1.0" encoding="utf-8"?>
+<file path=ppt/slides/slide25.xml><?xml version="1.0" encoding="utf-8"?>
 <p:sld xmlns:a="http://schemas.openxmlformats.org/drawingml/2006/main" xmlns:r="http://schemas.openxmlformats.org/officeDocument/2006/relationships" xmlns:p="http://schemas.openxmlformats.org/presentationml/2006/main">
   <p:cSld>
     <p:bg>
@@ -9437,6 +14630,35 @@
           </a:prstGeom>
         </p:spPr>
       </p:pic>
+      <p:sp>
+        <p:nvSpPr>
+          <p:cNvPr id="5" name="Slide Number Placeholder 4">
+            <a:extLst>
+              <a:ext uri="{FF2B5EF4-FFF2-40B4-BE49-F238E27FC236}">
+                <a16:creationId xmlns:a16="http://schemas.microsoft.com/office/drawing/2014/main" id="{A5A2FA29-A882-5162-8D49-55A3BD6A4228}"/>
+              </a:ext>
+            </a:extLst>
+          </p:cNvPr>
+          <p:cNvSpPr>
+            <a:spLocks noGrp="1"/>
+          </p:cNvSpPr>
+          <p:nvPr>
+            <p:ph type="sldNum" sz="quarter" idx="12"/>
+          </p:nvPr>
+        </p:nvSpPr>
+        <p:spPr/>
+        <p:txBody>
+          <a:bodyPr/>
+          <a:lstStyle/>
+          <a:p>
+            <a:fld id="{09FCE3CD-8E5B-4FEB-BC1E-3D61BE3CC713}" type="slidenum">
+              <a:rPr lang="en-GB" smtClean="0"/>
+              <a:t>25</a:t>
+            </a:fld>
+            <a:endParaRPr lang="en-GB"/>
+          </a:p>
+        </p:txBody>
+      </p:sp>
     </p:spTree>
     <p:extLst>
       <p:ext uri="{BB962C8B-B14F-4D97-AF65-F5344CB8AC3E}">
@@ -9450,7 +14672,7 @@
 </p:sld>
 </file>
 
-<file path=ppt/slides/slide24.xml><?xml version="1.0" encoding="utf-8"?>
+<file path=ppt/slides/slide26.xml><?xml version="1.0" encoding="utf-8"?>
 <p:sld xmlns:a="http://schemas.openxmlformats.org/drawingml/2006/main" xmlns:r="http://schemas.openxmlformats.org/officeDocument/2006/relationships" xmlns:p="http://schemas.openxmlformats.org/presentationml/2006/main">
   <p:cSld>
     <p:bg>
@@ -9515,6 +14737,35 @@
               </a:rPr>
               <a:t>Q&amp;A</a:t>
             </a:r>
+          </a:p>
+        </p:txBody>
+      </p:sp>
+      <p:sp>
+        <p:nvSpPr>
+          <p:cNvPr id="3" name="Slide Number Placeholder 2">
+            <a:extLst>
+              <a:ext uri="{FF2B5EF4-FFF2-40B4-BE49-F238E27FC236}">
+                <a16:creationId xmlns:a16="http://schemas.microsoft.com/office/drawing/2014/main" id="{9448F023-BC85-6B71-5619-A175DA536FD0}"/>
+              </a:ext>
+            </a:extLst>
+          </p:cNvPr>
+          <p:cNvSpPr>
+            <a:spLocks noGrp="1"/>
+          </p:cNvSpPr>
+          <p:nvPr>
+            <p:ph type="sldNum" sz="quarter" idx="12"/>
+          </p:nvPr>
+        </p:nvSpPr>
+        <p:spPr/>
+        <p:txBody>
+          <a:bodyPr/>
+          <a:lstStyle/>
+          <a:p>
+            <a:fld id="{09FCE3CD-8E5B-4FEB-BC1E-3D61BE3CC713}" type="slidenum">
+              <a:rPr lang="en-GB" smtClean="0"/>
+              <a:t>26</a:t>
+            </a:fld>
+            <a:endParaRPr lang="en-GB"/>
           </a:p>
         </p:txBody>
       </p:sp>
@@ -9615,6 +14866,35 @@
           </a:p>
         </p:txBody>
       </p:sp>
+      <p:sp>
+        <p:nvSpPr>
+          <p:cNvPr id="3" name="Slide Number Placeholder 2">
+            <a:extLst>
+              <a:ext uri="{FF2B5EF4-FFF2-40B4-BE49-F238E27FC236}">
+                <a16:creationId xmlns:a16="http://schemas.microsoft.com/office/drawing/2014/main" id="{9BC0314F-8401-1945-3ADD-63C2B52D11EF}"/>
+              </a:ext>
+            </a:extLst>
+          </p:cNvPr>
+          <p:cNvSpPr>
+            <a:spLocks noGrp="1"/>
+          </p:cNvSpPr>
+          <p:nvPr>
+            <p:ph type="sldNum" sz="quarter" idx="12"/>
+          </p:nvPr>
+        </p:nvSpPr>
+        <p:spPr/>
+        <p:txBody>
+          <a:bodyPr/>
+          <a:lstStyle/>
+          <a:p>
+            <a:fld id="{09FCE3CD-8E5B-4FEB-BC1E-3D61BE3CC713}" type="slidenum">
+              <a:rPr lang="en-GB" smtClean="0"/>
+              <a:t>3</a:t>
+            </a:fld>
+            <a:endParaRPr lang="en-GB"/>
+          </a:p>
+        </p:txBody>
+      </p:sp>
     </p:spTree>
     <p:extLst>
       <p:ext uri="{BB962C8B-B14F-4D97-AF65-F5344CB8AC3E}">
@@ -9796,6 +15076,35 @@
           </a:prstGeom>
         </p:spPr>
       </p:pic>
+      <p:sp>
+        <p:nvSpPr>
+          <p:cNvPr id="4" name="Slide Number Placeholder 3">
+            <a:extLst>
+              <a:ext uri="{FF2B5EF4-FFF2-40B4-BE49-F238E27FC236}">
+                <a16:creationId xmlns:a16="http://schemas.microsoft.com/office/drawing/2014/main" id="{7935E546-3686-A8E0-4C69-52974D079EE5}"/>
+              </a:ext>
+            </a:extLst>
+          </p:cNvPr>
+          <p:cNvSpPr>
+            <a:spLocks noGrp="1"/>
+          </p:cNvSpPr>
+          <p:nvPr>
+            <p:ph type="sldNum" sz="quarter" idx="12"/>
+          </p:nvPr>
+        </p:nvSpPr>
+        <p:spPr/>
+        <p:txBody>
+          <a:bodyPr/>
+          <a:lstStyle/>
+          <a:p>
+            <a:fld id="{09FCE3CD-8E5B-4FEB-BC1E-3D61BE3CC713}" type="slidenum">
+              <a:rPr lang="en-GB" smtClean="0"/>
+              <a:t>4</a:t>
+            </a:fld>
+            <a:endParaRPr lang="en-GB"/>
+          </a:p>
+        </p:txBody>
+      </p:sp>
     </p:spTree>
     <p:extLst>
       <p:ext uri="{BB962C8B-B14F-4D97-AF65-F5344CB8AC3E}">
@@ -10121,6 +15430,35 @@
           </a:prstGeom>
         </p:spPr>
       </p:pic>
+      <p:sp>
+        <p:nvSpPr>
+          <p:cNvPr id="4" name="Slide Number Placeholder 3">
+            <a:extLst>
+              <a:ext uri="{FF2B5EF4-FFF2-40B4-BE49-F238E27FC236}">
+                <a16:creationId xmlns:a16="http://schemas.microsoft.com/office/drawing/2014/main" id="{BE2BE536-E53D-4831-2ACD-65FADA4EED00}"/>
+              </a:ext>
+            </a:extLst>
+          </p:cNvPr>
+          <p:cNvSpPr>
+            <a:spLocks noGrp="1"/>
+          </p:cNvSpPr>
+          <p:nvPr>
+            <p:ph type="sldNum" sz="quarter" idx="12"/>
+          </p:nvPr>
+        </p:nvSpPr>
+        <p:spPr/>
+        <p:txBody>
+          <a:bodyPr/>
+          <a:lstStyle/>
+          <a:p>
+            <a:fld id="{09FCE3CD-8E5B-4FEB-BC1E-3D61BE3CC713}" type="slidenum">
+              <a:rPr lang="en-GB" smtClean="0"/>
+              <a:t>5</a:t>
+            </a:fld>
+            <a:endParaRPr lang="en-GB"/>
+          </a:p>
+        </p:txBody>
+      </p:sp>
     </p:spTree>
     <p:extLst>
       <p:ext uri="{BB962C8B-B14F-4D97-AF65-F5344CB8AC3E}">
@@ -10268,6 +15606,35 @@
           </a:prstGeom>
         </p:spPr>
       </p:pic>
+      <p:sp>
+        <p:nvSpPr>
+          <p:cNvPr id="5" name="Slide Number Placeholder 4">
+            <a:extLst>
+              <a:ext uri="{FF2B5EF4-FFF2-40B4-BE49-F238E27FC236}">
+                <a16:creationId xmlns:a16="http://schemas.microsoft.com/office/drawing/2014/main" id="{D93B199E-0090-EB13-8459-10D588218D1E}"/>
+              </a:ext>
+            </a:extLst>
+          </p:cNvPr>
+          <p:cNvSpPr>
+            <a:spLocks noGrp="1"/>
+          </p:cNvSpPr>
+          <p:nvPr>
+            <p:ph type="sldNum" sz="quarter" idx="12"/>
+          </p:nvPr>
+        </p:nvSpPr>
+        <p:spPr/>
+        <p:txBody>
+          <a:bodyPr/>
+          <a:lstStyle/>
+          <a:p>
+            <a:fld id="{09FCE3CD-8E5B-4FEB-BC1E-3D61BE3CC713}" type="slidenum">
+              <a:rPr lang="en-GB" smtClean="0"/>
+              <a:t>6</a:t>
+            </a:fld>
+            <a:endParaRPr lang="en-GB"/>
+          </a:p>
+        </p:txBody>
+      </p:sp>
     </p:spTree>
     <p:extLst>
       <p:ext uri="{BB962C8B-B14F-4D97-AF65-F5344CB8AC3E}">
@@ -10344,8 +15711,21 @@
                   <a:schemeClr val="bg1"/>
                 </a:solidFill>
               </a:rPr>
-              <a:t>Design Philosophy</a:t>
-            </a:r>
+              <a:t>Design Philosophy: </a:t>
+            </a:r>
+            <a:r>
+              <a:rPr lang="en-GB" b="1" dirty="0">
+                <a:solidFill>
+                  <a:schemeClr val="accent5"/>
+                </a:solidFill>
+              </a:rPr>
+              <a:t>Building for Mastery</a:t>
+            </a:r>
+            <a:endParaRPr lang="en-GB" dirty="0">
+              <a:solidFill>
+                <a:schemeClr val="bg1"/>
+              </a:solidFill>
+            </a:endParaRPr>
           </a:p>
         </p:txBody>
       </p:sp>
@@ -10363,8 +15743,8 @@
         </p:nvSpPr>
         <p:spPr>
           <a:xfrm>
-            <a:off x="631370" y="987827"/>
-            <a:ext cx="10896601" cy="5755422"/>
+            <a:off x="228600" y="1339592"/>
+            <a:ext cx="11734799" cy="5016758"/>
           </a:xfrm>
           <a:prstGeom prst="rect">
             <a:avLst/>
@@ -10378,34 +15758,65 @@
           <a:lstStyle/>
           <a:p>
             <a:r>
-              <a:rPr lang="en-GB" sz="3200" b="1" dirty="0">
+              <a:rPr lang="en-GB" sz="2000" b="1" dirty="0">
+                <a:solidFill>
+                  <a:schemeClr val="accent4"/>
+                </a:solidFill>
+              </a:rPr>
+              <a:t>Removed all Obstacles: </a:t>
+            </a:r>
+            <a:r>
+              <a:rPr lang="en-GB" sz="2000" b="1" dirty="0">
+                <a:solidFill>
+                  <a:schemeClr val="bg1"/>
+                </a:solidFill>
+              </a:rPr>
+              <a:t>Addressed all electrical, mechanical &amp; power supply issues</a:t>
+            </a:r>
+          </a:p>
+          <a:p>
+            <a:endParaRPr lang="en-GB" sz="2000" b="1" dirty="0">
+              <a:solidFill>
+                <a:schemeClr val="accent4"/>
+              </a:solidFill>
+            </a:endParaRPr>
+          </a:p>
+          <a:p>
+            <a:r>
+              <a:rPr lang="en-GB" sz="2000" b="1" dirty="0">
+                <a:solidFill>
+                  <a:schemeClr val="accent4"/>
+                </a:solidFill>
+              </a:rPr>
+              <a:t>Prioritize Deep Understanding:</a:t>
+            </a:r>
+            <a:r>
+              <a:rPr lang="en-GB" sz="2000" dirty="0">
+                <a:solidFill>
+                  <a:schemeClr val="bg1"/>
+                </a:solidFill>
+              </a:rPr>
+              <a:t> Deconstruct systems rather than relying on </a:t>
+            </a:r>
+            <a:r>
+              <a:rPr lang="en-GB" sz="2000" u="sng" dirty="0">
                 <a:solidFill>
                   <a:schemeClr val="accent5"/>
                 </a:solidFill>
               </a:rPr>
-              <a:t>Core Philosophy: Building for Mastery</a:t>
-            </a:r>
-          </a:p>
-          <a:p>
-            <a:r>
-              <a:rPr lang="en-GB" sz="2400" b="1" dirty="0">
-                <a:solidFill>
-                  <a:schemeClr val="accent4"/>
-                </a:solidFill>
-              </a:rPr>
-              <a:t>Prioritize Deep Understanding:</a:t>
-            </a:r>
-            <a:r>
-              <a:rPr lang="en-GB" sz="2400" dirty="0">
+              <a:t>'Black Box' or pre-packaged </a:t>
+            </a:r>
+            <a:r>
+              <a:rPr lang="en-GB" sz="2000" dirty="0">
                 <a:solidFill>
                   <a:schemeClr val="bg1"/>
                 </a:solidFill>
               </a:rPr>
-              <a:t> Deconstruct systems rather than relying on 'Black Box' or pre-packaged solutions.</a:t>
-            </a:r>
-          </a:p>
-          <a:p>
-            <a:endParaRPr lang="en-GB" sz="2400" dirty="0">
+              <a:t>solutions.</a:t>
+            </a:r>
+          </a:p>
+          <a:p>
+            <a:endParaRPr lang="en-GB" sz="2000" dirty="0">
               <a:solidFill>
                 <a:schemeClr val="bg1"/>
               </a:solidFill>
@@ -10413,49 +15824,86 @@
           </a:p>
           <a:p>
             <a:r>
-              <a:rPr lang="en-GB" sz="2400" b="1" dirty="0">
+              <a:rPr lang="en-GB" sz="2000" b="1" dirty="0">
                 <a:solidFill>
                   <a:schemeClr val="accent4"/>
                 </a:solidFill>
               </a:rPr>
-              <a:t>Bridge Theory to Application:</a:t>
-            </a:r>
-            <a:r>
-              <a:rPr lang="en-GB" sz="2400" dirty="0">
+              <a:t>Maximize Resource Efficiency:</a:t>
+            </a:r>
+            <a:r>
+              <a:rPr lang="en-GB" sz="2000" dirty="0">
                 <a:solidFill>
                   <a:schemeClr val="bg1"/>
                 </a:solidFill>
               </a:rPr>
-              <a:t> Solidify foundational concepts by rapidly moving from theory to practical implementation.</a:t>
-            </a:r>
-          </a:p>
-          <a:p>
-            <a:endParaRPr lang="en-GB" sz="2400" b="1" dirty="0">
+              <a:t> Develop projects using </a:t>
+            </a:r>
+            <a:r>
+              <a:rPr lang="en-GB" sz="2000" u="sng" dirty="0">
+                <a:solidFill>
+                  <a:schemeClr val="accent5"/>
+                </a:solidFill>
+              </a:rPr>
+              <a:t>reusable and adaptable </a:t>
+            </a:r>
+            <a:r>
+              <a:rPr lang="en-GB" sz="2000" dirty="0">
+                <a:solidFill>
+                  <a:schemeClr val="bg1"/>
+                </a:solidFill>
+              </a:rPr>
+              <a:t>components across different prototypes.</a:t>
+            </a:r>
+          </a:p>
+          <a:p>
+            <a:endParaRPr lang="en-GB" sz="2000" dirty="0">
+              <a:solidFill>
+                <a:schemeClr val="bg1"/>
+              </a:solidFill>
+            </a:endParaRPr>
+          </a:p>
+          <a:p>
+            <a:r>
+              <a:rPr lang="en-GB" sz="2000" b="1" dirty="0">
+                <a:solidFill>
+                  <a:schemeClr val="accent4"/>
+                </a:solidFill>
+              </a:rPr>
+              <a:t>Master Modular Design:</a:t>
+            </a:r>
+            <a:r>
+              <a:rPr lang="en-GB" sz="2000" dirty="0">
+                <a:solidFill>
+                  <a:schemeClr val="bg1"/>
+                </a:solidFill>
+              </a:rPr>
+              <a:t> Learn system configuration by actively </a:t>
+            </a:r>
+            <a:r>
+              <a:rPr lang="en-GB" sz="2000" u="sng" dirty="0">
+                <a:solidFill>
+                  <a:schemeClr val="accent5"/>
+                </a:solidFill>
+              </a:rPr>
+              <a:t>adding, replacing, and integrating</a:t>
+            </a:r>
+            <a:r>
+              <a:rPr lang="en-GB" sz="2000" dirty="0">
+                <a:solidFill>
+                  <a:schemeClr val="bg1"/>
+                </a:solidFill>
+              </a:rPr>
+              <a:t> individual components.</a:t>
+            </a:r>
+            <a:endParaRPr lang="en-GB" sz="2000" b="1" dirty="0">
               <a:solidFill>
                 <a:schemeClr val="accent4"/>
               </a:solidFill>
             </a:endParaRPr>
           </a:p>
           <a:p>
-            <a:r>
-              <a:rPr lang="en-GB" sz="2400" b="1" dirty="0">
-                <a:solidFill>
-                  <a:schemeClr val="accent4"/>
-                </a:solidFill>
-              </a:rPr>
-              <a:t>Master Modular Design:</a:t>
-            </a:r>
-            <a:r>
-              <a:rPr lang="en-GB" sz="2400" dirty="0">
-                <a:solidFill>
-                  <a:schemeClr val="bg1"/>
-                </a:solidFill>
-              </a:rPr>
-              <a:t> Learn system configuration by actively adding, replacing, and integrating individual components.</a:t>
-            </a:r>
-          </a:p>
-          <a:p>
-            <a:endParaRPr lang="en-GB" sz="2400" b="1" dirty="0">
+            <a:endParaRPr lang="en-GB" sz="2000" b="1" dirty="0">
               <a:solidFill>
                 <a:schemeClr val="accent4"/>
               </a:solidFill>
@@ -10463,32 +15911,53 @@
           </a:p>
           <a:p>
             <a:r>
-              <a:rPr lang="en-GB" sz="2400" b="1" dirty="0">
+              <a:rPr lang="en-GB" sz="2000" b="1" dirty="0">
                 <a:solidFill>
                   <a:schemeClr val="accent4"/>
                 </a:solidFill>
               </a:rPr>
-              <a:t>Maximize Resource Efficiency:</a:t>
-            </a:r>
-            <a:r>
-              <a:rPr lang="en-GB" sz="2400" dirty="0">
+              <a:t>Bridge Theory to Application:</a:t>
+            </a:r>
+            <a:r>
+              <a:rPr lang="en-GB" sz="2000" dirty="0">
                 <a:solidFill>
                   <a:schemeClr val="bg1"/>
                 </a:solidFill>
               </a:rPr>
-              <a:t> Develop projects using reusable and adaptable components across different prototypes.</a:t>
-            </a:r>
-          </a:p>
-          <a:p>
-            <a:endParaRPr lang="en-GB" sz="2400" b="1" dirty="0">
+              <a:t> Solidify foundational concepts by rapidly moving from </a:t>
+            </a:r>
+            <a:r>
+              <a:rPr lang="en-GB" sz="2000" u="sng" dirty="0">
+                <a:solidFill>
+                  <a:schemeClr val="accent5"/>
+                </a:solidFill>
+              </a:rPr>
+              <a:t>theory to practical </a:t>
+            </a:r>
+            <a:r>
+              <a:rPr lang="en-GB" sz="2000" dirty="0">
+                <a:solidFill>
+                  <a:schemeClr val="bg1"/>
+                </a:solidFill>
+              </a:rPr>
+              <a:t>implementation.</a:t>
+            </a:r>
+            <a:endParaRPr lang="en-GB" sz="2000" b="1" dirty="0">
               <a:solidFill>
                 <a:schemeClr val="accent4"/>
               </a:solidFill>
             </a:endParaRPr>
           </a:p>
           <a:p>
-            <a:r>
-              <a:rPr lang="en-GB" sz="2400" b="1" dirty="0">
+            <a:endParaRPr lang="en-GB" sz="2000" b="1" dirty="0">
+              <a:solidFill>
+                <a:schemeClr val="accent4"/>
+              </a:solidFill>
+            </a:endParaRPr>
+          </a:p>
+          <a:p>
+            <a:r>
+              <a:rPr lang="en-GB" sz="2000" b="1" dirty="0">
                 <a:solidFill>
                   <a:schemeClr val="accent4"/>
                 </a:solidFill>
@@ -10496,7 +15965,7 @@
               <a:t>Ensure Accessible Innovation:</a:t>
             </a:r>
             <a:r>
-              <a:rPr lang="en-GB" sz="2400" dirty="0">
+              <a:rPr lang="en-GB" sz="2000" dirty="0">
                 <a:solidFill>
                   <a:schemeClr val="bg1"/>
                 </a:solidFill>
@@ -10542,6 +16011,35 @@
           </a:prstGeom>
         </p:spPr>
       </p:pic>
+      <p:sp>
+        <p:nvSpPr>
+          <p:cNvPr id="3" name="Slide Number Placeholder 2">
+            <a:extLst>
+              <a:ext uri="{FF2B5EF4-FFF2-40B4-BE49-F238E27FC236}">
+                <a16:creationId xmlns:a16="http://schemas.microsoft.com/office/drawing/2014/main" id="{373555F2-C1AF-394B-1D0C-22596DB57C36}"/>
+              </a:ext>
+            </a:extLst>
+          </p:cNvPr>
+          <p:cNvSpPr>
+            <a:spLocks noGrp="1"/>
+          </p:cNvSpPr>
+          <p:nvPr>
+            <p:ph type="sldNum" sz="quarter" idx="12"/>
+          </p:nvPr>
+        </p:nvSpPr>
+        <p:spPr/>
+        <p:txBody>
+          <a:bodyPr/>
+          <a:lstStyle/>
+          <a:p>
+            <a:fld id="{09FCE3CD-8E5B-4FEB-BC1E-3D61BE3CC713}" type="slidenum">
+              <a:rPr lang="en-GB" smtClean="0"/>
+              <a:t>7</a:t>
+            </a:fld>
+            <a:endParaRPr lang="en-GB" dirty="0"/>
+          </a:p>
+        </p:txBody>
+      </p:sp>
     </p:spTree>
     <p:extLst>
       <p:ext uri="{BB962C8B-B14F-4D97-AF65-F5344CB8AC3E}">
@@ -10637,7 +16135,7 @@
         </p:nvSpPr>
         <p:spPr>
           <a:xfrm>
-            <a:off x="587829" y="1499455"/>
+            <a:off x="500743" y="1096683"/>
             <a:ext cx="10983686" cy="2923877"/>
           </a:xfrm>
           <a:prstGeom prst="rect">
@@ -10746,6 +16244,257 @@
           <a:prstGeom prst="rect">
             <a:avLst/>
           </a:prstGeom>
+        </p:spPr>
+      </p:pic>
+      <p:sp>
+        <p:nvSpPr>
+          <p:cNvPr id="3" name="Slide Number Placeholder 2">
+            <a:extLst>
+              <a:ext uri="{FF2B5EF4-FFF2-40B4-BE49-F238E27FC236}">
+                <a16:creationId xmlns:a16="http://schemas.microsoft.com/office/drawing/2014/main" id="{E0D00DED-B88B-8A13-FCA3-FF305344547D}"/>
+              </a:ext>
+            </a:extLst>
+          </p:cNvPr>
+          <p:cNvSpPr>
+            <a:spLocks noGrp="1"/>
+          </p:cNvSpPr>
+          <p:nvPr>
+            <p:ph type="sldNum" sz="quarter" idx="12"/>
+          </p:nvPr>
+        </p:nvSpPr>
+        <p:spPr/>
+        <p:txBody>
+          <a:bodyPr/>
+          <a:lstStyle/>
+          <a:p>
+            <a:fld id="{09FCE3CD-8E5B-4FEB-BC1E-3D61BE3CC713}" type="slidenum">
+              <a:rPr lang="en-GB" smtClean="0"/>
+              <a:t>8</a:t>
+            </a:fld>
+            <a:endParaRPr lang="en-GB"/>
+          </a:p>
+        </p:txBody>
+      </p:sp>
+      <p:sp>
+        <p:nvSpPr>
+          <p:cNvPr id="5" name="Flowchart: Punched Tape 4">
+            <a:extLst>
+              <a:ext uri="{FF2B5EF4-FFF2-40B4-BE49-F238E27FC236}">
+                <a16:creationId xmlns:a16="http://schemas.microsoft.com/office/drawing/2014/main" id="{0CB6ADB2-B4E7-87A4-FDE4-07CE35F85F99}"/>
+              </a:ext>
+            </a:extLst>
+          </p:cNvPr>
+          <p:cNvSpPr/>
+          <p:nvPr/>
+        </p:nvSpPr>
+        <p:spPr>
+          <a:xfrm>
+            <a:off x="576331" y="4020560"/>
+            <a:ext cx="4093028" cy="2617283"/>
+          </a:xfrm>
+          <a:prstGeom prst="flowChartPunchedTape">
+            <a:avLst/>
+          </a:prstGeom>
+          <a:solidFill>
+            <a:schemeClr val="accent4"/>
+          </a:solidFill>
+          <a:ln>
+            <a:solidFill>
+              <a:schemeClr val="accent4"/>
+            </a:solidFill>
+          </a:ln>
+        </p:spPr>
+        <p:style>
+          <a:lnRef idx="2">
+            <a:schemeClr val="accent1">
+              <a:shade val="15000"/>
+            </a:schemeClr>
+          </a:lnRef>
+          <a:fillRef idx="1">
+            <a:schemeClr val="accent1"/>
+          </a:fillRef>
+          <a:effectRef idx="0">
+            <a:schemeClr val="accent1"/>
+          </a:effectRef>
+          <a:fontRef idx="minor">
+            <a:schemeClr val="lt1"/>
+          </a:fontRef>
+        </p:style>
+        <p:txBody>
+          <a:bodyPr wrap="square" rtlCol="0" anchor="ctr">
+            <a:noAutofit/>
+          </a:bodyPr>
+          <a:lstStyle/>
+          <a:p>
+            <a:pPr>
+              <a:lnSpc>
+                <a:spcPct val="115000"/>
+              </a:lnSpc>
+              <a:spcAft>
+                <a:spcPts val="800"/>
+              </a:spcAft>
+              <a:buNone/>
+            </a:pPr>
+            <a:r>
+              <a:rPr lang="en-GB" sz="2700" kern="1200" dirty="0">
+                <a:solidFill>
+                  <a:srgbClr val="FFFFFF"/>
+                </a:solidFill>
+                <a:effectLst/>
+                <a:ea typeface="Aptos" panose="020B0004020202020204" pitchFamily="34" charset="0"/>
+                <a:cs typeface="Times New Roman" panose="02020603050405020304" pitchFamily="18" charset="0"/>
+              </a:rPr>
+              <a:t>Always follow 4-eyes principle when it comes to checking </a:t>
+            </a:r>
+            <a:r>
+              <a:rPr lang="en-GB" sz="2700" b="1" u="sng" kern="1200" dirty="0">
+                <a:solidFill>
+                  <a:srgbClr val="FFFFFF"/>
+                </a:solidFill>
+                <a:effectLst/>
+                <a:ea typeface="Aptos" panose="020B0004020202020204" pitchFamily="34" charset="0"/>
+                <a:cs typeface="Times New Roman" panose="02020603050405020304" pitchFamily="18" charset="0"/>
+              </a:rPr>
+              <a:t>VCC &amp; GND</a:t>
+            </a:r>
+            <a:endParaRPr lang="en-GB" sz="2700" kern="100" dirty="0">
+              <a:effectLst/>
+              <a:ea typeface="Aptos" panose="020B0004020202020204" pitchFamily="34" charset="0"/>
+              <a:cs typeface="Times New Roman" panose="02020603050405020304" pitchFamily="18" charset="0"/>
+            </a:endParaRPr>
+          </a:p>
+        </p:txBody>
+      </p:sp>
+      <p:sp>
+        <p:nvSpPr>
+          <p:cNvPr id="7" name="Flowchart: Punched Tape 6">
+            <a:extLst>
+              <a:ext uri="{FF2B5EF4-FFF2-40B4-BE49-F238E27FC236}">
+                <a16:creationId xmlns:a16="http://schemas.microsoft.com/office/drawing/2014/main" id="{60F4C605-A6EE-E3D5-2502-9954205AA935}"/>
+              </a:ext>
+            </a:extLst>
+          </p:cNvPr>
+          <p:cNvSpPr/>
+          <p:nvPr/>
+        </p:nvSpPr>
+        <p:spPr>
+          <a:xfrm>
+            <a:off x="8282147" y="3921629"/>
+            <a:ext cx="3692141" cy="2617283"/>
+          </a:xfrm>
+          <a:prstGeom prst="flowChartPunchedTape">
+            <a:avLst/>
+          </a:prstGeom>
+          <a:ln>
+            <a:noFill/>
+          </a:ln>
+        </p:spPr>
+        <p:style>
+          <a:lnRef idx="2">
+            <a:schemeClr val="accent1">
+              <a:shade val="15000"/>
+            </a:schemeClr>
+          </a:lnRef>
+          <a:fillRef idx="1">
+            <a:schemeClr val="accent1"/>
+          </a:fillRef>
+          <a:effectRef idx="0">
+            <a:schemeClr val="accent1"/>
+          </a:effectRef>
+          <a:fontRef idx="minor">
+            <a:schemeClr val="lt1"/>
+          </a:fontRef>
+        </p:style>
+        <p:txBody>
+          <a:bodyPr rot="0" spcFirstLastPara="0" vert="horz" wrap="square" lIns="91440" tIns="45720" rIns="91440" bIns="45720" numCol="1" spcCol="0" rtlCol="0" fromWordArt="0" anchor="ctr" anchorCtr="0" forceAA="0" compatLnSpc="1">
+            <a:prstTxWarp prst="textNoShape">
+              <a:avLst/>
+            </a:prstTxWarp>
+            <a:noAutofit/>
+          </a:bodyPr>
+          <a:lstStyle/>
+          <a:p>
+            <a:pPr algn="ctr">
+              <a:lnSpc>
+                <a:spcPct val="115000"/>
+              </a:lnSpc>
+              <a:spcAft>
+                <a:spcPts val="800"/>
+              </a:spcAft>
+              <a:buNone/>
+            </a:pPr>
+            <a:r>
+              <a:rPr lang="co-FR" sz="2800" kern="1200" dirty="0">
+                <a:solidFill>
+                  <a:srgbClr val="FFFFFF"/>
+                </a:solidFill>
+                <a:effectLst/>
+                <a:ea typeface="Aptos" panose="020B0004020202020204" pitchFamily="34" charset="0"/>
+                <a:cs typeface="Times New Roman" panose="02020603050405020304" pitchFamily="18" charset="0"/>
+              </a:rPr>
+              <a:t>Otherwise, you risk of damaging components</a:t>
+            </a:r>
+            <a:r>
+              <a:rPr lang="co-FR" sz="1600" kern="100" dirty="0">
+                <a:effectLst/>
+                <a:ea typeface="Aptos" panose="020B0004020202020204" pitchFamily="34" charset="0"/>
+                <a:cs typeface="Times New Roman" panose="02020603050405020304" pitchFamily="18" charset="0"/>
+              </a:rPr>
+              <a:t> </a:t>
+            </a:r>
+            <a:endParaRPr lang="en-GB" sz="1600" kern="100" dirty="0">
+              <a:effectLst/>
+              <a:ea typeface="Aptos" panose="020B0004020202020204" pitchFamily="34" charset="0"/>
+              <a:cs typeface="Times New Roman" panose="02020603050405020304" pitchFamily="18" charset="0"/>
+            </a:endParaRPr>
+          </a:p>
+        </p:txBody>
+      </p:sp>
+      <p:pic>
+        <p:nvPicPr>
+          <p:cNvPr id="1026" name="Picture 2" descr="4-eyes Principle. The 4-eyes Principle is also known as… | by Erçin  Dedeoğlu | Medium">
+            <a:extLst>
+              <a:ext uri="{FF2B5EF4-FFF2-40B4-BE49-F238E27FC236}">
+                <a16:creationId xmlns:a16="http://schemas.microsoft.com/office/drawing/2014/main" id="{3352A613-C5DD-1608-80F3-306AA0F51B53}"/>
+              </a:ext>
+            </a:extLst>
+          </p:cNvPr>
+          <p:cNvPicPr>
+            <a:picLocks noChangeAspect="1" noChangeArrowheads="1"/>
+          </p:cNvPicPr>
+          <p:nvPr/>
+        </p:nvPicPr>
+        <p:blipFill>
+          <a:blip r:embed="rId3">
+            <a:extLst>
+              <a:ext uri="{28A0092B-C50C-407E-A947-70E740481C1C}">
+                <a14:useLocalDpi xmlns:a14="http://schemas.microsoft.com/office/drawing/2010/main" val="0"/>
+              </a:ext>
+            </a:extLst>
+          </a:blip>
+          <a:srcRect/>
+          <a:stretch>
+            <a:fillRect/>
+          </a:stretch>
+        </p:blipFill>
+        <p:spPr bwMode="auto">
+          <a:xfrm>
+            <a:off x="4669359" y="4245681"/>
+            <a:ext cx="3612788" cy="2110669"/>
+          </a:xfrm>
+          <a:prstGeom prst="rect">
+            <a:avLst/>
+          </a:prstGeom>
+          <a:noFill/>
+          <a:extLst>
+            <a:ext uri="{909E8E84-426E-40DD-AFC4-6F175D3DCCD1}">
+              <a14:hiddenFill xmlns:a14="http://schemas.microsoft.com/office/drawing/2010/main">
+                <a:solidFill>
+                  <a:srgbClr val="FFFFFF"/>
+                </a:solidFill>
+              </a14:hiddenFill>
+            </a:ext>
+          </a:extLst>
         </p:spPr>
       </p:pic>
     </p:spTree>
@@ -11320,6 +17069,35 @@
           </a:prstGeom>
         </p:spPr>
       </p:pic>
+      <p:sp>
+        <p:nvSpPr>
+          <p:cNvPr id="12" name="Slide Number Placeholder 11">
+            <a:extLst>
+              <a:ext uri="{FF2B5EF4-FFF2-40B4-BE49-F238E27FC236}">
+                <a16:creationId xmlns:a16="http://schemas.microsoft.com/office/drawing/2014/main" id="{753BCB46-E518-8E5D-6055-B36A009F3205}"/>
+              </a:ext>
+            </a:extLst>
+          </p:cNvPr>
+          <p:cNvSpPr>
+            <a:spLocks noGrp="1"/>
+          </p:cNvSpPr>
+          <p:nvPr>
+            <p:ph type="sldNum" sz="quarter" idx="12"/>
+          </p:nvPr>
+        </p:nvSpPr>
+        <p:spPr/>
+        <p:txBody>
+          <a:bodyPr/>
+          <a:lstStyle/>
+          <a:p>
+            <a:fld id="{09FCE3CD-8E5B-4FEB-BC1E-3D61BE3CC713}" type="slidenum">
+              <a:rPr lang="en-GB" smtClean="0"/>
+              <a:t>9</a:t>
+            </a:fld>
+            <a:endParaRPr lang="en-GB"/>
+          </a:p>
+        </p:txBody>
+      </p:sp>
     </p:spTree>
     <p:extLst>
       <p:ext uri="{BB962C8B-B14F-4D97-AF65-F5344CB8AC3E}">
@@ -11646,4 +17424,634 @@
     </a:ext>
   </a:extLst>
 </a:theme>
+</file>
+
+<file path=ppt/theme/theme2.xml><?xml version="1.0" encoding="utf-8"?>
+<a:theme xmlns:a="http://schemas.openxmlformats.org/drawingml/2006/main" name="1_Office Theme">
+  <a:themeElements>
+    <a:clrScheme name="ZASRobotics">
+      <a:dk1>
+        <a:sysClr val="windowText" lastClr="000000"/>
+      </a:dk1>
+      <a:lt1>
+        <a:sysClr val="window" lastClr="FFFFFF"/>
+      </a:lt1>
+      <a:dk2>
+        <a:srgbClr val="0E2841"/>
+      </a:dk2>
+      <a:lt2>
+        <a:srgbClr val="8ECAE6"/>
+      </a:lt2>
+      <a:accent1>
+        <a:srgbClr val="219EBC"/>
+      </a:accent1>
+      <a:accent2>
+        <a:srgbClr val="8ECAE6"/>
+      </a:accent2>
+      <a:accent3>
+        <a:srgbClr val="023047"/>
+      </a:accent3>
+      <a:accent4>
+        <a:srgbClr val="FF715B"/>
+      </a:accent4>
+      <a:accent5>
+        <a:srgbClr val="F9CB40"/>
+      </a:accent5>
+      <a:accent6>
+        <a:srgbClr val="4EA72E"/>
+      </a:accent6>
+      <a:hlink>
+        <a:srgbClr val="467886"/>
+      </a:hlink>
+      <a:folHlink>
+        <a:srgbClr val="96607D"/>
+      </a:folHlink>
+    </a:clrScheme>
+    <a:fontScheme name="Office">
+      <a:majorFont>
+        <a:latin typeface="Aptos Display" panose="02110004020202020204"/>
+        <a:ea typeface=""/>
+        <a:cs typeface=""/>
+        <a:font script="Jpan" typeface="游ゴシック Light"/>
+        <a:font script="Hang" typeface="맑은 고딕"/>
+        <a:font script="Hans" typeface="等线 Light"/>
+        <a:font script="Hant" typeface="新細明體"/>
+        <a:font script="Arab" typeface="Times New Roman"/>
+        <a:font script="Hebr" typeface="Times New Roman"/>
+        <a:font script="Thai" typeface="Angsana New"/>
+        <a:font script="Ethi" typeface="Nyala"/>
+        <a:font script="Beng" typeface="Vrinda"/>
+        <a:font script="Gujr" typeface="Shruti"/>
+        <a:font script="Khmr" typeface="MoolBoran"/>
+        <a:font script="Knda" typeface="Tunga"/>
+        <a:font script="Guru" typeface="Raavi"/>
+        <a:font script="Cans" typeface="Euphemia"/>
+        <a:font script="Cher" typeface="Plantagenet Cherokee"/>
+        <a:font script="Yiii" typeface="Microsoft Yi Baiti"/>
+        <a:font script="Tibt" typeface="Microsoft Himalaya"/>
+        <a:font script="Thaa" typeface="MV Boli"/>
+        <a:font script="Deva" typeface="Mangal"/>
+        <a:font script="Telu" typeface="Gautami"/>
+        <a:font script="Taml" typeface="Latha"/>
+        <a:font script="Syrc" typeface="Estrangelo Edessa"/>
+        <a:font script="Orya" typeface="Kalinga"/>
+        <a:font script="Mlym" typeface="Kartika"/>
+        <a:font script="Laoo" typeface="DokChampa"/>
+        <a:font script="Sinh" typeface="Iskoola Pota"/>
+        <a:font script="Mong" typeface="Mongolian Baiti"/>
+        <a:font script="Viet" typeface="Times New Roman"/>
+        <a:font script="Uigh" typeface="Microsoft Uighur"/>
+        <a:font script="Geor" typeface="Sylfaen"/>
+        <a:font script="Armn" typeface="Arial"/>
+        <a:font script="Bugi" typeface="Leelawadee UI"/>
+        <a:font script="Bopo" typeface="Microsoft JhengHei"/>
+        <a:font script="Java" typeface="Javanese Text"/>
+        <a:font script="Lisu" typeface="Segoe UI"/>
+        <a:font script="Mymr" typeface="Myanmar Text"/>
+        <a:font script="Nkoo" typeface="Ebrima"/>
+        <a:font script="Olck" typeface="Nirmala UI"/>
+        <a:font script="Osma" typeface="Ebrima"/>
+        <a:font script="Phag" typeface="Phagspa"/>
+        <a:font script="Syrn" typeface="Estrangelo Edessa"/>
+        <a:font script="Syrj" typeface="Estrangelo Edessa"/>
+        <a:font script="Syre" typeface="Estrangelo Edessa"/>
+        <a:font script="Sora" typeface="Nirmala UI"/>
+        <a:font script="Tale" typeface="Microsoft Tai Le"/>
+        <a:font script="Talu" typeface="Microsoft New Tai Lue"/>
+        <a:font script="Tfng" typeface="Ebrima"/>
+      </a:majorFont>
+      <a:minorFont>
+        <a:latin typeface="Aptos" panose="02110004020202020204"/>
+        <a:ea typeface=""/>
+        <a:cs typeface=""/>
+        <a:font script="Jpan" typeface="游ゴシック"/>
+        <a:font script="Hang" typeface="맑은 고딕"/>
+        <a:font script="Hans" typeface="等线"/>
+        <a:font script="Hant" typeface="新細明體"/>
+        <a:font script="Arab" typeface="Arial"/>
+        <a:font script="Hebr" typeface="Arial"/>
+        <a:font script="Thai" typeface="Cordia New"/>
+        <a:font script="Ethi" typeface="Nyala"/>
+        <a:font script="Beng" typeface="Vrinda"/>
+        <a:font script="Gujr" typeface="Shruti"/>
+        <a:font script="Khmr" typeface="DaunPenh"/>
+        <a:font script="Knda" typeface="Tunga"/>
+        <a:font script="Guru" typeface="Raavi"/>
+        <a:font script="Cans" typeface="Euphemia"/>
+        <a:font script="Cher" typeface="Plantagenet Cherokee"/>
+        <a:font script="Yiii" typeface="Microsoft Yi Baiti"/>
+        <a:font script="Tibt" typeface="Microsoft Himalaya"/>
+        <a:font script="Thaa" typeface="MV Boli"/>
+        <a:font script="Deva" typeface="Mangal"/>
+        <a:font script="Telu" typeface="Gautami"/>
+        <a:font script="Taml" typeface="Latha"/>
+        <a:font script="Syrc" typeface="Estrangelo Edessa"/>
+        <a:font script="Orya" typeface="Kalinga"/>
+        <a:font script="Mlym" typeface="Kartika"/>
+        <a:font script="Laoo" typeface="DokChampa"/>
+        <a:font script="Sinh" typeface="Iskoola Pota"/>
+        <a:font script="Mong" typeface="Mongolian Baiti"/>
+        <a:font script="Viet" typeface="Arial"/>
+        <a:font script="Uigh" typeface="Microsoft Uighur"/>
+        <a:font script="Geor" typeface="Sylfaen"/>
+        <a:font script="Armn" typeface="Arial"/>
+        <a:font script="Bugi" typeface="Leelawadee UI"/>
+        <a:font script="Bopo" typeface="Microsoft JhengHei"/>
+        <a:font script="Java" typeface="Javanese Text"/>
+        <a:font script="Lisu" typeface="Segoe UI"/>
+        <a:font script="Mymr" typeface="Myanmar Text"/>
+        <a:font script="Nkoo" typeface="Ebrima"/>
+        <a:font script="Olck" typeface="Nirmala UI"/>
+        <a:font script="Osma" typeface="Ebrima"/>
+        <a:font script="Phag" typeface="Phagspa"/>
+        <a:font script="Syrn" typeface="Estrangelo Edessa"/>
+        <a:font script="Syrj" typeface="Estrangelo Edessa"/>
+        <a:font script="Syre" typeface="Estrangelo Edessa"/>
+        <a:font script="Sora" typeface="Nirmala UI"/>
+        <a:font script="Tale" typeface="Microsoft Tai Le"/>
+        <a:font script="Talu" typeface="Microsoft New Tai Lue"/>
+        <a:font script="Tfng" typeface="Ebrima"/>
+      </a:minorFont>
+    </a:fontScheme>
+    <a:fmtScheme name="Office">
+      <a:fillStyleLst>
+        <a:solidFill>
+          <a:schemeClr val="phClr"/>
+        </a:solidFill>
+        <a:gradFill rotWithShape="1">
+          <a:gsLst>
+            <a:gs pos="0">
+              <a:schemeClr val="phClr">
+                <a:lumMod val="110000"/>
+                <a:satMod val="105000"/>
+                <a:tint val="67000"/>
+              </a:schemeClr>
+            </a:gs>
+            <a:gs pos="50000">
+              <a:schemeClr val="phClr">
+                <a:lumMod val="105000"/>
+                <a:satMod val="103000"/>
+                <a:tint val="73000"/>
+              </a:schemeClr>
+            </a:gs>
+            <a:gs pos="100000">
+              <a:schemeClr val="phClr">
+                <a:lumMod val="105000"/>
+                <a:satMod val="109000"/>
+                <a:tint val="81000"/>
+              </a:schemeClr>
+            </a:gs>
+          </a:gsLst>
+          <a:lin ang="5400000" scaled="0"/>
+        </a:gradFill>
+        <a:gradFill rotWithShape="1">
+          <a:gsLst>
+            <a:gs pos="0">
+              <a:schemeClr val="phClr">
+                <a:satMod val="103000"/>
+                <a:lumMod val="102000"/>
+                <a:tint val="94000"/>
+              </a:schemeClr>
+            </a:gs>
+            <a:gs pos="50000">
+              <a:schemeClr val="phClr">
+                <a:satMod val="110000"/>
+                <a:lumMod val="100000"/>
+                <a:shade val="100000"/>
+              </a:schemeClr>
+            </a:gs>
+            <a:gs pos="100000">
+              <a:schemeClr val="phClr">
+                <a:lumMod val="99000"/>
+                <a:satMod val="120000"/>
+                <a:shade val="78000"/>
+              </a:schemeClr>
+            </a:gs>
+          </a:gsLst>
+          <a:lin ang="5400000" scaled="0"/>
+        </a:gradFill>
+      </a:fillStyleLst>
+      <a:lnStyleLst>
+        <a:ln w="12700" cap="flat" cmpd="sng" algn="ctr">
+          <a:solidFill>
+            <a:schemeClr val="phClr"/>
+          </a:solidFill>
+          <a:prstDash val="solid"/>
+          <a:miter lim="800000"/>
+        </a:ln>
+        <a:ln w="19050" cap="flat" cmpd="sng" algn="ctr">
+          <a:solidFill>
+            <a:schemeClr val="phClr"/>
+          </a:solidFill>
+          <a:prstDash val="solid"/>
+          <a:miter lim="800000"/>
+        </a:ln>
+        <a:ln w="25400" cap="flat" cmpd="sng" algn="ctr">
+          <a:solidFill>
+            <a:schemeClr val="phClr"/>
+          </a:solidFill>
+          <a:prstDash val="solid"/>
+          <a:miter lim="800000"/>
+        </a:ln>
+      </a:lnStyleLst>
+      <a:effectStyleLst>
+        <a:effectStyle>
+          <a:effectLst/>
+        </a:effectStyle>
+        <a:effectStyle>
+          <a:effectLst/>
+        </a:effectStyle>
+        <a:effectStyle>
+          <a:effectLst>
+            <a:outerShdw blurRad="57150" dist="19050" dir="5400000" algn="ctr" rotWithShape="0">
+              <a:srgbClr val="000000">
+                <a:alpha val="63000"/>
+              </a:srgbClr>
+            </a:outerShdw>
+          </a:effectLst>
+        </a:effectStyle>
+      </a:effectStyleLst>
+      <a:bgFillStyleLst>
+        <a:solidFill>
+          <a:schemeClr val="phClr"/>
+        </a:solidFill>
+        <a:solidFill>
+          <a:schemeClr val="phClr">
+            <a:tint val="95000"/>
+            <a:satMod val="170000"/>
+          </a:schemeClr>
+        </a:solidFill>
+        <a:gradFill rotWithShape="1">
+          <a:gsLst>
+            <a:gs pos="0">
+              <a:schemeClr val="phClr">
+                <a:tint val="93000"/>
+                <a:satMod val="150000"/>
+                <a:shade val="98000"/>
+                <a:lumMod val="102000"/>
+              </a:schemeClr>
+            </a:gs>
+            <a:gs pos="50000">
+              <a:schemeClr val="phClr">
+                <a:tint val="98000"/>
+                <a:satMod val="130000"/>
+                <a:shade val="90000"/>
+                <a:lumMod val="103000"/>
+              </a:schemeClr>
+            </a:gs>
+            <a:gs pos="100000">
+              <a:schemeClr val="phClr">
+                <a:shade val="63000"/>
+                <a:satMod val="120000"/>
+              </a:schemeClr>
+            </a:gs>
+          </a:gsLst>
+          <a:lin ang="5400000" scaled="0"/>
+        </a:gradFill>
+      </a:bgFillStyleLst>
+    </a:fmtScheme>
+  </a:themeElements>
+  <a:objectDefaults>
+    <a:lnDef>
+      <a:spPr/>
+      <a:bodyPr/>
+      <a:lstStyle/>
+      <a:style>
+        <a:lnRef idx="2">
+          <a:schemeClr val="accent1"/>
+        </a:lnRef>
+        <a:fillRef idx="0">
+          <a:schemeClr val="accent1"/>
+        </a:fillRef>
+        <a:effectRef idx="1">
+          <a:schemeClr val="accent1"/>
+        </a:effectRef>
+        <a:fontRef idx="minor">
+          <a:schemeClr val="tx1"/>
+        </a:fontRef>
+      </a:style>
+    </a:lnDef>
+  </a:objectDefaults>
+  <a:extraClrSchemeLst/>
+  <a:extLst>
+    <a:ext uri="{05A4C25C-085E-4340-85A3-A5531E510DB2}">
+      <thm15:themeFamily xmlns:thm15="http://schemas.microsoft.com/office/thememl/2012/main" name="Office Theme" id="{2E142A2C-CD16-42D6-873A-C26D2A0506FA}" vid="{1BDDFF52-6CD6-40A5-AB3C-68EB2F1E4D0A}"/>
+    </a:ext>
+  </a:extLst>
+</a:theme>
+</file>
+
+<file path=ppt/theme/theme3.xml><?xml version="1.0" encoding="utf-8"?>
+<a:theme xmlns:a="http://schemas.openxmlformats.org/drawingml/2006/main" name="Office Theme">
+  <a:themeElements>
+    <a:clrScheme name="Office">
+      <a:dk1>
+        <a:sysClr val="windowText" lastClr="000000"/>
+      </a:dk1>
+      <a:lt1>
+        <a:sysClr val="window" lastClr="FFFFFF"/>
+      </a:lt1>
+      <a:dk2>
+        <a:srgbClr val="0E2841"/>
+      </a:dk2>
+      <a:lt2>
+        <a:srgbClr val="E8E8E8"/>
+      </a:lt2>
+      <a:accent1>
+        <a:srgbClr val="156082"/>
+      </a:accent1>
+      <a:accent2>
+        <a:srgbClr val="E97132"/>
+      </a:accent2>
+      <a:accent3>
+        <a:srgbClr val="196B24"/>
+      </a:accent3>
+      <a:accent4>
+        <a:srgbClr val="0F9ED5"/>
+      </a:accent4>
+      <a:accent5>
+        <a:srgbClr val="A02B93"/>
+      </a:accent5>
+      <a:accent6>
+        <a:srgbClr val="4EA72E"/>
+      </a:accent6>
+      <a:hlink>
+        <a:srgbClr val="467886"/>
+      </a:hlink>
+      <a:folHlink>
+        <a:srgbClr val="96607D"/>
+      </a:folHlink>
+    </a:clrScheme>
+    <a:fontScheme name="Office">
+      <a:majorFont>
+        <a:latin typeface="Aptos Display" panose="02110004020202020204"/>
+        <a:ea typeface=""/>
+        <a:cs typeface=""/>
+        <a:font script="Jpan" typeface="游ゴシック Light"/>
+        <a:font script="Hang" typeface="맑은 고딕"/>
+        <a:font script="Hans" typeface="等线 Light"/>
+        <a:font script="Hant" typeface="新細明體"/>
+        <a:font script="Arab" typeface="Times New Roman"/>
+        <a:font script="Hebr" typeface="Times New Roman"/>
+        <a:font script="Thai" typeface="Angsana New"/>
+        <a:font script="Ethi" typeface="Nyala"/>
+        <a:font script="Beng" typeface="Vrinda"/>
+        <a:font script="Gujr" typeface="Shruti"/>
+        <a:font script="Khmr" typeface="MoolBoran"/>
+        <a:font script="Knda" typeface="Tunga"/>
+        <a:font script="Guru" typeface="Raavi"/>
+        <a:font script="Cans" typeface="Euphemia"/>
+        <a:font script="Cher" typeface="Plantagenet Cherokee"/>
+        <a:font script="Yiii" typeface="Microsoft Yi Baiti"/>
+        <a:font script="Tibt" typeface="Microsoft Himalaya"/>
+        <a:font script="Thaa" typeface="MV Boli"/>
+        <a:font script="Deva" typeface="Mangal"/>
+        <a:font script="Telu" typeface="Gautami"/>
+        <a:font script="Taml" typeface="Latha"/>
+        <a:font script="Syrc" typeface="Estrangelo Edessa"/>
+        <a:font script="Orya" typeface="Kalinga"/>
+        <a:font script="Mlym" typeface="Kartika"/>
+        <a:font script="Laoo" typeface="DokChampa"/>
+        <a:font script="Sinh" typeface="Iskoola Pota"/>
+        <a:font script="Mong" typeface="Mongolian Baiti"/>
+        <a:font script="Viet" typeface="Times New Roman"/>
+        <a:font script="Uigh" typeface="Microsoft Uighur"/>
+        <a:font script="Geor" typeface="Sylfaen"/>
+        <a:font script="Armn" typeface="Arial"/>
+        <a:font script="Bugi" typeface="Leelawadee UI"/>
+        <a:font script="Bopo" typeface="Microsoft JhengHei"/>
+        <a:font script="Java" typeface="Javanese Text"/>
+        <a:font script="Lisu" typeface="Segoe UI"/>
+        <a:font script="Mymr" typeface="Myanmar Text"/>
+        <a:font script="Nkoo" typeface="Ebrima"/>
+        <a:font script="Olck" typeface="Nirmala UI"/>
+        <a:font script="Osma" typeface="Ebrima"/>
+        <a:font script="Phag" typeface="Phagspa"/>
+        <a:font script="Syrn" typeface="Estrangelo Edessa"/>
+        <a:font script="Syrj" typeface="Estrangelo Edessa"/>
+        <a:font script="Syre" typeface="Estrangelo Edessa"/>
+        <a:font script="Sora" typeface="Nirmala UI"/>
+        <a:font script="Tale" typeface="Microsoft Tai Le"/>
+        <a:font script="Talu" typeface="Microsoft New Tai Lue"/>
+        <a:font script="Tfng" typeface="Ebrima"/>
+      </a:majorFont>
+      <a:minorFont>
+        <a:latin typeface="Aptos" panose="02110004020202020204"/>
+        <a:ea typeface=""/>
+        <a:cs typeface=""/>
+        <a:font script="Jpan" typeface="游ゴシック"/>
+        <a:font script="Hang" typeface="맑은 고딕"/>
+        <a:font script="Hans" typeface="等线"/>
+        <a:font script="Hant" typeface="新細明體"/>
+        <a:font script="Arab" typeface="Arial"/>
+        <a:font script="Hebr" typeface="Arial"/>
+        <a:font script="Thai" typeface="Cordia New"/>
+        <a:font script="Ethi" typeface="Nyala"/>
+        <a:font script="Beng" typeface="Vrinda"/>
+        <a:font script="Gujr" typeface="Shruti"/>
+        <a:font script="Khmr" typeface="DaunPenh"/>
+        <a:font script="Knda" typeface="Tunga"/>
+        <a:font script="Guru" typeface="Raavi"/>
+        <a:font script="Cans" typeface="Euphemia"/>
+        <a:font script="Cher" typeface="Plantagenet Cherokee"/>
+        <a:font script="Yiii" typeface="Microsoft Yi Baiti"/>
+        <a:font script="Tibt" typeface="Microsoft Himalaya"/>
+        <a:font script="Thaa" typeface="MV Boli"/>
+        <a:font script="Deva" typeface="Mangal"/>
+        <a:font script="Telu" typeface="Gautami"/>
+        <a:font script="Taml" typeface="Latha"/>
+        <a:font script="Syrc" typeface="Estrangelo Edessa"/>
+        <a:font script="Orya" typeface="Kalinga"/>
+        <a:font script="Mlym" typeface="Kartika"/>
+        <a:font script="Laoo" typeface="DokChampa"/>
+        <a:font script="Sinh" typeface="Iskoola Pota"/>
+        <a:font script="Mong" typeface="Mongolian Baiti"/>
+        <a:font script="Viet" typeface="Arial"/>
+        <a:font script="Uigh" typeface="Microsoft Uighur"/>
+        <a:font script="Geor" typeface="Sylfaen"/>
+        <a:font script="Armn" typeface="Arial"/>
+        <a:font script="Bugi" typeface="Leelawadee UI"/>
+        <a:font script="Bopo" typeface="Microsoft JhengHei"/>
+        <a:font script="Java" typeface="Javanese Text"/>
+        <a:font script="Lisu" typeface="Segoe UI"/>
+        <a:font script="Mymr" typeface="Myanmar Text"/>
+        <a:font script="Nkoo" typeface="Ebrima"/>
+        <a:font script="Olck" typeface="Nirmala UI"/>
+        <a:font script="Osma" typeface="Ebrima"/>
+        <a:font script="Phag" typeface="Phagspa"/>
+        <a:font script="Syrn" typeface="Estrangelo Edessa"/>
+        <a:font script="Syrj" typeface="Estrangelo Edessa"/>
+        <a:font script="Syre" typeface="Estrangelo Edessa"/>
+        <a:font script="Sora" typeface="Nirmala UI"/>
+        <a:font script="Tale" typeface="Microsoft Tai Le"/>
+        <a:font script="Talu" typeface="Microsoft New Tai Lue"/>
+        <a:font script="Tfng" typeface="Ebrima"/>
+      </a:minorFont>
+    </a:fontScheme>
+    <a:fmtScheme name="Office">
+      <a:fillStyleLst>
+        <a:solidFill>
+          <a:schemeClr val="phClr"/>
+        </a:solidFill>
+        <a:gradFill rotWithShape="1">
+          <a:gsLst>
+            <a:gs pos="0">
+              <a:schemeClr val="phClr">
+                <a:lumMod val="110000"/>
+                <a:satMod val="105000"/>
+                <a:tint val="67000"/>
+              </a:schemeClr>
+            </a:gs>
+            <a:gs pos="50000">
+              <a:schemeClr val="phClr">
+                <a:lumMod val="105000"/>
+                <a:satMod val="103000"/>
+                <a:tint val="73000"/>
+              </a:schemeClr>
+            </a:gs>
+            <a:gs pos="100000">
+              <a:schemeClr val="phClr">
+                <a:lumMod val="105000"/>
+                <a:satMod val="109000"/>
+                <a:tint val="81000"/>
+              </a:schemeClr>
+            </a:gs>
+          </a:gsLst>
+          <a:lin ang="5400000" scaled="0"/>
+        </a:gradFill>
+        <a:gradFill rotWithShape="1">
+          <a:gsLst>
+            <a:gs pos="0">
+              <a:schemeClr val="phClr">
+                <a:satMod val="103000"/>
+                <a:lumMod val="102000"/>
+                <a:tint val="94000"/>
+              </a:schemeClr>
+            </a:gs>
+            <a:gs pos="50000">
+              <a:schemeClr val="phClr">
+                <a:satMod val="110000"/>
+                <a:lumMod val="100000"/>
+                <a:shade val="100000"/>
+              </a:schemeClr>
+            </a:gs>
+            <a:gs pos="100000">
+              <a:schemeClr val="phClr">
+                <a:lumMod val="99000"/>
+                <a:satMod val="120000"/>
+                <a:shade val="78000"/>
+              </a:schemeClr>
+            </a:gs>
+          </a:gsLst>
+          <a:lin ang="5400000" scaled="0"/>
+        </a:gradFill>
+      </a:fillStyleLst>
+      <a:lnStyleLst>
+        <a:ln w="12700" cap="flat" cmpd="sng" algn="ctr">
+          <a:solidFill>
+            <a:schemeClr val="phClr"/>
+          </a:solidFill>
+          <a:prstDash val="solid"/>
+          <a:miter lim="800000"/>
+        </a:ln>
+        <a:ln w="19050" cap="flat" cmpd="sng" algn="ctr">
+          <a:solidFill>
+            <a:schemeClr val="phClr"/>
+          </a:solidFill>
+          <a:prstDash val="solid"/>
+          <a:miter lim="800000"/>
+        </a:ln>
+        <a:ln w="25400" cap="flat" cmpd="sng" algn="ctr">
+          <a:solidFill>
+            <a:schemeClr val="phClr"/>
+          </a:solidFill>
+          <a:prstDash val="solid"/>
+          <a:miter lim="800000"/>
+        </a:ln>
+      </a:lnStyleLst>
+      <a:effectStyleLst>
+        <a:effectStyle>
+          <a:effectLst/>
+        </a:effectStyle>
+        <a:effectStyle>
+          <a:effectLst/>
+        </a:effectStyle>
+        <a:effectStyle>
+          <a:effectLst>
+            <a:outerShdw blurRad="57150" dist="19050" dir="5400000" algn="ctr" rotWithShape="0">
+              <a:srgbClr val="000000">
+                <a:alpha val="63000"/>
+              </a:srgbClr>
+            </a:outerShdw>
+          </a:effectLst>
+        </a:effectStyle>
+      </a:effectStyleLst>
+      <a:bgFillStyleLst>
+        <a:solidFill>
+          <a:schemeClr val="phClr"/>
+        </a:solidFill>
+        <a:solidFill>
+          <a:schemeClr val="phClr">
+            <a:tint val="95000"/>
+            <a:satMod val="170000"/>
+          </a:schemeClr>
+        </a:solidFill>
+        <a:gradFill rotWithShape="1">
+          <a:gsLst>
+            <a:gs pos="0">
+              <a:schemeClr val="phClr">
+                <a:tint val="93000"/>
+                <a:satMod val="150000"/>
+                <a:shade val="98000"/>
+                <a:lumMod val="102000"/>
+              </a:schemeClr>
+            </a:gs>
+            <a:gs pos="50000">
+              <a:schemeClr val="phClr">
+                <a:tint val="98000"/>
+                <a:satMod val="130000"/>
+                <a:shade val="90000"/>
+                <a:lumMod val="103000"/>
+              </a:schemeClr>
+            </a:gs>
+            <a:gs pos="100000">
+              <a:schemeClr val="phClr">
+                <a:shade val="63000"/>
+                <a:satMod val="120000"/>
+              </a:schemeClr>
+            </a:gs>
+          </a:gsLst>
+          <a:lin ang="5400000" scaled="0"/>
+        </a:gradFill>
+      </a:bgFillStyleLst>
+    </a:fmtScheme>
+  </a:themeElements>
+  <a:objectDefaults>
+    <a:lnDef>
+      <a:spPr/>
+      <a:bodyPr/>
+      <a:lstStyle/>
+      <a:style>
+        <a:lnRef idx="2">
+          <a:schemeClr val="accent1"/>
+        </a:lnRef>
+        <a:fillRef idx="0">
+          <a:schemeClr val="accent1"/>
+        </a:fillRef>
+        <a:effectRef idx="1">
+          <a:schemeClr val="accent1"/>
+        </a:effectRef>
+        <a:fontRef idx="minor">
+          <a:schemeClr val="tx1"/>
+        </a:fontRef>
+      </a:style>
+    </a:lnDef>
+  </a:objectDefaults>
+  <a:extraClrSchemeLst/>
+  <a:extLst>
+    <a:ext uri="{05A4C25C-085E-4340-85A3-A5531E510DB2}">
+      <thm15:themeFamily xmlns:thm15="http://schemas.microsoft.com/office/thememl/2012/main" name="Office Theme" id="{2E142A2C-CD16-42D6-873A-C26D2A0506FA}" vid="{1BDDFF52-6CD6-40A5-AB3C-68EB2F1E4D0A}"/>
+    </a:ext>
+  </a:extLst>
+</a:theme>
 </file>
--- a/GPREC/ZAS_Robotics_TrainingSchedule.pptx
+++ b/GPREC/ZAS_Robotics_TrainingSchedule.pptx
@@ -6,7 +6,7 @@
     <p:sldMasterId id="2147483660" r:id="rId2"/>
   </p:sldMasterIdLst>
   <p:notesMasterIdLst>
-    <p:notesMasterId r:id="rId29"/>
+    <p:notesMasterId r:id="rId32"/>
   </p:notesMasterIdLst>
   <p:sldIdLst>
     <p:sldId id="256" r:id="rId3"/>
@@ -17,24 +17,27 @@
     <p:sldId id="285" r:id="rId8"/>
     <p:sldId id="288" r:id="rId9"/>
     <p:sldId id="286" r:id="rId10"/>
-    <p:sldId id="261" r:id="rId11"/>
-    <p:sldId id="262" r:id="rId12"/>
+    <p:sldId id="262" r:id="rId11"/>
+    <p:sldId id="261" r:id="rId12"/>
     <p:sldId id="263" r:id="rId13"/>
-    <p:sldId id="289" r:id="rId14"/>
-    <p:sldId id="290" r:id="rId15"/>
-    <p:sldId id="276" r:id="rId16"/>
-    <p:sldId id="268" r:id="rId17"/>
-    <p:sldId id="269" r:id="rId18"/>
-    <p:sldId id="264" r:id="rId19"/>
-    <p:sldId id="270" r:id="rId20"/>
-    <p:sldId id="266" r:id="rId21"/>
-    <p:sldId id="271" r:id="rId22"/>
-    <p:sldId id="267" r:id="rId23"/>
-    <p:sldId id="272" r:id="rId24"/>
-    <p:sldId id="273" r:id="rId25"/>
-    <p:sldId id="274" r:id="rId26"/>
-    <p:sldId id="275" r:id="rId27"/>
-    <p:sldId id="287" r:id="rId28"/>
+    <p:sldId id="291" r:id="rId14"/>
+    <p:sldId id="292" r:id="rId15"/>
+    <p:sldId id="293" r:id="rId16"/>
+    <p:sldId id="289" r:id="rId17"/>
+    <p:sldId id="290" r:id="rId18"/>
+    <p:sldId id="276" r:id="rId19"/>
+    <p:sldId id="268" r:id="rId20"/>
+    <p:sldId id="269" r:id="rId21"/>
+    <p:sldId id="264" r:id="rId22"/>
+    <p:sldId id="270" r:id="rId23"/>
+    <p:sldId id="266" r:id="rId24"/>
+    <p:sldId id="271" r:id="rId25"/>
+    <p:sldId id="267" r:id="rId26"/>
+    <p:sldId id="272" r:id="rId27"/>
+    <p:sldId id="273" r:id="rId28"/>
+    <p:sldId id="274" r:id="rId29"/>
+    <p:sldId id="275" r:id="rId30"/>
+    <p:sldId id="287" r:id="rId31"/>
   </p:sldIdLst>
   <p:sldSz cx="12192000" cy="6858000"/>
   <p:notesSz cx="6858000" cy="9144000"/>
@@ -223,7 +226,7 @@
           <a:p>
             <a:fld id="{2188BDBB-A9AA-4EA8-839E-776D809E4B70}" type="datetimeFigureOut">
               <a:rPr lang="en-GB" smtClean="0"/>
-              <a:t>02/12/2025</a:t>
+              <a:t>04/12/2025</a:t>
             </a:fld>
             <a:endParaRPr lang="en-GB"/>
           </a:p>
@@ -640,7 +643,7 @@
           <a:p>
             <a:fld id="{912913EA-6ED6-4717-A955-EEF1D6C7BEDF}" type="datetime1">
               <a:rPr lang="en-GB" smtClean="0"/>
-              <a:t>02/12/2025</a:t>
+              <a:t>04/12/2025</a:t>
             </a:fld>
             <a:endParaRPr lang="en-GB"/>
           </a:p>
@@ -840,7 +843,7 @@
           <a:p>
             <a:fld id="{30379DBB-14D7-469D-8C98-BA0034030FAD}" type="datetime1">
               <a:rPr lang="en-GB" smtClean="0"/>
-              <a:t>02/12/2025</a:t>
+              <a:t>04/12/2025</a:t>
             </a:fld>
             <a:endParaRPr lang="en-GB"/>
           </a:p>
@@ -1050,7 +1053,7 @@
           <a:p>
             <a:fld id="{C8D2323D-C6F4-4C34-952C-8ED6FCE215CD}" type="datetime1">
               <a:rPr lang="en-GB" smtClean="0"/>
-              <a:t>02/12/2025</a:t>
+              <a:t>04/12/2025</a:t>
             </a:fld>
             <a:endParaRPr lang="en-GB"/>
           </a:p>
@@ -1272,7 +1275,7 @@
           <a:p>
             <a:fld id="{83F1BC6A-0D15-455A-89D6-C27A6F8B655A}" type="datetime1">
               <a:rPr lang="en-GB" smtClean="0"/>
-              <a:t>02/12/2025</a:t>
+              <a:t>04/12/2025</a:t>
             </a:fld>
             <a:endParaRPr lang="en-GB"/>
           </a:p>
@@ -1472,7 +1475,7 @@
           <a:p>
             <a:fld id="{A5B1365C-EF71-4CE7-9F68-1765552E71D1}" type="datetime1">
               <a:rPr lang="en-GB" smtClean="0"/>
-              <a:t>02/12/2025</a:t>
+              <a:t>04/12/2025</a:t>
             </a:fld>
             <a:endParaRPr lang="en-GB"/>
           </a:p>
@@ -1748,7 +1751,7 @@
           <a:p>
             <a:fld id="{0E1A851D-EA4F-4747-B9A1-9552156AB555}" type="datetime1">
               <a:rPr lang="en-GB" smtClean="0"/>
-              <a:t>02/12/2025</a:t>
+              <a:t>04/12/2025</a:t>
             </a:fld>
             <a:endParaRPr lang="en-GB"/>
           </a:p>
@@ -2016,7 +2019,7 @@
           <a:p>
             <a:fld id="{45864360-8B9F-4432-B77C-8083FB824912}" type="datetime1">
               <a:rPr lang="en-GB" smtClean="0"/>
-              <a:t>02/12/2025</a:t>
+              <a:t>04/12/2025</a:t>
             </a:fld>
             <a:endParaRPr lang="en-GB"/>
           </a:p>
@@ -2431,7 +2434,7 @@
           <a:p>
             <a:fld id="{E2DA881E-529A-410A-BE55-AD30E76F5975}" type="datetime1">
               <a:rPr lang="en-GB" smtClean="0"/>
-              <a:t>02/12/2025</a:t>
+              <a:t>04/12/2025</a:t>
             </a:fld>
             <a:endParaRPr lang="en-GB"/>
           </a:p>
@@ -2573,7 +2576,7 @@
           <a:p>
             <a:fld id="{234A16F6-BB5F-4453-A591-7620235D63D5}" type="datetime1">
               <a:rPr lang="en-GB" smtClean="0"/>
-              <a:t>02/12/2025</a:t>
+              <a:t>04/12/2025</a:t>
             </a:fld>
             <a:endParaRPr lang="en-GB"/>
           </a:p>
@@ -2686,7 +2689,7 @@
           <a:p>
             <a:fld id="{8DCFC9A8-829A-4224-8C34-00F0123A8E53}" type="datetime1">
               <a:rPr lang="en-GB" smtClean="0"/>
-              <a:t>02/12/2025</a:t>
+              <a:t>04/12/2025</a:t>
             </a:fld>
             <a:endParaRPr lang="en-GB"/>
           </a:p>
@@ -2999,7 +3002,7 @@
           <a:p>
             <a:fld id="{DF269D35-65C0-444C-BF22-5EBF1E2FAC54}" type="datetime1">
               <a:rPr lang="en-GB" smtClean="0"/>
-              <a:t>02/12/2025</a:t>
+              <a:t>04/12/2025</a:t>
             </a:fld>
             <a:endParaRPr lang="en-GB"/>
           </a:p>
@@ -3199,7 +3202,7 @@
           <a:p>
             <a:fld id="{17CC5F1B-EA97-462D-964B-A3B18EEDB77C}" type="datetime1">
               <a:rPr lang="en-GB" smtClean="0"/>
-              <a:t>02/12/2025</a:t>
+              <a:t>04/12/2025</a:t>
             </a:fld>
             <a:endParaRPr lang="en-GB"/>
           </a:p>
@@ -3488,7 +3491,7 @@
           <a:p>
             <a:fld id="{40B2233B-3254-4A18-B951-D4A5FC3F4336}" type="datetime1">
               <a:rPr lang="en-GB" smtClean="0"/>
-              <a:t>02/12/2025</a:t>
+              <a:t>04/12/2025</a:t>
             </a:fld>
             <a:endParaRPr lang="en-GB"/>
           </a:p>
@@ -3688,7 +3691,7 @@
           <a:p>
             <a:fld id="{8FF648A8-37FE-4A01-8860-80C6D7AFF32C}" type="datetime1">
               <a:rPr lang="en-GB" smtClean="0"/>
-              <a:t>02/12/2025</a:t>
+              <a:t>04/12/2025</a:t>
             </a:fld>
             <a:endParaRPr lang="en-GB"/>
           </a:p>
@@ -3898,7 +3901,7 @@
           <a:p>
             <a:fld id="{B63A81C4-186B-495B-B8F7-5CE383C44FC7}" type="datetime1">
               <a:rPr lang="en-GB" smtClean="0"/>
-              <a:t>02/12/2025</a:t>
+              <a:t>04/12/2025</a:t>
             </a:fld>
             <a:endParaRPr lang="en-GB"/>
           </a:p>
@@ -4174,7 +4177,7 @@
           <a:p>
             <a:fld id="{3C69833C-75DB-499F-AB41-F7B08AD8DD27}" type="datetime1">
               <a:rPr lang="en-GB" smtClean="0"/>
-              <a:t>02/12/2025</a:t>
+              <a:t>04/12/2025</a:t>
             </a:fld>
             <a:endParaRPr lang="en-GB"/>
           </a:p>
@@ -4442,7 +4445,7 @@
           <a:p>
             <a:fld id="{45BBEE8D-5591-4529-BDB4-27B6F16B289F}" type="datetime1">
               <a:rPr lang="en-GB" smtClean="0"/>
-              <a:t>02/12/2025</a:t>
+              <a:t>04/12/2025</a:t>
             </a:fld>
             <a:endParaRPr lang="en-GB"/>
           </a:p>
@@ -4857,7 +4860,7 @@
           <a:p>
             <a:fld id="{CD1D3935-CB14-44C3-A7B8-4A64E91EB368}" type="datetime1">
               <a:rPr lang="en-GB" smtClean="0"/>
-              <a:t>02/12/2025</a:t>
+              <a:t>04/12/2025</a:t>
             </a:fld>
             <a:endParaRPr lang="en-GB"/>
           </a:p>
@@ -4999,7 +5002,7 @@
           <a:p>
             <a:fld id="{D0422D33-7DB6-4C22-ABCF-04EA101FA9E8}" type="datetime1">
               <a:rPr lang="en-GB" smtClean="0"/>
-              <a:t>02/12/2025</a:t>
+              <a:t>04/12/2025</a:t>
             </a:fld>
             <a:endParaRPr lang="en-GB"/>
           </a:p>
@@ -5112,7 +5115,7 @@
           <a:p>
             <a:fld id="{0EA08CE8-F182-4139-AEDE-2CE17C096A0C}" type="datetime1">
               <a:rPr lang="en-GB" smtClean="0"/>
-              <a:t>02/12/2025</a:t>
+              <a:t>04/12/2025</a:t>
             </a:fld>
             <a:endParaRPr lang="en-GB"/>
           </a:p>
@@ -5425,7 +5428,7 @@
           <a:p>
             <a:fld id="{9C264B25-4EB4-4615-B5A8-0CFFBDA65C65}" type="datetime1">
               <a:rPr lang="en-GB" smtClean="0"/>
-              <a:t>02/12/2025</a:t>
+              <a:t>04/12/2025</a:t>
             </a:fld>
             <a:endParaRPr lang="en-GB"/>
           </a:p>
@@ -5714,7 +5717,7 @@
           <a:p>
             <a:fld id="{E2A804B0-C68E-41ED-908C-3C18CF0FF094}" type="datetime1">
               <a:rPr lang="en-GB" smtClean="0"/>
-              <a:t>02/12/2025</a:t>
+              <a:t>04/12/2025</a:t>
             </a:fld>
             <a:endParaRPr lang="en-GB"/>
           </a:p>
@@ -5957,7 +5960,7 @@
           <a:p>
             <a:fld id="{C1717C0E-9A85-42A4-9B7D-62A0F169B95E}" type="datetime1">
               <a:rPr lang="en-GB" smtClean="0"/>
-              <a:t>02/12/2025</a:t>
+              <a:t>04/12/2025</a:t>
             </a:fld>
             <a:endParaRPr lang="en-GB"/>
           </a:p>
@@ -6528,7 +6531,7 @@
           <a:p>
             <a:fld id="{3ECA12FE-23D5-4686-AF0E-C1948D5021C0}" type="datetime1">
               <a:rPr lang="en-GB" smtClean="0"/>
-              <a:t>02/12/2025</a:t>
+              <a:t>04/12/2025</a:t>
             </a:fld>
             <a:endParaRPr lang="en-GB"/>
           </a:p>
@@ -7263,7 +7266,7 @@
         <p:cNvPr id="1" name="">
           <a:extLst>
             <a:ext uri="{FF2B5EF4-FFF2-40B4-BE49-F238E27FC236}">
-              <a16:creationId xmlns:a16="http://schemas.microsoft.com/office/drawing/2014/main" id="{E338B6FE-5F05-D0CC-8713-90D7C0840B2C}"/>
+              <a16:creationId xmlns:a16="http://schemas.microsoft.com/office/drawing/2014/main" id="{6FC41105-E123-B9EB-A359-3B1A8FCA2AA3}"/>
             </a:ext>
           </a:extLst>
         </p:cNvPr>
@@ -7283,7 +7286,7 @@
           <p:cNvPr id="2" name="Title 1">
             <a:extLst>
               <a:ext uri="{FF2B5EF4-FFF2-40B4-BE49-F238E27FC236}">
-                <a16:creationId xmlns:a16="http://schemas.microsoft.com/office/drawing/2014/main" id="{E2CD6148-E4FA-8B16-C215-EB630D0E4614}"/>
+                <a16:creationId xmlns:a16="http://schemas.microsoft.com/office/drawing/2014/main" id="{ECBBE6C9-99CB-7945-811D-A05708B51520}"/>
               </a:ext>
             </a:extLst>
           </p:cNvPr>
@@ -7317,49 +7320,10 @@
       </p:sp>
       <p:sp>
         <p:nvSpPr>
-          <p:cNvPr id="6" name="TextBox 5">
-            <a:extLst>
-              <a:ext uri="{FF2B5EF4-FFF2-40B4-BE49-F238E27FC236}">
-                <a16:creationId xmlns:a16="http://schemas.microsoft.com/office/drawing/2014/main" id="{C04189A3-F00F-2263-A53F-A90C54011540}"/>
-              </a:ext>
-            </a:extLst>
-          </p:cNvPr>
-          <p:cNvSpPr txBox="1"/>
-          <p:nvPr/>
-        </p:nvSpPr>
-        <p:spPr>
-          <a:xfrm>
-            <a:off x="250372" y="1320575"/>
-            <a:ext cx="3132974" cy="584775"/>
-          </a:xfrm>
-          <a:prstGeom prst="rect">
-            <a:avLst/>
-          </a:prstGeom>
-          <a:noFill/>
-        </p:spPr>
-        <p:txBody>
-          <a:bodyPr wrap="none" rtlCol="0">
-            <a:spAutoFit/>
-          </a:bodyPr>
-          <a:lstStyle/>
-          <a:p>
-            <a:r>
-              <a:rPr lang="en-GB" sz="3200" b="1" dirty="0">
-                <a:solidFill>
-                  <a:schemeClr val="accent5"/>
-                </a:solidFill>
-              </a:rPr>
-              <a:t>Products Series</a:t>
-            </a:r>
-          </a:p>
-        </p:txBody>
-      </p:sp>
-      <p:sp>
-        <p:nvSpPr>
-          <p:cNvPr id="9" name="Rectangle: Rounded Corners 8">
-            <a:extLst>
-              <a:ext uri="{FF2B5EF4-FFF2-40B4-BE49-F238E27FC236}">
-                <a16:creationId xmlns:a16="http://schemas.microsoft.com/office/drawing/2014/main" id="{C098B1B9-2C1D-FB89-A21E-2C6D13FAFC85}"/>
+          <p:cNvPr id="3" name="Rectangle: Rounded Corners 2">
+            <a:extLst>
+              <a:ext uri="{FF2B5EF4-FFF2-40B4-BE49-F238E27FC236}">
+                <a16:creationId xmlns:a16="http://schemas.microsoft.com/office/drawing/2014/main" id="{85D695F2-7897-9EDA-2552-BACAAD123616}"/>
               </a:ext>
             </a:extLst>
           </p:cNvPr>
@@ -7368,8 +7332,8 @@
         </p:nvSpPr>
         <p:spPr>
           <a:xfrm>
-            <a:off x="990600" y="2231573"/>
-            <a:ext cx="2394695" cy="1325563"/>
+            <a:off x="1306286" y="2100943"/>
+            <a:ext cx="2688771" cy="1534886"/>
           </a:xfrm>
           <a:prstGeom prst="roundRect">
             <a:avLst/>
@@ -7397,18 +7361,25 @@
           <a:p>
             <a:pPr algn="ctr"/>
             <a:r>
+              <a:rPr lang="en-GB" b="1" dirty="0"/>
+              <a:t>Foundational</a:t>
+            </a:r>
+          </a:p>
+          <a:p>
+            <a:pPr algn="ctr"/>
+            <a:r>
               <a:rPr lang="en-GB" dirty="0"/>
-              <a:t>Sensors</a:t>
-            </a:r>
-          </a:p>
-        </p:txBody>
-      </p:sp>
-      <p:sp>
-        <p:nvSpPr>
-          <p:cNvPr id="12" name="Rectangle: Rounded Corners 11">
-            <a:extLst>
-              <a:ext uri="{FF2B5EF4-FFF2-40B4-BE49-F238E27FC236}">
-                <a16:creationId xmlns:a16="http://schemas.microsoft.com/office/drawing/2014/main" id="{7D0E8DB6-7524-EE47-6A17-5B375CE86D46}"/>
+              <a:t>(15 Lessons/Labs)</a:t>
+            </a:r>
+          </a:p>
+        </p:txBody>
+      </p:sp>
+      <p:sp>
+        <p:nvSpPr>
+          <p:cNvPr id="4" name="Rectangle: Rounded Corners 3">
+            <a:extLst>
+              <a:ext uri="{FF2B5EF4-FFF2-40B4-BE49-F238E27FC236}">
+                <a16:creationId xmlns:a16="http://schemas.microsoft.com/office/drawing/2014/main" id="{F0D5D825-FB01-989E-495F-E91C0C0C8E12}"/>
               </a:ext>
             </a:extLst>
           </p:cNvPr>
@@ -7417,8 +7388,8 @@
         </p:nvSpPr>
         <p:spPr>
           <a:xfrm>
-            <a:off x="5040085" y="2231572"/>
-            <a:ext cx="2394695" cy="1325563"/>
+            <a:off x="4751614" y="2100943"/>
+            <a:ext cx="2688771" cy="1534886"/>
           </a:xfrm>
           <a:prstGeom prst="roundRect">
             <a:avLst/>
@@ -7447,17 +7418,24 @@
             <a:pPr algn="ctr"/>
             <a:r>
               <a:rPr lang="en-GB" dirty="0"/>
-              <a:t>Motion</a:t>
-            </a:r>
-          </a:p>
-        </p:txBody>
-      </p:sp>
-      <p:sp>
-        <p:nvSpPr>
-          <p:cNvPr id="15" name="Rectangle: Rounded Corners 14">
-            <a:extLst>
-              <a:ext uri="{FF2B5EF4-FFF2-40B4-BE49-F238E27FC236}">
-                <a16:creationId xmlns:a16="http://schemas.microsoft.com/office/drawing/2014/main" id="{548BD9EB-12F9-A922-D87B-1D41D861CC0F}"/>
+              <a:t>Take Home</a:t>
+            </a:r>
+          </a:p>
+          <a:p>
+            <a:pPr algn="ctr"/>
+            <a:r>
+              <a:rPr lang="en-GB" dirty="0"/>
+              <a:t>Projects</a:t>
+            </a:r>
+          </a:p>
+        </p:txBody>
+      </p:sp>
+      <p:sp>
+        <p:nvSpPr>
+          <p:cNvPr id="5" name="Rectangle: Rounded Corners 4">
+            <a:extLst>
+              <a:ext uri="{FF2B5EF4-FFF2-40B4-BE49-F238E27FC236}">
+                <a16:creationId xmlns:a16="http://schemas.microsoft.com/office/drawing/2014/main" id="{2843F2A8-4DC5-12EA-4AAF-8B7A80286E34}"/>
               </a:ext>
             </a:extLst>
           </p:cNvPr>
@@ -7466,8 +7444,8 @@
         </p:nvSpPr>
         <p:spPr>
           <a:xfrm>
-            <a:off x="9089571" y="2231571"/>
-            <a:ext cx="2394695" cy="1325563"/>
+            <a:off x="8196942" y="2100943"/>
+            <a:ext cx="2688771" cy="1534886"/>
           </a:xfrm>
           <a:prstGeom prst="roundRect">
             <a:avLst/>
@@ -7496,17 +7474,24 @@
             <a:pPr algn="ctr"/>
             <a:r>
               <a:rPr lang="en-GB" dirty="0"/>
-              <a:t>Communications</a:t>
-            </a:r>
-          </a:p>
-        </p:txBody>
-      </p:sp>
-      <p:sp>
-        <p:nvSpPr>
-          <p:cNvPr id="16" name="TextBox 15">
-            <a:extLst>
-              <a:ext uri="{FF2B5EF4-FFF2-40B4-BE49-F238E27FC236}">
-                <a16:creationId xmlns:a16="http://schemas.microsoft.com/office/drawing/2014/main" id="{30E10E44-CFBE-EE41-3E62-E8B437148EA5}"/>
+              <a:t>Capstone </a:t>
+            </a:r>
+          </a:p>
+          <a:p>
+            <a:pPr algn="ctr"/>
+            <a:r>
+              <a:rPr lang="en-GB" dirty="0"/>
+              <a:t>Projects</a:t>
+            </a:r>
+          </a:p>
+        </p:txBody>
+      </p:sp>
+      <p:sp>
+        <p:nvSpPr>
+          <p:cNvPr id="6" name="TextBox 5">
+            <a:extLst>
+              <a:ext uri="{FF2B5EF4-FFF2-40B4-BE49-F238E27FC236}">
+                <a16:creationId xmlns:a16="http://schemas.microsoft.com/office/drawing/2014/main" id="{451DDE92-3319-4CC1-2DDE-C1468469E682}"/>
               </a:ext>
             </a:extLst>
           </p:cNvPr>
@@ -7515,8 +7500,8 @@
         </p:nvSpPr>
         <p:spPr>
           <a:xfrm>
-            <a:off x="4554952" y="1771354"/>
-            <a:ext cx="3364960" cy="461665"/>
+            <a:off x="1306286" y="1611086"/>
+            <a:ext cx="2049407" cy="461665"/>
           </a:xfrm>
           <a:prstGeom prst="rect">
             <a:avLst/>
@@ -7535,185 +7520,17 @@
                   <a:schemeClr val="accent4"/>
                 </a:solidFill>
               </a:rPr>
-              <a:t>Foundational Products</a:t>
-            </a:r>
-          </a:p>
-        </p:txBody>
-      </p:sp>
-      <p:sp>
-        <p:nvSpPr>
-          <p:cNvPr id="17" name="Rectangle: Rounded Corners 16">
-            <a:extLst>
-              <a:ext uri="{FF2B5EF4-FFF2-40B4-BE49-F238E27FC236}">
-                <a16:creationId xmlns:a16="http://schemas.microsoft.com/office/drawing/2014/main" id="{D552F823-F4CD-9AE7-9C90-8219790D6F06}"/>
-              </a:ext>
-            </a:extLst>
-          </p:cNvPr>
-          <p:cNvSpPr/>
-          <p:nvPr/>
-        </p:nvSpPr>
-        <p:spPr>
-          <a:xfrm>
-            <a:off x="990600" y="4659086"/>
-            <a:ext cx="2394695" cy="1325563"/>
-          </a:xfrm>
-          <a:prstGeom prst="roundRect">
-            <a:avLst/>
-          </a:prstGeom>
-        </p:spPr>
-        <p:style>
-          <a:lnRef idx="2">
-            <a:schemeClr val="accent1">
-              <a:shade val="15000"/>
-            </a:schemeClr>
-          </a:lnRef>
-          <a:fillRef idx="1">
-            <a:schemeClr val="accent1"/>
-          </a:fillRef>
-          <a:effectRef idx="0">
-            <a:schemeClr val="accent1"/>
-          </a:effectRef>
-          <a:fontRef idx="minor">
-            <a:schemeClr val="lt1"/>
-          </a:fontRef>
-        </p:style>
-        <p:txBody>
-          <a:bodyPr rtlCol="0" anchor="ctr"/>
-          <a:lstStyle/>
-          <a:p>
-            <a:pPr algn="ctr"/>
-            <a:r>
-              <a:rPr lang="en-GB" dirty="0"/>
-              <a:t>Robot Car-1</a:t>
-            </a:r>
-          </a:p>
-          <a:p>
-            <a:pPr algn="ctr"/>
-            <a:r>
-              <a:rPr lang="en-GB" dirty="0"/>
-              <a:t>(Sensors)</a:t>
-            </a:r>
-          </a:p>
-        </p:txBody>
-      </p:sp>
-      <p:sp>
-        <p:nvSpPr>
-          <p:cNvPr id="18" name="Rectangle: Rounded Corners 17">
-            <a:extLst>
-              <a:ext uri="{FF2B5EF4-FFF2-40B4-BE49-F238E27FC236}">
-                <a16:creationId xmlns:a16="http://schemas.microsoft.com/office/drawing/2014/main" id="{9D54BE3C-1583-80CA-F3FF-B0BAB7550BAE}"/>
-              </a:ext>
-            </a:extLst>
-          </p:cNvPr>
-          <p:cNvSpPr/>
-          <p:nvPr/>
-        </p:nvSpPr>
-        <p:spPr>
-          <a:xfrm>
-            <a:off x="5040085" y="4659085"/>
-            <a:ext cx="2394695" cy="1325563"/>
-          </a:xfrm>
-          <a:prstGeom prst="roundRect">
-            <a:avLst/>
-          </a:prstGeom>
-        </p:spPr>
-        <p:style>
-          <a:lnRef idx="2">
-            <a:schemeClr val="accent1">
-              <a:shade val="15000"/>
-            </a:schemeClr>
-          </a:lnRef>
-          <a:fillRef idx="1">
-            <a:schemeClr val="accent1"/>
-          </a:fillRef>
-          <a:effectRef idx="0">
-            <a:schemeClr val="accent1"/>
-          </a:effectRef>
-          <a:fontRef idx="minor">
-            <a:schemeClr val="lt1"/>
-          </a:fontRef>
-        </p:style>
-        <p:txBody>
-          <a:bodyPr rtlCol="0" anchor="ctr"/>
-          <a:lstStyle/>
-          <a:p>
-            <a:pPr algn="ctr"/>
-            <a:r>
-              <a:rPr lang="en-GB" dirty="0"/>
-              <a:t>Robot Car-2</a:t>
-            </a:r>
-          </a:p>
-          <a:p>
-            <a:pPr algn="ctr"/>
-            <a:r>
-              <a:rPr lang="en-GB" dirty="0"/>
-              <a:t>(Comms.)</a:t>
-            </a:r>
-          </a:p>
-        </p:txBody>
-      </p:sp>
-      <p:sp>
-        <p:nvSpPr>
-          <p:cNvPr id="19" name="Rectangle: Rounded Corners 18">
-            <a:extLst>
-              <a:ext uri="{FF2B5EF4-FFF2-40B4-BE49-F238E27FC236}">
-                <a16:creationId xmlns:a16="http://schemas.microsoft.com/office/drawing/2014/main" id="{464FDD1D-D2D0-1869-447A-965BD9EF08EE}"/>
-              </a:ext>
-            </a:extLst>
-          </p:cNvPr>
-          <p:cNvSpPr/>
-          <p:nvPr/>
-        </p:nvSpPr>
-        <p:spPr>
-          <a:xfrm>
-            <a:off x="9089571" y="4659084"/>
-            <a:ext cx="2394695" cy="1325563"/>
-          </a:xfrm>
-          <a:prstGeom prst="roundRect">
-            <a:avLst/>
-          </a:prstGeom>
-        </p:spPr>
-        <p:style>
-          <a:lnRef idx="2">
-            <a:schemeClr val="accent1">
-              <a:shade val="15000"/>
-            </a:schemeClr>
-          </a:lnRef>
-          <a:fillRef idx="1">
-            <a:schemeClr val="accent1"/>
-          </a:fillRef>
-          <a:effectRef idx="0">
-            <a:schemeClr val="accent1"/>
-          </a:effectRef>
-          <a:fontRef idx="minor">
-            <a:schemeClr val="lt1"/>
-          </a:fontRef>
-        </p:style>
-        <p:txBody>
-          <a:bodyPr rtlCol="0" anchor="ctr"/>
-          <a:lstStyle/>
-          <a:p>
-            <a:pPr algn="ctr"/>
-            <a:r>
-              <a:rPr lang="en-GB" dirty="0"/>
-              <a:t>Robot Car-3</a:t>
-            </a:r>
-          </a:p>
-          <a:p>
-            <a:pPr algn="ctr"/>
-            <a:r>
-              <a:rPr lang="en-GB" dirty="0"/>
-              <a:t>(Encoders/GPS/IMU)</a:t>
-            </a:r>
-          </a:p>
-        </p:txBody>
-      </p:sp>
-      <p:sp>
-        <p:nvSpPr>
-          <p:cNvPr id="20" name="TextBox 19">
-            <a:extLst>
-              <a:ext uri="{FF2B5EF4-FFF2-40B4-BE49-F238E27FC236}">
-                <a16:creationId xmlns:a16="http://schemas.microsoft.com/office/drawing/2014/main" id="{A8F6366F-1BAC-B243-8F2A-C058DB5A1382}"/>
+              <a:t>Each Product</a:t>
+            </a:r>
+          </a:p>
+        </p:txBody>
+      </p:sp>
+      <p:sp>
+        <p:nvSpPr>
+          <p:cNvPr id="7" name="TextBox 6">
+            <a:extLst>
+              <a:ext uri="{FF2B5EF4-FFF2-40B4-BE49-F238E27FC236}">
+                <a16:creationId xmlns:a16="http://schemas.microsoft.com/office/drawing/2014/main" id="{DD153757-876B-66FC-4F54-657C1E44F54C}"/>
               </a:ext>
             </a:extLst>
           </p:cNvPr>
@@ -7722,8 +7539,8 @@
         </p:nvSpPr>
         <p:spPr>
           <a:xfrm>
-            <a:off x="4597416" y="4258277"/>
-            <a:ext cx="2997167" cy="461665"/>
+            <a:off x="1306286" y="5040086"/>
+            <a:ext cx="9579427" cy="1200329"/>
           </a:xfrm>
           <a:prstGeom prst="rect">
             <a:avLst/>
@@ -7731,6 +7548,63 @@
           <a:noFill/>
         </p:spPr>
         <p:txBody>
+          <a:bodyPr wrap="square" rtlCol="0">
+            <a:spAutoFit/>
+          </a:bodyPr>
+          <a:lstStyle/>
+          <a:p>
+            <a:pPr marL="285750" indent="-285750">
+              <a:buFont typeface="Arial" panose="020B0604020202020204" pitchFamily="34" charset="0"/>
+              <a:buChar char="•"/>
+            </a:pPr>
+            <a:r>
+              <a:rPr lang="en-GB" sz="2400" dirty="0">
+                <a:solidFill>
+                  <a:schemeClr val="bg1"/>
+                </a:solidFill>
+              </a:rPr>
+              <a:t>Staff would  introduce the lab lesson, give a demo</a:t>
+            </a:r>
+          </a:p>
+          <a:p>
+            <a:pPr marL="285750" indent="-285750">
+              <a:buFont typeface="Arial" panose="020B0604020202020204" pitchFamily="34" charset="0"/>
+              <a:buChar char="•"/>
+            </a:pPr>
+            <a:r>
+              <a:rPr lang="en-GB" sz="2400" dirty="0">
+                <a:solidFill>
+                  <a:schemeClr val="bg1"/>
+                </a:solidFill>
+              </a:rPr>
+              <a:t>Students follow the instructions and conduct the experiment under the supervision of staff</a:t>
+            </a:r>
+          </a:p>
+        </p:txBody>
+      </p:sp>
+      <p:sp>
+        <p:nvSpPr>
+          <p:cNvPr id="8" name="TextBox 7">
+            <a:extLst>
+              <a:ext uri="{FF2B5EF4-FFF2-40B4-BE49-F238E27FC236}">
+                <a16:creationId xmlns:a16="http://schemas.microsoft.com/office/drawing/2014/main" id="{6934A013-C117-7F1E-0175-5DB75C64E7FD}"/>
+              </a:ext>
+            </a:extLst>
+          </p:cNvPr>
+          <p:cNvSpPr txBox="1"/>
+          <p:nvPr/>
+        </p:nvSpPr>
+        <p:spPr>
+          <a:xfrm>
+            <a:off x="1306285" y="4426021"/>
+            <a:ext cx="4050917" cy="461665"/>
+          </a:xfrm>
+          <a:prstGeom prst="rect">
+            <a:avLst/>
+          </a:prstGeom>
+          <a:noFill/>
+        </p:spPr>
+        <p:txBody>
           <a:bodyPr wrap="none" rtlCol="0">
             <a:spAutoFit/>
           </a:bodyPr>
@@ -7739,20 +7613,172 @@
             <a:r>
               <a:rPr lang="en-GB" sz="2400" b="1" dirty="0">
                 <a:solidFill>
+                  <a:schemeClr val="accent5"/>
+                </a:solidFill>
+              </a:rPr>
+              <a:t>Foundational Lessons/Labs</a:t>
+            </a:r>
+          </a:p>
+        </p:txBody>
+      </p:sp>
+      <p:cxnSp>
+        <p:nvCxnSpPr>
+          <p:cNvPr id="10" name="Straight Connector 9">
+            <a:extLst>
+              <a:ext uri="{FF2B5EF4-FFF2-40B4-BE49-F238E27FC236}">
+                <a16:creationId xmlns:a16="http://schemas.microsoft.com/office/drawing/2014/main" id="{3B392A1D-0C28-6B7C-8618-B45E2D67E956}"/>
+              </a:ext>
+            </a:extLst>
+          </p:cNvPr>
+          <p:cNvCxnSpPr/>
+          <p:nvPr/>
+        </p:nvCxnSpPr>
+        <p:spPr>
+          <a:xfrm>
+            <a:off x="1502229" y="4158343"/>
+            <a:ext cx="2188028" cy="0"/>
+          </a:xfrm>
+          <a:prstGeom prst="line">
+            <a:avLst/>
+          </a:prstGeom>
+        </p:spPr>
+        <p:style>
+          <a:lnRef idx="2">
+            <a:schemeClr val="accent1"/>
+          </a:lnRef>
+          <a:fillRef idx="0">
+            <a:schemeClr val="accent1"/>
+          </a:fillRef>
+          <a:effectRef idx="1">
+            <a:schemeClr val="accent1"/>
+          </a:effectRef>
+          <a:fontRef idx="minor">
+            <a:schemeClr val="tx1"/>
+          </a:fontRef>
+        </p:style>
+      </p:cxnSp>
+      <p:cxnSp>
+        <p:nvCxnSpPr>
+          <p:cNvPr id="11" name="Straight Connector 10">
+            <a:extLst>
+              <a:ext uri="{FF2B5EF4-FFF2-40B4-BE49-F238E27FC236}">
+                <a16:creationId xmlns:a16="http://schemas.microsoft.com/office/drawing/2014/main" id="{36108EA4-3FEC-C3B1-52DF-7443ED44E806}"/>
+              </a:ext>
+            </a:extLst>
+          </p:cNvPr>
+          <p:cNvCxnSpPr>
+            <a:cxnSpLocks/>
+          </p:cNvCxnSpPr>
+          <p:nvPr/>
+        </p:nvCxnSpPr>
+        <p:spPr>
+          <a:xfrm>
+            <a:off x="5001986" y="4158343"/>
+            <a:ext cx="5698671" cy="0"/>
+          </a:xfrm>
+          <a:prstGeom prst="line">
+            <a:avLst/>
+          </a:prstGeom>
+        </p:spPr>
+        <p:style>
+          <a:lnRef idx="2">
+            <a:schemeClr val="accent1"/>
+          </a:lnRef>
+          <a:fillRef idx="0">
+            <a:schemeClr val="accent1"/>
+          </a:fillRef>
+          <a:effectRef idx="1">
+            <a:schemeClr val="accent1"/>
+          </a:effectRef>
+          <a:fontRef idx="minor">
+            <a:schemeClr val="tx1"/>
+          </a:fontRef>
+        </p:style>
+      </p:cxnSp>
+      <p:sp>
+        <p:nvSpPr>
+          <p:cNvPr id="13" name="TextBox 12">
+            <a:extLst>
+              <a:ext uri="{FF2B5EF4-FFF2-40B4-BE49-F238E27FC236}">
+                <a16:creationId xmlns:a16="http://schemas.microsoft.com/office/drawing/2014/main" id="{100DC291-77D3-5690-8E44-4EA639DEC611}"/>
+              </a:ext>
+            </a:extLst>
+          </p:cNvPr>
+          <p:cNvSpPr txBox="1"/>
+          <p:nvPr/>
+        </p:nvSpPr>
+        <p:spPr>
+          <a:xfrm>
+            <a:off x="1279750" y="3672673"/>
+            <a:ext cx="2741841" cy="461665"/>
+          </a:xfrm>
+          <a:prstGeom prst="rect">
+            <a:avLst/>
+          </a:prstGeom>
+          <a:noFill/>
+        </p:spPr>
+        <p:txBody>
+          <a:bodyPr wrap="none" rtlCol="0">
+            <a:spAutoFit/>
+          </a:bodyPr>
+          <a:lstStyle/>
+          <a:p>
+            <a:r>
+              <a:rPr lang="en-GB" sz="2400" dirty="0">
+                <a:solidFill>
+                  <a:schemeClr val="accent5"/>
+                </a:solidFill>
+              </a:rPr>
+              <a:t>Staff Responsibility</a:t>
+            </a:r>
+          </a:p>
+        </p:txBody>
+      </p:sp>
+      <p:sp>
+        <p:nvSpPr>
+          <p:cNvPr id="14" name="TextBox 13">
+            <a:extLst>
+              <a:ext uri="{FF2B5EF4-FFF2-40B4-BE49-F238E27FC236}">
+                <a16:creationId xmlns:a16="http://schemas.microsoft.com/office/drawing/2014/main" id="{CACE840E-1B16-607D-F514-9B8DFA7427CF}"/>
+              </a:ext>
+            </a:extLst>
+          </p:cNvPr>
+          <p:cNvSpPr txBox="1"/>
+          <p:nvPr/>
+        </p:nvSpPr>
+        <p:spPr>
+          <a:xfrm>
+            <a:off x="5575954" y="3700865"/>
+            <a:ext cx="4550733" cy="461665"/>
+          </a:xfrm>
+          <a:prstGeom prst="rect">
+            <a:avLst/>
+          </a:prstGeom>
+          <a:noFill/>
+        </p:spPr>
+        <p:txBody>
+          <a:bodyPr wrap="none" rtlCol="0">
+            <a:spAutoFit/>
+          </a:bodyPr>
+          <a:lstStyle/>
+          <a:p>
+            <a:r>
+              <a:rPr lang="en-GB" sz="2400" dirty="0">
+                <a:solidFill>
                   <a:schemeClr val="accent4"/>
                 </a:solidFill>
               </a:rPr>
-              <a:t>Navigational Robots</a:t>
+              <a:t>Students Initiative/Responsibility</a:t>
             </a:r>
           </a:p>
         </p:txBody>
       </p:sp>
       <p:pic>
         <p:nvPicPr>
-          <p:cNvPr id="3" name="Picture 2">
-            <a:extLst>
-              <a:ext uri="{FF2B5EF4-FFF2-40B4-BE49-F238E27FC236}">
-                <a16:creationId xmlns:a16="http://schemas.microsoft.com/office/drawing/2014/main" id="{CDA186A8-A322-AA8C-FD33-F56EEE9E237E}"/>
+          <p:cNvPr id="9" name="Picture 8">
+            <a:extLst>
+              <a:ext uri="{FF2B5EF4-FFF2-40B4-BE49-F238E27FC236}">
+                <a16:creationId xmlns:a16="http://schemas.microsoft.com/office/drawing/2014/main" id="{983B58ED-037C-D57D-E569-A0962C39C22C}"/>
               </a:ext>
             </a:extLst>
           </p:cNvPr>
@@ -7785,10 +7811,10 @@
       </p:pic>
       <p:sp>
         <p:nvSpPr>
-          <p:cNvPr id="4" name="Slide Number Placeholder 3">
-            <a:extLst>
-              <a:ext uri="{FF2B5EF4-FFF2-40B4-BE49-F238E27FC236}">
-                <a16:creationId xmlns:a16="http://schemas.microsoft.com/office/drawing/2014/main" id="{59A237DE-80FE-DBD6-95B7-091DC45E2CEE}"/>
+          <p:cNvPr id="12" name="Slide Number Placeholder 11">
+            <a:extLst>
+              <a:ext uri="{FF2B5EF4-FFF2-40B4-BE49-F238E27FC236}">
+                <a16:creationId xmlns:a16="http://schemas.microsoft.com/office/drawing/2014/main" id="{753BCB46-E518-8E5D-6055-B36A009F3205}"/>
               </a:ext>
             </a:extLst>
           </p:cNvPr>
@@ -7815,7 +7841,7 @@
     </p:spTree>
     <p:extLst>
       <p:ext uri="{BB962C8B-B14F-4D97-AF65-F5344CB8AC3E}">
-        <p14:creationId xmlns:p14="http://schemas.microsoft.com/office/powerpoint/2010/main" val="958246070"/>
+        <p14:creationId xmlns:p14="http://schemas.microsoft.com/office/powerpoint/2010/main" val="1489585486"/>
       </p:ext>
     </p:extLst>
   </p:cSld>
@@ -8250,6 +8276,1022 @@
 </file>
 
 <file path=ppt/slides/slide12.xml><?xml version="1.0" encoding="utf-8"?>
+<p:sld xmlns:a="http://schemas.openxmlformats.org/drawingml/2006/main" xmlns:r="http://schemas.openxmlformats.org/officeDocument/2006/relationships" xmlns:p="http://schemas.openxmlformats.org/presentationml/2006/main">
+  <p:cSld>
+    <p:bg>
+      <p:bgPr>
+        <a:solidFill>
+          <a:schemeClr val="tx2"/>
+        </a:solidFill>
+        <a:effectLst/>
+      </p:bgPr>
+    </p:bg>
+    <p:spTree>
+      <p:nvGrpSpPr>
+        <p:cNvPr id="1" name="">
+          <a:extLst>
+            <a:ext uri="{FF2B5EF4-FFF2-40B4-BE49-F238E27FC236}">
+              <a16:creationId xmlns:a16="http://schemas.microsoft.com/office/drawing/2014/main" id="{0469952D-9637-1D02-C48F-DFC99EC4ADDE}"/>
+            </a:ext>
+          </a:extLst>
+        </p:cNvPr>
+        <p:cNvGrpSpPr/>
+        <p:nvPr/>
+      </p:nvGrpSpPr>
+      <p:grpSpPr>
+        <a:xfrm>
+          <a:off x="0" y="0"/>
+          <a:ext cx="0" cy="0"/>
+          <a:chOff x="0" y="0"/>
+          <a:chExt cx="0" cy="0"/>
+        </a:xfrm>
+      </p:grpSpPr>
+      <p:sp>
+        <p:nvSpPr>
+          <p:cNvPr id="2" name="Title 1">
+            <a:extLst>
+              <a:ext uri="{FF2B5EF4-FFF2-40B4-BE49-F238E27FC236}">
+                <a16:creationId xmlns:a16="http://schemas.microsoft.com/office/drawing/2014/main" id="{89569410-EFD3-294F-32B1-CD971EA7ED63}"/>
+              </a:ext>
+            </a:extLst>
+          </p:cNvPr>
+          <p:cNvSpPr>
+            <a:spLocks noGrp="1"/>
+          </p:cNvSpPr>
+          <p:nvPr>
+            <p:ph type="title"/>
+          </p:nvPr>
+        </p:nvSpPr>
+        <p:spPr>
+          <a:xfrm>
+            <a:off x="10884" y="-4988"/>
+            <a:ext cx="10515600" cy="808137"/>
+          </a:xfrm>
+        </p:spPr>
+        <p:txBody>
+          <a:bodyPr/>
+          <a:lstStyle/>
+          <a:p>
+            <a:r>
+              <a:rPr lang="en-GB" dirty="0">
+                <a:solidFill>
+                  <a:schemeClr val="bg1"/>
+                </a:solidFill>
+              </a:rPr>
+              <a:t>Upcoming Products</a:t>
+            </a:r>
+          </a:p>
+        </p:txBody>
+      </p:sp>
+      <p:pic>
+        <p:nvPicPr>
+          <p:cNvPr id="4" name="Picture 3">
+            <a:extLst>
+              <a:ext uri="{FF2B5EF4-FFF2-40B4-BE49-F238E27FC236}">
+                <a16:creationId xmlns:a16="http://schemas.microsoft.com/office/drawing/2014/main" id="{22F4A066-1D8E-13D8-D412-3139FF2D7D45}"/>
+              </a:ext>
+            </a:extLst>
+          </p:cNvPr>
+          <p:cNvPicPr>
+            <a:picLocks noChangeAspect="1"/>
+          </p:cNvPicPr>
+          <p:nvPr/>
+        </p:nvPicPr>
+        <p:blipFill>
+          <a:blip r:embed="rId2">
+            <a:extLst>
+              <a:ext uri="{28A0092B-C50C-407E-A947-70E740481C1C}">
+                <a14:useLocalDpi xmlns:a14="http://schemas.microsoft.com/office/drawing/2010/main" val="0"/>
+              </a:ext>
+            </a:extLst>
+          </a:blip>
+          <a:stretch>
+            <a:fillRect/>
+          </a:stretch>
+        </p:blipFill>
+        <p:spPr>
+          <a:xfrm>
+            <a:off x="10080966" y="0"/>
+            <a:ext cx="2100150" cy="566056"/>
+          </a:xfrm>
+          <a:prstGeom prst="rect">
+            <a:avLst/>
+          </a:prstGeom>
+        </p:spPr>
+      </p:pic>
+      <p:sp>
+        <p:nvSpPr>
+          <p:cNvPr id="5" name="Slide Number Placeholder 4">
+            <a:extLst>
+              <a:ext uri="{FF2B5EF4-FFF2-40B4-BE49-F238E27FC236}">
+                <a16:creationId xmlns:a16="http://schemas.microsoft.com/office/drawing/2014/main" id="{00003967-4A58-6E62-2321-E60E8C1E0587}"/>
+              </a:ext>
+            </a:extLst>
+          </p:cNvPr>
+          <p:cNvSpPr>
+            <a:spLocks noGrp="1"/>
+          </p:cNvSpPr>
+          <p:nvPr>
+            <p:ph type="sldNum" sz="quarter" idx="12"/>
+          </p:nvPr>
+        </p:nvSpPr>
+        <p:spPr/>
+        <p:txBody>
+          <a:bodyPr/>
+          <a:lstStyle/>
+          <a:p>
+            <a:fld id="{09FCE3CD-8E5B-4FEB-BC1E-3D61BE3CC713}" type="slidenum">
+              <a:rPr lang="en-GB" smtClean="0"/>
+              <a:t>12</a:t>
+            </a:fld>
+            <a:endParaRPr lang="en-GB"/>
+          </a:p>
+        </p:txBody>
+      </p:sp>
+      <p:pic>
+        <p:nvPicPr>
+          <p:cNvPr id="10" name="Picture 9">
+            <a:extLst>
+              <a:ext uri="{FF2B5EF4-FFF2-40B4-BE49-F238E27FC236}">
+                <a16:creationId xmlns:a16="http://schemas.microsoft.com/office/drawing/2014/main" id="{A21C72A1-DB47-B263-E0F9-96D3E4EFE4D2}"/>
+              </a:ext>
+            </a:extLst>
+          </p:cNvPr>
+          <p:cNvPicPr>
+            <a:picLocks noChangeAspect="1"/>
+          </p:cNvPicPr>
+          <p:nvPr/>
+        </p:nvPicPr>
+        <p:blipFill>
+          <a:blip r:embed="rId3">
+            <a:extLst>
+              <a:ext uri="{28A0092B-C50C-407E-A947-70E740481C1C}">
+                <a14:useLocalDpi xmlns:a14="http://schemas.microsoft.com/office/drawing/2010/main" val="0"/>
+              </a:ext>
+            </a:extLst>
+          </a:blip>
+          <a:stretch>
+            <a:fillRect/>
+          </a:stretch>
+        </p:blipFill>
+        <p:spPr>
+          <a:xfrm>
+            <a:off x="7388677" y="1418088"/>
+            <a:ext cx="3137807" cy="4183743"/>
+          </a:xfrm>
+          <a:prstGeom prst="rect">
+            <a:avLst/>
+          </a:prstGeom>
+        </p:spPr>
+      </p:pic>
+      <p:pic>
+        <p:nvPicPr>
+          <p:cNvPr id="12" name="Picture 11">
+            <a:extLst>
+              <a:ext uri="{FF2B5EF4-FFF2-40B4-BE49-F238E27FC236}">
+                <a16:creationId xmlns:a16="http://schemas.microsoft.com/office/drawing/2014/main" id="{152EC4AD-41E0-578B-4ABC-FB35B39D5DE4}"/>
+              </a:ext>
+            </a:extLst>
+          </p:cNvPr>
+          <p:cNvPicPr>
+            <a:picLocks noChangeAspect="1"/>
+          </p:cNvPicPr>
+          <p:nvPr/>
+        </p:nvPicPr>
+        <p:blipFill>
+          <a:blip r:embed="rId4">
+            <a:extLst>
+              <a:ext uri="{28A0092B-C50C-407E-A947-70E740481C1C}">
+                <a14:useLocalDpi xmlns:a14="http://schemas.microsoft.com/office/drawing/2010/main" val="0"/>
+              </a:ext>
+            </a:extLst>
+          </a:blip>
+          <a:srcRect l="4914" t="12699" r="4299" b="6190"/>
+          <a:stretch>
+            <a:fillRect/>
+          </a:stretch>
+        </p:blipFill>
+        <p:spPr>
+          <a:xfrm>
+            <a:off x="1045029" y="1418088"/>
+            <a:ext cx="5586780" cy="3222173"/>
+          </a:xfrm>
+          <a:prstGeom prst="rect">
+            <a:avLst/>
+          </a:prstGeom>
+        </p:spPr>
+      </p:pic>
+      <p:sp>
+        <p:nvSpPr>
+          <p:cNvPr id="13" name="TextBox 12">
+            <a:extLst>
+              <a:ext uri="{FF2B5EF4-FFF2-40B4-BE49-F238E27FC236}">
+                <a16:creationId xmlns:a16="http://schemas.microsoft.com/office/drawing/2014/main" id="{55F6DF3F-9BA6-41C0-48B1-BFD90552B7AA}"/>
+              </a:ext>
+            </a:extLst>
+          </p:cNvPr>
+          <p:cNvSpPr txBox="1"/>
+          <p:nvPr/>
+        </p:nvSpPr>
+        <p:spPr>
+          <a:xfrm>
+            <a:off x="1717549" y="4784586"/>
+            <a:ext cx="4530279" cy="2031325"/>
+          </a:xfrm>
+          <a:prstGeom prst="rect">
+            <a:avLst/>
+          </a:prstGeom>
+          <a:noFill/>
+        </p:spPr>
+        <p:txBody>
+          <a:bodyPr wrap="none" rtlCol="0">
+            <a:spAutoFit/>
+          </a:bodyPr>
+          <a:lstStyle/>
+          <a:p>
+            <a:pPr marL="285750" indent="-285750">
+              <a:buFont typeface="Arial" panose="020B0604020202020204" pitchFamily="34" charset="0"/>
+              <a:buChar char="•"/>
+            </a:pPr>
+            <a:r>
+              <a:rPr lang="en-GB" dirty="0">
+                <a:solidFill>
+                  <a:schemeClr val="bg1"/>
+                </a:solidFill>
+              </a:rPr>
+              <a:t>Raspberry PI</a:t>
+            </a:r>
+          </a:p>
+          <a:p>
+            <a:pPr marL="285750" indent="-285750">
+              <a:buFont typeface="Arial" panose="020B0604020202020204" pitchFamily="34" charset="0"/>
+              <a:buChar char="•"/>
+            </a:pPr>
+            <a:r>
+              <a:rPr lang="en-GB" dirty="0">
+                <a:solidFill>
+                  <a:schemeClr val="bg1"/>
+                </a:solidFill>
+              </a:rPr>
+              <a:t>LIDAR</a:t>
+            </a:r>
+          </a:p>
+          <a:p>
+            <a:pPr marL="285750" indent="-285750">
+              <a:buFont typeface="Arial" panose="020B0604020202020204" pitchFamily="34" charset="0"/>
+              <a:buChar char="•"/>
+            </a:pPr>
+            <a:r>
+              <a:rPr lang="en-GB" dirty="0">
+                <a:solidFill>
+                  <a:schemeClr val="bg1"/>
+                </a:solidFill>
+              </a:rPr>
+              <a:t>Camera</a:t>
+            </a:r>
+          </a:p>
+          <a:p>
+            <a:pPr marL="285750" indent="-285750">
+              <a:buFont typeface="Arial" panose="020B0604020202020204" pitchFamily="34" charset="0"/>
+              <a:buChar char="•"/>
+            </a:pPr>
+            <a:r>
+              <a:rPr lang="en-GB" dirty="0">
+                <a:solidFill>
+                  <a:schemeClr val="bg1"/>
+                </a:solidFill>
+              </a:rPr>
+              <a:t>ROS2 Interface Board</a:t>
+            </a:r>
+          </a:p>
+          <a:p>
+            <a:pPr marL="285750" indent="-285750">
+              <a:buFont typeface="Arial" panose="020B0604020202020204" pitchFamily="34" charset="0"/>
+              <a:buChar char="•"/>
+            </a:pPr>
+            <a:r>
+              <a:rPr lang="en-GB" dirty="0">
+                <a:solidFill>
+                  <a:schemeClr val="bg1"/>
+                </a:solidFill>
+              </a:rPr>
+              <a:t>Deep Learning &amp; Reinforcement Learning</a:t>
+            </a:r>
+          </a:p>
+          <a:p>
+            <a:pPr marL="285750" indent="-285750">
+              <a:buFont typeface="Arial" panose="020B0604020202020204" pitchFamily="34" charset="0"/>
+              <a:buChar char="•"/>
+            </a:pPr>
+            <a:r>
+              <a:rPr lang="en-GB" dirty="0">
+                <a:solidFill>
+                  <a:schemeClr val="bg1"/>
+                </a:solidFill>
+              </a:rPr>
+              <a:t>DC 371 Series Precision Encoder Motors</a:t>
+            </a:r>
+          </a:p>
+          <a:p>
+            <a:pPr marL="285750" indent="-285750">
+              <a:buFont typeface="Arial" panose="020B0604020202020204" pitchFamily="34" charset="0"/>
+              <a:buChar char="•"/>
+            </a:pPr>
+            <a:r>
+              <a:rPr lang="en-GB" dirty="0">
+                <a:solidFill>
+                  <a:schemeClr val="bg1"/>
+                </a:solidFill>
+              </a:rPr>
+              <a:t>Dedicated Power Supply for PI &amp; Motors</a:t>
+            </a:r>
+          </a:p>
+        </p:txBody>
+      </p:sp>
+      <p:sp>
+        <p:nvSpPr>
+          <p:cNvPr id="14" name="TextBox 13">
+            <a:extLst>
+              <a:ext uri="{FF2B5EF4-FFF2-40B4-BE49-F238E27FC236}">
+                <a16:creationId xmlns:a16="http://schemas.microsoft.com/office/drawing/2014/main" id="{01115A82-AA16-BC2F-1A2B-48271854C48E}"/>
+              </a:ext>
+            </a:extLst>
+          </p:cNvPr>
+          <p:cNvSpPr txBox="1"/>
+          <p:nvPr/>
+        </p:nvSpPr>
+        <p:spPr>
+          <a:xfrm>
+            <a:off x="7500257" y="5939849"/>
+            <a:ext cx="3632726" cy="584775"/>
+          </a:xfrm>
+          <a:prstGeom prst="rect">
+            <a:avLst/>
+          </a:prstGeom>
+          <a:noFill/>
+        </p:spPr>
+        <p:txBody>
+          <a:bodyPr wrap="none" rtlCol="0">
+            <a:spAutoFit/>
+          </a:bodyPr>
+          <a:lstStyle/>
+          <a:p>
+            <a:r>
+              <a:rPr lang="en-GB" sz="3200" b="1" dirty="0">
+                <a:solidFill>
+                  <a:schemeClr val="accent1"/>
+                </a:solidFill>
+              </a:rPr>
+              <a:t>Timeline – Q1 2026</a:t>
+            </a:r>
+          </a:p>
+        </p:txBody>
+      </p:sp>
+      <p:sp>
+        <p:nvSpPr>
+          <p:cNvPr id="15" name="TextBox 14">
+            <a:extLst>
+              <a:ext uri="{FF2B5EF4-FFF2-40B4-BE49-F238E27FC236}">
+                <a16:creationId xmlns:a16="http://schemas.microsoft.com/office/drawing/2014/main" id="{2ACBF0AC-D56B-4467-3B57-909F02E3851A}"/>
+              </a:ext>
+            </a:extLst>
+          </p:cNvPr>
+          <p:cNvSpPr txBox="1"/>
+          <p:nvPr/>
+        </p:nvSpPr>
+        <p:spPr>
+          <a:xfrm>
+            <a:off x="1171438" y="971496"/>
+            <a:ext cx="5076390" cy="461665"/>
+          </a:xfrm>
+          <a:prstGeom prst="rect">
+            <a:avLst/>
+          </a:prstGeom>
+          <a:noFill/>
+        </p:spPr>
+        <p:txBody>
+          <a:bodyPr wrap="none" rtlCol="0">
+            <a:spAutoFit/>
+          </a:bodyPr>
+          <a:lstStyle/>
+          <a:p>
+            <a:r>
+              <a:rPr lang="en-GB" sz="2400" b="1" dirty="0">
+                <a:solidFill>
+                  <a:schemeClr val="accent5"/>
+                </a:solidFill>
+              </a:rPr>
+              <a:t>Car-4: Raspberry PI/Camera/LIDAR</a:t>
+            </a:r>
+          </a:p>
+        </p:txBody>
+      </p:sp>
+      <p:sp>
+        <p:nvSpPr>
+          <p:cNvPr id="16" name="TextBox 15">
+            <a:extLst>
+              <a:ext uri="{FF2B5EF4-FFF2-40B4-BE49-F238E27FC236}">
+                <a16:creationId xmlns:a16="http://schemas.microsoft.com/office/drawing/2014/main" id="{5B426ED4-008B-9040-4758-12A8F5AFE4E0}"/>
+              </a:ext>
+            </a:extLst>
+          </p:cNvPr>
+          <p:cNvSpPr txBox="1"/>
+          <p:nvPr/>
+        </p:nvSpPr>
+        <p:spPr>
+          <a:xfrm>
+            <a:off x="6517777" y="688856"/>
+            <a:ext cx="5138907" cy="830997"/>
+          </a:xfrm>
+          <a:prstGeom prst="rect">
+            <a:avLst/>
+          </a:prstGeom>
+          <a:noFill/>
+        </p:spPr>
+        <p:txBody>
+          <a:bodyPr wrap="none" rtlCol="0">
+            <a:spAutoFit/>
+          </a:bodyPr>
+          <a:lstStyle/>
+          <a:p>
+            <a:pPr algn="ctr"/>
+            <a:r>
+              <a:rPr lang="en-GB" sz="2400" b="1" dirty="0">
+                <a:solidFill>
+                  <a:schemeClr val="accent4"/>
+                </a:solidFill>
+              </a:rPr>
+              <a:t>Car-5: Raspberry PI/Camera/LIDAR </a:t>
+            </a:r>
+          </a:p>
+          <a:p>
+            <a:pPr algn="ctr"/>
+            <a:r>
+              <a:rPr lang="en-GB" sz="2400" b="1" dirty="0">
+                <a:solidFill>
+                  <a:schemeClr val="accent4"/>
+                </a:solidFill>
+              </a:rPr>
+              <a:t>with ROS2 Interface</a:t>
+            </a:r>
+          </a:p>
+        </p:txBody>
+      </p:sp>
+    </p:spTree>
+    <p:extLst>
+      <p:ext uri="{BB962C8B-B14F-4D97-AF65-F5344CB8AC3E}">
+        <p14:creationId xmlns:p14="http://schemas.microsoft.com/office/powerpoint/2010/main" val="221397932"/>
+      </p:ext>
+    </p:extLst>
+  </p:cSld>
+  <p:clrMapOvr>
+    <a:masterClrMapping/>
+  </p:clrMapOvr>
+</p:sld>
+</file>
+
+<file path=ppt/slides/slide13.xml><?xml version="1.0" encoding="utf-8"?>
+<p:sld xmlns:a="http://schemas.openxmlformats.org/drawingml/2006/main" xmlns:r="http://schemas.openxmlformats.org/officeDocument/2006/relationships" xmlns:p="http://schemas.openxmlformats.org/presentationml/2006/main">
+  <p:cSld>
+    <p:bg>
+      <p:bgPr>
+        <a:solidFill>
+          <a:schemeClr val="tx2"/>
+        </a:solidFill>
+        <a:effectLst/>
+      </p:bgPr>
+    </p:bg>
+    <p:spTree>
+      <p:nvGrpSpPr>
+        <p:cNvPr id="1" name="">
+          <a:extLst>
+            <a:ext uri="{FF2B5EF4-FFF2-40B4-BE49-F238E27FC236}">
+              <a16:creationId xmlns:a16="http://schemas.microsoft.com/office/drawing/2014/main" id="{41973B08-A67E-E414-2C6F-1E6E19CA2F57}"/>
+            </a:ext>
+          </a:extLst>
+        </p:cNvPr>
+        <p:cNvGrpSpPr/>
+        <p:nvPr/>
+      </p:nvGrpSpPr>
+      <p:grpSpPr>
+        <a:xfrm>
+          <a:off x="0" y="0"/>
+          <a:ext cx="0" cy="0"/>
+          <a:chOff x="0" y="0"/>
+          <a:chExt cx="0" cy="0"/>
+        </a:xfrm>
+      </p:grpSpPr>
+      <p:sp>
+        <p:nvSpPr>
+          <p:cNvPr id="2" name="Title 1">
+            <a:extLst>
+              <a:ext uri="{FF2B5EF4-FFF2-40B4-BE49-F238E27FC236}">
+                <a16:creationId xmlns:a16="http://schemas.microsoft.com/office/drawing/2014/main" id="{8B828F2B-629C-BE6A-00EE-FF065299316E}"/>
+              </a:ext>
+            </a:extLst>
+          </p:cNvPr>
+          <p:cNvSpPr>
+            <a:spLocks noGrp="1"/>
+          </p:cNvSpPr>
+          <p:nvPr>
+            <p:ph type="title"/>
+          </p:nvPr>
+        </p:nvSpPr>
+        <p:spPr>
+          <a:xfrm>
+            <a:off x="10884" y="-4988"/>
+            <a:ext cx="10515600" cy="1325563"/>
+          </a:xfrm>
+        </p:spPr>
+        <p:txBody>
+          <a:bodyPr/>
+          <a:lstStyle/>
+          <a:p>
+            <a:r>
+              <a:rPr lang="en-GB" dirty="0">
+                <a:solidFill>
+                  <a:schemeClr val="bg1"/>
+                </a:solidFill>
+              </a:rPr>
+              <a:t>Upcoming Products</a:t>
+            </a:r>
+          </a:p>
+        </p:txBody>
+      </p:sp>
+      <p:pic>
+        <p:nvPicPr>
+          <p:cNvPr id="4" name="Picture 3">
+            <a:extLst>
+              <a:ext uri="{FF2B5EF4-FFF2-40B4-BE49-F238E27FC236}">
+                <a16:creationId xmlns:a16="http://schemas.microsoft.com/office/drawing/2014/main" id="{27CF84A0-4406-5BD4-E2FD-67EC43E0E7FC}"/>
+              </a:ext>
+            </a:extLst>
+          </p:cNvPr>
+          <p:cNvPicPr>
+            <a:picLocks noChangeAspect="1"/>
+          </p:cNvPicPr>
+          <p:nvPr/>
+        </p:nvPicPr>
+        <p:blipFill>
+          <a:blip r:embed="rId2">
+            <a:extLst>
+              <a:ext uri="{28A0092B-C50C-407E-A947-70E740481C1C}">
+                <a14:useLocalDpi xmlns:a14="http://schemas.microsoft.com/office/drawing/2010/main" val="0"/>
+              </a:ext>
+            </a:extLst>
+          </a:blip>
+          <a:stretch>
+            <a:fillRect/>
+          </a:stretch>
+        </p:blipFill>
+        <p:spPr>
+          <a:xfrm>
+            <a:off x="10080966" y="0"/>
+            <a:ext cx="2100150" cy="566056"/>
+          </a:xfrm>
+          <a:prstGeom prst="rect">
+            <a:avLst/>
+          </a:prstGeom>
+        </p:spPr>
+      </p:pic>
+      <p:sp>
+        <p:nvSpPr>
+          <p:cNvPr id="5" name="Slide Number Placeholder 4">
+            <a:extLst>
+              <a:ext uri="{FF2B5EF4-FFF2-40B4-BE49-F238E27FC236}">
+                <a16:creationId xmlns:a16="http://schemas.microsoft.com/office/drawing/2014/main" id="{24144D6C-0B44-1D94-2B4B-BE2A6ED3F11D}"/>
+              </a:ext>
+            </a:extLst>
+          </p:cNvPr>
+          <p:cNvSpPr>
+            <a:spLocks noGrp="1"/>
+          </p:cNvSpPr>
+          <p:nvPr>
+            <p:ph type="sldNum" sz="quarter" idx="12"/>
+          </p:nvPr>
+        </p:nvSpPr>
+        <p:spPr/>
+        <p:txBody>
+          <a:bodyPr/>
+          <a:lstStyle/>
+          <a:p>
+            <a:fld id="{09FCE3CD-8E5B-4FEB-BC1E-3D61BE3CC713}" type="slidenum">
+              <a:rPr lang="en-GB" smtClean="0"/>
+              <a:t>13</a:t>
+            </a:fld>
+            <a:endParaRPr lang="en-GB"/>
+          </a:p>
+        </p:txBody>
+      </p:sp>
+      <p:pic>
+        <p:nvPicPr>
+          <p:cNvPr id="8" name="Picture 7">
+            <a:extLst>
+              <a:ext uri="{FF2B5EF4-FFF2-40B4-BE49-F238E27FC236}">
+                <a16:creationId xmlns:a16="http://schemas.microsoft.com/office/drawing/2014/main" id="{E718CFFC-FBD1-DBCD-1413-FC07576216AA}"/>
+              </a:ext>
+            </a:extLst>
+          </p:cNvPr>
+          <p:cNvPicPr>
+            <a:picLocks noChangeAspect="1"/>
+          </p:cNvPicPr>
+          <p:nvPr/>
+        </p:nvPicPr>
+        <p:blipFill>
+          <a:blip r:embed="rId3"/>
+          <a:srcRect t="4756" b="6142"/>
+          <a:stretch>
+            <a:fillRect/>
+          </a:stretch>
+        </p:blipFill>
+        <p:spPr>
+          <a:xfrm>
+            <a:off x="649250" y="1240971"/>
+            <a:ext cx="7467599" cy="5115379"/>
+          </a:xfrm>
+          <a:prstGeom prst="rect">
+            <a:avLst/>
+          </a:prstGeom>
+        </p:spPr>
+      </p:pic>
+      <p:sp>
+        <p:nvSpPr>
+          <p:cNvPr id="9" name="TextBox 8">
+            <a:extLst>
+              <a:ext uri="{FF2B5EF4-FFF2-40B4-BE49-F238E27FC236}">
+                <a16:creationId xmlns:a16="http://schemas.microsoft.com/office/drawing/2014/main" id="{7C5ECE7E-D67D-0F83-FBDF-4940FD440E5B}"/>
+              </a:ext>
+            </a:extLst>
+          </p:cNvPr>
+          <p:cNvSpPr txBox="1"/>
+          <p:nvPr/>
+        </p:nvSpPr>
+        <p:spPr>
+          <a:xfrm>
+            <a:off x="8116849" y="2521387"/>
+            <a:ext cx="3944523" cy="2554545"/>
+          </a:xfrm>
+          <a:prstGeom prst="rect">
+            <a:avLst/>
+          </a:prstGeom>
+          <a:noFill/>
+        </p:spPr>
+        <p:txBody>
+          <a:bodyPr wrap="square" rtlCol="0">
+            <a:spAutoFit/>
+          </a:bodyPr>
+          <a:lstStyle/>
+          <a:p>
+            <a:pPr marL="457200" indent="-457200">
+              <a:buFont typeface="Arial" panose="020B0604020202020204" pitchFamily="34" charset="0"/>
+              <a:buChar char="•"/>
+            </a:pPr>
+            <a:r>
+              <a:rPr lang="en-GB" sz="3200" dirty="0">
+                <a:solidFill>
+                  <a:schemeClr val="bg1"/>
+                </a:solidFill>
+              </a:rPr>
+              <a:t>Timeline – 2026-27</a:t>
+            </a:r>
+          </a:p>
+          <a:p>
+            <a:pPr marL="457200" indent="-457200">
+              <a:buFont typeface="Arial" panose="020B0604020202020204" pitchFamily="34" charset="0"/>
+              <a:buChar char="•"/>
+            </a:pPr>
+            <a:endParaRPr lang="en-GB" sz="3200" dirty="0">
+              <a:solidFill>
+                <a:schemeClr val="bg1"/>
+              </a:solidFill>
+            </a:endParaRPr>
+          </a:p>
+          <a:p>
+            <a:pPr marL="457200" indent="-457200">
+              <a:buFont typeface="Arial" panose="020B0604020202020204" pitchFamily="34" charset="0"/>
+              <a:buChar char="•"/>
+            </a:pPr>
+            <a:r>
+              <a:rPr lang="en-GB" sz="3200" dirty="0">
+                <a:solidFill>
+                  <a:schemeClr val="bg1"/>
+                </a:solidFill>
+              </a:rPr>
+              <a:t>Import makes the product twice the price</a:t>
+            </a:r>
+          </a:p>
+        </p:txBody>
+      </p:sp>
+    </p:spTree>
+    <p:extLst>
+      <p:ext uri="{BB962C8B-B14F-4D97-AF65-F5344CB8AC3E}">
+        <p14:creationId xmlns:p14="http://schemas.microsoft.com/office/powerpoint/2010/main" val="2685363441"/>
+      </p:ext>
+    </p:extLst>
+  </p:cSld>
+  <p:clrMapOvr>
+    <a:masterClrMapping/>
+  </p:clrMapOvr>
+</p:sld>
+</file>
+
+<file path=ppt/slides/slide14.xml><?xml version="1.0" encoding="utf-8"?>
+<p:sld xmlns:a="http://schemas.openxmlformats.org/drawingml/2006/main" xmlns:r="http://schemas.openxmlformats.org/officeDocument/2006/relationships" xmlns:p="http://schemas.openxmlformats.org/presentationml/2006/main">
+  <p:cSld>
+    <p:bg>
+      <p:bgPr>
+        <a:solidFill>
+          <a:schemeClr val="tx2"/>
+        </a:solidFill>
+        <a:effectLst/>
+      </p:bgPr>
+    </p:bg>
+    <p:spTree>
+      <p:nvGrpSpPr>
+        <p:cNvPr id="1" name="">
+          <a:extLst>
+            <a:ext uri="{FF2B5EF4-FFF2-40B4-BE49-F238E27FC236}">
+              <a16:creationId xmlns:a16="http://schemas.microsoft.com/office/drawing/2014/main" id="{49CD561C-C802-2315-933D-4164E0497E6B}"/>
+            </a:ext>
+          </a:extLst>
+        </p:cNvPr>
+        <p:cNvGrpSpPr/>
+        <p:nvPr/>
+      </p:nvGrpSpPr>
+      <p:grpSpPr>
+        <a:xfrm>
+          <a:off x="0" y="0"/>
+          <a:ext cx="0" cy="0"/>
+          <a:chOff x="0" y="0"/>
+          <a:chExt cx="0" cy="0"/>
+        </a:xfrm>
+      </p:grpSpPr>
+      <p:sp>
+        <p:nvSpPr>
+          <p:cNvPr id="2" name="Title 1">
+            <a:extLst>
+              <a:ext uri="{FF2B5EF4-FFF2-40B4-BE49-F238E27FC236}">
+                <a16:creationId xmlns:a16="http://schemas.microsoft.com/office/drawing/2014/main" id="{9EBABA36-50B0-2364-36B1-186F3C5814D7}"/>
+              </a:ext>
+            </a:extLst>
+          </p:cNvPr>
+          <p:cNvSpPr>
+            <a:spLocks noGrp="1"/>
+          </p:cNvSpPr>
+          <p:nvPr>
+            <p:ph type="title"/>
+          </p:nvPr>
+        </p:nvSpPr>
+        <p:spPr>
+          <a:xfrm>
+            <a:off x="10884" y="-4988"/>
+            <a:ext cx="10515600" cy="1325563"/>
+          </a:xfrm>
+        </p:spPr>
+        <p:txBody>
+          <a:bodyPr/>
+          <a:lstStyle/>
+          <a:p>
+            <a:r>
+              <a:rPr lang="en-GB" dirty="0">
+                <a:solidFill>
+                  <a:schemeClr val="bg1"/>
+                </a:solidFill>
+              </a:rPr>
+              <a:t>Upcoming Workshops</a:t>
+            </a:r>
+          </a:p>
+        </p:txBody>
+      </p:sp>
+      <p:pic>
+        <p:nvPicPr>
+          <p:cNvPr id="4" name="Picture 3">
+            <a:extLst>
+              <a:ext uri="{FF2B5EF4-FFF2-40B4-BE49-F238E27FC236}">
+                <a16:creationId xmlns:a16="http://schemas.microsoft.com/office/drawing/2014/main" id="{058142D2-87A1-1D4B-ECC3-628F68CA9874}"/>
+              </a:ext>
+            </a:extLst>
+          </p:cNvPr>
+          <p:cNvPicPr>
+            <a:picLocks noChangeAspect="1"/>
+          </p:cNvPicPr>
+          <p:nvPr/>
+        </p:nvPicPr>
+        <p:blipFill>
+          <a:blip r:embed="rId2">
+            <a:extLst>
+              <a:ext uri="{28A0092B-C50C-407E-A947-70E740481C1C}">
+                <a14:useLocalDpi xmlns:a14="http://schemas.microsoft.com/office/drawing/2010/main" val="0"/>
+              </a:ext>
+            </a:extLst>
+          </a:blip>
+          <a:stretch>
+            <a:fillRect/>
+          </a:stretch>
+        </p:blipFill>
+        <p:spPr>
+          <a:xfrm>
+            <a:off x="10080966" y="0"/>
+            <a:ext cx="2100150" cy="566056"/>
+          </a:xfrm>
+          <a:prstGeom prst="rect">
+            <a:avLst/>
+          </a:prstGeom>
+        </p:spPr>
+      </p:pic>
+      <p:sp>
+        <p:nvSpPr>
+          <p:cNvPr id="5" name="Slide Number Placeholder 4">
+            <a:extLst>
+              <a:ext uri="{FF2B5EF4-FFF2-40B4-BE49-F238E27FC236}">
+                <a16:creationId xmlns:a16="http://schemas.microsoft.com/office/drawing/2014/main" id="{F0D86004-1CC3-B989-83E3-FA0EF98B388E}"/>
+              </a:ext>
+            </a:extLst>
+          </p:cNvPr>
+          <p:cNvSpPr>
+            <a:spLocks noGrp="1"/>
+          </p:cNvSpPr>
+          <p:nvPr>
+            <p:ph type="sldNum" sz="quarter" idx="12"/>
+          </p:nvPr>
+        </p:nvSpPr>
+        <p:spPr/>
+        <p:txBody>
+          <a:bodyPr/>
+          <a:lstStyle/>
+          <a:p>
+            <a:fld id="{09FCE3CD-8E5B-4FEB-BC1E-3D61BE3CC713}" type="slidenum">
+              <a:rPr lang="en-GB" smtClean="0"/>
+              <a:t>14</a:t>
+            </a:fld>
+            <a:endParaRPr lang="en-GB"/>
+          </a:p>
+        </p:txBody>
+      </p:sp>
+      <p:sp>
+        <p:nvSpPr>
+          <p:cNvPr id="9" name="TextBox 8">
+            <a:extLst>
+              <a:ext uri="{FF2B5EF4-FFF2-40B4-BE49-F238E27FC236}">
+                <a16:creationId xmlns:a16="http://schemas.microsoft.com/office/drawing/2014/main" id="{C34764E5-CFD2-702B-99EC-AF17112B811C}"/>
+              </a:ext>
+            </a:extLst>
+          </p:cNvPr>
+          <p:cNvSpPr txBox="1"/>
+          <p:nvPr/>
+        </p:nvSpPr>
+        <p:spPr>
+          <a:xfrm>
+            <a:off x="1282564" y="1348800"/>
+            <a:ext cx="9243920" cy="5016758"/>
+          </a:xfrm>
+          <a:prstGeom prst="rect">
+            <a:avLst/>
+          </a:prstGeom>
+          <a:noFill/>
+        </p:spPr>
+        <p:txBody>
+          <a:bodyPr wrap="square" rtlCol="0">
+            <a:spAutoFit/>
+          </a:bodyPr>
+          <a:lstStyle/>
+          <a:p>
+            <a:pPr marL="457200" indent="-457200">
+              <a:buFont typeface="Arial" panose="020B0604020202020204" pitchFamily="34" charset="0"/>
+              <a:buChar char="•"/>
+            </a:pPr>
+            <a:r>
+              <a:rPr lang="en-GB" sz="3200" dirty="0">
+                <a:solidFill>
+                  <a:schemeClr val="bg1"/>
+                </a:solidFill>
+              </a:rPr>
+              <a:t>Sensor Fusion – December 2025</a:t>
+            </a:r>
+          </a:p>
+          <a:p>
+            <a:endParaRPr lang="en-GB" sz="3200" dirty="0">
+              <a:solidFill>
+                <a:schemeClr val="bg1"/>
+              </a:solidFill>
+            </a:endParaRPr>
+          </a:p>
+          <a:p>
+            <a:pPr marL="457200" indent="-457200">
+              <a:buFont typeface="Arial" panose="020B0604020202020204" pitchFamily="34" charset="0"/>
+              <a:buChar char="•"/>
+            </a:pPr>
+            <a:r>
+              <a:rPr lang="en-GB" sz="3200" dirty="0">
+                <a:solidFill>
+                  <a:schemeClr val="bg1"/>
+                </a:solidFill>
+              </a:rPr>
+              <a:t>Phase-1: Reinforcement Learning – Q1/2026</a:t>
+            </a:r>
+          </a:p>
+          <a:p>
+            <a:pPr marL="457200" indent="-457200">
+              <a:buFont typeface="Arial" panose="020B0604020202020204" pitchFamily="34" charset="0"/>
+              <a:buChar char="•"/>
+            </a:pPr>
+            <a:endParaRPr lang="en-GB" sz="3200" dirty="0">
+              <a:solidFill>
+                <a:schemeClr val="bg1"/>
+              </a:solidFill>
+            </a:endParaRPr>
+          </a:p>
+          <a:p>
+            <a:pPr marL="457200" indent="-457200">
+              <a:buFont typeface="Arial" panose="020B0604020202020204" pitchFamily="34" charset="0"/>
+              <a:buChar char="•"/>
+            </a:pPr>
+            <a:r>
+              <a:rPr lang="en-GB" sz="3200" dirty="0">
+                <a:solidFill>
+                  <a:schemeClr val="bg1"/>
+                </a:solidFill>
+              </a:rPr>
+              <a:t>Advanced PID Controllers – Q1/2026</a:t>
+            </a:r>
+          </a:p>
+          <a:p>
+            <a:pPr marL="457200" indent="-457200">
+              <a:buFont typeface="Arial" panose="020B0604020202020204" pitchFamily="34" charset="0"/>
+              <a:buChar char="•"/>
+            </a:pPr>
+            <a:endParaRPr lang="en-GB" sz="3200" dirty="0">
+              <a:solidFill>
+                <a:schemeClr val="bg1"/>
+              </a:solidFill>
+            </a:endParaRPr>
+          </a:p>
+          <a:p>
+            <a:pPr marL="457200" indent="-457200">
+              <a:buFont typeface="Arial" panose="020B0604020202020204" pitchFamily="34" charset="0"/>
+              <a:buChar char="•"/>
+            </a:pPr>
+            <a:r>
+              <a:rPr lang="en-GB" sz="3200" dirty="0">
+                <a:solidFill>
+                  <a:schemeClr val="bg1"/>
+                </a:solidFill>
+              </a:rPr>
+              <a:t>SLAM – Q2/2026</a:t>
+            </a:r>
+          </a:p>
+          <a:p>
+            <a:pPr marL="457200" indent="-457200">
+              <a:buFont typeface="Arial" panose="020B0604020202020204" pitchFamily="34" charset="0"/>
+              <a:buChar char="•"/>
+            </a:pPr>
+            <a:endParaRPr lang="en-GB" sz="3200" dirty="0">
+              <a:solidFill>
+                <a:schemeClr val="bg1"/>
+              </a:solidFill>
+            </a:endParaRPr>
+          </a:p>
+          <a:p>
+            <a:pPr marL="457200" indent="-457200">
+              <a:buFont typeface="Arial" panose="020B0604020202020204" pitchFamily="34" charset="0"/>
+              <a:buChar char="•"/>
+            </a:pPr>
+            <a:r>
+              <a:rPr lang="en-GB" sz="3200" dirty="0">
+                <a:solidFill>
+                  <a:schemeClr val="bg1"/>
+                </a:solidFill>
+              </a:rPr>
+              <a:t>Phase-2: Reinforcement Learning – Q3/2026</a:t>
+            </a:r>
+          </a:p>
+          <a:p>
+            <a:pPr marL="457200" indent="-457200">
+              <a:buFont typeface="Arial" panose="020B0604020202020204" pitchFamily="34" charset="0"/>
+              <a:buChar char="•"/>
+            </a:pPr>
+            <a:endParaRPr lang="en-GB" sz="3200" dirty="0">
+              <a:solidFill>
+                <a:schemeClr val="bg1"/>
+              </a:solidFill>
+            </a:endParaRPr>
+          </a:p>
+        </p:txBody>
+      </p:sp>
+    </p:spTree>
+    <p:extLst>
+      <p:ext uri="{BB962C8B-B14F-4D97-AF65-F5344CB8AC3E}">
+        <p14:creationId xmlns:p14="http://schemas.microsoft.com/office/powerpoint/2010/main" val="2324843959"/>
+      </p:ext>
+    </p:extLst>
+  </p:cSld>
+  <p:clrMapOvr>
+    <a:masterClrMapping/>
+  </p:clrMapOvr>
+</p:sld>
+</file>
+
+<file path=ppt/slides/slide15.xml><?xml version="1.0" encoding="utf-8"?>
 <p:sld xmlns:a="http://schemas.openxmlformats.org/drawingml/2006/main" xmlns:r="http://schemas.openxmlformats.org/officeDocument/2006/relationships" xmlns:p="http://schemas.openxmlformats.org/presentationml/2006/main">
   <p:cSld>
     <p:bg>
@@ -9086,7 +10128,7 @@
                 <a:tabLst/>
                 <a:defRPr/>
               </a:pPr>
-              <a:t>12</a:t>
+              <a:t>15</a:t>
             </a:fld>
             <a:endParaRPr kumimoji="0" lang="en-GB" sz="1200" b="0" i="0" u="none" strike="noStrike" kern="1200" cap="none" spc="0" normalizeH="0" baseline="0" noProof="0">
               <a:ln>
@@ -9120,7 +10162,7 @@
 </p:sld>
 </file>
 
-<file path=ppt/slides/slide13.xml><?xml version="1.0" encoding="utf-8"?>
+<file path=ppt/slides/slide16.xml><?xml version="1.0" encoding="utf-8"?>
 <p:sld xmlns:a="http://schemas.openxmlformats.org/drawingml/2006/main" xmlns:r="http://schemas.openxmlformats.org/officeDocument/2006/relationships" xmlns:p="http://schemas.openxmlformats.org/presentationml/2006/main">
   <p:cSld>
     <p:bg>
@@ -9397,7 +10439,7 @@
                 <a:tabLst/>
                 <a:defRPr/>
               </a:pPr>
-              <a:t>13</a:t>
+              <a:t>16</a:t>
             </a:fld>
             <a:endParaRPr kumimoji="0" lang="en-GB" sz="1200" b="0" i="0" u="none" strike="noStrike" kern="1200" cap="none" spc="0" normalizeH="0" baseline="0" noProof="0">
               <a:ln>
@@ -9431,7 +10473,7 @@
 </p:sld>
 </file>
 
-<file path=ppt/slides/slide14.xml><?xml version="1.0" encoding="utf-8"?>
+<file path=ppt/slides/slide17.xml><?xml version="1.0" encoding="utf-8"?>
 <p:sld xmlns:a="http://schemas.openxmlformats.org/drawingml/2006/main" xmlns:r="http://schemas.openxmlformats.org/officeDocument/2006/relationships" xmlns:p="http://schemas.openxmlformats.org/presentationml/2006/main">
   <p:cSld>
     <p:bg>
@@ -9538,7 +10580,7 @@
           <a:p>
             <a:fld id="{09FCE3CD-8E5B-4FEB-BC1E-3D61BE3CC713}" type="slidenum">
               <a:rPr lang="en-GB" smtClean="0"/>
-              <a:t>14</a:t>
+              <a:t>17</a:t>
             </a:fld>
             <a:endParaRPr lang="en-GB"/>
           </a:p>
@@ -9557,7 +10599,7 @@
 </p:sld>
 </file>
 
-<file path=ppt/slides/slide15.xml><?xml version="1.0" encoding="utf-8"?>
+<file path=ppt/slides/slide18.xml><?xml version="1.0" encoding="utf-8"?>
 <p:sld xmlns:a="http://schemas.openxmlformats.org/drawingml/2006/main" xmlns:r="http://schemas.openxmlformats.org/officeDocument/2006/relationships" xmlns:p="http://schemas.openxmlformats.org/presentationml/2006/main">
   <p:cSld>
     <p:bg>
@@ -10007,7 +11049,7 @@
           <a:p>
             <a:fld id="{09FCE3CD-8E5B-4FEB-BC1E-3D61BE3CC713}" type="slidenum">
               <a:rPr lang="en-GB" smtClean="0"/>
-              <a:t>15</a:t>
+              <a:t>18</a:t>
             </a:fld>
             <a:endParaRPr lang="en-GB"/>
           </a:p>
@@ -10026,7 +11068,7 @@
 </p:sld>
 </file>
 
-<file path=ppt/slides/slide16.xml><?xml version="1.0" encoding="utf-8"?>
+<file path=ppt/slides/slide19.xml><?xml version="1.0" encoding="utf-8"?>
 <p:sld xmlns:a="http://schemas.openxmlformats.org/drawingml/2006/main" xmlns:r="http://schemas.openxmlformats.org/officeDocument/2006/relationships" xmlns:p="http://schemas.openxmlformats.org/presentationml/2006/main">
   <p:cSld>
     <p:bg>
@@ -10133,7 +11175,7 @@
           <a:p>
             <a:fld id="{09FCE3CD-8E5B-4FEB-BC1E-3D61BE3CC713}" type="slidenum">
               <a:rPr lang="en-GB" smtClean="0"/>
-              <a:t>16</a:t>
+              <a:t>19</a:t>
             </a:fld>
             <a:endParaRPr lang="en-GB"/>
           </a:p>
@@ -10143,967 +11185,6 @@
     <p:extLst>
       <p:ext uri="{BB962C8B-B14F-4D97-AF65-F5344CB8AC3E}">
         <p14:creationId xmlns:p14="http://schemas.microsoft.com/office/powerpoint/2010/main" val="3841053678"/>
-      </p:ext>
-    </p:extLst>
-  </p:cSld>
-  <p:clrMapOvr>
-    <a:masterClrMapping/>
-  </p:clrMapOvr>
-</p:sld>
-</file>
-
-<file path=ppt/slides/slide17.xml><?xml version="1.0" encoding="utf-8"?>
-<p:sld xmlns:a="http://schemas.openxmlformats.org/drawingml/2006/main" xmlns:r="http://schemas.openxmlformats.org/officeDocument/2006/relationships" xmlns:p="http://schemas.openxmlformats.org/presentationml/2006/main">
-  <p:cSld>
-    <p:bg>
-      <p:bgPr>
-        <a:solidFill>
-          <a:schemeClr val="tx2"/>
-        </a:solidFill>
-        <a:effectLst/>
-      </p:bgPr>
-    </p:bg>
-    <p:spTree>
-      <p:nvGrpSpPr>
-        <p:cNvPr id="1" name="">
-          <a:extLst>
-            <a:ext uri="{FF2B5EF4-FFF2-40B4-BE49-F238E27FC236}">
-              <a16:creationId xmlns:a16="http://schemas.microsoft.com/office/drawing/2014/main" id="{53F681BD-7BBB-877C-DF26-A67D0773BEAE}"/>
-            </a:ext>
-          </a:extLst>
-        </p:cNvPr>
-        <p:cNvGrpSpPr/>
-        <p:nvPr/>
-      </p:nvGrpSpPr>
-      <p:grpSpPr>
-        <a:xfrm>
-          <a:off x="0" y="0"/>
-          <a:ext cx="0" cy="0"/>
-          <a:chOff x="0" y="0"/>
-          <a:chExt cx="0" cy="0"/>
-        </a:xfrm>
-      </p:grpSpPr>
-      <p:sp>
-        <p:nvSpPr>
-          <p:cNvPr id="2" name="Title 1">
-            <a:extLst>
-              <a:ext uri="{FF2B5EF4-FFF2-40B4-BE49-F238E27FC236}">
-                <a16:creationId xmlns:a16="http://schemas.microsoft.com/office/drawing/2014/main" id="{C03E3FA3-F13E-2E6F-9FB3-D6768582DFD4}"/>
-              </a:ext>
-            </a:extLst>
-          </p:cNvPr>
-          <p:cNvSpPr>
-            <a:spLocks noGrp="1"/>
-          </p:cNvSpPr>
-          <p:nvPr>
-            <p:ph type="title"/>
-          </p:nvPr>
-        </p:nvSpPr>
-        <p:spPr>
-          <a:xfrm>
-            <a:off x="10884" y="-4988"/>
-            <a:ext cx="10515600" cy="1325563"/>
-          </a:xfrm>
-        </p:spPr>
-        <p:txBody>
-          <a:bodyPr/>
-          <a:lstStyle/>
-          <a:p>
-            <a:r>
-              <a:rPr lang="en-GB" dirty="0">
-                <a:solidFill>
-                  <a:schemeClr val="bg1"/>
-                </a:solidFill>
-              </a:rPr>
-              <a:t>Motion</a:t>
-            </a:r>
-          </a:p>
-        </p:txBody>
-      </p:sp>
-      <p:sp>
-        <p:nvSpPr>
-          <p:cNvPr id="3" name="TextBox 2">
-            <a:extLst>
-              <a:ext uri="{FF2B5EF4-FFF2-40B4-BE49-F238E27FC236}">
-                <a16:creationId xmlns:a16="http://schemas.microsoft.com/office/drawing/2014/main" id="{103349F5-019B-F31A-E1ED-462C2A8733A0}"/>
-              </a:ext>
-            </a:extLst>
-          </p:cNvPr>
-          <p:cNvSpPr txBox="1"/>
-          <p:nvPr/>
-        </p:nvSpPr>
-        <p:spPr>
-          <a:xfrm>
-            <a:off x="10885" y="1102861"/>
-            <a:ext cx="12170232" cy="5262979"/>
-          </a:xfrm>
-          <a:prstGeom prst="rect">
-            <a:avLst/>
-          </a:prstGeom>
-          <a:noFill/>
-        </p:spPr>
-        <p:txBody>
-          <a:bodyPr wrap="square" rtlCol="0">
-            <a:spAutoFit/>
-          </a:bodyPr>
-          <a:lstStyle/>
-          <a:p>
-            <a:pPr marL="342900" indent="-342900">
-              <a:buFont typeface="Arial" panose="020B0604020202020204" pitchFamily="34" charset="0"/>
-              <a:buChar char="•"/>
-            </a:pPr>
-            <a:r>
-              <a:rPr lang="en-GB" sz="2400" b="1" dirty="0">
-                <a:solidFill>
-                  <a:schemeClr val="accent4"/>
-                </a:solidFill>
-              </a:rPr>
-              <a:t>Review the Contents in the Box</a:t>
-            </a:r>
-          </a:p>
-          <a:p>
-            <a:pPr marL="342900" indent="-342900">
-              <a:buFont typeface="Arial" panose="020B0604020202020204" pitchFamily="34" charset="0"/>
-              <a:buChar char="•"/>
-            </a:pPr>
-            <a:endParaRPr lang="en-GB" sz="2400" dirty="0">
-              <a:solidFill>
-                <a:schemeClr val="accent5"/>
-              </a:solidFill>
-            </a:endParaRPr>
-          </a:p>
-          <a:p>
-            <a:pPr marL="342900" indent="-342900">
-              <a:buFont typeface="Arial" panose="020B0604020202020204" pitchFamily="34" charset="0"/>
-              <a:buChar char="•"/>
-            </a:pPr>
-            <a:r>
-              <a:rPr lang="en-GB" sz="2400" dirty="0">
-                <a:solidFill>
-                  <a:schemeClr val="accent5"/>
-                </a:solidFill>
-              </a:rPr>
-              <a:t>Review &amp; Discuss the Motion Creative Board</a:t>
-            </a:r>
-          </a:p>
-          <a:p>
-            <a:pPr marL="342900" indent="-342900">
-              <a:buFont typeface="Arial" panose="020B0604020202020204" pitchFamily="34" charset="0"/>
-              <a:buChar char="•"/>
-            </a:pPr>
-            <a:endParaRPr lang="en-GB" sz="2400" dirty="0">
-              <a:solidFill>
-                <a:schemeClr val="accent5"/>
-              </a:solidFill>
-            </a:endParaRPr>
-          </a:p>
-          <a:p>
-            <a:pPr marL="342900" indent="-342900">
-              <a:buFont typeface="Arial" panose="020B0604020202020204" pitchFamily="34" charset="0"/>
-              <a:buChar char="•"/>
-            </a:pPr>
-            <a:r>
-              <a:rPr lang="en-GB" sz="2400" dirty="0">
-                <a:solidFill>
-                  <a:schemeClr val="accent5"/>
-                </a:solidFill>
-              </a:rPr>
-              <a:t>Discuss the Health &amp; Safety Precautions, Power Supply and Sensor Modules V/G Pins</a:t>
-            </a:r>
-          </a:p>
-          <a:p>
-            <a:pPr marL="342900" indent="-342900">
-              <a:buFont typeface="Arial" panose="020B0604020202020204" pitchFamily="34" charset="0"/>
-              <a:buChar char="•"/>
-            </a:pPr>
-            <a:endParaRPr lang="en-GB" sz="2400" dirty="0">
-              <a:solidFill>
-                <a:schemeClr val="bg1"/>
-              </a:solidFill>
-            </a:endParaRPr>
-          </a:p>
-          <a:p>
-            <a:pPr marL="342900" indent="-342900">
-              <a:buFont typeface="Arial" panose="020B0604020202020204" pitchFamily="34" charset="0"/>
-              <a:buChar char="•"/>
-            </a:pPr>
-            <a:r>
-              <a:rPr lang="en-GB" sz="2400" dirty="0">
-                <a:solidFill>
-                  <a:schemeClr val="bg1"/>
-                </a:solidFill>
-              </a:rPr>
-              <a:t>Conduct the Following Labs on both the </a:t>
-            </a:r>
-            <a:r>
-              <a:rPr lang="en-GB" sz="2400" dirty="0">
-                <a:solidFill>
-                  <a:schemeClr val="accent4"/>
-                </a:solidFill>
-              </a:rPr>
-              <a:t>Bread Board</a:t>
-            </a:r>
-            <a:r>
-              <a:rPr lang="en-GB" sz="2400" dirty="0">
-                <a:solidFill>
-                  <a:schemeClr val="bg1"/>
-                </a:solidFill>
-              </a:rPr>
-              <a:t> and </a:t>
-            </a:r>
-            <a:r>
-              <a:rPr lang="en-GB" sz="2400" dirty="0">
-                <a:solidFill>
-                  <a:schemeClr val="accent5"/>
-                </a:solidFill>
-              </a:rPr>
-              <a:t>Creative Board</a:t>
-            </a:r>
-          </a:p>
-          <a:p>
-            <a:pPr marL="800100" lvl="1" indent="-342900">
-              <a:buFont typeface="Arial" panose="020B0604020202020204" pitchFamily="34" charset="0"/>
-              <a:buChar char="•"/>
-            </a:pPr>
-            <a:r>
-              <a:rPr lang="en-GB" sz="2400" dirty="0">
-                <a:solidFill>
-                  <a:schemeClr val="accent5"/>
-                </a:solidFill>
-              </a:rPr>
-              <a:t>DC Motor</a:t>
-            </a:r>
-          </a:p>
-          <a:p>
-            <a:pPr marL="342900" indent="-342900">
-              <a:buFont typeface="Arial" panose="020B0604020202020204" pitchFamily="34" charset="0"/>
-              <a:buChar char="•"/>
-            </a:pPr>
-            <a:endParaRPr lang="en-GB" sz="2400" dirty="0">
-              <a:solidFill>
-                <a:schemeClr val="bg1"/>
-              </a:solidFill>
-            </a:endParaRPr>
-          </a:p>
-          <a:p>
-            <a:pPr marL="342900" indent="-342900">
-              <a:buFont typeface="Arial" panose="020B0604020202020204" pitchFamily="34" charset="0"/>
-              <a:buChar char="•"/>
-            </a:pPr>
-            <a:r>
-              <a:rPr lang="en-GB" sz="2400" dirty="0">
-                <a:solidFill>
-                  <a:schemeClr val="bg1"/>
-                </a:solidFill>
-              </a:rPr>
-              <a:t>Conduct the Following Labs on the </a:t>
-            </a:r>
-            <a:r>
-              <a:rPr lang="en-GB" sz="2400" dirty="0">
-                <a:solidFill>
-                  <a:schemeClr val="accent5"/>
-                </a:solidFill>
-              </a:rPr>
-              <a:t>Creative Board</a:t>
-            </a:r>
-          </a:p>
-          <a:p>
-            <a:pPr marL="800100" lvl="1" indent="-342900">
-              <a:buFont typeface="Arial" panose="020B0604020202020204" pitchFamily="34" charset="0"/>
-              <a:buChar char="•"/>
-            </a:pPr>
-            <a:r>
-              <a:rPr lang="en-GB" sz="2400" dirty="0">
-                <a:solidFill>
-                  <a:schemeClr val="accent5"/>
-                </a:solidFill>
-              </a:rPr>
-              <a:t>DC Motor Encoder – Ticks</a:t>
-            </a:r>
-          </a:p>
-          <a:p>
-            <a:pPr marL="800100" lvl="1" indent="-342900">
-              <a:buFont typeface="Arial" panose="020B0604020202020204" pitchFamily="34" charset="0"/>
-              <a:buChar char="•"/>
-            </a:pPr>
-            <a:r>
-              <a:rPr lang="en-GB" sz="2400" dirty="0">
-                <a:solidFill>
-                  <a:schemeClr val="accent5"/>
-                </a:solidFill>
-              </a:rPr>
-              <a:t>DC Motor Encoder – PID Controller</a:t>
-            </a:r>
-          </a:p>
-          <a:p>
-            <a:pPr marL="800100" lvl="1" indent="-342900">
-              <a:buFont typeface="Arial" panose="020B0604020202020204" pitchFamily="34" charset="0"/>
-              <a:buChar char="•"/>
-            </a:pPr>
-            <a:endParaRPr lang="en-GB" sz="2400" dirty="0">
-              <a:solidFill>
-                <a:schemeClr val="bg1"/>
-              </a:solidFill>
-            </a:endParaRPr>
-          </a:p>
-          <a:p>
-            <a:pPr marL="342900" indent="-342900">
-              <a:buFont typeface="Arial" panose="020B0604020202020204" pitchFamily="34" charset="0"/>
-              <a:buChar char="•"/>
-            </a:pPr>
-            <a:r>
-              <a:rPr lang="en-GB" sz="2400" dirty="0">
-                <a:solidFill>
-                  <a:schemeClr val="bg1"/>
-                </a:solidFill>
-              </a:rPr>
-              <a:t>Discuss the </a:t>
-            </a:r>
-            <a:r>
-              <a:rPr lang="en-GB" sz="2400" u="sng" dirty="0">
-                <a:solidFill>
-                  <a:schemeClr val="accent1"/>
-                </a:solidFill>
-              </a:rPr>
-              <a:t>Bread Board</a:t>
-            </a:r>
-            <a:r>
-              <a:rPr lang="en-GB" sz="2400" u="sng" dirty="0">
-                <a:solidFill>
-                  <a:schemeClr val="bg1"/>
-                </a:solidFill>
-              </a:rPr>
-              <a:t> feature of the </a:t>
-            </a:r>
-            <a:r>
-              <a:rPr lang="en-GB" sz="2400" u="sng" dirty="0">
-                <a:solidFill>
-                  <a:schemeClr val="accent5"/>
-                </a:solidFill>
-              </a:rPr>
-              <a:t>Creative Board &amp; Free Connector</a:t>
-            </a:r>
-          </a:p>
-        </p:txBody>
-      </p:sp>
-      <p:pic>
-        <p:nvPicPr>
-          <p:cNvPr id="4" name="Picture 3">
-            <a:extLst>
-              <a:ext uri="{FF2B5EF4-FFF2-40B4-BE49-F238E27FC236}">
-                <a16:creationId xmlns:a16="http://schemas.microsoft.com/office/drawing/2014/main" id="{1CAD4EDE-DB76-7975-F261-3BC60C9E626E}"/>
-              </a:ext>
-            </a:extLst>
-          </p:cNvPr>
-          <p:cNvPicPr>
-            <a:picLocks noChangeAspect="1"/>
-          </p:cNvPicPr>
-          <p:nvPr/>
-        </p:nvPicPr>
-        <p:blipFill>
-          <a:blip r:embed="rId2">
-            <a:extLst>
-              <a:ext uri="{28A0092B-C50C-407E-A947-70E740481C1C}">
-                <a14:useLocalDpi xmlns:a14="http://schemas.microsoft.com/office/drawing/2010/main" val="0"/>
-              </a:ext>
-            </a:extLst>
-          </a:blip>
-          <a:stretch>
-            <a:fillRect/>
-          </a:stretch>
-        </p:blipFill>
-        <p:spPr>
-          <a:xfrm>
-            <a:off x="10080966" y="0"/>
-            <a:ext cx="2100150" cy="566056"/>
-          </a:xfrm>
-          <a:prstGeom prst="rect">
-            <a:avLst/>
-          </a:prstGeom>
-        </p:spPr>
-      </p:pic>
-      <p:sp>
-        <p:nvSpPr>
-          <p:cNvPr id="5" name="Slide Number Placeholder 4">
-            <a:extLst>
-              <a:ext uri="{FF2B5EF4-FFF2-40B4-BE49-F238E27FC236}">
-                <a16:creationId xmlns:a16="http://schemas.microsoft.com/office/drawing/2014/main" id="{B9A7BDBB-B98B-757A-CA2C-94273386E6FB}"/>
-              </a:ext>
-            </a:extLst>
-          </p:cNvPr>
-          <p:cNvSpPr>
-            <a:spLocks noGrp="1"/>
-          </p:cNvSpPr>
-          <p:nvPr>
-            <p:ph type="sldNum" sz="quarter" idx="12"/>
-          </p:nvPr>
-        </p:nvSpPr>
-        <p:spPr/>
-        <p:txBody>
-          <a:bodyPr/>
-          <a:lstStyle/>
-          <a:p>
-            <a:fld id="{09FCE3CD-8E5B-4FEB-BC1E-3D61BE3CC713}" type="slidenum">
-              <a:rPr lang="en-GB" smtClean="0"/>
-              <a:t>17</a:t>
-            </a:fld>
-            <a:endParaRPr lang="en-GB"/>
-          </a:p>
-        </p:txBody>
-      </p:sp>
-    </p:spTree>
-    <p:extLst>
-      <p:ext uri="{BB962C8B-B14F-4D97-AF65-F5344CB8AC3E}">
-        <p14:creationId xmlns:p14="http://schemas.microsoft.com/office/powerpoint/2010/main" val="3261371233"/>
-      </p:ext>
-    </p:extLst>
-  </p:cSld>
-  <p:clrMapOvr>
-    <a:masterClrMapping/>
-  </p:clrMapOvr>
-</p:sld>
-</file>
-
-<file path=ppt/slides/slide18.xml><?xml version="1.0" encoding="utf-8"?>
-<p:sld xmlns:a="http://schemas.openxmlformats.org/drawingml/2006/main" xmlns:r="http://schemas.openxmlformats.org/officeDocument/2006/relationships" xmlns:p="http://schemas.openxmlformats.org/presentationml/2006/main">
-  <p:cSld>
-    <p:bg>
-      <p:bgPr>
-        <a:solidFill>
-          <a:schemeClr val="tx2"/>
-        </a:solidFill>
-        <a:effectLst/>
-      </p:bgPr>
-    </p:bg>
-    <p:spTree>
-      <p:nvGrpSpPr>
-        <p:cNvPr id="1" name="">
-          <a:extLst>
-            <a:ext uri="{FF2B5EF4-FFF2-40B4-BE49-F238E27FC236}">
-              <a16:creationId xmlns:a16="http://schemas.microsoft.com/office/drawing/2014/main" id="{607A9717-9443-18BB-035E-4D4CC73D1741}"/>
-            </a:ext>
-          </a:extLst>
-        </p:cNvPr>
-        <p:cNvGrpSpPr/>
-        <p:nvPr/>
-      </p:nvGrpSpPr>
-      <p:grpSpPr>
-        <a:xfrm>
-          <a:off x="0" y="0"/>
-          <a:ext cx="0" cy="0"/>
-          <a:chOff x="0" y="0"/>
-          <a:chExt cx="0" cy="0"/>
-        </a:xfrm>
-      </p:grpSpPr>
-      <p:sp>
-        <p:nvSpPr>
-          <p:cNvPr id="2" name="Title 1">
-            <a:extLst>
-              <a:ext uri="{FF2B5EF4-FFF2-40B4-BE49-F238E27FC236}">
-                <a16:creationId xmlns:a16="http://schemas.microsoft.com/office/drawing/2014/main" id="{CF2450A7-CD1C-FDE8-E6A1-9EC3AEA70F9D}"/>
-              </a:ext>
-            </a:extLst>
-          </p:cNvPr>
-          <p:cNvSpPr>
-            <a:spLocks noGrp="1"/>
-          </p:cNvSpPr>
-          <p:nvPr>
-            <p:ph type="title"/>
-          </p:nvPr>
-        </p:nvSpPr>
-        <p:spPr>
-          <a:xfrm>
-            <a:off x="0" y="2934155"/>
-            <a:ext cx="12192000" cy="1325563"/>
-          </a:xfrm>
-        </p:spPr>
-        <p:txBody>
-          <a:bodyPr/>
-          <a:lstStyle/>
-          <a:p>
-            <a:pPr algn="ctr"/>
-            <a:r>
-              <a:rPr lang="en-GB" dirty="0">
-                <a:solidFill>
-                  <a:schemeClr val="accent1"/>
-                </a:solidFill>
-              </a:rPr>
-              <a:t>Communications</a:t>
-            </a:r>
-            <a:br>
-              <a:rPr lang="en-GB" dirty="0">
-                <a:solidFill>
-                  <a:schemeClr val="accent1"/>
-                </a:solidFill>
-              </a:rPr>
-            </a:br>
-            <a:r>
-              <a:rPr lang="en-GB" dirty="0">
-                <a:solidFill>
-                  <a:schemeClr val="accent1"/>
-                </a:solidFill>
-              </a:rPr>
-              <a:t>(Day-1: 3 PM to 5 PM)</a:t>
-            </a:r>
-          </a:p>
-        </p:txBody>
-      </p:sp>
-      <p:sp>
-        <p:nvSpPr>
-          <p:cNvPr id="3" name="Slide Number Placeholder 2">
-            <a:extLst>
-              <a:ext uri="{FF2B5EF4-FFF2-40B4-BE49-F238E27FC236}">
-                <a16:creationId xmlns:a16="http://schemas.microsoft.com/office/drawing/2014/main" id="{15F4FA9B-BE74-0132-B235-96A1A374CA9B}"/>
-              </a:ext>
-            </a:extLst>
-          </p:cNvPr>
-          <p:cNvSpPr>
-            <a:spLocks noGrp="1"/>
-          </p:cNvSpPr>
-          <p:nvPr>
-            <p:ph type="sldNum" sz="quarter" idx="12"/>
-          </p:nvPr>
-        </p:nvSpPr>
-        <p:spPr/>
-        <p:txBody>
-          <a:bodyPr/>
-          <a:lstStyle/>
-          <a:p>
-            <a:fld id="{09FCE3CD-8E5B-4FEB-BC1E-3D61BE3CC713}" type="slidenum">
-              <a:rPr lang="en-GB" smtClean="0"/>
-              <a:t>18</a:t>
-            </a:fld>
-            <a:endParaRPr lang="en-GB"/>
-          </a:p>
-        </p:txBody>
-      </p:sp>
-    </p:spTree>
-    <p:extLst>
-      <p:ext uri="{BB962C8B-B14F-4D97-AF65-F5344CB8AC3E}">
-        <p14:creationId xmlns:p14="http://schemas.microsoft.com/office/powerpoint/2010/main" val="4126155915"/>
-      </p:ext>
-    </p:extLst>
-  </p:cSld>
-  <p:clrMapOvr>
-    <a:masterClrMapping/>
-  </p:clrMapOvr>
-</p:sld>
-</file>
-
-<file path=ppt/slides/slide19.xml><?xml version="1.0" encoding="utf-8"?>
-<p:sld xmlns:a="http://schemas.openxmlformats.org/drawingml/2006/main" xmlns:r="http://schemas.openxmlformats.org/officeDocument/2006/relationships" xmlns:p="http://schemas.openxmlformats.org/presentationml/2006/main">
-  <p:cSld>
-    <p:bg>
-      <p:bgPr>
-        <a:solidFill>
-          <a:schemeClr val="tx2"/>
-        </a:solidFill>
-        <a:effectLst/>
-      </p:bgPr>
-    </p:bg>
-    <p:spTree>
-      <p:nvGrpSpPr>
-        <p:cNvPr id="1" name="">
-          <a:extLst>
-            <a:ext uri="{FF2B5EF4-FFF2-40B4-BE49-F238E27FC236}">
-              <a16:creationId xmlns:a16="http://schemas.microsoft.com/office/drawing/2014/main" id="{39BE29D4-CF24-9712-0C15-07EA836BA260}"/>
-            </a:ext>
-          </a:extLst>
-        </p:cNvPr>
-        <p:cNvGrpSpPr/>
-        <p:nvPr/>
-      </p:nvGrpSpPr>
-      <p:grpSpPr>
-        <a:xfrm>
-          <a:off x="0" y="0"/>
-          <a:ext cx="0" cy="0"/>
-          <a:chOff x="0" y="0"/>
-          <a:chExt cx="0" cy="0"/>
-        </a:xfrm>
-      </p:grpSpPr>
-      <p:sp>
-        <p:nvSpPr>
-          <p:cNvPr id="2" name="Title 1">
-            <a:extLst>
-              <a:ext uri="{FF2B5EF4-FFF2-40B4-BE49-F238E27FC236}">
-                <a16:creationId xmlns:a16="http://schemas.microsoft.com/office/drawing/2014/main" id="{894F24C2-4D49-091F-4E2E-E1259B604656}"/>
-              </a:ext>
-            </a:extLst>
-          </p:cNvPr>
-          <p:cNvSpPr>
-            <a:spLocks noGrp="1"/>
-          </p:cNvSpPr>
-          <p:nvPr>
-            <p:ph type="title"/>
-          </p:nvPr>
-        </p:nvSpPr>
-        <p:spPr>
-          <a:xfrm>
-            <a:off x="10884" y="-4988"/>
-            <a:ext cx="10515600" cy="1325563"/>
-          </a:xfrm>
-        </p:spPr>
-        <p:txBody>
-          <a:bodyPr/>
-          <a:lstStyle/>
-          <a:p>
-            <a:r>
-              <a:rPr lang="en-GB" dirty="0">
-                <a:solidFill>
-                  <a:schemeClr val="bg1"/>
-                </a:solidFill>
-              </a:rPr>
-              <a:t>Communications</a:t>
-            </a:r>
-          </a:p>
-        </p:txBody>
-      </p:sp>
-      <p:sp>
-        <p:nvSpPr>
-          <p:cNvPr id="3" name="TextBox 2">
-            <a:extLst>
-              <a:ext uri="{FF2B5EF4-FFF2-40B4-BE49-F238E27FC236}">
-                <a16:creationId xmlns:a16="http://schemas.microsoft.com/office/drawing/2014/main" id="{1CBA5D58-D7BD-496E-AA57-62A506799CA3}"/>
-              </a:ext>
-            </a:extLst>
-          </p:cNvPr>
-          <p:cNvSpPr txBox="1"/>
-          <p:nvPr/>
-        </p:nvSpPr>
-        <p:spPr>
-          <a:xfrm>
-            <a:off x="142875" y="1000535"/>
-            <a:ext cx="11906250" cy="5632311"/>
-          </a:xfrm>
-          <a:prstGeom prst="rect">
-            <a:avLst/>
-          </a:prstGeom>
-          <a:noFill/>
-        </p:spPr>
-        <p:txBody>
-          <a:bodyPr wrap="square" rtlCol="0">
-            <a:spAutoFit/>
-          </a:bodyPr>
-          <a:lstStyle/>
-          <a:p>
-            <a:pPr marL="342900" indent="-342900">
-              <a:buFont typeface="Arial" panose="020B0604020202020204" pitchFamily="34" charset="0"/>
-              <a:buChar char="•"/>
-            </a:pPr>
-            <a:r>
-              <a:rPr lang="en-GB" sz="2400" b="1" dirty="0">
-                <a:solidFill>
-                  <a:schemeClr val="accent4"/>
-                </a:solidFill>
-              </a:rPr>
-              <a:t>Review the Contents in the Box</a:t>
-            </a:r>
-          </a:p>
-          <a:p>
-            <a:pPr marL="342900" indent="-342900">
-              <a:buFont typeface="Arial" panose="020B0604020202020204" pitchFamily="34" charset="0"/>
-              <a:buChar char="•"/>
-            </a:pPr>
-            <a:endParaRPr lang="en-GB" sz="2400" dirty="0">
-              <a:solidFill>
-                <a:schemeClr val="accent5"/>
-              </a:solidFill>
-            </a:endParaRPr>
-          </a:p>
-          <a:p>
-            <a:pPr marL="342900" indent="-342900">
-              <a:buFont typeface="Arial" panose="020B0604020202020204" pitchFamily="34" charset="0"/>
-              <a:buChar char="•"/>
-            </a:pPr>
-            <a:r>
-              <a:rPr lang="en-GB" sz="2400" dirty="0">
-                <a:solidFill>
-                  <a:schemeClr val="accent5"/>
-                </a:solidFill>
-              </a:rPr>
-              <a:t>Review &amp; Discuss the Communication Creative Board</a:t>
-            </a:r>
-          </a:p>
-          <a:p>
-            <a:pPr marL="342900" indent="-342900">
-              <a:buFont typeface="Arial" panose="020B0604020202020204" pitchFamily="34" charset="0"/>
-              <a:buChar char="•"/>
-            </a:pPr>
-            <a:endParaRPr lang="en-GB" sz="2400" dirty="0">
-              <a:solidFill>
-                <a:schemeClr val="accent5"/>
-              </a:solidFill>
-            </a:endParaRPr>
-          </a:p>
-          <a:p>
-            <a:pPr marL="342900" indent="-342900">
-              <a:buFont typeface="Arial" panose="020B0604020202020204" pitchFamily="34" charset="0"/>
-              <a:buChar char="•"/>
-            </a:pPr>
-            <a:r>
-              <a:rPr lang="en-GB" sz="2400" dirty="0">
-                <a:solidFill>
-                  <a:schemeClr val="accent5"/>
-                </a:solidFill>
-              </a:rPr>
-              <a:t>Discuss the Health &amp; Safety Precautions</a:t>
-            </a:r>
-          </a:p>
-          <a:p>
-            <a:pPr marL="342900" indent="-342900">
-              <a:buFont typeface="Arial" panose="020B0604020202020204" pitchFamily="34" charset="0"/>
-              <a:buChar char="•"/>
-            </a:pPr>
-            <a:endParaRPr lang="en-GB" sz="2400" dirty="0">
-              <a:solidFill>
-                <a:schemeClr val="bg1"/>
-              </a:solidFill>
-            </a:endParaRPr>
-          </a:p>
-          <a:p>
-            <a:pPr marL="342900" indent="-342900">
-              <a:buFont typeface="Arial" panose="020B0604020202020204" pitchFamily="34" charset="0"/>
-              <a:buChar char="•"/>
-            </a:pPr>
-            <a:r>
-              <a:rPr lang="en-GB" sz="2400" dirty="0">
-                <a:solidFill>
-                  <a:schemeClr val="bg1"/>
-                </a:solidFill>
-              </a:rPr>
-              <a:t>Conduct the Following Labs on both the </a:t>
-            </a:r>
-            <a:r>
-              <a:rPr lang="en-GB" sz="2400" dirty="0">
-                <a:solidFill>
-                  <a:schemeClr val="accent4"/>
-                </a:solidFill>
-              </a:rPr>
-              <a:t>Bread Board</a:t>
-            </a:r>
-            <a:r>
-              <a:rPr lang="en-GB" sz="2400" dirty="0">
-                <a:solidFill>
-                  <a:schemeClr val="bg1"/>
-                </a:solidFill>
-              </a:rPr>
-              <a:t> and </a:t>
-            </a:r>
-            <a:r>
-              <a:rPr lang="en-GB" sz="2400" dirty="0">
-                <a:solidFill>
-                  <a:schemeClr val="accent5"/>
-                </a:solidFill>
-              </a:rPr>
-              <a:t>Creative Board</a:t>
-            </a:r>
-          </a:p>
-          <a:p>
-            <a:pPr marL="800100" lvl="1" indent="-342900">
-              <a:buFont typeface="Arial" panose="020B0604020202020204" pitchFamily="34" charset="0"/>
-              <a:buChar char="•"/>
-            </a:pPr>
-            <a:r>
-              <a:rPr lang="en-GB" sz="2400" dirty="0">
-                <a:solidFill>
-                  <a:schemeClr val="accent5"/>
-                </a:solidFill>
-              </a:rPr>
-              <a:t>RFID</a:t>
-            </a:r>
-          </a:p>
-          <a:p>
-            <a:pPr marL="342900" indent="-342900">
-              <a:buFont typeface="Arial" panose="020B0604020202020204" pitchFamily="34" charset="0"/>
-              <a:buChar char="•"/>
-            </a:pPr>
-            <a:endParaRPr lang="en-GB" sz="2400" dirty="0">
-              <a:solidFill>
-                <a:schemeClr val="bg1"/>
-              </a:solidFill>
-            </a:endParaRPr>
-          </a:p>
-          <a:p>
-            <a:pPr marL="342900" indent="-342900">
-              <a:buFont typeface="Arial" panose="020B0604020202020204" pitchFamily="34" charset="0"/>
-              <a:buChar char="•"/>
-            </a:pPr>
-            <a:r>
-              <a:rPr lang="en-GB" sz="2400" dirty="0">
-                <a:solidFill>
-                  <a:schemeClr val="bg1"/>
-                </a:solidFill>
-              </a:rPr>
-              <a:t>Conduct the Following Labs on the </a:t>
-            </a:r>
-            <a:r>
-              <a:rPr lang="en-GB" sz="2400" dirty="0">
-                <a:solidFill>
-                  <a:schemeClr val="accent5"/>
-                </a:solidFill>
-              </a:rPr>
-              <a:t>Creative Board</a:t>
-            </a:r>
-          </a:p>
-          <a:p>
-            <a:pPr marL="800100" lvl="1" indent="-342900">
-              <a:buFont typeface="Arial" panose="020B0604020202020204" pitchFamily="34" charset="0"/>
-              <a:buChar char="•"/>
-            </a:pPr>
-            <a:r>
-              <a:rPr lang="en-GB" sz="2400" dirty="0">
-                <a:solidFill>
-                  <a:schemeClr val="accent5"/>
-                </a:solidFill>
-              </a:rPr>
-              <a:t>NRF24L01</a:t>
-            </a:r>
-          </a:p>
-          <a:p>
-            <a:pPr marL="800100" lvl="1" indent="-342900">
-              <a:buFont typeface="Arial" panose="020B0604020202020204" pitchFamily="34" charset="0"/>
-              <a:buChar char="•"/>
-            </a:pPr>
-            <a:endParaRPr lang="en-GB" sz="2400" dirty="0">
-              <a:solidFill>
-                <a:schemeClr val="accent5"/>
-              </a:solidFill>
-            </a:endParaRPr>
-          </a:p>
-          <a:p>
-            <a:pPr marL="342900" indent="-342900">
-              <a:buFont typeface="Arial" panose="020B0604020202020204" pitchFamily="34" charset="0"/>
-              <a:buChar char="•"/>
-            </a:pPr>
-            <a:r>
-              <a:rPr lang="en-GB" sz="2400" dirty="0">
-                <a:solidFill>
-                  <a:schemeClr val="bg1"/>
-                </a:solidFill>
-              </a:rPr>
-              <a:t>Discuss the SD Card module and practice memory card insertion/removal/formatting</a:t>
-            </a:r>
-          </a:p>
-          <a:p>
-            <a:pPr marL="342900" indent="-342900">
-              <a:buFont typeface="Arial" panose="020B0604020202020204" pitchFamily="34" charset="0"/>
-              <a:buChar char="•"/>
-            </a:pPr>
-            <a:endParaRPr lang="en-GB" sz="2400" dirty="0">
-              <a:solidFill>
-                <a:schemeClr val="bg1"/>
-              </a:solidFill>
-            </a:endParaRPr>
-          </a:p>
-          <a:p>
-            <a:pPr marL="342900" indent="-342900">
-              <a:buFont typeface="Arial" panose="020B0604020202020204" pitchFamily="34" charset="0"/>
-              <a:buChar char="•"/>
-            </a:pPr>
-            <a:r>
-              <a:rPr lang="en-GB" sz="2400" dirty="0">
-                <a:solidFill>
-                  <a:schemeClr val="bg1"/>
-                </a:solidFill>
-              </a:rPr>
-              <a:t>Discuss the </a:t>
-            </a:r>
-            <a:r>
-              <a:rPr lang="en-GB" sz="2400" u="sng" dirty="0">
-                <a:solidFill>
-                  <a:schemeClr val="accent1"/>
-                </a:solidFill>
-              </a:rPr>
-              <a:t>Bread Board</a:t>
-            </a:r>
-            <a:r>
-              <a:rPr lang="en-GB" sz="2400" u="sng" dirty="0">
-                <a:solidFill>
-                  <a:schemeClr val="bg1"/>
-                </a:solidFill>
-              </a:rPr>
-              <a:t> of the </a:t>
-            </a:r>
-            <a:r>
-              <a:rPr lang="en-GB" sz="2400" u="sng" dirty="0">
-                <a:solidFill>
-                  <a:schemeClr val="accent5"/>
-                </a:solidFill>
-              </a:rPr>
-              <a:t>Creative Board</a:t>
-            </a:r>
-          </a:p>
-        </p:txBody>
-      </p:sp>
-      <p:pic>
-        <p:nvPicPr>
-          <p:cNvPr id="4" name="Picture 3">
-            <a:extLst>
-              <a:ext uri="{FF2B5EF4-FFF2-40B4-BE49-F238E27FC236}">
-                <a16:creationId xmlns:a16="http://schemas.microsoft.com/office/drawing/2014/main" id="{8C13F4DC-70C3-5490-8CA9-BEE2911EB22F}"/>
-              </a:ext>
-            </a:extLst>
-          </p:cNvPr>
-          <p:cNvPicPr>
-            <a:picLocks noChangeAspect="1"/>
-          </p:cNvPicPr>
-          <p:nvPr/>
-        </p:nvPicPr>
-        <p:blipFill>
-          <a:blip r:embed="rId2">
-            <a:extLst>
-              <a:ext uri="{28A0092B-C50C-407E-A947-70E740481C1C}">
-                <a14:useLocalDpi xmlns:a14="http://schemas.microsoft.com/office/drawing/2010/main" val="0"/>
-              </a:ext>
-            </a:extLst>
-          </a:blip>
-          <a:stretch>
-            <a:fillRect/>
-          </a:stretch>
-        </p:blipFill>
-        <p:spPr>
-          <a:xfrm>
-            <a:off x="10080966" y="0"/>
-            <a:ext cx="2100150" cy="566056"/>
-          </a:xfrm>
-          <a:prstGeom prst="rect">
-            <a:avLst/>
-          </a:prstGeom>
-        </p:spPr>
-      </p:pic>
-      <p:sp>
-        <p:nvSpPr>
-          <p:cNvPr id="5" name="Slide Number Placeholder 4">
-            <a:extLst>
-              <a:ext uri="{FF2B5EF4-FFF2-40B4-BE49-F238E27FC236}">
-                <a16:creationId xmlns:a16="http://schemas.microsoft.com/office/drawing/2014/main" id="{E6BCBF0E-2795-706C-C3B0-076A2370062F}"/>
-              </a:ext>
-            </a:extLst>
-          </p:cNvPr>
-          <p:cNvSpPr>
-            <a:spLocks noGrp="1"/>
-          </p:cNvSpPr>
-          <p:nvPr>
-            <p:ph type="sldNum" sz="quarter" idx="12"/>
-          </p:nvPr>
-        </p:nvSpPr>
-        <p:spPr/>
-        <p:txBody>
-          <a:bodyPr/>
-          <a:lstStyle/>
-          <a:p>
-            <a:fld id="{09FCE3CD-8E5B-4FEB-BC1E-3D61BE3CC713}" type="slidenum">
-              <a:rPr lang="en-GB" smtClean="0"/>
-              <a:t>19</a:t>
-            </a:fld>
-            <a:endParaRPr lang="en-GB"/>
-          </a:p>
-        </p:txBody>
-      </p:sp>
-    </p:spTree>
-    <p:extLst>
-      <p:ext uri="{BB962C8B-B14F-4D97-AF65-F5344CB8AC3E}">
-        <p14:creationId xmlns:p14="http://schemas.microsoft.com/office/powerpoint/2010/main" val="2846623819"/>
       </p:ext>
     </p:extLst>
   </p:cSld>
@@ -13268,6 +13349,967 @@
         <p:cNvPr id="1" name="">
           <a:extLst>
             <a:ext uri="{FF2B5EF4-FFF2-40B4-BE49-F238E27FC236}">
+              <a16:creationId xmlns:a16="http://schemas.microsoft.com/office/drawing/2014/main" id="{53F681BD-7BBB-877C-DF26-A67D0773BEAE}"/>
+            </a:ext>
+          </a:extLst>
+        </p:cNvPr>
+        <p:cNvGrpSpPr/>
+        <p:nvPr/>
+      </p:nvGrpSpPr>
+      <p:grpSpPr>
+        <a:xfrm>
+          <a:off x="0" y="0"/>
+          <a:ext cx="0" cy="0"/>
+          <a:chOff x="0" y="0"/>
+          <a:chExt cx="0" cy="0"/>
+        </a:xfrm>
+      </p:grpSpPr>
+      <p:sp>
+        <p:nvSpPr>
+          <p:cNvPr id="2" name="Title 1">
+            <a:extLst>
+              <a:ext uri="{FF2B5EF4-FFF2-40B4-BE49-F238E27FC236}">
+                <a16:creationId xmlns:a16="http://schemas.microsoft.com/office/drawing/2014/main" id="{C03E3FA3-F13E-2E6F-9FB3-D6768582DFD4}"/>
+              </a:ext>
+            </a:extLst>
+          </p:cNvPr>
+          <p:cNvSpPr>
+            <a:spLocks noGrp="1"/>
+          </p:cNvSpPr>
+          <p:nvPr>
+            <p:ph type="title"/>
+          </p:nvPr>
+        </p:nvSpPr>
+        <p:spPr>
+          <a:xfrm>
+            <a:off x="10884" y="-4988"/>
+            <a:ext cx="10515600" cy="1325563"/>
+          </a:xfrm>
+        </p:spPr>
+        <p:txBody>
+          <a:bodyPr/>
+          <a:lstStyle/>
+          <a:p>
+            <a:r>
+              <a:rPr lang="en-GB" dirty="0">
+                <a:solidFill>
+                  <a:schemeClr val="bg1"/>
+                </a:solidFill>
+              </a:rPr>
+              <a:t>Motion</a:t>
+            </a:r>
+          </a:p>
+        </p:txBody>
+      </p:sp>
+      <p:sp>
+        <p:nvSpPr>
+          <p:cNvPr id="3" name="TextBox 2">
+            <a:extLst>
+              <a:ext uri="{FF2B5EF4-FFF2-40B4-BE49-F238E27FC236}">
+                <a16:creationId xmlns:a16="http://schemas.microsoft.com/office/drawing/2014/main" id="{103349F5-019B-F31A-E1ED-462C2A8733A0}"/>
+              </a:ext>
+            </a:extLst>
+          </p:cNvPr>
+          <p:cNvSpPr txBox="1"/>
+          <p:nvPr/>
+        </p:nvSpPr>
+        <p:spPr>
+          <a:xfrm>
+            <a:off x="10885" y="1102861"/>
+            <a:ext cx="12170232" cy="5262979"/>
+          </a:xfrm>
+          <a:prstGeom prst="rect">
+            <a:avLst/>
+          </a:prstGeom>
+          <a:noFill/>
+        </p:spPr>
+        <p:txBody>
+          <a:bodyPr wrap="square" rtlCol="0">
+            <a:spAutoFit/>
+          </a:bodyPr>
+          <a:lstStyle/>
+          <a:p>
+            <a:pPr marL="342900" indent="-342900">
+              <a:buFont typeface="Arial" panose="020B0604020202020204" pitchFamily="34" charset="0"/>
+              <a:buChar char="•"/>
+            </a:pPr>
+            <a:r>
+              <a:rPr lang="en-GB" sz="2400" b="1" dirty="0">
+                <a:solidFill>
+                  <a:schemeClr val="accent4"/>
+                </a:solidFill>
+              </a:rPr>
+              <a:t>Review the Contents in the Box</a:t>
+            </a:r>
+          </a:p>
+          <a:p>
+            <a:pPr marL="342900" indent="-342900">
+              <a:buFont typeface="Arial" panose="020B0604020202020204" pitchFamily="34" charset="0"/>
+              <a:buChar char="•"/>
+            </a:pPr>
+            <a:endParaRPr lang="en-GB" sz="2400" dirty="0">
+              <a:solidFill>
+                <a:schemeClr val="accent5"/>
+              </a:solidFill>
+            </a:endParaRPr>
+          </a:p>
+          <a:p>
+            <a:pPr marL="342900" indent="-342900">
+              <a:buFont typeface="Arial" panose="020B0604020202020204" pitchFamily="34" charset="0"/>
+              <a:buChar char="•"/>
+            </a:pPr>
+            <a:r>
+              <a:rPr lang="en-GB" sz="2400" dirty="0">
+                <a:solidFill>
+                  <a:schemeClr val="accent5"/>
+                </a:solidFill>
+              </a:rPr>
+              <a:t>Review &amp; Discuss the Motion Creative Board</a:t>
+            </a:r>
+          </a:p>
+          <a:p>
+            <a:pPr marL="342900" indent="-342900">
+              <a:buFont typeface="Arial" panose="020B0604020202020204" pitchFamily="34" charset="0"/>
+              <a:buChar char="•"/>
+            </a:pPr>
+            <a:endParaRPr lang="en-GB" sz="2400" dirty="0">
+              <a:solidFill>
+                <a:schemeClr val="accent5"/>
+              </a:solidFill>
+            </a:endParaRPr>
+          </a:p>
+          <a:p>
+            <a:pPr marL="342900" indent="-342900">
+              <a:buFont typeface="Arial" panose="020B0604020202020204" pitchFamily="34" charset="0"/>
+              <a:buChar char="•"/>
+            </a:pPr>
+            <a:r>
+              <a:rPr lang="en-GB" sz="2400" dirty="0">
+                <a:solidFill>
+                  <a:schemeClr val="accent5"/>
+                </a:solidFill>
+              </a:rPr>
+              <a:t>Discuss the Health &amp; Safety Precautions, Power Supply and Sensor Modules V/G Pins</a:t>
+            </a:r>
+          </a:p>
+          <a:p>
+            <a:pPr marL="342900" indent="-342900">
+              <a:buFont typeface="Arial" panose="020B0604020202020204" pitchFamily="34" charset="0"/>
+              <a:buChar char="•"/>
+            </a:pPr>
+            <a:endParaRPr lang="en-GB" sz="2400" dirty="0">
+              <a:solidFill>
+                <a:schemeClr val="bg1"/>
+              </a:solidFill>
+            </a:endParaRPr>
+          </a:p>
+          <a:p>
+            <a:pPr marL="342900" indent="-342900">
+              <a:buFont typeface="Arial" panose="020B0604020202020204" pitchFamily="34" charset="0"/>
+              <a:buChar char="•"/>
+            </a:pPr>
+            <a:r>
+              <a:rPr lang="en-GB" sz="2400" dirty="0">
+                <a:solidFill>
+                  <a:schemeClr val="bg1"/>
+                </a:solidFill>
+              </a:rPr>
+              <a:t>Conduct the Following Labs on both the </a:t>
+            </a:r>
+            <a:r>
+              <a:rPr lang="en-GB" sz="2400" dirty="0">
+                <a:solidFill>
+                  <a:schemeClr val="accent4"/>
+                </a:solidFill>
+              </a:rPr>
+              <a:t>Bread Board</a:t>
+            </a:r>
+            <a:r>
+              <a:rPr lang="en-GB" sz="2400" dirty="0">
+                <a:solidFill>
+                  <a:schemeClr val="bg1"/>
+                </a:solidFill>
+              </a:rPr>
+              <a:t> and </a:t>
+            </a:r>
+            <a:r>
+              <a:rPr lang="en-GB" sz="2400" dirty="0">
+                <a:solidFill>
+                  <a:schemeClr val="accent5"/>
+                </a:solidFill>
+              </a:rPr>
+              <a:t>Creative Board</a:t>
+            </a:r>
+          </a:p>
+          <a:p>
+            <a:pPr marL="800100" lvl="1" indent="-342900">
+              <a:buFont typeface="Arial" panose="020B0604020202020204" pitchFamily="34" charset="0"/>
+              <a:buChar char="•"/>
+            </a:pPr>
+            <a:r>
+              <a:rPr lang="en-GB" sz="2400" dirty="0">
+                <a:solidFill>
+                  <a:schemeClr val="accent5"/>
+                </a:solidFill>
+              </a:rPr>
+              <a:t>DC Motor</a:t>
+            </a:r>
+          </a:p>
+          <a:p>
+            <a:pPr marL="342900" indent="-342900">
+              <a:buFont typeface="Arial" panose="020B0604020202020204" pitchFamily="34" charset="0"/>
+              <a:buChar char="•"/>
+            </a:pPr>
+            <a:endParaRPr lang="en-GB" sz="2400" dirty="0">
+              <a:solidFill>
+                <a:schemeClr val="bg1"/>
+              </a:solidFill>
+            </a:endParaRPr>
+          </a:p>
+          <a:p>
+            <a:pPr marL="342900" indent="-342900">
+              <a:buFont typeface="Arial" panose="020B0604020202020204" pitchFamily="34" charset="0"/>
+              <a:buChar char="•"/>
+            </a:pPr>
+            <a:r>
+              <a:rPr lang="en-GB" sz="2400" dirty="0">
+                <a:solidFill>
+                  <a:schemeClr val="bg1"/>
+                </a:solidFill>
+              </a:rPr>
+              <a:t>Conduct the Following Labs on the </a:t>
+            </a:r>
+            <a:r>
+              <a:rPr lang="en-GB" sz="2400" dirty="0">
+                <a:solidFill>
+                  <a:schemeClr val="accent5"/>
+                </a:solidFill>
+              </a:rPr>
+              <a:t>Creative Board</a:t>
+            </a:r>
+          </a:p>
+          <a:p>
+            <a:pPr marL="800100" lvl="1" indent="-342900">
+              <a:buFont typeface="Arial" panose="020B0604020202020204" pitchFamily="34" charset="0"/>
+              <a:buChar char="•"/>
+            </a:pPr>
+            <a:r>
+              <a:rPr lang="en-GB" sz="2400" dirty="0">
+                <a:solidFill>
+                  <a:schemeClr val="accent5"/>
+                </a:solidFill>
+              </a:rPr>
+              <a:t>DC Motor Encoder – Ticks</a:t>
+            </a:r>
+          </a:p>
+          <a:p>
+            <a:pPr marL="800100" lvl="1" indent="-342900">
+              <a:buFont typeface="Arial" panose="020B0604020202020204" pitchFamily="34" charset="0"/>
+              <a:buChar char="•"/>
+            </a:pPr>
+            <a:r>
+              <a:rPr lang="en-GB" sz="2400" dirty="0">
+                <a:solidFill>
+                  <a:schemeClr val="accent5"/>
+                </a:solidFill>
+              </a:rPr>
+              <a:t>DC Motor Encoder – PID Controller</a:t>
+            </a:r>
+          </a:p>
+          <a:p>
+            <a:pPr marL="800100" lvl="1" indent="-342900">
+              <a:buFont typeface="Arial" panose="020B0604020202020204" pitchFamily="34" charset="0"/>
+              <a:buChar char="•"/>
+            </a:pPr>
+            <a:endParaRPr lang="en-GB" sz="2400" dirty="0">
+              <a:solidFill>
+                <a:schemeClr val="bg1"/>
+              </a:solidFill>
+            </a:endParaRPr>
+          </a:p>
+          <a:p>
+            <a:pPr marL="342900" indent="-342900">
+              <a:buFont typeface="Arial" panose="020B0604020202020204" pitchFamily="34" charset="0"/>
+              <a:buChar char="•"/>
+            </a:pPr>
+            <a:r>
+              <a:rPr lang="en-GB" sz="2400" dirty="0">
+                <a:solidFill>
+                  <a:schemeClr val="bg1"/>
+                </a:solidFill>
+              </a:rPr>
+              <a:t>Discuss the </a:t>
+            </a:r>
+            <a:r>
+              <a:rPr lang="en-GB" sz="2400" u="sng" dirty="0">
+                <a:solidFill>
+                  <a:schemeClr val="accent1"/>
+                </a:solidFill>
+              </a:rPr>
+              <a:t>Bread Board</a:t>
+            </a:r>
+            <a:r>
+              <a:rPr lang="en-GB" sz="2400" u="sng" dirty="0">
+                <a:solidFill>
+                  <a:schemeClr val="bg1"/>
+                </a:solidFill>
+              </a:rPr>
+              <a:t> feature of the </a:t>
+            </a:r>
+            <a:r>
+              <a:rPr lang="en-GB" sz="2400" u="sng" dirty="0">
+                <a:solidFill>
+                  <a:schemeClr val="accent5"/>
+                </a:solidFill>
+              </a:rPr>
+              <a:t>Creative Board &amp; Free Connector</a:t>
+            </a:r>
+          </a:p>
+        </p:txBody>
+      </p:sp>
+      <p:pic>
+        <p:nvPicPr>
+          <p:cNvPr id="4" name="Picture 3">
+            <a:extLst>
+              <a:ext uri="{FF2B5EF4-FFF2-40B4-BE49-F238E27FC236}">
+                <a16:creationId xmlns:a16="http://schemas.microsoft.com/office/drawing/2014/main" id="{1CAD4EDE-DB76-7975-F261-3BC60C9E626E}"/>
+              </a:ext>
+            </a:extLst>
+          </p:cNvPr>
+          <p:cNvPicPr>
+            <a:picLocks noChangeAspect="1"/>
+          </p:cNvPicPr>
+          <p:nvPr/>
+        </p:nvPicPr>
+        <p:blipFill>
+          <a:blip r:embed="rId2">
+            <a:extLst>
+              <a:ext uri="{28A0092B-C50C-407E-A947-70E740481C1C}">
+                <a14:useLocalDpi xmlns:a14="http://schemas.microsoft.com/office/drawing/2010/main" val="0"/>
+              </a:ext>
+            </a:extLst>
+          </a:blip>
+          <a:stretch>
+            <a:fillRect/>
+          </a:stretch>
+        </p:blipFill>
+        <p:spPr>
+          <a:xfrm>
+            <a:off x="10080966" y="0"/>
+            <a:ext cx="2100150" cy="566056"/>
+          </a:xfrm>
+          <a:prstGeom prst="rect">
+            <a:avLst/>
+          </a:prstGeom>
+        </p:spPr>
+      </p:pic>
+      <p:sp>
+        <p:nvSpPr>
+          <p:cNvPr id="5" name="Slide Number Placeholder 4">
+            <a:extLst>
+              <a:ext uri="{FF2B5EF4-FFF2-40B4-BE49-F238E27FC236}">
+                <a16:creationId xmlns:a16="http://schemas.microsoft.com/office/drawing/2014/main" id="{B9A7BDBB-B98B-757A-CA2C-94273386E6FB}"/>
+              </a:ext>
+            </a:extLst>
+          </p:cNvPr>
+          <p:cNvSpPr>
+            <a:spLocks noGrp="1"/>
+          </p:cNvSpPr>
+          <p:nvPr>
+            <p:ph type="sldNum" sz="quarter" idx="12"/>
+          </p:nvPr>
+        </p:nvSpPr>
+        <p:spPr/>
+        <p:txBody>
+          <a:bodyPr/>
+          <a:lstStyle/>
+          <a:p>
+            <a:fld id="{09FCE3CD-8E5B-4FEB-BC1E-3D61BE3CC713}" type="slidenum">
+              <a:rPr lang="en-GB" smtClean="0"/>
+              <a:t>20</a:t>
+            </a:fld>
+            <a:endParaRPr lang="en-GB"/>
+          </a:p>
+        </p:txBody>
+      </p:sp>
+    </p:spTree>
+    <p:extLst>
+      <p:ext uri="{BB962C8B-B14F-4D97-AF65-F5344CB8AC3E}">
+        <p14:creationId xmlns:p14="http://schemas.microsoft.com/office/powerpoint/2010/main" val="3261371233"/>
+      </p:ext>
+    </p:extLst>
+  </p:cSld>
+  <p:clrMapOvr>
+    <a:masterClrMapping/>
+  </p:clrMapOvr>
+</p:sld>
+</file>
+
+<file path=ppt/slides/slide21.xml><?xml version="1.0" encoding="utf-8"?>
+<p:sld xmlns:a="http://schemas.openxmlformats.org/drawingml/2006/main" xmlns:r="http://schemas.openxmlformats.org/officeDocument/2006/relationships" xmlns:p="http://schemas.openxmlformats.org/presentationml/2006/main">
+  <p:cSld>
+    <p:bg>
+      <p:bgPr>
+        <a:solidFill>
+          <a:schemeClr val="tx2"/>
+        </a:solidFill>
+        <a:effectLst/>
+      </p:bgPr>
+    </p:bg>
+    <p:spTree>
+      <p:nvGrpSpPr>
+        <p:cNvPr id="1" name="">
+          <a:extLst>
+            <a:ext uri="{FF2B5EF4-FFF2-40B4-BE49-F238E27FC236}">
+              <a16:creationId xmlns:a16="http://schemas.microsoft.com/office/drawing/2014/main" id="{607A9717-9443-18BB-035E-4D4CC73D1741}"/>
+            </a:ext>
+          </a:extLst>
+        </p:cNvPr>
+        <p:cNvGrpSpPr/>
+        <p:nvPr/>
+      </p:nvGrpSpPr>
+      <p:grpSpPr>
+        <a:xfrm>
+          <a:off x="0" y="0"/>
+          <a:ext cx="0" cy="0"/>
+          <a:chOff x="0" y="0"/>
+          <a:chExt cx="0" cy="0"/>
+        </a:xfrm>
+      </p:grpSpPr>
+      <p:sp>
+        <p:nvSpPr>
+          <p:cNvPr id="2" name="Title 1">
+            <a:extLst>
+              <a:ext uri="{FF2B5EF4-FFF2-40B4-BE49-F238E27FC236}">
+                <a16:creationId xmlns:a16="http://schemas.microsoft.com/office/drawing/2014/main" id="{CF2450A7-CD1C-FDE8-E6A1-9EC3AEA70F9D}"/>
+              </a:ext>
+            </a:extLst>
+          </p:cNvPr>
+          <p:cNvSpPr>
+            <a:spLocks noGrp="1"/>
+          </p:cNvSpPr>
+          <p:nvPr>
+            <p:ph type="title"/>
+          </p:nvPr>
+        </p:nvSpPr>
+        <p:spPr>
+          <a:xfrm>
+            <a:off x="0" y="2934155"/>
+            <a:ext cx="12192000" cy="1325563"/>
+          </a:xfrm>
+        </p:spPr>
+        <p:txBody>
+          <a:bodyPr/>
+          <a:lstStyle/>
+          <a:p>
+            <a:pPr algn="ctr"/>
+            <a:r>
+              <a:rPr lang="en-GB" dirty="0">
+                <a:solidFill>
+                  <a:schemeClr val="accent1"/>
+                </a:solidFill>
+              </a:rPr>
+              <a:t>Communications</a:t>
+            </a:r>
+            <a:br>
+              <a:rPr lang="en-GB" dirty="0">
+                <a:solidFill>
+                  <a:schemeClr val="accent1"/>
+                </a:solidFill>
+              </a:rPr>
+            </a:br>
+            <a:r>
+              <a:rPr lang="en-GB" dirty="0">
+                <a:solidFill>
+                  <a:schemeClr val="accent1"/>
+                </a:solidFill>
+              </a:rPr>
+              <a:t>(Day-1: 3 PM to 5 PM)</a:t>
+            </a:r>
+          </a:p>
+        </p:txBody>
+      </p:sp>
+      <p:sp>
+        <p:nvSpPr>
+          <p:cNvPr id="3" name="Slide Number Placeholder 2">
+            <a:extLst>
+              <a:ext uri="{FF2B5EF4-FFF2-40B4-BE49-F238E27FC236}">
+                <a16:creationId xmlns:a16="http://schemas.microsoft.com/office/drawing/2014/main" id="{15F4FA9B-BE74-0132-B235-96A1A374CA9B}"/>
+              </a:ext>
+            </a:extLst>
+          </p:cNvPr>
+          <p:cNvSpPr>
+            <a:spLocks noGrp="1"/>
+          </p:cNvSpPr>
+          <p:nvPr>
+            <p:ph type="sldNum" sz="quarter" idx="12"/>
+          </p:nvPr>
+        </p:nvSpPr>
+        <p:spPr/>
+        <p:txBody>
+          <a:bodyPr/>
+          <a:lstStyle/>
+          <a:p>
+            <a:fld id="{09FCE3CD-8E5B-4FEB-BC1E-3D61BE3CC713}" type="slidenum">
+              <a:rPr lang="en-GB" smtClean="0"/>
+              <a:t>21</a:t>
+            </a:fld>
+            <a:endParaRPr lang="en-GB"/>
+          </a:p>
+        </p:txBody>
+      </p:sp>
+    </p:spTree>
+    <p:extLst>
+      <p:ext uri="{BB962C8B-B14F-4D97-AF65-F5344CB8AC3E}">
+        <p14:creationId xmlns:p14="http://schemas.microsoft.com/office/powerpoint/2010/main" val="4126155915"/>
+      </p:ext>
+    </p:extLst>
+  </p:cSld>
+  <p:clrMapOvr>
+    <a:masterClrMapping/>
+  </p:clrMapOvr>
+</p:sld>
+</file>
+
+<file path=ppt/slides/slide22.xml><?xml version="1.0" encoding="utf-8"?>
+<p:sld xmlns:a="http://schemas.openxmlformats.org/drawingml/2006/main" xmlns:r="http://schemas.openxmlformats.org/officeDocument/2006/relationships" xmlns:p="http://schemas.openxmlformats.org/presentationml/2006/main">
+  <p:cSld>
+    <p:bg>
+      <p:bgPr>
+        <a:solidFill>
+          <a:schemeClr val="tx2"/>
+        </a:solidFill>
+        <a:effectLst/>
+      </p:bgPr>
+    </p:bg>
+    <p:spTree>
+      <p:nvGrpSpPr>
+        <p:cNvPr id="1" name="">
+          <a:extLst>
+            <a:ext uri="{FF2B5EF4-FFF2-40B4-BE49-F238E27FC236}">
+              <a16:creationId xmlns:a16="http://schemas.microsoft.com/office/drawing/2014/main" id="{39BE29D4-CF24-9712-0C15-07EA836BA260}"/>
+            </a:ext>
+          </a:extLst>
+        </p:cNvPr>
+        <p:cNvGrpSpPr/>
+        <p:nvPr/>
+      </p:nvGrpSpPr>
+      <p:grpSpPr>
+        <a:xfrm>
+          <a:off x="0" y="0"/>
+          <a:ext cx="0" cy="0"/>
+          <a:chOff x="0" y="0"/>
+          <a:chExt cx="0" cy="0"/>
+        </a:xfrm>
+      </p:grpSpPr>
+      <p:sp>
+        <p:nvSpPr>
+          <p:cNvPr id="2" name="Title 1">
+            <a:extLst>
+              <a:ext uri="{FF2B5EF4-FFF2-40B4-BE49-F238E27FC236}">
+                <a16:creationId xmlns:a16="http://schemas.microsoft.com/office/drawing/2014/main" id="{894F24C2-4D49-091F-4E2E-E1259B604656}"/>
+              </a:ext>
+            </a:extLst>
+          </p:cNvPr>
+          <p:cNvSpPr>
+            <a:spLocks noGrp="1"/>
+          </p:cNvSpPr>
+          <p:nvPr>
+            <p:ph type="title"/>
+          </p:nvPr>
+        </p:nvSpPr>
+        <p:spPr>
+          <a:xfrm>
+            <a:off x="10884" y="-4988"/>
+            <a:ext cx="10515600" cy="1325563"/>
+          </a:xfrm>
+        </p:spPr>
+        <p:txBody>
+          <a:bodyPr/>
+          <a:lstStyle/>
+          <a:p>
+            <a:r>
+              <a:rPr lang="en-GB" dirty="0">
+                <a:solidFill>
+                  <a:schemeClr val="bg1"/>
+                </a:solidFill>
+              </a:rPr>
+              <a:t>Communications</a:t>
+            </a:r>
+          </a:p>
+        </p:txBody>
+      </p:sp>
+      <p:sp>
+        <p:nvSpPr>
+          <p:cNvPr id="3" name="TextBox 2">
+            <a:extLst>
+              <a:ext uri="{FF2B5EF4-FFF2-40B4-BE49-F238E27FC236}">
+                <a16:creationId xmlns:a16="http://schemas.microsoft.com/office/drawing/2014/main" id="{1CBA5D58-D7BD-496E-AA57-62A506799CA3}"/>
+              </a:ext>
+            </a:extLst>
+          </p:cNvPr>
+          <p:cNvSpPr txBox="1"/>
+          <p:nvPr/>
+        </p:nvSpPr>
+        <p:spPr>
+          <a:xfrm>
+            <a:off x="142875" y="1000535"/>
+            <a:ext cx="11906250" cy="5632311"/>
+          </a:xfrm>
+          <a:prstGeom prst="rect">
+            <a:avLst/>
+          </a:prstGeom>
+          <a:noFill/>
+        </p:spPr>
+        <p:txBody>
+          <a:bodyPr wrap="square" rtlCol="0">
+            <a:spAutoFit/>
+          </a:bodyPr>
+          <a:lstStyle/>
+          <a:p>
+            <a:pPr marL="342900" indent="-342900">
+              <a:buFont typeface="Arial" panose="020B0604020202020204" pitchFamily="34" charset="0"/>
+              <a:buChar char="•"/>
+            </a:pPr>
+            <a:r>
+              <a:rPr lang="en-GB" sz="2400" b="1" dirty="0">
+                <a:solidFill>
+                  <a:schemeClr val="accent4"/>
+                </a:solidFill>
+              </a:rPr>
+              <a:t>Review the Contents in the Box</a:t>
+            </a:r>
+          </a:p>
+          <a:p>
+            <a:pPr marL="342900" indent="-342900">
+              <a:buFont typeface="Arial" panose="020B0604020202020204" pitchFamily="34" charset="0"/>
+              <a:buChar char="•"/>
+            </a:pPr>
+            <a:endParaRPr lang="en-GB" sz="2400" dirty="0">
+              <a:solidFill>
+                <a:schemeClr val="accent5"/>
+              </a:solidFill>
+            </a:endParaRPr>
+          </a:p>
+          <a:p>
+            <a:pPr marL="342900" indent="-342900">
+              <a:buFont typeface="Arial" panose="020B0604020202020204" pitchFamily="34" charset="0"/>
+              <a:buChar char="•"/>
+            </a:pPr>
+            <a:r>
+              <a:rPr lang="en-GB" sz="2400" dirty="0">
+                <a:solidFill>
+                  <a:schemeClr val="accent5"/>
+                </a:solidFill>
+              </a:rPr>
+              <a:t>Review &amp; Discuss the Communication Creative Board</a:t>
+            </a:r>
+          </a:p>
+          <a:p>
+            <a:pPr marL="342900" indent="-342900">
+              <a:buFont typeface="Arial" panose="020B0604020202020204" pitchFamily="34" charset="0"/>
+              <a:buChar char="•"/>
+            </a:pPr>
+            <a:endParaRPr lang="en-GB" sz="2400" dirty="0">
+              <a:solidFill>
+                <a:schemeClr val="accent5"/>
+              </a:solidFill>
+            </a:endParaRPr>
+          </a:p>
+          <a:p>
+            <a:pPr marL="342900" indent="-342900">
+              <a:buFont typeface="Arial" panose="020B0604020202020204" pitchFamily="34" charset="0"/>
+              <a:buChar char="•"/>
+            </a:pPr>
+            <a:r>
+              <a:rPr lang="en-GB" sz="2400" dirty="0">
+                <a:solidFill>
+                  <a:schemeClr val="accent5"/>
+                </a:solidFill>
+              </a:rPr>
+              <a:t>Discuss the Health &amp; Safety Precautions</a:t>
+            </a:r>
+          </a:p>
+          <a:p>
+            <a:pPr marL="342900" indent="-342900">
+              <a:buFont typeface="Arial" panose="020B0604020202020204" pitchFamily="34" charset="0"/>
+              <a:buChar char="•"/>
+            </a:pPr>
+            <a:endParaRPr lang="en-GB" sz="2400" dirty="0">
+              <a:solidFill>
+                <a:schemeClr val="bg1"/>
+              </a:solidFill>
+            </a:endParaRPr>
+          </a:p>
+          <a:p>
+            <a:pPr marL="342900" indent="-342900">
+              <a:buFont typeface="Arial" panose="020B0604020202020204" pitchFamily="34" charset="0"/>
+              <a:buChar char="•"/>
+            </a:pPr>
+            <a:r>
+              <a:rPr lang="en-GB" sz="2400" dirty="0">
+                <a:solidFill>
+                  <a:schemeClr val="bg1"/>
+                </a:solidFill>
+              </a:rPr>
+              <a:t>Conduct the Following Labs on both the </a:t>
+            </a:r>
+            <a:r>
+              <a:rPr lang="en-GB" sz="2400" dirty="0">
+                <a:solidFill>
+                  <a:schemeClr val="accent4"/>
+                </a:solidFill>
+              </a:rPr>
+              <a:t>Bread Board</a:t>
+            </a:r>
+            <a:r>
+              <a:rPr lang="en-GB" sz="2400" dirty="0">
+                <a:solidFill>
+                  <a:schemeClr val="bg1"/>
+                </a:solidFill>
+              </a:rPr>
+              <a:t> and </a:t>
+            </a:r>
+            <a:r>
+              <a:rPr lang="en-GB" sz="2400" dirty="0">
+                <a:solidFill>
+                  <a:schemeClr val="accent5"/>
+                </a:solidFill>
+              </a:rPr>
+              <a:t>Creative Board</a:t>
+            </a:r>
+          </a:p>
+          <a:p>
+            <a:pPr marL="800100" lvl="1" indent="-342900">
+              <a:buFont typeface="Arial" panose="020B0604020202020204" pitchFamily="34" charset="0"/>
+              <a:buChar char="•"/>
+            </a:pPr>
+            <a:r>
+              <a:rPr lang="en-GB" sz="2400" dirty="0">
+                <a:solidFill>
+                  <a:schemeClr val="accent5"/>
+                </a:solidFill>
+              </a:rPr>
+              <a:t>RFID</a:t>
+            </a:r>
+          </a:p>
+          <a:p>
+            <a:pPr marL="342900" indent="-342900">
+              <a:buFont typeface="Arial" panose="020B0604020202020204" pitchFamily="34" charset="0"/>
+              <a:buChar char="•"/>
+            </a:pPr>
+            <a:endParaRPr lang="en-GB" sz="2400" dirty="0">
+              <a:solidFill>
+                <a:schemeClr val="bg1"/>
+              </a:solidFill>
+            </a:endParaRPr>
+          </a:p>
+          <a:p>
+            <a:pPr marL="342900" indent="-342900">
+              <a:buFont typeface="Arial" panose="020B0604020202020204" pitchFamily="34" charset="0"/>
+              <a:buChar char="•"/>
+            </a:pPr>
+            <a:r>
+              <a:rPr lang="en-GB" sz="2400" dirty="0">
+                <a:solidFill>
+                  <a:schemeClr val="bg1"/>
+                </a:solidFill>
+              </a:rPr>
+              <a:t>Conduct the Following Labs on the </a:t>
+            </a:r>
+            <a:r>
+              <a:rPr lang="en-GB" sz="2400" dirty="0">
+                <a:solidFill>
+                  <a:schemeClr val="accent5"/>
+                </a:solidFill>
+              </a:rPr>
+              <a:t>Creative Board</a:t>
+            </a:r>
+          </a:p>
+          <a:p>
+            <a:pPr marL="800100" lvl="1" indent="-342900">
+              <a:buFont typeface="Arial" panose="020B0604020202020204" pitchFamily="34" charset="0"/>
+              <a:buChar char="•"/>
+            </a:pPr>
+            <a:r>
+              <a:rPr lang="en-GB" sz="2400" dirty="0">
+                <a:solidFill>
+                  <a:schemeClr val="accent5"/>
+                </a:solidFill>
+              </a:rPr>
+              <a:t>NRF24L01</a:t>
+            </a:r>
+          </a:p>
+          <a:p>
+            <a:pPr marL="800100" lvl="1" indent="-342900">
+              <a:buFont typeface="Arial" panose="020B0604020202020204" pitchFamily="34" charset="0"/>
+              <a:buChar char="•"/>
+            </a:pPr>
+            <a:endParaRPr lang="en-GB" sz="2400" dirty="0">
+              <a:solidFill>
+                <a:schemeClr val="accent5"/>
+              </a:solidFill>
+            </a:endParaRPr>
+          </a:p>
+          <a:p>
+            <a:pPr marL="342900" indent="-342900">
+              <a:buFont typeface="Arial" panose="020B0604020202020204" pitchFamily="34" charset="0"/>
+              <a:buChar char="•"/>
+            </a:pPr>
+            <a:r>
+              <a:rPr lang="en-GB" sz="2400" dirty="0">
+                <a:solidFill>
+                  <a:schemeClr val="bg1"/>
+                </a:solidFill>
+              </a:rPr>
+              <a:t>Discuss the SD Card module and practice memory card insertion/removal/formatting</a:t>
+            </a:r>
+          </a:p>
+          <a:p>
+            <a:pPr marL="342900" indent="-342900">
+              <a:buFont typeface="Arial" panose="020B0604020202020204" pitchFamily="34" charset="0"/>
+              <a:buChar char="•"/>
+            </a:pPr>
+            <a:endParaRPr lang="en-GB" sz="2400" dirty="0">
+              <a:solidFill>
+                <a:schemeClr val="bg1"/>
+              </a:solidFill>
+            </a:endParaRPr>
+          </a:p>
+          <a:p>
+            <a:pPr marL="342900" indent="-342900">
+              <a:buFont typeface="Arial" panose="020B0604020202020204" pitchFamily="34" charset="0"/>
+              <a:buChar char="•"/>
+            </a:pPr>
+            <a:r>
+              <a:rPr lang="en-GB" sz="2400" dirty="0">
+                <a:solidFill>
+                  <a:schemeClr val="bg1"/>
+                </a:solidFill>
+              </a:rPr>
+              <a:t>Discuss the </a:t>
+            </a:r>
+            <a:r>
+              <a:rPr lang="en-GB" sz="2400" u="sng" dirty="0">
+                <a:solidFill>
+                  <a:schemeClr val="accent1"/>
+                </a:solidFill>
+              </a:rPr>
+              <a:t>Bread Board</a:t>
+            </a:r>
+            <a:r>
+              <a:rPr lang="en-GB" sz="2400" u="sng" dirty="0">
+                <a:solidFill>
+                  <a:schemeClr val="bg1"/>
+                </a:solidFill>
+              </a:rPr>
+              <a:t> of the </a:t>
+            </a:r>
+            <a:r>
+              <a:rPr lang="en-GB" sz="2400" u="sng" dirty="0">
+                <a:solidFill>
+                  <a:schemeClr val="accent5"/>
+                </a:solidFill>
+              </a:rPr>
+              <a:t>Creative Board</a:t>
+            </a:r>
+          </a:p>
+        </p:txBody>
+      </p:sp>
+      <p:pic>
+        <p:nvPicPr>
+          <p:cNvPr id="4" name="Picture 3">
+            <a:extLst>
+              <a:ext uri="{FF2B5EF4-FFF2-40B4-BE49-F238E27FC236}">
+                <a16:creationId xmlns:a16="http://schemas.microsoft.com/office/drawing/2014/main" id="{8C13F4DC-70C3-5490-8CA9-BEE2911EB22F}"/>
+              </a:ext>
+            </a:extLst>
+          </p:cNvPr>
+          <p:cNvPicPr>
+            <a:picLocks noChangeAspect="1"/>
+          </p:cNvPicPr>
+          <p:nvPr/>
+        </p:nvPicPr>
+        <p:blipFill>
+          <a:blip r:embed="rId2">
+            <a:extLst>
+              <a:ext uri="{28A0092B-C50C-407E-A947-70E740481C1C}">
+                <a14:useLocalDpi xmlns:a14="http://schemas.microsoft.com/office/drawing/2010/main" val="0"/>
+              </a:ext>
+            </a:extLst>
+          </a:blip>
+          <a:stretch>
+            <a:fillRect/>
+          </a:stretch>
+        </p:blipFill>
+        <p:spPr>
+          <a:xfrm>
+            <a:off x="10080966" y="0"/>
+            <a:ext cx="2100150" cy="566056"/>
+          </a:xfrm>
+          <a:prstGeom prst="rect">
+            <a:avLst/>
+          </a:prstGeom>
+        </p:spPr>
+      </p:pic>
+      <p:sp>
+        <p:nvSpPr>
+          <p:cNvPr id="5" name="Slide Number Placeholder 4">
+            <a:extLst>
+              <a:ext uri="{FF2B5EF4-FFF2-40B4-BE49-F238E27FC236}">
+                <a16:creationId xmlns:a16="http://schemas.microsoft.com/office/drawing/2014/main" id="{E6BCBF0E-2795-706C-C3B0-076A2370062F}"/>
+              </a:ext>
+            </a:extLst>
+          </p:cNvPr>
+          <p:cNvSpPr>
+            <a:spLocks noGrp="1"/>
+          </p:cNvSpPr>
+          <p:nvPr>
+            <p:ph type="sldNum" sz="quarter" idx="12"/>
+          </p:nvPr>
+        </p:nvSpPr>
+        <p:spPr/>
+        <p:txBody>
+          <a:bodyPr/>
+          <a:lstStyle/>
+          <a:p>
+            <a:fld id="{09FCE3CD-8E5B-4FEB-BC1E-3D61BE3CC713}" type="slidenum">
+              <a:rPr lang="en-GB" smtClean="0"/>
+              <a:t>22</a:t>
+            </a:fld>
+            <a:endParaRPr lang="en-GB"/>
+          </a:p>
+        </p:txBody>
+      </p:sp>
+    </p:spTree>
+    <p:extLst>
+      <p:ext uri="{BB962C8B-B14F-4D97-AF65-F5344CB8AC3E}">
+        <p14:creationId xmlns:p14="http://schemas.microsoft.com/office/powerpoint/2010/main" val="2846623819"/>
+      </p:ext>
+    </p:extLst>
+  </p:cSld>
+  <p:clrMapOvr>
+    <a:masterClrMapping/>
+  </p:clrMapOvr>
+</p:sld>
+</file>
+
+<file path=ppt/slides/slide23.xml><?xml version="1.0" encoding="utf-8"?>
+<p:sld xmlns:a="http://schemas.openxmlformats.org/drawingml/2006/main" xmlns:r="http://schemas.openxmlformats.org/officeDocument/2006/relationships" xmlns:p="http://schemas.openxmlformats.org/presentationml/2006/main">
+  <p:cSld>
+    <p:bg>
+      <p:bgPr>
+        <a:solidFill>
+          <a:schemeClr val="tx2"/>
+        </a:solidFill>
+        <a:effectLst/>
+      </p:bgPr>
+    </p:bg>
+    <p:spTree>
+      <p:nvGrpSpPr>
+        <p:cNvPr id="1" name="">
+          <a:extLst>
+            <a:ext uri="{FF2B5EF4-FFF2-40B4-BE49-F238E27FC236}">
               <a16:creationId xmlns:a16="http://schemas.microsoft.com/office/drawing/2014/main" id="{4CC7D19D-B2CF-F8AE-0F28-E3AB3A5EA963}"/>
             </a:ext>
           </a:extLst>
@@ -13359,7 +14401,7 @@
           <a:p>
             <a:fld id="{09FCE3CD-8E5B-4FEB-BC1E-3D61BE3CC713}" type="slidenum">
               <a:rPr lang="en-GB" smtClean="0"/>
-              <a:t>20</a:t>
+              <a:t>23</a:t>
             </a:fld>
             <a:endParaRPr lang="en-GB"/>
           </a:p>
@@ -13378,7 +14420,7 @@
 </p:sld>
 </file>
 
-<file path=ppt/slides/slide21.xml><?xml version="1.0" encoding="utf-8"?>
+<file path=ppt/slides/slide24.xml><?xml version="1.0" encoding="utf-8"?>
 <p:sld xmlns:a="http://schemas.openxmlformats.org/drawingml/2006/main" xmlns:r="http://schemas.openxmlformats.org/officeDocument/2006/relationships" xmlns:p="http://schemas.openxmlformats.org/presentationml/2006/main">
   <p:cSld>
     <p:bg>
@@ -13708,7 +14750,7 @@
           <a:p>
             <a:fld id="{09FCE3CD-8E5B-4FEB-BC1E-3D61BE3CC713}" type="slidenum">
               <a:rPr lang="en-GB" smtClean="0"/>
-              <a:t>21</a:t>
+              <a:t>24</a:t>
             </a:fld>
             <a:endParaRPr lang="en-GB"/>
           </a:p>
@@ -13727,7 +14769,7 @@
 </p:sld>
 </file>
 
-<file path=ppt/slides/slide22.xml><?xml version="1.0" encoding="utf-8"?>
+<file path=ppt/slides/slide25.xml><?xml version="1.0" encoding="utf-8"?>
 <p:sld xmlns:a="http://schemas.openxmlformats.org/drawingml/2006/main" xmlns:r="http://schemas.openxmlformats.org/officeDocument/2006/relationships" xmlns:p="http://schemas.openxmlformats.org/presentationml/2006/main">
   <p:cSld>
     <p:bg>
@@ -13834,7 +14876,7 @@
           <a:p>
             <a:fld id="{09FCE3CD-8E5B-4FEB-BC1E-3D61BE3CC713}" type="slidenum">
               <a:rPr lang="en-GB" smtClean="0"/>
-              <a:t>22</a:t>
+              <a:t>25</a:t>
             </a:fld>
             <a:endParaRPr lang="en-GB"/>
           </a:p>
@@ -13853,7 +14895,7 @@
 </p:sld>
 </file>
 
-<file path=ppt/slides/slide23.xml><?xml version="1.0" encoding="utf-8"?>
+<file path=ppt/slides/slide26.xml><?xml version="1.0" encoding="utf-8"?>
 <p:sld xmlns:a="http://schemas.openxmlformats.org/drawingml/2006/main" xmlns:r="http://schemas.openxmlformats.org/officeDocument/2006/relationships" xmlns:p="http://schemas.openxmlformats.org/presentationml/2006/main">
   <p:cSld>
     <p:bg>
@@ -14183,7 +15225,7 @@
           <a:p>
             <a:fld id="{09FCE3CD-8E5B-4FEB-BC1E-3D61BE3CC713}" type="slidenum">
               <a:rPr lang="en-GB" smtClean="0"/>
-              <a:t>23</a:t>
+              <a:t>26</a:t>
             </a:fld>
             <a:endParaRPr lang="en-GB"/>
           </a:p>
@@ -14202,7 +15244,7 @@
 </p:sld>
 </file>
 
-<file path=ppt/slides/slide24.xml><?xml version="1.0" encoding="utf-8"?>
+<file path=ppt/slides/slide27.xml><?xml version="1.0" encoding="utf-8"?>
 <p:sld xmlns:a="http://schemas.openxmlformats.org/drawingml/2006/main" xmlns:r="http://schemas.openxmlformats.org/officeDocument/2006/relationships" xmlns:p="http://schemas.openxmlformats.org/presentationml/2006/main">
   <p:cSld>
     <p:bg>
@@ -14309,7 +15351,7 @@
           <a:p>
             <a:fld id="{09FCE3CD-8E5B-4FEB-BC1E-3D61BE3CC713}" type="slidenum">
               <a:rPr lang="en-GB" smtClean="0"/>
-              <a:t>24</a:t>
+              <a:t>27</a:t>
             </a:fld>
             <a:endParaRPr lang="en-GB"/>
           </a:p>
@@ -14328,7 +15370,7 @@
 </p:sld>
 </file>
 
-<file path=ppt/slides/slide25.xml><?xml version="1.0" encoding="utf-8"?>
+<file path=ppt/slides/slide28.xml><?xml version="1.0" encoding="utf-8"?>
 <p:sld xmlns:a="http://schemas.openxmlformats.org/drawingml/2006/main" xmlns:r="http://schemas.openxmlformats.org/officeDocument/2006/relationships" xmlns:p="http://schemas.openxmlformats.org/presentationml/2006/main">
   <p:cSld>
     <p:bg>
@@ -14653,7 +15695,7 @@
           <a:p>
             <a:fld id="{09FCE3CD-8E5B-4FEB-BC1E-3D61BE3CC713}" type="slidenum">
               <a:rPr lang="en-GB" smtClean="0"/>
-              <a:t>25</a:t>
+              <a:t>28</a:t>
             </a:fld>
             <a:endParaRPr lang="en-GB"/>
           </a:p>
@@ -14672,7 +15714,7 @@
 </p:sld>
 </file>
 
-<file path=ppt/slides/slide26.xml><?xml version="1.0" encoding="utf-8"?>
+<file path=ppt/slides/slide29.xml><?xml version="1.0" encoding="utf-8"?>
 <p:sld xmlns:a="http://schemas.openxmlformats.org/drawingml/2006/main" xmlns:r="http://schemas.openxmlformats.org/officeDocument/2006/relationships" xmlns:p="http://schemas.openxmlformats.org/presentationml/2006/main">
   <p:cSld>
     <p:bg>
@@ -14763,7 +15805,7 @@
           <a:p>
             <a:fld id="{09FCE3CD-8E5B-4FEB-BC1E-3D61BE3CC713}" type="slidenum">
               <a:rPr lang="en-GB" smtClean="0"/>
-              <a:t>26</a:t>
+              <a:t>29</a:t>
             </a:fld>
             <a:endParaRPr lang="en-GB"/>
           </a:p>
@@ -16526,7 +17568,7 @@
         <p:cNvPr id="1" name="">
           <a:extLst>
             <a:ext uri="{FF2B5EF4-FFF2-40B4-BE49-F238E27FC236}">
-              <a16:creationId xmlns:a16="http://schemas.microsoft.com/office/drawing/2014/main" id="{6FC41105-E123-B9EB-A359-3B1A8FCA2AA3}"/>
+              <a16:creationId xmlns:a16="http://schemas.microsoft.com/office/drawing/2014/main" id="{E338B6FE-5F05-D0CC-8713-90D7C0840B2C}"/>
             </a:ext>
           </a:extLst>
         </p:cNvPr>
@@ -16546,7 +17588,7 @@
           <p:cNvPr id="2" name="Title 1">
             <a:extLst>
               <a:ext uri="{FF2B5EF4-FFF2-40B4-BE49-F238E27FC236}">
-                <a16:creationId xmlns:a16="http://schemas.microsoft.com/office/drawing/2014/main" id="{ECBBE6C9-99CB-7945-811D-A05708B51520}"/>
+                <a16:creationId xmlns:a16="http://schemas.microsoft.com/office/drawing/2014/main" id="{E2CD6148-E4FA-8B16-C215-EB630D0E4614}"/>
               </a:ext>
             </a:extLst>
           </p:cNvPr>
@@ -16580,10 +17622,49 @@
       </p:sp>
       <p:sp>
         <p:nvSpPr>
-          <p:cNvPr id="3" name="Rectangle: Rounded Corners 2">
-            <a:extLst>
-              <a:ext uri="{FF2B5EF4-FFF2-40B4-BE49-F238E27FC236}">
-                <a16:creationId xmlns:a16="http://schemas.microsoft.com/office/drawing/2014/main" id="{85D695F2-7897-9EDA-2552-BACAAD123616}"/>
+          <p:cNvPr id="6" name="TextBox 5">
+            <a:extLst>
+              <a:ext uri="{FF2B5EF4-FFF2-40B4-BE49-F238E27FC236}">
+                <a16:creationId xmlns:a16="http://schemas.microsoft.com/office/drawing/2014/main" id="{C04189A3-F00F-2263-A53F-A90C54011540}"/>
+              </a:ext>
+            </a:extLst>
+          </p:cNvPr>
+          <p:cNvSpPr txBox="1"/>
+          <p:nvPr/>
+        </p:nvSpPr>
+        <p:spPr>
+          <a:xfrm>
+            <a:off x="250372" y="1320575"/>
+            <a:ext cx="3132974" cy="584775"/>
+          </a:xfrm>
+          <a:prstGeom prst="rect">
+            <a:avLst/>
+          </a:prstGeom>
+          <a:noFill/>
+        </p:spPr>
+        <p:txBody>
+          <a:bodyPr wrap="none" rtlCol="0">
+            <a:spAutoFit/>
+          </a:bodyPr>
+          <a:lstStyle/>
+          <a:p>
+            <a:r>
+              <a:rPr lang="en-GB" sz="3200" b="1" dirty="0">
+                <a:solidFill>
+                  <a:schemeClr val="accent5"/>
+                </a:solidFill>
+              </a:rPr>
+              <a:t>Products Series</a:t>
+            </a:r>
+          </a:p>
+        </p:txBody>
+      </p:sp>
+      <p:sp>
+        <p:nvSpPr>
+          <p:cNvPr id="9" name="Rectangle: Rounded Corners 8">
+            <a:extLst>
+              <a:ext uri="{FF2B5EF4-FFF2-40B4-BE49-F238E27FC236}">
+                <a16:creationId xmlns:a16="http://schemas.microsoft.com/office/drawing/2014/main" id="{C098B1B9-2C1D-FB89-A21E-2C6D13FAFC85}"/>
               </a:ext>
             </a:extLst>
           </p:cNvPr>
@@ -16592,8 +17673,8 @@
         </p:nvSpPr>
         <p:spPr>
           <a:xfrm>
-            <a:off x="1306286" y="2100943"/>
-            <a:ext cx="2688771" cy="1534886"/>
+            <a:off x="990600" y="2231573"/>
+            <a:ext cx="2394695" cy="1325563"/>
           </a:xfrm>
           <a:prstGeom prst="roundRect">
             <a:avLst/>
@@ -16621,25 +17702,18 @@
           <a:p>
             <a:pPr algn="ctr"/>
             <a:r>
-              <a:rPr lang="en-GB" b="1" dirty="0"/>
-              <a:t>Foundational</a:t>
-            </a:r>
-          </a:p>
-          <a:p>
-            <a:pPr algn="ctr"/>
-            <a:r>
               <a:rPr lang="en-GB" dirty="0"/>
-              <a:t>(15 Lessons/Labs)</a:t>
-            </a:r>
-          </a:p>
-        </p:txBody>
-      </p:sp>
-      <p:sp>
-        <p:nvSpPr>
-          <p:cNvPr id="4" name="Rectangle: Rounded Corners 3">
-            <a:extLst>
-              <a:ext uri="{FF2B5EF4-FFF2-40B4-BE49-F238E27FC236}">
-                <a16:creationId xmlns:a16="http://schemas.microsoft.com/office/drawing/2014/main" id="{F0D5D825-FB01-989E-495F-E91C0C0C8E12}"/>
+              <a:t>Sensors</a:t>
+            </a:r>
+          </a:p>
+        </p:txBody>
+      </p:sp>
+      <p:sp>
+        <p:nvSpPr>
+          <p:cNvPr id="12" name="Rectangle: Rounded Corners 11">
+            <a:extLst>
+              <a:ext uri="{FF2B5EF4-FFF2-40B4-BE49-F238E27FC236}">
+                <a16:creationId xmlns:a16="http://schemas.microsoft.com/office/drawing/2014/main" id="{7D0E8DB6-7524-EE47-6A17-5B375CE86D46}"/>
               </a:ext>
             </a:extLst>
           </p:cNvPr>
@@ -16648,8 +17722,8 @@
         </p:nvSpPr>
         <p:spPr>
           <a:xfrm>
-            <a:off x="4751614" y="2100943"/>
-            <a:ext cx="2688771" cy="1534886"/>
+            <a:off x="5040085" y="2231572"/>
+            <a:ext cx="2394695" cy="1325563"/>
           </a:xfrm>
           <a:prstGeom prst="roundRect">
             <a:avLst/>
@@ -16678,24 +17752,17 @@
             <a:pPr algn="ctr"/>
             <a:r>
               <a:rPr lang="en-GB" dirty="0"/>
-              <a:t>Take Home</a:t>
-            </a:r>
-          </a:p>
-          <a:p>
-            <a:pPr algn="ctr"/>
-            <a:r>
-              <a:rPr lang="en-GB" dirty="0"/>
-              <a:t>Projects</a:t>
-            </a:r>
-          </a:p>
-        </p:txBody>
-      </p:sp>
-      <p:sp>
-        <p:nvSpPr>
-          <p:cNvPr id="5" name="Rectangle: Rounded Corners 4">
-            <a:extLst>
-              <a:ext uri="{FF2B5EF4-FFF2-40B4-BE49-F238E27FC236}">
-                <a16:creationId xmlns:a16="http://schemas.microsoft.com/office/drawing/2014/main" id="{2843F2A8-4DC5-12EA-4AAF-8B7A80286E34}"/>
+              <a:t>Motion</a:t>
+            </a:r>
+          </a:p>
+        </p:txBody>
+      </p:sp>
+      <p:sp>
+        <p:nvSpPr>
+          <p:cNvPr id="15" name="Rectangle: Rounded Corners 14">
+            <a:extLst>
+              <a:ext uri="{FF2B5EF4-FFF2-40B4-BE49-F238E27FC236}">
+                <a16:creationId xmlns:a16="http://schemas.microsoft.com/office/drawing/2014/main" id="{548BD9EB-12F9-A922-D87B-1D41D861CC0F}"/>
               </a:ext>
             </a:extLst>
           </p:cNvPr>
@@ -16704,8 +17771,8 @@
         </p:nvSpPr>
         <p:spPr>
           <a:xfrm>
-            <a:off x="8196942" y="2100943"/>
-            <a:ext cx="2688771" cy="1534886"/>
+            <a:off x="9089571" y="2231571"/>
+            <a:ext cx="2394695" cy="1325563"/>
           </a:xfrm>
           <a:prstGeom prst="roundRect">
             <a:avLst/>
@@ -16734,24 +17801,17 @@
             <a:pPr algn="ctr"/>
             <a:r>
               <a:rPr lang="en-GB" dirty="0"/>
-              <a:t>Capstone </a:t>
-            </a:r>
-          </a:p>
-          <a:p>
-            <a:pPr algn="ctr"/>
-            <a:r>
-              <a:rPr lang="en-GB" dirty="0"/>
-              <a:t>Projects</a:t>
-            </a:r>
-          </a:p>
-        </p:txBody>
-      </p:sp>
-      <p:sp>
-        <p:nvSpPr>
-          <p:cNvPr id="6" name="TextBox 5">
-            <a:extLst>
-              <a:ext uri="{FF2B5EF4-FFF2-40B4-BE49-F238E27FC236}">
-                <a16:creationId xmlns:a16="http://schemas.microsoft.com/office/drawing/2014/main" id="{451DDE92-3319-4CC1-2DDE-C1468469E682}"/>
+              <a:t>Communications</a:t>
+            </a:r>
+          </a:p>
+        </p:txBody>
+      </p:sp>
+      <p:sp>
+        <p:nvSpPr>
+          <p:cNvPr id="16" name="TextBox 15">
+            <a:extLst>
+              <a:ext uri="{FF2B5EF4-FFF2-40B4-BE49-F238E27FC236}">
+                <a16:creationId xmlns:a16="http://schemas.microsoft.com/office/drawing/2014/main" id="{30E10E44-CFBE-EE41-3E62-E8B437148EA5}"/>
               </a:ext>
             </a:extLst>
           </p:cNvPr>
@@ -16760,8 +17820,8 @@
         </p:nvSpPr>
         <p:spPr>
           <a:xfrm>
-            <a:off x="1306286" y="1611086"/>
-            <a:ext cx="2049407" cy="461665"/>
+            <a:off x="4554952" y="1771354"/>
+            <a:ext cx="3364960" cy="461665"/>
           </a:xfrm>
           <a:prstGeom prst="rect">
             <a:avLst/>
@@ -16780,17 +17840,185 @@
                   <a:schemeClr val="accent4"/>
                 </a:solidFill>
               </a:rPr>
-              <a:t>Each Product</a:t>
-            </a:r>
-          </a:p>
-        </p:txBody>
-      </p:sp>
-      <p:sp>
-        <p:nvSpPr>
-          <p:cNvPr id="7" name="TextBox 6">
-            <a:extLst>
-              <a:ext uri="{FF2B5EF4-FFF2-40B4-BE49-F238E27FC236}">
-                <a16:creationId xmlns:a16="http://schemas.microsoft.com/office/drawing/2014/main" id="{DD153757-876B-66FC-4F54-657C1E44F54C}"/>
+              <a:t>Foundational Products</a:t>
+            </a:r>
+          </a:p>
+        </p:txBody>
+      </p:sp>
+      <p:sp>
+        <p:nvSpPr>
+          <p:cNvPr id="17" name="Rectangle: Rounded Corners 16">
+            <a:extLst>
+              <a:ext uri="{FF2B5EF4-FFF2-40B4-BE49-F238E27FC236}">
+                <a16:creationId xmlns:a16="http://schemas.microsoft.com/office/drawing/2014/main" id="{D552F823-F4CD-9AE7-9C90-8219790D6F06}"/>
+              </a:ext>
+            </a:extLst>
+          </p:cNvPr>
+          <p:cNvSpPr/>
+          <p:nvPr/>
+        </p:nvSpPr>
+        <p:spPr>
+          <a:xfrm>
+            <a:off x="990600" y="4659086"/>
+            <a:ext cx="2394695" cy="1325563"/>
+          </a:xfrm>
+          <a:prstGeom prst="roundRect">
+            <a:avLst/>
+          </a:prstGeom>
+        </p:spPr>
+        <p:style>
+          <a:lnRef idx="2">
+            <a:schemeClr val="accent1">
+              <a:shade val="15000"/>
+            </a:schemeClr>
+          </a:lnRef>
+          <a:fillRef idx="1">
+            <a:schemeClr val="accent1"/>
+          </a:fillRef>
+          <a:effectRef idx="0">
+            <a:schemeClr val="accent1"/>
+          </a:effectRef>
+          <a:fontRef idx="minor">
+            <a:schemeClr val="lt1"/>
+          </a:fontRef>
+        </p:style>
+        <p:txBody>
+          <a:bodyPr rtlCol="0" anchor="ctr"/>
+          <a:lstStyle/>
+          <a:p>
+            <a:pPr algn="ctr"/>
+            <a:r>
+              <a:rPr lang="en-GB" dirty="0"/>
+              <a:t>Robot Car-1</a:t>
+            </a:r>
+          </a:p>
+          <a:p>
+            <a:pPr algn="ctr"/>
+            <a:r>
+              <a:rPr lang="en-GB" dirty="0"/>
+              <a:t>(Sensors)</a:t>
+            </a:r>
+          </a:p>
+        </p:txBody>
+      </p:sp>
+      <p:sp>
+        <p:nvSpPr>
+          <p:cNvPr id="18" name="Rectangle: Rounded Corners 17">
+            <a:extLst>
+              <a:ext uri="{FF2B5EF4-FFF2-40B4-BE49-F238E27FC236}">
+                <a16:creationId xmlns:a16="http://schemas.microsoft.com/office/drawing/2014/main" id="{9D54BE3C-1583-80CA-F3FF-B0BAB7550BAE}"/>
+              </a:ext>
+            </a:extLst>
+          </p:cNvPr>
+          <p:cNvSpPr/>
+          <p:nvPr/>
+        </p:nvSpPr>
+        <p:spPr>
+          <a:xfrm>
+            <a:off x="5040085" y="4659085"/>
+            <a:ext cx="2394695" cy="1325563"/>
+          </a:xfrm>
+          <a:prstGeom prst="roundRect">
+            <a:avLst/>
+          </a:prstGeom>
+        </p:spPr>
+        <p:style>
+          <a:lnRef idx="2">
+            <a:schemeClr val="accent1">
+              <a:shade val="15000"/>
+            </a:schemeClr>
+          </a:lnRef>
+          <a:fillRef idx="1">
+            <a:schemeClr val="accent1"/>
+          </a:fillRef>
+          <a:effectRef idx="0">
+            <a:schemeClr val="accent1"/>
+          </a:effectRef>
+          <a:fontRef idx="minor">
+            <a:schemeClr val="lt1"/>
+          </a:fontRef>
+        </p:style>
+        <p:txBody>
+          <a:bodyPr rtlCol="0" anchor="ctr"/>
+          <a:lstStyle/>
+          <a:p>
+            <a:pPr algn="ctr"/>
+            <a:r>
+              <a:rPr lang="en-GB" dirty="0"/>
+              <a:t>Robot Car-2</a:t>
+            </a:r>
+          </a:p>
+          <a:p>
+            <a:pPr algn="ctr"/>
+            <a:r>
+              <a:rPr lang="en-GB" dirty="0"/>
+              <a:t>(Comms.)</a:t>
+            </a:r>
+          </a:p>
+        </p:txBody>
+      </p:sp>
+      <p:sp>
+        <p:nvSpPr>
+          <p:cNvPr id="19" name="Rectangle: Rounded Corners 18">
+            <a:extLst>
+              <a:ext uri="{FF2B5EF4-FFF2-40B4-BE49-F238E27FC236}">
+                <a16:creationId xmlns:a16="http://schemas.microsoft.com/office/drawing/2014/main" id="{464FDD1D-D2D0-1869-447A-965BD9EF08EE}"/>
+              </a:ext>
+            </a:extLst>
+          </p:cNvPr>
+          <p:cNvSpPr/>
+          <p:nvPr/>
+        </p:nvSpPr>
+        <p:spPr>
+          <a:xfrm>
+            <a:off x="9089571" y="4659084"/>
+            <a:ext cx="2394695" cy="1325563"/>
+          </a:xfrm>
+          <a:prstGeom prst="roundRect">
+            <a:avLst/>
+          </a:prstGeom>
+        </p:spPr>
+        <p:style>
+          <a:lnRef idx="2">
+            <a:schemeClr val="accent1">
+              <a:shade val="15000"/>
+            </a:schemeClr>
+          </a:lnRef>
+          <a:fillRef idx="1">
+            <a:schemeClr val="accent1"/>
+          </a:fillRef>
+          <a:effectRef idx="0">
+            <a:schemeClr val="accent1"/>
+          </a:effectRef>
+          <a:fontRef idx="minor">
+            <a:schemeClr val="lt1"/>
+          </a:fontRef>
+        </p:style>
+        <p:txBody>
+          <a:bodyPr rtlCol="0" anchor="ctr"/>
+          <a:lstStyle/>
+          <a:p>
+            <a:pPr algn="ctr"/>
+            <a:r>
+              <a:rPr lang="en-GB" dirty="0"/>
+              <a:t>Robot Car-3</a:t>
+            </a:r>
+          </a:p>
+          <a:p>
+            <a:pPr algn="ctr"/>
+            <a:r>
+              <a:rPr lang="en-GB" dirty="0"/>
+              <a:t>(Encoders/GPS/IMU)</a:t>
+            </a:r>
+          </a:p>
+        </p:txBody>
+      </p:sp>
+      <p:sp>
+        <p:nvSpPr>
+          <p:cNvPr id="20" name="TextBox 19">
+            <a:extLst>
+              <a:ext uri="{FF2B5EF4-FFF2-40B4-BE49-F238E27FC236}">
+                <a16:creationId xmlns:a16="http://schemas.microsoft.com/office/drawing/2014/main" id="{A8F6366F-1BAC-B243-8F2A-C058DB5A1382}"/>
               </a:ext>
             </a:extLst>
           </p:cNvPr>
@@ -16799,8 +18027,8 @@
         </p:nvSpPr>
         <p:spPr>
           <a:xfrm>
-            <a:off x="1306286" y="5040086"/>
-            <a:ext cx="9579427" cy="1200329"/>
+            <a:off x="4597416" y="4258277"/>
+            <a:ext cx="2997167" cy="461665"/>
           </a:xfrm>
           <a:prstGeom prst="rect">
             <a:avLst/>
@@ -16808,63 +18036,6 @@
           <a:noFill/>
         </p:spPr>
         <p:txBody>
-          <a:bodyPr wrap="square" rtlCol="0">
-            <a:spAutoFit/>
-          </a:bodyPr>
-          <a:lstStyle/>
-          <a:p>
-            <a:pPr marL="285750" indent="-285750">
-              <a:buFont typeface="Arial" panose="020B0604020202020204" pitchFamily="34" charset="0"/>
-              <a:buChar char="•"/>
-            </a:pPr>
-            <a:r>
-              <a:rPr lang="en-GB" sz="2400" dirty="0">
-                <a:solidFill>
-                  <a:schemeClr val="bg1"/>
-                </a:solidFill>
-              </a:rPr>
-              <a:t>Staff would  introduce the lab lesson, give a demo</a:t>
-            </a:r>
-          </a:p>
-          <a:p>
-            <a:pPr marL="285750" indent="-285750">
-              <a:buFont typeface="Arial" panose="020B0604020202020204" pitchFamily="34" charset="0"/>
-              <a:buChar char="•"/>
-            </a:pPr>
-            <a:r>
-              <a:rPr lang="en-GB" sz="2400" dirty="0">
-                <a:solidFill>
-                  <a:schemeClr val="bg1"/>
-                </a:solidFill>
-              </a:rPr>
-              <a:t>Students follow the instructions and conduct the experiment under the supervision of staff</a:t>
-            </a:r>
-          </a:p>
-        </p:txBody>
-      </p:sp>
-      <p:sp>
-        <p:nvSpPr>
-          <p:cNvPr id="8" name="TextBox 7">
-            <a:extLst>
-              <a:ext uri="{FF2B5EF4-FFF2-40B4-BE49-F238E27FC236}">
-                <a16:creationId xmlns:a16="http://schemas.microsoft.com/office/drawing/2014/main" id="{6934A013-C117-7F1E-0175-5DB75C64E7FD}"/>
-              </a:ext>
-            </a:extLst>
-          </p:cNvPr>
-          <p:cNvSpPr txBox="1"/>
-          <p:nvPr/>
-        </p:nvSpPr>
-        <p:spPr>
-          <a:xfrm>
-            <a:off x="1306285" y="4426021"/>
-            <a:ext cx="4050917" cy="461665"/>
-          </a:xfrm>
-          <a:prstGeom prst="rect">
-            <a:avLst/>
-          </a:prstGeom>
-          <a:noFill/>
-        </p:spPr>
-        <p:txBody>
           <a:bodyPr wrap="none" rtlCol="0">
             <a:spAutoFit/>
           </a:bodyPr>
@@ -16873,172 +18044,20 @@
             <a:r>
               <a:rPr lang="en-GB" sz="2400" b="1" dirty="0">
                 <a:solidFill>
-                  <a:schemeClr val="accent5"/>
-                </a:solidFill>
-              </a:rPr>
-              <a:t>Foundational Lessons/Labs</a:t>
-            </a:r>
-          </a:p>
-        </p:txBody>
-      </p:sp>
-      <p:cxnSp>
-        <p:nvCxnSpPr>
-          <p:cNvPr id="10" name="Straight Connector 9">
-            <a:extLst>
-              <a:ext uri="{FF2B5EF4-FFF2-40B4-BE49-F238E27FC236}">
-                <a16:creationId xmlns:a16="http://schemas.microsoft.com/office/drawing/2014/main" id="{3B392A1D-0C28-6B7C-8618-B45E2D67E956}"/>
-              </a:ext>
-            </a:extLst>
-          </p:cNvPr>
-          <p:cNvCxnSpPr/>
-          <p:nvPr/>
-        </p:nvCxnSpPr>
-        <p:spPr>
-          <a:xfrm>
-            <a:off x="1502229" y="4158343"/>
-            <a:ext cx="2188028" cy="0"/>
-          </a:xfrm>
-          <a:prstGeom prst="line">
-            <a:avLst/>
-          </a:prstGeom>
-        </p:spPr>
-        <p:style>
-          <a:lnRef idx="2">
-            <a:schemeClr val="accent1"/>
-          </a:lnRef>
-          <a:fillRef idx="0">
-            <a:schemeClr val="accent1"/>
-          </a:fillRef>
-          <a:effectRef idx="1">
-            <a:schemeClr val="accent1"/>
-          </a:effectRef>
-          <a:fontRef idx="minor">
-            <a:schemeClr val="tx1"/>
-          </a:fontRef>
-        </p:style>
-      </p:cxnSp>
-      <p:cxnSp>
-        <p:nvCxnSpPr>
-          <p:cNvPr id="11" name="Straight Connector 10">
-            <a:extLst>
-              <a:ext uri="{FF2B5EF4-FFF2-40B4-BE49-F238E27FC236}">
-                <a16:creationId xmlns:a16="http://schemas.microsoft.com/office/drawing/2014/main" id="{36108EA4-3FEC-C3B1-52DF-7443ED44E806}"/>
-              </a:ext>
-            </a:extLst>
-          </p:cNvPr>
-          <p:cNvCxnSpPr>
-            <a:cxnSpLocks/>
-          </p:cNvCxnSpPr>
-          <p:nvPr/>
-        </p:nvCxnSpPr>
-        <p:spPr>
-          <a:xfrm>
-            <a:off x="5001986" y="4158343"/>
-            <a:ext cx="5698671" cy="0"/>
-          </a:xfrm>
-          <a:prstGeom prst="line">
-            <a:avLst/>
-          </a:prstGeom>
-        </p:spPr>
-        <p:style>
-          <a:lnRef idx="2">
-            <a:schemeClr val="accent1"/>
-          </a:lnRef>
-          <a:fillRef idx="0">
-            <a:schemeClr val="accent1"/>
-          </a:fillRef>
-          <a:effectRef idx="1">
-            <a:schemeClr val="accent1"/>
-          </a:effectRef>
-          <a:fontRef idx="minor">
-            <a:schemeClr val="tx1"/>
-          </a:fontRef>
-        </p:style>
-      </p:cxnSp>
-      <p:sp>
-        <p:nvSpPr>
-          <p:cNvPr id="13" name="TextBox 12">
-            <a:extLst>
-              <a:ext uri="{FF2B5EF4-FFF2-40B4-BE49-F238E27FC236}">
-                <a16:creationId xmlns:a16="http://schemas.microsoft.com/office/drawing/2014/main" id="{100DC291-77D3-5690-8E44-4EA639DEC611}"/>
-              </a:ext>
-            </a:extLst>
-          </p:cNvPr>
-          <p:cNvSpPr txBox="1"/>
-          <p:nvPr/>
-        </p:nvSpPr>
-        <p:spPr>
-          <a:xfrm>
-            <a:off x="1279750" y="3672673"/>
-            <a:ext cx="2741841" cy="461665"/>
-          </a:xfrm>
-          <a:prstGeom prst="rect">
-            <a:avLst/>
-          </a:prstGeom>
-          <a:noFill/>
-        </p:spPr>
-        <p:txBody>
-          <a:bodyPr wrap="none" rtlCol="0">
-            <a:spAutoFit/>
-          </a:bodyPr>
-          <a:lstStyle/>
-          <a:p>
-            <a:r>
-              <a:rPr lang="en-GB" sz="2400" dirty="0">
-                <a:solidFill>
-                  <a:schemeClr val="accent5"/>
-                </a:solidFill>
-              </a:rPr>
-              <a:t>Staff Responsibility</a:t>
-            </a:r>
-          </a:p>
-        </p:txBody>
-      </p:sp>
-      <p:sp>
-        <p:nvSpPr>
-          <p:cNvPr id="14" name="TextBox 13">
-            <a:extLst>
-              <a:ext uri="{FF2B5EF4-FFF2-40B4-BE49-F238E27FC236}">
-                <a16:creationId xmlns:a16="http://schemas.microsoft.com/office/drawing/2014/main" id="{CACE840E-1B16-607D-F514-9B8DFA7427CF}"/>
-              </a:ext>
-            </a:extLst>
-          </p:cNvPr>
-          <p:cNvSpPr txBox="1"/>
-          <p:nvPr/>
-        </p:nvSpPr>
-        <p:spPr>
-          <a:xfrm>
-            <a:off x="5575954" y="3700865"/>
-            <a:ext cx="4550733" cy="461665"/>
-          </a:xfrm>
-          <a:prstGeom prst="rect">
-            <a:avLst/>
-          </a:prstGeom>
-          <a:noFill/>
-        </p:spPr>
-        <p:txBody>
-          <a:bodyPr wrap="none" rtlCol="0">
-            <a:spAutoFit/>
-          </a:bodyPr>
-          <a:lstStyle/>
-          <a:p>
-            <a:r>
-              <a:rPr lang="en-GB" sz="2400" dirty="0">
-                <a:solidFill>
                   <a:schemeClr val="accent4"/>
                 </a:solidFill>
               </a:rPr>
-              <a:t>Students Initiative/Responsibility</a:t>
+              <a:t>Navigational Robots</a:t>
             </a:r>
           </a:p>
         </p:txBody>
       </p:sp>
       <p:pic>
         <p:nvPicPr>
-          <p:cNvPr id="9" name="Picture 8">
-            <a:extLst>
-              <a:ext uri="{FF2B5EF4-FFF2-40B4-BE49-F238E27FC236}">
-                <a16:creationId xmlns:a16="http://schemas.microsoft.com/office/drawing/2014/main" id="{983B58ED-037C-D57D-E569-A0962C39C22C}"/>
+          <p:cNvPr id="3" name="Picture 2">
+            <a:extLst>
+              <a:ext uri="{FF2B5EF4-FFF2-40B4-BE49-F238E27FC236}">
+                <a16:creationId xmlns:a16="http://schemas.microsoft.com/office/drawing/2014/main" id="{CDA186A8-A322-AA8C-FD33-F56EEE9E237E}"/>
               </a:ext>
             </a:extLst>
           </p:cNvPr>
@@ -17071,10 +18090,10 @@
       </p:pic>
       <p:sp>
         <p:nvSpPr>
-          <p:cNvPr id="12" name="Slide Number Placeholder 11">
-            <a:extLst>
-              <a:ext uri="{FF2B5EF4-FFF2-40B4-BE49-F238E27FC236}">
-                <a16:creationId xmlns:a16="http://schemas.microsoft.com/office/drawing/2014/main" id="{753BCB46-E518-8E5D-6055-B36A009F3205}"/>
+          <p:cNvPr id="4" name="Slide Number Placeholder 3">
+            <a:extLst>
+              <a:ext uri="{FF2B5EF4-FFF2-40B4-BE49-F238E27FC236}">
+                <a16:creationId xmlns:a16="http://schemas.microsoft.com/office/drawing/2014/main" id="{59A237DE-80FE-DBD6-95B7-091DC45E2CEE}"/>
               </a:ext>
             </a:extLst>
           </p:cNvPr>
@@ -17101,7 +18120,7 @@
     </p:spTree>
     <p:extLst>
       <p:ext uri="{BB962C8B-B14F-4D97-AF65-F5344CB8AC3E}">
-        <p14:creationId xmlns:p14="http://schemas.microsoft.com/office/powerpoint/2010/main" val="1489585486"/>
+        <p14:creationId xmlns:p14="http://schemas.microsoft.com/office/powerpoint/2010/main" val="958246070"/>
       </p:ext>
     </p:extLst>
   </p:cSld>
